--- a/Documentation/Presentation.pptx
+++ b/Documentation/Presentation.pptx
@@ -6,6 +6,11 @@
   </p:sldMasterIdLst>
   <p:sldIdLst>
     <p:sldId id="256" r:id="rId2"/>
+    <p:sldId id="257" r:id="rId3"/>
+    <p:sldId id="258" r:id="rId4"/>
+    <p:sldId id="259" r:id="rId5"/>
+    <p:sldId id="260" r:id="rId6"/>
+    <p:sldId id="261" r:id="rId7"/>
   </p:sldIdLst>
   <p:sldSz cx="12192000" cy="6858000"/>
   <p:notesSz cx="6858000" cy="9144000"/>
@@ -104,6 +109,11 @@
       </a:defRPr>
     </a:lvl9pPr>
   </p:defaultTextStyle>
+  <p:extLst>
+    <p:ext uri="{EFAFB233-063F-42B5-8137-9DF3F51BA10A}">
+      <p15:sldGuideLst xmlns:p15="http://schemas.microsoft.com/office/powerpoint/2012/main"/>
+    </p:ext>
+  </p:extLst>
 </p:presentation>
 </file>
 
@@ -5910,6 +5920,432 @@
 </p:sld>
 </file>
 
+<file path=ppt/slides/slide2.xml><?xml version="1.0" encoding="utf-8"?>
+<p:sld xmlns:a="http://schemas.openxmlformats.org/drawingml/2006/main" xmlns:r="http://schemas.openxmlformats.org/officeDocument/2006/relationships" xmlns:p="http://schemas.openxmlformats.org/presentationml/2006/main">
+  <p:cSld>
+    <p:spTree>
+      <p:nvGrpSpPr>
+        <p:cNvPr id="1" name=""/>
+        <p:cNvGrpSpPr/>
+        <p:nvPr/>
+      </p:nvGrpSpPr>
+      <p:grpSpPr>
+        <a:xfrm>
+          <a:off x="0" y="0"/>
+          <a:ext cx="0" cy="0"/>
+          <a:chOff x="0" y="0"/>
+          <a:chExt cx="0" cy="0"/>
+        </a:xfrm>
+      </p:grpSpPr>
+      <p:sp>
+        <p:nvSpPr>
+          <p:cNvPr id="2" name="Title 1">
+            <a:extLst>
+              <a:ext uri="{FF2B5EF4-FFF2-40B4-BE49-F238E27FC236}">
+                <a16:creationId xmlns:a16="http://schemas.microsoft.com/office/drawing/2014/main" id="{7A93AD65-D6AE-2BF3-166B-6A49D6FA8215}"/>
+              </a:ext>
+            </a:extLst>
+          </p:cNvPr>
+          <p:cNvSpPr>
+            <a:spLocks noGrp="1"/>
+          </p:cNvSpPr>
+          <p:nvPr>
+            <p:ph type="title"/>
+          </p:nvPr>
+        </p:nvSpPr>
+        <p:spPr/>
+        <p:txBody>
+          <a:bodyPr/>
+          <a:lstStyle/>
+          <a:p>
+            <a:r>
+              <a:rPr lang="en-US" dirty="0"/>
+              <a:t>The concept</a:t>
+            </a:r>
+            <a:endParaRPr lang="hu-HU" dirty="0"/>
+          </a:p>
+        </p:txBody>
+      </p:sp>
+      <p:sp>
+        <p:nvSpPr>
+          <p:cNvPr id="3" name="Content Placeholder 2">
+            <a:extLst>
+              <a:ext uri="{FF2B5EF4-FFF2-40B4-BE49-F238E27FC236}">
+                <a16:creationId xmlns:a16="http://schemas.microsoft.com/office/drawing/2014/main" id="{BDD42229-4E26-6B3C-C35E-C814E3BA242C}"/>
+              </a:ext>
+            </a:extLst>
+          </p:cNvPr>
+          <p:cNvSpPr>
+            <a:spLocks noGrp="1"/>
+          </p:cNvSpPr>
+          <p:nvPr>
+            <p:ph idx="1"/>
+          </p:nvPr>
+        </p:nvSpPr>
+        <p:spPr/>
+        <p:txBody>
+          <a:bodyPr/>
+          <a:lstStyle/>
+          <a:p>
+            <a:endParaRPr lang="hu-HU"/>
+          </a:p>
+        </p:txBody>
+      </p:sp>
+    </p:spTree>
+    <p:extLst>
+      <p:ext uri="{BB962C8B-B14F-4D97-AF65-F5344CB8AC3E}">
+        <p14:creationId xmlns:p14="http://schemas.microsoft.com/office/powerpoint/2010/main" val="1864184440"/>
+      </p:ext>
+    </p:extLst>
+  </p:cSld>
+  <p:clrMapOvr>
+    <a:masterClrMapping/>
+  </p:clrMapOvr>
+</p:sld>
+</file>
+
+<file path=ppt/slides/slide3.xml><?xml version="1.0" encoding="utf-8"?>
+<p:sld xmlns:a="http://schemas.openxmlformats.org/drawingml/2006/main" xmlns:r="http://schemas.openxmlformats.org/officeDocument/2006/relationships" xmlns:p="http://schemas.openxmlformats.org/presentationml/2006/main">
+  <p:cSld>
+    <p:spTree>
+      <p:nvGrpSpPr>
+        <p:cNvPr id="1" name=""/>
+        <p:cNvGrpSpPr/>
+        <p:nvPr/>
+      </p:nvGrpSpPr>
+      <p:grpSpPr>
+        <a:xfrm>
+          <a:off x="0" y="0"/>
+          <a:ext cx="0" cy="0"/>
+          <a:chOff x="0" y="0"/>
+          <a:chExt cx="0" cy="0"/>
+        </a:xfrm>
+      </p:grpSpPr>
+      <p:sp>
+        <p:nvSpPr>
+          <p:cNvPr id="2" name="Title 1">
+            <a:extLst>
+              <a:ext uri="{FF2B5EF4-FFF2-40B4-BE49-F238E27FC236}">
+                <a16:creationId xmlns:a16="http://schemas.microsoft.com/office/drawing/2014/main" id="{F40BE1B3-9E8F-0142-6BA9-69A05864B6C8}"/>
+              </a:ext>
+            </a:extLst>
+          </p:cNvPr>
+          <p:cNvSpPr>
+            <a:spLocks noGrp="1"/>
+          </p:cNvSpPr>
+          <p:nvPr>
+            <p:ph type="title"/>
+          </p:nvPr>
+        </p:nvSpPr>
+        <p:spPr/>
+        <p:txBody>
+          <a:bodyPr/>
+          <a:lstStyle/>
+          <a:p>
+            <a:r>
+              <a:rPr lang="en-US" dirty="0"/>
+              <a:t>Value for the costumer</a:t>
+            </a:r>
+            <a:endParaRPr lang="hu-HU" dirty="0"/>
+          </a:p>
+        </p:txBody>
+      </p:sp>
+      <p:sp>
+        <p:nvSpPr>
+          <p:cNvPr id="3" name="Content Placeholder 2">
+            <a:extLst>
+              <a:ext uri="{FF2B5EF4-FFF2-40B4-BE49-F238E27FC236}">
+                <a16:creationId xmlns:a16="http://schemas.microsoft.com/office/drawing/2014/main" id="{60C06CFA-770F-B4B8-560E-43538D61BE3D}"/>
+              </a:ext>
+            </a:extLst>
+          </p:cNvPr>
+          <p:cNvSpPr>
+            <a:spLocks noGrp="1"/>
+          </p:cNvSpPr>
+          <p:nvPr>
+            <p:ph idx="1"/>
+          </p:nvPr>
+        </p:nvSpPr>
+        <p:spPr/>
+        <p:txBody>
+          <a:bodyPr/>
+          <a:lstStyle/>
+          <a:p>
+            <a:endParaRPr lang="hu-HU"/>
+          </a:p>
+        </p:txBody>
+      </p:sp>
+    </p:spTree>
+    <p:extLst>
+      <p:ext uri="{BB962C8B-B14F-4D97-AF65-F5344CB8AC3E}">
+        <p14:creationId xmlns:p14="http://schemas.microsoft.com/office/powerpoint/2010/main" val="3036428979"/>
+      </p:ext>
+    </p:extLst>
+  </p:cSld>
+  <p:clrMapOvr>
+    <a:masterClrMapping/>
+  </p:clrMapOvr>
+</p:sld>
+</file>
+
+<file path=ppt/slides/slide4.xml><?xml version="1.0" encoding="utf-8"?>
+<p:sld xmlns:a="http://schemas.openxmlformats.org/drawingml/2006/main" xmlns:r="http://schemas.openxmlformats.org/officeDocument/2006/relationships" xmlns:p="http://schemas.openxmlformats.org/presentationml/2006/main">
+  <p:cSld>
+    <p:spTree>
+      <p:nvGrpSpPr>
+        <p:cNvPr id="1" name=""/>
+        <p:cNvGrpSpPr/>
+        <p:nvPr/>
+      </p:nvGrpSpPr>
+      <p:grpSpPr>
+        <a:xfrm>
+          <a:off x="0" y="0"/>
+          <a:ext cx="0" cy="0"/>
+          <a:chOff x="0" y="0"/>
+          <a:chExt cx="0" cy="0"/>
+        </a:xfrm>
+      </p:grpSpPr>
+      <p:sp>
+        <p:nvSpPr>
+          <p:cNvPr id="2" name="Title 1">
+            <a:extLst>
+              <a:ext uri="{FF2B5EF4-FFF2-40B4-BE49-F238E27FC236}">
+                <a16:creationId xmlns:a16="http://schemas.microsoft.com/office/drawing/2014/main" id="{CA5F9C87-53DC-A256-6079-9859637A6904}"/>
+              </a:ext>
+            </a:extLst>
+          </p:cNvPr>
+          <p:cNvSpPr>
+            <a:spLocks noGrp="1"/>
+          </p:cNvSpPr>
+          <p:nvPr>
+            <p:ph type="title"/>
+          </p:nvPr>
+        </p:nvSpPr>
+        <p:spPr/>
+        <p:txBody>
+          <a:bodyPr/>
+          <a:lstStyle/>
+          <a:p>
+            <a:r>
+              <a:rPr lang="en-US" dirty="0"/>
+              <a:t>The system itself</a:t>
+            </a:r>
+            <a:endParaRPr lang="hu-HU" dirty="0"/>
+          </a:p>
+        </p:txBody>
+      </p:sp>
+      <p:sp>
+        <p:nvSpPr>
+          <p:cNvPr id="3" name="Content Placeholder 2">
+            <a:extLst>
+              <a:ext uri="{FF2B5EF4-FFF2-40B4-BE49-F238E27FC236}">
+                <a16:creationId xmlns:a16="http://schemas.microsoft.com/office/drawing/2014/main" id="{F7853376-CFF6-5181-EB60-1BEF6A6803D4}"/>
+              </a:ext>
+            </a:extLst>
+          </p:cNvPr>
+          <p:cNvSpPr>
+            <a:spLocks noGrp="1"/>
+          </p:cNvSpPr>
+          <p:nvPr>
+            <p:ph idx="1"/>
+          </p:nvPr>
+        </p:nvSpPr>
+        <p:spPr/>
+        <p:txBody>
+          <a:bodyPr/>
+          <a:lstStyle/>
+          <a:p>
+            <a:endParaRPr lang="hu-HU"/>
+          </a:p>
+        </p:txBody>
+      </p:sp>
+    </p:spTree>
+    <p:extLst>
+      <p:ext uri="{BB962C8B-B14F-4D97-AF65-F5344CB8AC3E}">
+        <p14:creationId xmlns:p14="http://schemas.microsoft.com/office/powerpoint/2010/main" val="515944903"/>
+      </p:ext>
+    </p:extLst>
+  </p:cSld>
+  <p:clrMapOvr>
+    <a:masterClrMapping/>
+  </p:clrMapOvr>
+</p:sld>
+</file>
+
+<file path=ppt/slides/slide5.xml><?xml version="1.0" encoding="utf-8"?>
+<p:sld xmlns:a="http://schemas.openxmlformats.org/drawingml/2006/main" xmlns:r="http://schemas.openxmlformats.org/officeDocument/2006/relationships" xmlns:p="http://schemas.openxmlformats.org/presentationml/2006/main">
+  <p:cSld>
+    <p:spTree>
+      <p:nvGrpSpPr>
+        <p:cNvPr id="1" name=""/>
+        <p:cNvGrpSpPr/>
+        <p:nvPr/>
+      </p:nvGrpSpPr>
+      <p:grpSpPr>
+        <a:xfrm>
+          <a:off x="0" y="0"/>
+          <a:ext cx="0" cy="0"/>
+          <a:chOff x="0" y="0"/>
+          <a:chExt cx="0" cy="0"/>
+        </a:xfrm>
+      </p:grpSpPr>
+      <p:sp>
+        <p:nvSpPr>
+          <p:cNvPr id="2" name="Title 1">
+            <a:extLst>
+              <a:ext uri="{FF2B5EF4-FFF2-40B4-BE49-F238E27FC236}">
+                <a16:creationId xmlns:a16="http://schemas.microsoft.com/office/drawing/2014/main" id="{E22B92B4-4A0E-E013-6DF6-EABFC4EC70BA}"/>
+              </a:ext>
+            </a:extLst>
+          </p:cNvPr>
+          <p:cNvSpPr>
+            <a:spLocks noGrp="1"/>
+          </p:cNvSpPr>
+          <p:nvPr>
+            <p:ph type="title"/>
+          </p:nvPr>
+        </p:nvSpPr>
+        <p:spPr/>
+        <p:txBody>
+          <a:bodyPr/>
+          <a:lstStyle/>
+          <a:p>
+            <a:r>
+              <a:rPr lang="en-US" dirty="0"/>
+              <a:t>Usability, expendability</a:t>
+            </a:r>
+            <a:endParaRPr lang="hu-HU" dirty="0"/>
+          </a:p>
+        </p:txBody>
+      </p:sp>
+      <p:sp>
+        <p:nvSpPr>
+          <p:cNvPr id="3" name="Content Placeholder 2">
+            <a:extLst>
+              <a:ext uri="{FF2B5EF4-FFF2-40B4-BE49-F238E27FC236}">
+                <a16:creationId xmlns:a16="http://schemas.microsoft.com/office/drawing/2014/main" id="{D174C221-B6AA-0B1C-11BB-390757021173}"/>
+              </a:ext>
+            </a:extLst>
+          </p:cNvPr>
+          <p:cNvSpPr>
+            <a:spLocks noGrp="1"/>
+          </p:cNvSpPr>
+          <p:nvPr>
+            <p:ph idx="1"/>
+          </p:nvPr>
+        </p:nvSpPr>
+        <p:spPr/>
+        <p:txBody>
+          <a:bodyPr/>
+          <a:lstStyle/>
+          <a:p>
+            <a:endParaRPr lang="hu-HU"/>
+          </a:p>
+        </p:txBody>
+      </p:sp>
+    </p:spTree>
+    <p:extLst>
+      <p:ext uri="{BB962C8B-B14F-4D97-AF65-F5344CB8AC3E}">
+        <p14:creationId xmlns:p14="http://schemas.microsoft.com/office/powerpoint/2010/main" val="19534586"/>
+      </p:ext>
+    </p:extLst>
+  </p:cSld>
+  <p:clrMapOvr>
+    <a:masterClrMapping/>
+  </p:clrMapOvr>
+</p:sld>
+</file>
+
+<file path=ppt/slides/slide6.xml><?xml version="1.0" encoding="utf-8"?>
+<p:sld xmlns:a="http://schemas.openxmlformats.org/drawingml/2006/main" xmlns:r="http://schemas.openxmlformats.org/officeDocument/2006/relationships" xmlns:p="http://schemas.openxmlformats.org/presentationml/2006/main">
+  <p:cSld>
+    <p:spTree>
+      <p:nvGrpSpPr>
+        <p:cNvPr id="1" name=""/>
+        <p:cNvGrpSpPr/>
+        <p:nvPr/>
+      </p:nvGrpSpPr>
+      <p:grpSpPr>
+        <a:xfrm>
+          <a:off x="0" y="0"/>
+          <a:ext cx="0" cy="0"/>
+          <a:chOff x="0" y="0"/>
+          <a:chExt cx="0" cy="0"/>
+        </a:xfrm>
+      </p:grpSpPr>
+      <p:sp>
+        <p:nvSpPr>
+          <p:cNvPr id="2" name="Title 1">
+            <a:extLst>
+              <a:ext uri="{FF2B5EF4-FFF2-40B4-BE49-F238E27FC236}">
+                <a16:creationId xmlns:a16="http://schemas.microsoft.com/office/drawing/2014/main" id="{3090B631-5AA3-B198-ADCE-EC0A6CF51B6E}"/>
+              </a:ext>
+            </a:extLst>
+          </p:cNvPr>
+          <p:cNvSpPr>
+            <a:spLocks noGrp="1"/>
+          </p:cNvSpPr>
+          <p:nvPr>
+            <p:ph type="title"/>
+          </p:nvPr>
+        </p:nvSpPr>
+        <p:spPr/>
+        <p:txBody>
+          <a:bodyPr/>
+          <a:lstStyle/>
+          <a:p>
+            <a:r>
+              <a:rPr lang="en-US" dirty="0"/>
+              <a:t>Costs, savings</a:t>
+            </a:r>
+            <a:endParaRPr lang="hu-HU" dirty="0"/>
+          </a:p>
+        </p:txBody>
+      </p:sp>
+      <p:sp>
+        <p:nvSpPr>
+          <p:cNvPr id="3" name="Content Placeholder 2">
+            <a:extLst>
+              <a:ext uri="{FF2B5EF4-FFF2-40B4-BE49-F238E27FC236}">
+                <a16:creationId xmlns:a16="http://schemas.microsoft.com/office/drawing/2014/main" id="{5D203593-8A9D-8DE1-FBB9-663B0A7C560F}"/>
+              </a:ext>
+            </a:extLst>
+          </p:cNvPr>
+          <p:cNvSpPr>
+            <a:spLocks noGrp="1"/>
+          </p:cNvSpPr>
+          <p:nvPr>
+            <p:ph idx="1"/>
+          </p:nvPr>
+        </p:nvSpPr>
+        <p:spPr/>
+        <p:txBody>
+          <a:bodyPr/>
+          <a:lstStyle/>
+          <a:p>
+            <a:r>
+              <a:rPr lang="en-US" dirty="0"/>
+              <a:t>If you can supply power to the window, the installation is basically free</a:t>
+            </a:r>
+          </a:p>
+          <a:p>
+            <a:endParaRPr lang="hu-HU" dirty="0"/>
+          </a:p>
+        </p:txBody>
+      </p:sp>
+    </p:spTree>
+    <p:extLst>
+      <p:ext uri="{BB962C8B-B14F-4D97-AF65-F5344CB8AC3E}">
+        <p14:creationId xmlns:p14="http://schemas.microsoft.com/office/powerpoint/2010/main" val="3667880200"/>
+      </p:ext>
+    </p:extLst>
+  </p:cSld>
+  <p:clrMapOvr>
+    <a:masterClrMapping/>
+  </p:clrMapOvr>
+</p:sld>
+</file>
+
 <file path=ppt/theme/theme1.xml><?xml version="1.0" encoding="utf-8"?>
 <a:theme xmlns:a="http://schemas.openxmlformats.org/drawingml/2006/main" name="Facet">
   <a:themeElements>

--- a/Documentation/Presentation.pptx
+++ b/Documentation/Presentation.pptx
@@ -6318,7 +6318,12 @@
             <p:ph idx="1"/>
           </p:nvPr>
         </p:nvSpPr>
-        <p:spPr/>
+        <p:spPr>
+          <a:xfrm>
+            <a:off x="243701" y="1642114"/>
+            <a:ext cx="7589973" cy="3880773"/>
+          </a:xfrm>
+        </p:spPr>
         <p:txBody>
           <a:bodyPr/>
           <a:lstStyle/>

--- a/Documentation/Presentation.pptx
+++ b/Documentation/Presentation.pptx
@@ -4,13 +4,18 @@
   <p:sldMasterIdLst>
     <p:sldMasterId id="2147483660" r:id="rId1"/>
   </p:sldMasterIdLst>
+  <p:notesMasterIdLst>
+    <p:notesMasterId r:id="rId10"/>
+  </p:notesMasterIdLst>
   <p:sldIdLst>
     <p:sldId id="256" r:id="rId2"/>
     <p:sldId id="257" r:id="rId3"/>
-    <p:sldId id="258" r:id="rId4"/>
+    <p:sldId id="262" r:id="rId4"/>
     <p:sldId id="259" r:id="rId5"/>
-    <p:sldId id="260" r:id="rId6"/>
-    <p:sldId id="261" r:id="rId7"/>
+    <p:sldId id="264" r:id="rId6"/>
+    <p:sldId id="263" r:id="rId7"/>
+    <p:sldId id="261" r:id="rId8"/>
+    <p:sldId id="260" r:id="rId9"/>
   </p:sldIdLst>
   <p:sldSz cx="12192000" cy="6858000"/>
   <p:notesSz cx="6858000" cy="9144000"/>
@@ -115,6 +120,440 @@
     </p:ext>
   </p:extLst>
 </p:presentation>
+</file>
+
+<file path=ppt/notesMasters/notesMaster1.xml><?xml version="1.0" encoding="utf-8"?>
+<p:notesMaster xmlns:a="http://schemas.openxmlformats.org/drawingml/2006/main" xmlns:r="http://schemas.openxmlformats.org/officeDocument/2006/relationships" xmlns:p="http://schemas.openxmlformats.org/presentationml/2006/main">
+  <p:cSld>
+    <p:bg>
+      <p:bgRef idx="1001">
+        <a:schemeClr val="bg1"/>
+      </p:bgRef>
+    </p:bg>
+    <p:spTree>
+      <p:nvGrpSpPr>
+        <p:cNvPr id="1" name=""/>
+        <p:cNvGrpSpPr/>
+        <p:nvPr/>
+      </p:nvGrpSpPr>
+      <p:grpSpPr>
+        <a:xfrm>
+          <a:off x="0" y="0"/>
+          <a:ext cx="0" cy="0"/>
+          <a:chOff x="0" y="0"/>
+          <a:chExt cx="0" cy="0"/>
+        </a:xfrm>
+      </p:grpSpPr>
+      <p:sp>
+        <p:nvSpPr>
+          <p:cNvPr id="2" name="Header Placeholder 1"/>
+          <p:cNvSpPr>
+            <a:spLocks noGrp="1"/>
+          </p:cNvSpPr>
+          <p:nvPr>
+            <p:ph type="hdr" sz="quarter"/>
+          </p:nvPr>
+        </p:nvSpPr>
+        <p:spPr>
+          <a:xfrm>
+            <a:off x="0" y="0"/>
+            <a:ext cx="2971800" cy="458788"/>
+          </a:xfrm>
+          <a:prstGeom prst="rect">
+            <a:avLst/>
+          </a:prstGeom>
+        </p:spPr>
+        <p:txBody>
+          <a:bodyPr vert="horz" lIns="91440" tIns="45720" rIns="91440" bIns="45720" rtlCol="0"/>
+          <a:lstStyle>
+            <a:lvl1pPr algn="l">
+              <a:defRPr sz="1200"/>
+            </a:lvl1pPr>
+          </a:lstStyle>
+          <a:p>
+            <a:endParaRPr lang="hu-HU"/>
+          </a:p>
+        </p:txBody>
+      </p:sp>
+      <p:sp>
+        <p:nvSpPr>
+          <p:cNvPr id="3" name="Date Placeholder 2"/>
+          <p:cNvSpPr>
+            <a:spLocks noGrp="1"/>
+          </p:cNvSpPr>
+          <p:nvPr>
+            <p:ph type="dt" idx="1"/>
+          </p:nvPr>
+        </p:nvSpPr>
+        <p:spPr>
+          <a:xfrm>
+            <a:off x="3884613" y="0"/>
+            <a:ext cx="2971800" cy="458788"/>
+          </a:xfrm>
+          <a:prstGeom prst="rect">
+            <a:avLst/>
+          </a:prstGeom>
+        </p:spPr>
+        <p:txBody>
+          <a:bodyPr vert="horz" lIns="91440" tIns="45720" rIns="91440" bIns="45720" rtlCol="0"/>
+          <a:lstStyle>
+            <a:lvl1pPr algn="r">
+              <a:defRPr sz="1200"/>
+            </a:lvl1pPr>
+          </a:lstStyle>
+          <a:p>
+            <a:fld id="{BF1B76EA-D317-40A9-BF46-7ACCD848D44D}" type="datetimeFigureOut">
+              <a:rPr lang="hu-HU" smtClean="0"/>
+              <a:t>2022. 10. 01.</a:t>
+            </a:fld>
+            <a:endParaRPr lang="hu-HU"/>
+          </a:p>
+        </p:txBody>
+      </p:sp>
+      <p:sp>
+        <p:nvSpPr>
+          <p:cNvPr id="4" name="Slide Image Placeholder 3"/>
+          <p:cNvSpPr>
+            <a:spLocks noGrp="1" noRot="1" noChangeAspect="1"/>
+          </p:cNvSpPr>
+          <p:nvPr>
+            <p:ph type="sldImg" idx="2"/>
+          </p:nvPr>
+        </p:nvSpPr>
+        <p:spPr>
+          <a:xfrm>
+            <a:off x="685800" y="1143000"/>
+            <a:ext cx="5486400" cy="3086100"/>
+          </a:xfrm>
+          <a:prstGeom prst="rect">
+            <a:avLst/>
+          </a:prstGeom>
+          <a:noFill/>
+          <a:ln w="12700">
+            <a:solidFill>
+              <a:prstClr val="black"/>
+            </a:solidFill>
+          </a:ln>
+        </p:spPr>
+        <p:txBody>
+          <a:bodyPr vert="horz" lIns="91440" tIns="45720" rIns="91440" bIns="45720" rtlCol="0" anchor="ctr"/>
+          <a:lstStyle/>
+          <a:p>
+            <a:endParaRPr lang="hu-HU"/>
+          </a:p>
+        </p:txBody>
+      </p:sp>
+      <p:sp>
+        <p:nvSpPr>
+          <p:cNvPr id="5" name="Notes Placeholder 4"/>
+          <p:cNvSpPr>
+            <a:spLocks noGrp="1"/>
+          </p:cNvSpPr>
+          <p:nvPr>
+            <p:ph type="body" sz="quarter" idx="3"/>
+          </p:nvPr>
+        </p:nvSpPr>
+        <p:spPr>
+          <a:xfrm>
+            <a:off x="685800" y="4400550"/>
+            <a:ext cx="5486400" cy="3600450"/>
+          </a:xfrm>
+          <a:prstGeom prst="rect">
+            <a:avLst/>
+          </a:prstGeom>
+        </p:spPr>
+        <p:txBody>
+          <a:bodyPr vert="horz" lIns="91440" tIns="45720" rIns="91440" bIns="45720" rtlCol="0"/>
+          <a:lstStyle/>
+          <a:p>
+            <a:pPr lvl="0"/>
+            <a:r>
+              <a:rPr lang="en-US"/>
+              <a:t>Click to edit Master text styles</a:t>
+            </a:r>
+          </a:p>
+          <a:p>
+            <a:pPr lvl="1"/>
+            <a:r>
+              <a:rPr lang="en-US"/>
+              <a:t>Second level</a:t>
+            </a:r>
+          </a:p>
+          <a:p>
+            <a:pPr lvl="2"/>
+            <a:r>
+              <a:rPr lang="en-US"/>
+              <a:t>Third level</a:t>
+            </a:r>
+          </a:p>
+          <a:p>
+            <a:pPr lvl="3"/>
+            <a:r>
+              <a:rPr lang="en-US"/>
+              <a:t>Fourth level</a:t>
+            </a:r>
+          </a:p>
+          <a:p>
+            <a:pPr lvl="4"/>
+            <a:r>
+              <a:rPr lang="en-US"/>
+              <a:t>Fifth level</a:t>
+            </a:r>
+            <a:endParaRPr lang="hu-HU"/>
+          </a:p>
+        </p:txBody>
+      </p:sp>
+      <p:sp>
+        <p:nvSpPr>
+          <p:cNvPr id="6" name="Footer Placeholder 5"/>
+          <p:cNvSpPr>
+            <a:spLocks noGrp="1"/>
+          </p:cNvSpPr>
+          <p:nvPr>
+            <p:ph type="ftr" sz="quarter" idx="4"/>
+          </p:nvPr>
+        </p:nvSpPr>
+        <p:spPr>
+          <a:xfrm>
+            <a:off x="0" y="8685213"/>
+            <a:ext cx="2971800" cy="458787"/>
+          </a:xfrm>
+          <a:prstGeom prst="rect">
+            <a:avLst/>
+          </a:prstGeom>
+        </p:spPr>
+        <p:txBody>
+          <a:bodyPr vert="horz" lIns="91440" tIns="45720" rIns="91440" bIns="45720" rtlCol="0" anchor="b"/>
+          <a:lstStyle>
+            <a:lvl1pPr algn="l">
+              <a:defRPr sz="1200"/>
+            </a:lvl1pPr>
+          </a:lstStyle>
+          <a:p>
+            <a:endParaRPr lang="hu-HU"/>
+          </a:p>
+        </p:txBody>
+      </p:sp>
+      <p:sp>
+        <p:nvSpPr>
+          <p:cNvPr id="7" name="Slide Number Placeholder 6"/>
+          <p:cNvSpPr>
+            <a:spLocks noGrp="1"/>
+          </p:cNvSpPr>
+          <p:nvPr>
+            <p:ph type="sldNum" sz="quarter" idx="5"/>
+          </p:nvPr>
+        </p:nvSpPr>
+        <p:spPr>
+          <a:xfrm>
+            <a:off x="3884613" y="8685213"/>
+            <a:ext cx="2971800" cy="458787"/>
+          </a:xfrm>
+          <a:prstGeom prst="rect">
+            <a:avLst/>
+          </a:prstGeom>
+        </p:spPr>
+        <p:txBody>
+          <a:bodyPr vert="horz" lIns="91440" tIns="45720" rIns="91440" bIns="45720" rtlCol="0" anchor="b"/>
+          <a:lstStyle>
+            <a:lvl1pPr algn="r">
+              <a:defRPr sz="1200"/>
+            </a:lvl1pPr>
+          </a:lstStyle>
+          <a:p>
+            <a:fld id="{783DB49C-213E-4519-888C-660002BDAFBD}" type="slidenum">
+              <a:rPr lang="hu-HU" smtClean="0"/>
+              <a:t>‹#›</a:t>
+            </a:fld>
+            <a:endParaRPr lang="hu-HU"/>
+          </a:p>
+        </p:txBody>
+      </p:sp>
+    </p:spTree>
+    <p:extLst>
+      <p:ext uri="{BB962C8B-B14F-4D97-AF65-F5344CB8AC3E}">
+        <p14:creationId xmlns:p14="http://schemas.microsoft.com/office/powerpoint/2010/main" val="3377026078"/>
+      </p:ext>
+    </p:extLst>
+  </p:cSld>
+  <p:clrMap bg1="lt1" tx1="dk1" bg2="lt2" tx2="dk2" accent1="accent1" accent2="accent2" accent3="accent3" accent4="accent4" accent5="accent5" accent6="accent6" hlink="hlink" folHlink="folHlink"/>
+  <p:notesStyle>
+    <a:lvl1pPr marL="0" algn="l" defTabSz="914400" rtl="0" eaLnBrk="1" latinLnBrk="0" hangingPunct="1">
+      <a:defRPr sz="1200" kern="1200">
+        <a:solidFill>
+          <a:schemeClr val="tx1"/>
+        </a:solidFill>
+        <a:latin typeface="+mn-lt"/>
+        <a:ea typeface="+mn-ea"/>
+        <a:cs typeface="+mn-cs"/>
+      </a:defRPr>
+    </a:lvl1pPr>
+    <a:lvl2pPr marL="457200" algn="l" defTabSz="914400" rtl="0" eaLnBrk="1" latinLnBrk="0" hangingPunct="1">
+      <a:defRPr sz="1200" kern="1200">
+        <a:solidFill>
+          <a:schemeClr val="tx1"/>
+        </a:solidFill>
+        <a:latin typeface="+mn-lt"/>
+        <a:ea typeface="+mn-ea"/>
+        <a:cs typeface="+mn-cs"/>
+      </a:defRPr>
+    </a:lvl2pPr>
+    <a:lvl3pPr marL="914400" algn="l" defTabSz="914400" rtl="0" eaLnBrk="1" latinLnBrk="0" hangingPunct="1">
+      <a:defRPr sz="1200" kern="1200">
+        <a:solidFill>
+          <a:schemeClr val="tx1"/>
+        </a:solidFill>
+        <a:latin typeface="+mn-lt"/>
+        <a:ea typeface="+mn-ea"/>
+        <a:cs typeface="+mn-cs"/>
+      </a:defRPr>
+    </a:lvl3pPr>
+    <a:lvl4pPr marL="1371600" algn="l" defTabSz="914400" rtl="0" eaLnBrk="1" latinLnBrk="0" hangingPunct="1">
+      <a:defRPr sz="1200" kern="1200">
+        <a:solidFill>
+          <a:schemeClr val="tx1"/>
+        </a:solidFill>
+        <a:latin typeface="+mn-lt"/>
+        <a:ea typeface="+mn-ea"/>
+        <a:cs typeface="+mn-cs"/>
+      </a:defRPr>
+    </a:lvl4pPr>
+    <a:lvl5pPr marL="1828800" algn="l" defTabSz="914400" rtl="0" eaLnBrk="1" latinLnBrk="0" hangingPunct="1">
+      <a:defRPr sz="1200" kern="1200">
+        <a:solidFill>
+          <a:schemeClr val="tx1"/>
+        </a:solidFill>
+        <a:latin typeface="+mn-lt"/>
+        <a:ea typeface="+mn-ea"/>
+        <a:cs typeface="+mn-cs"/>
+      </a:defRPr>
+    </a:lvl5pPr>
+    <a:lvl6pPr marL="2286000" algn="l" defTabSz="914400" rtl="0" eaLnBrk="1" latinLnBrk="0" hangingPunct="1">
+      <a:defRPr sz="1200" kern="1200">
+        <a:solidFill>
+          <a:schemeClr val="tx1"/>
+        </a:solidFill>
+        <a:latin typeface="+mn-lt"/>
+        <a:ea typeface="+mn-ea"/>
+        <a:cs typeface="+mn-cs"/>
+      </a:defRPr>
+    </a:lvl6pPr>
+    <a:lvl7pPr marL="2743200" algn="l" defTabSz="914400" rtl="0" eaLnBrk="1" latinLnBrk="0" hangingPunct="1">
+      <a:defRPr sz="1200" kern="1200">
+        <a:solidFill>
+          <a:schemeClr val="tx1"/>
+        </a:solidFill>
+        <a:latin typeface="+mn-lt"/>
+        <a:ea typeface="+mn-ea"/>
+        <a:cs typeface="+mn-cs"/>
+      </a:defRPr>
+    </a:lvl7pPr>
+    <a:lvl8pPr marL="3200400" algn="l" defTabSz="914400" rtl="0" eaLnBrk="1" latinLnBrk="0" hangingPunct="1">
+      <a:defRPr sz="1200" kern="1200">
+        <a:solidFill>
+          <a:schemeClr val="tx1"/>
+        </a:solidFill>
+        <a:latin typeface="+mn-lt"/>
+        <a:ea typeface="+mn-ea"/>
+        <a:cs typeface="+mn-cs"/>
+      </a:defRPr>
+    </a:lvl8pPr>
+    <a:lvl9pPr marL="3657600" algn="l" defTabSz="914400" rtl="0" eaLnBrk="1" latinLnBrk="0" hangingPunct="1">
+      <a:defRPr sz="1200" kern="1200">
+        <a:solidFill>
+          <a:schemeClr val="tx1"/>
+        </a:solidFill>
+        <a:latin typeface="+mn-lt"/>
+        <a:ea typeface="+mn-ea"/>
+        <a:cs typeface="+mn-cs"/>
+      </a:defRPr>
+    </a:lvl9pPr>
+  </p:notesStyle>
+</p:notesMaster>
+</file>
+
+<file path=ppt/notesSlides/notesSlide1.xml><?xml version="1.0" encoding="utf-8"?>
+<p:notes xmlns:a="http://schemas.openxmlformats.org/drawingml/2006/main" xmlns:r="http://schemas.openxmlformats.org/officeDocument/2006/relationships" xmlns:p="http://schemas.openxmlformats.org/presentationml/2006/main">
+  <p:cSld>
+    <p:spTree>
+      <p:nvGrpSpPr>
+        <p:cNvPr id="1" name=""/>
+        <p:cNvGrpSpPr/>
+        <p:nvPr/>
+      </p:nvGrpSpPr>
+      <p:grpSpPr>
+        <a:xfrm>
+          <a:off x="0" y="0"/>
+          <a:ext cx="0" cy="0"/>
+          <a:chOff x="0" y="0"/>
+          <a:chExt cx="0" cy="0"/>
+        </a:xfrm>
+      </p:grpSpPr>
+      <p:sp>
+        <p:nvSpPr>
+          <p:cNvPr id="2" name="Slide Image Placeholder 1"/>
+          <p:cNvSpPr>
+            <a:spLocks noGrp="1" noRot="1" noChangeAspect="1"/>
+          </p:cNvSpPr>
+          <p:nvPr>
+            <p:ph type="sldImg"/>
+          </p:nvPr>
+        </p:nvSpPr>
+        <p:spPr/>
+      </p:sp>
+      <p:sp>
+        <p:nvSpPr>
+          <p:cNvPr id="3" name="Notes Placeholder 2"/>
+          <p:cNvSpPr>
+            <a:spLocks noGrp="1"/>
+          </p:cNvSpPr>
+          <p:nvPr>
+            <p:ph type="body" idx="1"/>
+          </p:nvPr>
+        </p:nvSpPr>
+        <p:spPr/>
+        <p:txBody>
+          <a:bodyPr/>
+          <a:lstStyle/>
+          <a:p>
+            <a:endParaRPr lang="hu-HU" dirty="0"/>
+          </a:p>
+        </p:txBody>
+      </p:sp>
+      <p:sp>
+        <p:nvSpPr>
+          <p:cNvPr id="4" name="Slide Number Placeholder 3"/>
+          <p:cNvSpPr>
+            <a:spLocks noGrp="1"/>
+          </p:cNvSpPr>
+          <p:nvPr>
+            <p:ph type="sldNum" sz="quarter" idx="5"/>
+          </p:nvPr>
+        </p:nvSpPr>
+        <p:spPr/>
+        <p:txBody>
+          <a:bodyPr/>
+          <a:lstStyle/>
+          <a:p>
+            <a:fld id="{783DB49C-213E-4519-888C-660002BDAFBD}" type="slidenum">
+              <a:rPr lang="hu-HU" smtClean="0"/>
+              <a:t>3</a:t>
+            </a:fld>
+            <a:endParaRPr lang="hu-HU"/>
+          </a:p>
+        </p:txBody>
+      </p:sp>
+    </p:spTree>
+    <p:extLst>
+      <p:ext uri="{BB962C8B-B14F-4D97-AF65-F5344CB8AC3E}">
+        <p14:creationId xmlns:p14="http://schemas.microsoft.com/office/powerpoint/2010/main" val="4011640435"/>
+      </p:ext>
+    </p:extLst>
+  </p:cSld>
+  <p:clrMapOvr>
+    <a:masterClrMapping/>
+  </p:clrMapOvr>
+</p:notes>
 </file>
 
 <file path=ppt/slideLayouts/slideLayout1.xml><?xml version="1.0" encoding="utf-8"?>
@@ -5982,12 +6421,83 @@
             <p:ph idx="1"/>
           </p:nvPr>
         </p:nvSpPr>
-        <p:spPr/>
-        <p:txBody>
-          <a:bodyPr/>
+        <p:spPr>
+          <a:xfrm>
+            <a:off x="677334" y="1791093"/>
+            <a:ext cx="8596668" cy="4250269"/>
+          </a:xfrm>
+        </p:spPr>
+        <p:txBody>
+          <a:bodyPr>
+            <a:normAutofit/>
+          </a:bodyPr>
           <a:lstStyle/>
           <a:p>
-            <a:endParaRPr lang="hu-HU"/>
+            <a:r>
+              <a:rPr lang="en-US" dirty="0"/>
+              <a:t>We aim to automate opening and closing your window in order to ventilate your room more efficiently</a:t>
+            </a:r>
+          </a:p>
+          <a:p>
+            <a:pPr lvl="1"/>
+            <a:r>
+              <a:rPr lang="en-US" dirty="0"/>
+              <a:t>With a smart, scalable, multi-purpose and cost-effective solution</a:t>
+            </a:r>
+          </a:p>
+          <a:p>
+            <a:r>
+              <a:rPr lang="en-US" dirty="0"/>
+              <a:t>When you leave the window open for too long, it wastes a lot of energy</a:t>
+            </a:r>
+          </a:p>
+          <a:p>
+            <a:r>
+              <a:rPr lang="en-US" dirty="0"/>
+              <a:t>Having electrically controllable windows is very fun, but our automation also pays for itself after a while</a:t>
+            </a:r>
+          </a:p>
+          <a:p>
+            <a:r>
+              <a:rPr lang="en-US" dirty="0"/>
+              <a:t>Automated decision with multiple input parameters</a:t>
+            </a:r>
+          </a:p>
+          <a:p>
+            <a:pPr lvl="1"/>
+            <a:r>
+              <a:rPr lang="en-US" dirty="0"/>
+              <a:t>Temperature in the room</a:t>
+            </a:r>
+          </a:p>
+          <a:p>
+            <a:pPr lvl="1"/>
+            <a:r>
+              <a:rPr lang="en-US" dirty="0"/>
+              <a:t>Air quality in the room</a:t>
+            </a:r>
+          </a:p>
+          <a:p>
+            <a:pPr lvl="1"/>
+            <a:r>
+              <a:rPr lang="en-US" dirty="0"/>
+              <a:t>Desired temperature (set by the user or got from an already smart system)</a:t>
+            </a:r>
+          </a:p>
+          <a:p>
+            <a:pPr lvl="1"/>
+            <a:r>
+              <a:rPr lang="en-US" dirty="0"/>
+              <a:t>Outside weather (through </a:t>
+            </a:r>
+            <a:r>
+              <a:rPr lang="en-US" dirty="0" err="1"/>
+              <a:t>WiFi</a:t>
+            </a:r>
+            <a:r>
+              <a:rPr lang="en-US" dirty="0"/>
+              <a:t>)</a:t>
+            </a:r>
           </a:p>
         </p:txBody>
       </p:sp>
@@ -6007,6 +6517,14 @@
 <file path=ppt/slides/slide3.xml><?xml version="1.0" encoding="utf-8"?>
 <p:sld xmlns:a="http://schemas.openxmlformats.org/drawingml/2006/main" xmlns:r="http://schemas.openxmlformats.org/officeDocument/2006/relationships" xmlns:p="http://schemas.openxmlformats.org/presentationml/2006/main">
   <p:cSld>
+    <p:bg>
+      <p:bgPr>
+        <a:solidFill>
+          <a:schemeClr val="bg1"/>
+        </a:solidFill>
+        <a:effectLst/>
+      </p:bgPr>
+    </p:bg>
     <p:spTree>
       <p:nvGrpSpPr>
         <p:cNvPr id="1" name=""/>
@@ -6021,64 +6539,744 @@
           <a:chExt cx="0" cy="0"/>
         </a:xfrm>
       </p:grpSpPr>
-      <p:sp>
-        <p:nvSpPr>
-          <p:cNvPr id="2" name="Title 1">
+      <p:grpSp>
+        <p:nvGrpSpPr>
+          <p:cNvPr id="25" name="Group 24">
             <a:extLst>
               <a:ext uri="{FF2B5EF4-FFF2-40B4-BE49-F238E27FC236}">
-                <a16:creationId xmlns:a16="http://schemas.microsoft.com/office/drawing/2014/main" id="{F40BE1B3-9E8F-0142-6BA9-69A05864B6C8}"/>
+                <a16:creationId xmlns:a16="http://schemas.microsoft.com/office/drawing/2014/main" id="{A4D026A2-7476-44B0-9648-BB98882F7BA3}"/>
+              </a:ext>
+              <a:ext uri="{C183D7F6-B498-43B3-948B-1728B52AA6E4}">
+                <adec:decorative xmlns:adec="http://schemas.microsoft.com/office/drawing/2017/decorative" val="1"/>
               </a:ext>
             </a:extLst>
           </p:cNvPr>
-          <p:cNvSpPr>
-            <a:spLocks noGrp="1"/>
-          </p:cNvSpPr>
-          <p:nvPr>
-            <p:ph type="title"/>
-          </p:nvPr>
-        </p:nvSpPr>
-        <p:spPr/>
-        <p:txBody>
-          <a:bodyPr/>
-          <a:lstStyle/>
-          <a:p>
-            <a:r>
-              <a:rPr lang="en-US" dirty="0"/>
-              <a:t>Value for the costumer</a:t>
-            </a:r>
-            <a:endParaRPr lang="hu-HU" dirty="0"/>
-          </a:p>
-        </p:txBody>
-      </p:sp>
-      <p:sp>
-        <p:nvSpPr>
-          <p:cNvPr id="3" name="Content Placeholder 2">
+          <p:cNvGrpSpPr>
+            <a:grpSpLocks noGrp="1" noUngrp="1" noRot="1" noChangeAspect="1" noMove="1" noResize="1"/>
+          </p:cNvGrpSpPr>
+          <p:nvPr>
+            <p:extLst>
+              <p:ext uri="{386F3935-93C4-4BCD-93E2-E3B085C9AB24}">
+                <p16:designElem xmlns:p16="http://schemas.microsoft.com/office/powerpoint/2015/main" val="1"/>
+              </p:ext>
+            </p:extLst>
+          </p:nvPr>
+        </p:nvGrpSpPr>
+        <p:grpSpPr>
+          <a:xfrm>
+            <a:off x="0" y="-8467"/>
+            <a:ext cx="12192000" cy="6866467"/>
+            <a:chOff x="0" y="-8467"/>
+            <a:chExt cx="12192000" cy="6866467"/>
+          </a:xfrm>
+        </p:grpSpPr>
+        <p:cxnSp>
+          <p:nvCxnSpPr>
+            <p:cNvPr id="26" name="Straight Connector 25">
+              <a:extLst>
+                <a:ext uri="{FF2B5EF4-FFF2-40B4-BE49-F238E27FC236}">
+                  <a16:creationId xmlns:a16="http://schemas.microsoft.com/office/drawing/2014/main" id="{48F8FC21-0A44-4045-95A1-B7935DBC603D}"/>
+                </a:ext>
+                <a:ext uri="{C183D7F6-B498-43B3-948B-1728B52AA6E4}">
+                  <adec:decorative xmlns:adec="http://schemas.microsoft.com/office/drawing/2017/decorative" val="1"/>
+                </a:ext>
+              </a:extLst>
+            </p:cNvPr>
+            <p:cNvCxnSpPr/>
+            <p:nvPr>
+              <p:extLst>
+                <p:ext uri="{386F3935-93C4-4BCD-93E2-E3B085C9AB24}">
+                  <p16:designElem xmlns:p16="http://schemas.microsoft.com/office/powerpoint/2015/main" val="1"/>
+                </p:ext>
+              </p:extLst>
+            </p:nvPr>
+          </p:nvCxnSpPr>
+          <p:spPr>
+            <a:xfrm>
+              <a:off x="9371012" y="0"/>
+              <a:ext cx="1219200" cy="6858000"/>
+            </a:xfrm>
+            <a:prstGeom prst="line">
+              <a:avLst/>
+            </a:prstGeom>
+            <a:ln w="9525">
+              <a:solidFill>
+                <a:schemeClr val="accent1">
+                  <a:alpha val="70000"/>
+                </a:schemeClr>
+              </a:solidFill>
+            </a:ln>
+          </p:spPr>
+          <p:style>
+            <a:lnRef idx="2">
+              <a:schemeClr val="accent1"/>
+            </a:lnRef>
+            <a:fillRef idx="0">
+              <a:schemeClr val="accent1"/>
+            </a:fillRef>
+            <a:effectRef idx="1">
+              <a:schemeClr val="accent1"/>
+            </a:effectRef>
+            <a:fontRef idx="minor">
+              <a:schemeClr val="tx1"/>
+            </a:fontRef>
+          </p:style>
+        </p:cxnSp>
+        <p:cxnSp>
+          <p:nvCxnSpPr>
+            <p:cNvPr id="27" name="Straight Connector 26">
+              <a:extLst>
+                <a:ext uri="{FF2B5EF4-FFF2-40B4-BE49-F238E27FC236}">
+                  <a16:creationId xmlns:a16="http://schemas.microsoft.com/office/drawing/2014/main" id="{0209B962-CD29-4D46-A7B0-10F6C7CF1C0F}"/>
+                </a:ext>
+                <a:ext uri="{C183D7F6-B498-43B3-948B-1728B52AA6E4}">
+                  <adec:decorative xmlns:adec="http://schemas.microsoft.com/office/drawing/2017/decorative" val="1"/>
+                </a:ext>
+              </a:extLst>
+            </p:cNvPr>
+            <p:cNvCxnSpPr/>
+            <p:nvPr>
+              <p:extLst>
+                <p:ext uri="{386F3935-93C4-4BCD-93E2-E3B085C9AB24}">
+                  <p16:designElem xmlns:p16="http://schemas.microsoft.com/office/powerpoint/2015/main" val="1"/>
+                </p:ext>
+              </p:extLst>
+            </p:nvPr>
+          </p:nvCxnSpPr>
+          <p:spPr>
+            <a:xfrm flipH="1">
+              <a:off x="7425267" y="3681413"/>
+              <a:ext cx="4763558" cy="3176587"/>
+            </a:xfrm>
+            <a:prstGeom prst="line">
+              <a:avLst/>
+            </a:prstGeom>
+            <a:ln w="9525">
+              <a:solidFill>
+                <a:schemeClr val="accent1">
+                  <a:alpha val="70000"/>
+                </a:schemeClr>
+              </a:solidFill>
+            </a:ln>
+          </p:spPr>
+          <p:style>
+            <a:lnRef idx="2">
+              <a:schemeClr val="accent1"/>
+            </a:lnRef>
+            <a:fillRef idx="0">
+              <a:schemeClr val="accent1"/>
+            </a:fillRef>
+            <a:effectRef idx="1">
+              <a:schemeClr val="accent1"/>
+            </a:effectRef>
+            <a:fontRef idx="minor">
+              <a:schemeClr val="tx1"/>
+            </a:fontRef>
+          </p:style>
+        </p:cxnSp>
+        <p:sp>
+          <p:nvSpPr>
+            <p:cNvPr id="28" name="Rectangle 23">
+              <a:extLst>
+                <a:ext uri="{FF2B5EF4-FFF2-40B4-BE49-F238E27FC236}">
+                  <a16:creationId xmlns:a16="http://schemas.microsoft.com/office/drawing/2014/main" id="{CC8D40CF-4D47-411D-A8B7-0E4B29E9832B}"/>
+                </a:ext>
+                <a:ext uri="{C183D7F6-B498-43B3-948B-1728B52AA6E4}">
+                  <adec:decorative xmlns:adec="http://schemas.microsoft.com/office/drawing/2017/decorative" val="1"/>
+                </a:ext>
+              </a:extLst>
+            </p:cNvPr>
+            <p:cNvSpPr/>
+            <p:nvPr>
+              <p:extLst>
+                <p:ext uri="{386F3935-93C4-4BCD-93E2-E3B085C9AB24}">
+                  <p16:designElem xmlns:p16="http://schemas.microsoft.com/office/powerpoint/2015/main" val="1"/>
+                </p:ext>
+              </p:extLst>
+            </p:nvPr>
+          </p:nvSpPr>
+          <p:spPr>
+            <a:xfrm>
+              <a:off x="9181476" y="-8467"/>
+              <a:ext cx="3007349" cy="6866467"/>
+            </a:xfrm>
+            <a:custGeom>
+              <a:avLst/>
+              <a:gdLst/>
+              <a:ahLst/>
+              <a:cxnLst/>
+              <a:rect l="l" t="t" r="r" b="b"/>
+              <a:pathLst>
+                <a:path w="3007349" h="6866467">
+                  <a:moveTo>
+                    <a:pt x="2045532" y="0"/>
+                  </a:moveTo>
+                  <a:lnTo>
+                    <a:pt x="3007349" y="0"/>
+                  </a:lnTo>
+                  <a:lnTo>
+                    <a:pt x="3007349" y="6866467"/>
+                  </a:lnTo>
+                  <a:lnTo>
+                    <a:pt x="0" y="6866467"/>
+                  </a:lnTo>
+                  <a:lnTo>
+                    <a:pt x="2045532" y="0"/>
+                  </a:lnTo>
+                  <a:close/>
+                </a:path>
+              </a:pathLst>
+            </a:custGeom>
+            <a:solidFill>
+              <a:schemeClr val="accent1">
+                <a:alpha val="36000"/>
+              </a:schemeClr>
+            </a:solidFill>
+            <a:ln>
+              <a:noFill/>
+            </a:ln>
+            <a:effectLst/>
+          </p:spPr>
+          <p:style>
+            <a:lnRef idx="1">
+              <a:schemeClr val="accent1"/>
+            </a:lnRef>
+            <a:fillRef idx="3">
+              <a:schemeClr val="accent1"/>
+            </a:fillRef>
+            <a:effectRef idx="2">
+              <a:schemeClr val="accent1"/>
+            </a:effectRef>
+            <a:fontRef idx="minor">
+              <a:schemeClr val="lt1"/>
+            </a:fontRef>
+          </p:style>
+        </p:sp>
+        <p:sp>
+          <p:nvSpPr>
+            <p:cNvPr id="29" name="Rectangle 25">
+              <a:extLst>
+                <a:ext uri="{FF2B5EF4-FFF2-40B4-BE49-F238E27FC236}">
+                  <a16:creationId xmlns:a16="http://schemas.microsoft.com/office/drawing/2014/main" id="{9B48A2AD-5257-4384-A7F5-A1EE4E6883A5}"/>
+                </a:ext>
+                <a:ext uri="{C183D7F6-B498-43B3-948B-1728B52AA6E4}">
+                  <adec:decorative xmlns:adec="http://schemas.microsoft.com/office/drawing/2017/decorative" val="1"/>
+                </a:ext>
+              </a:extLst>
+            </p:cNvPr>
+            <p:cNvSpPr/>
+            <p:nvPr>
+              <p:extLst>
+                <p:ext uri="{386F3935-93C4-4BCD-93E2-E3B085C9AB24}">
+                  <p16:designElem xmlns:p16="http://schemas.microsoft.com/office/powerpoint/2015/main" val="1"/>
+                </p:ext>
+              </p:extLst>
+            </p:nvPr>
+          </p:nvSpPr>
+          <p:spPr>
+            <a:xfrm>
+              <a:off x="9603442" y="-8467"/>
+              <a:ext cx="2588558" cy="6866467"/>
+            </a:xfrm>
+            <a:custGeom>
+              <a:avLst/>
+              <a:gdLst/>
+              <a:ahLst/>
+              <a:cxnLst/>
+              <a:rect l="l" t="t" r="r" b="b"/>
+              <a:pathLst>
+                <a:path w="2573311" h="6866467">
+                  <a:moveTo>
+                    <a:pt x="0" y="0"/>
+                  </a:moveTo>
+                  <a:lnTo>
+                    <a:pt x="2573311" y="0"/>
+                  </a:lnTo>
+                  <a:lnTo>
+                    <a:pt x="2573311" y="6866467"/>
+                  </a:lnTo>
+                  <a:lnTo>
+                    <a:pt x="1202336" y="6866467"/>
+                  </a:lnTo>
+                  <a:lnTo>
+                    <a:pt x="0" y="0"/>
+                  </a:lnTo>
+                  <a:close/>
+                </a:path>
+              </a:pathLst>
+            </a:custGeom>
+            <a:solidFill>
+              <a:schemeClr val="accent1">
+                <a:alpha val="20000"/>
+              </a:schemeClr>
+            </a:solidFill>
+            <a:ln>
+              <a:noFill/>
+            </a:ln>
+            <a:effectLst/>
+          </p:spPr>
+          <p:style>
+            <a:lnRef idx="1">
+              <a:schemeClr val="accent1"/>
+            </a:lnRef>
+            <a:fillRef idx="3">
+              <a:schemeClr val="accent1"/>
+            </a:fillRef>
+            <a:effectRef idx="2">
+              <a:schemeClr val="accent1"/>
+            </a:effectRef>
+            <a:fontRef idx="minor">
+              <a:schemeClr val="lt1"/>
+            </a:fontRef>
+          </p:style>
+        </p:sp>
+        <p:sp>
+          <p:nvSpPr>
+            <p:cNvPr id="30" name="Isosceles Triangle 29">
+              <a:extLst>
+                <a:ext uri="{FF2B5EF4-FFF2-40B4-BE49-F238E27FC236}">
+                  <a16:creationId xmlns:a16="http://schemas.microsoft.com/office/drawing/2014/main" id="{04C26DE3-844C-47DA-831E-E7D7BF617EC2}"/>
+                </a:ext>
+                <a:ext uri="{C183D7F6-B498-43B3-948B-1728B52AA6E4}">
+                  <adec:decorative xmlns:adec="http://schemas.microsoft.com/office/drawing/2017/decorative" val="1"/>
+                </a:ext>
+              </a:extLst>
+            </p:cNvPr>
+            <p:cNvSpPr/>
+            <p:nvPr>
+              <p:extLst>
+                <p:ext uri="{386F3935-93C4-4BCD-93E2-E3B085C9AB24}">
+                  <p16:designElem xmlns:p16="http://schemas.microsoft.com/office/powerpoint/2015/main" val="1"/>
+                </p:ext>
+              </p:extLst>
+            </p:nvPr>
+          </p:nvSpPr>
+          <p:spPr>
+            <a:xfrm>
+              <a:off x="8932333" y="3048000"/>
+              <a:ext cx="3259667" cy="3810000"/>
+            </a:xfrm>
+            <a:prstGeom prst="triangle">
+              <a:avLst>
+                <a:gd name="adj" fmla="val 100000"/>
+              </a:avLst>
+            </a:prstGeom>
+            <a:solidFill>
+              <a:schemeClr val="accent1">
+                <a:lumMod val="75000"/>
+                <a:alpha val="66000"/>
+              </a:schemeClr>
+            </a:solidFill>
+            <a:ln>
+              <a:noFill/>
+            </a:ln>
+            <a:effectLst/>
+          </p:spPr>
+          <p:style>
+            <a:lnRef idx="1">
+              <a:schemeClr val="accent1"/>
+            </a:lnRef>
+            <a:fillRef idx="3">
+              <a:schemeClr val="accent1"/>
+            </a:fillRef>
+            <a:effectRef idx="2">
+              <a:schemeClr val="accent1"/>
+            </a:effectRef>
+            <a:fontRef idx="minor">
+              <a:schemeClr val="lt1"/>
+            </a:fontRef>
+          </p:style>
+        </p:sp>
+        <p:sp>
+          <p:nvSpPr>
+            <p:cNvPr id="31" name="Rectangle 27">
+              <a:extLst>
+                <a:ext uri="{FF2B5EF4-FFF2-40B4-BE49-F238E27FC236}">
+                  <a16:creationId xmlns:a16="http://schemas.microsoft.com/office/drawing/2014/main" id="{922D975E-0684-4AA6-9FB7-929B250D5389}"/>
+                </a:ext>
+                <a:ext uri="{C183D7F6-B498-43B3-948B-1728B52AA6E4}">
+                  <adec:decorative xmlns:adec="http://schemas.microsoft.com/office/drawing/2017/decorative" val="1"/>
+                </a:ext>
+              </a:extLst>
+            </p:cNvPr>
+            <p:cNvSpPr/>
+            <p:nvPr>
+              <p:extLst>
+                <p:ext uri="{386F3935-93C4-4BCD-93E2-E3B085C9AB24}">
+                  <p16:designElem xmlns:p16="http://schemas.microsoft.com/office/powerpoint/2015/main" val="1"/>
+                </p:ext>
+              </p:extLst>
+            </p:nvPr>
+          </p:nvSpPr>
+          <p:spPr>
+            <a:xfrm>
+              <a:off x="9334500" y="-8467"/>
+              <a:ext cx="2854326" cy="6866467"/>
+            </a:xfrm>
+            <a:custGeom>
+              <a:avLst/>
+              <a:gdLst/>
+              <a:ahLst/>
+              <a:cxnLst/>
+              <a:rect l="l" t="t" r="r" b="b"/>
+              <a:pathLst>
+                <a:path w="2858013" h="6866467">
+                  <a:moveTo>
+                    <a:pt x="0" y="0"/>
+                  </a:moveTo>
+                  <a:lnTo>
+                    <a:pt x="2858013" y="0"/>
+                  </a:lnTo>
+                  <a:lnTo>
+                    <a:pt x="2858013" y="6866467"/>
+                  </a:lnTo>
+                  <a:lnTo>
+                    <a:pt x="2473942" y="6866467"/>
+                  </a:lnTo>
+                  <a:lnTo>
+                    <a:pt x="0" y="0"/>
+                  </a:lnTo>
+                  <a:close/>
+                </a:path>
+              </a:pathLst>
+            </a:custGeom>
+            <a:solidFill>
+              <a:schemeClr val="accent1">
+                <a:lumMod val="75000"/>
+                <a:alpha val="50000"/>
+              </a:schemeClr>
+            </a:solidFill>
+            <a:ln>
+              <a:noFill/>
+            </a:ln>
+            <a:effectLst/>
+          </p:spPr>
+          <p:style>
+            <a:lnRef idx="1">
+              <a:schemeClr val="accent1"/>
+            </a:lnRef>
+            <a:fillRef idx="3">
+              <a:schemeClr val="accent1"/>
+            </a:fillRef>
+            <a:effectRef idx="2">
+              <a:schemeClr val="accent1"/>
+            </a:effectRef>
+            <a:fontRef idx="minor">
+              <a:schemeClr val="lt1"/>
+            </a:fontRef>
+          </p:style>
+        </p:sp>
+        <p:sp>
+          <p:nvSpPr>
+            <p:cNvPr id="32" name="Rectangle 28">
+              <a:extLst>
+                <a:ext uri="{FF2B5EF4-FFF2-40B4-BE49-F238E27FC236}">
+                  <a16:creationId xmlns:a16="http://schemas.microsoft.com/office/drawing/2014/main" id="{38ED5A9A-F0C7-4547-BC1E-22FC89BD26D1}"/>
+                </a:ext>
+                <a:ext uri="{C183D7F6-B498-43B3-948B-1728B52AA6E4}">
+                  <adec:decorative xmlns:adec="http://schemas.microsoft.com/office/drawing/2017/decorative" val="1"/>
+                </a:ext>
+              </a:extLst>
+            </p:cNvPr>
+            <p:cNvSpPr/>
+            <p:nvPr>
+              <p:extLst>
+                <p:ext uri="{386F3935-93C4-4BCD-93E2-E3B085C9AB24}">
+                  <p16:designElem xmlns:p16="http://schemas.microsoft.com/office/powerpoint/2015/main" val="1"/>
+                </p:ext>
+              </p:extLst>
+            </p:nvPr>
+          </p:nvSpPr>
+          <p:spPr>
+            <a:xfrm>
+              <a:off x="10898730" y="-8467"/>
+              <a:ext cx="1290094" cy="6866467"/>
+            </a:xfrm>
+            <a:custGeom>
+              <a:avLst/>
+              <a:gdLst/>
+              <a:ahLst/>
+              <a:cxnLst/>
+              <a:rect l="l" t="t" r="r" b="b"/>
+              <a:pathLst>
+                <a:path w="1290094" h="6858000">
+                  <a:moveTo>
+                    <a:pt x="1019735" y="0"/>
+                  </a:moveTo>
+                  <a:lnTo>
+                    <a:pt x="1290094" y="0"/>
+                  </a:lnTo>
+                  <a:lnTo>
+                    <a:pt x="1290094" y="6858000"/>
+                  </a:lnTo>
+                  <a:lnTo>
+                    <a:pt x="0" y="6858000"/>
+                  </a:lnTo>
+                  <a:lnTo>
+                    <a:pt x="1019735" y="0"/>
+                  </a:lnTo>
+                  <a:close/>
+                </a:path>
+              </a:pathLst>
+            </a:custGeom>
+            <a:solidFill>
+              <a:schemeClr val="accent2">
+                <a:alpha val="70000"/>
+              </a:schemeClr>
+            </a:solidFill>
+            <a:ln>
+              <a:noFill/>
+            </a:ln>
+            <a:effectLst/>
+          </p:spPr>
+          <p:style>
+            <a:lnRef idx="1">
+              <a:schemeClr val="accent1"/>
+            </a:lnRef>
+            <a:fillRef idx="3">
+              <a:schemeClr val="accent1"/>
+            </a:fillRef>
+            <a:effectRef idx="2">
+              <a:schemeClr val="accent1"/>
+            </a:effectRef>
+            <a:fontRef idx="minor">
+              <a:schemeClr val="lt1"/>
+            </a:fontRef>
+          </p:style>
+        </p:sp>
+        <p:sp>
+          <p:nvSpPr>
+            <p:cNvPr id="33" name="Rectangle 29">
+              <a:extLst>
+                <a:ext uri="{FF2B5EF4-FFF2-40B4-BE49-F238E27FC236}">
+                  <a16:creationId xmlns:a16="http://schemas.microsoft.com/office/drawing/2014/main" id="{2D743765-A245-4349-A5CE-4AB5F078F91E}"/>
+                </a:ext>
+                <a:ext uri="{C183D7F6-B498-43B3-948B-1728B52AA6E4}">
+                  <adec:decorative xmlns:adec="http://schemas.microsoft.com/office/drawing/2017/decorative" val="1"/>
+                </a:ext>
+              </a:extLst>
+            </p:cNvPr>
+            <p:cNvSpPr/>
+            <p:nvPr>
+              <p:extLst>
+                <p:ext uri="{386F3935-93C4-4BCD-93E2-E3B085C9AB24}">
+                  <p16:designElem xmlns:p16="http://schemas.microsoft.com/office/powerpoint/2015/main" val="1"/>
+                </p:ext>
+              </p:extLst>
+            </p:nvPr>
+          </p:nvSpPr>
+          <p:spPr>
+            <a:xfrm>
+              <a:off x="10938999" y="-8467"/>
+              <a:ext cx="1249825" cy="6866467"/>
+            </a:xfrm>
+            <a:custGeom>
+              <a:avLst/>
+              <a:gdLst/>
+              <a:ahLst/>
+              <a:cxnLst/>
+              <a:rect l="l" t="t" r="r" b="b"/>
+              <a:pathLst>
+                <a:path w="1249825" h="6858000">
+                  <a:moveTo>
+                    <a:pt x="0" y="0"/>
+                  </a:moveTo>
+                  <a:lnTo>
+                    <a:pt x="1249825" y="0"/>
+                  </a:lnTo>
+                  <a:lnTo>
+                    <a:pt x="1249825" y="6858000"/>
+                  </a:lnTo>
+                  <a:lnTo>
+                    <a:pt x="1109382" y="6858000"/>
+                  </a:lnTo>
+                  <a:lnTo>
+                    <a:pt x="0" y="0"/>
+                  </a:lnTo>
+                  <a:close/>
+                </a:path>
+              </a:pathLst>
+            </a:custGeom>
+            <a:solidFill>
+              <a:schemeClr val="accent2">
+                <a:lumMod val="75000"/>
+                <a:alpha val="80000"/>
+              </a:schemeClr>
+            </a:solidFill>
+            <a:ln>
+              <a:noFill/>
+            </a:ln>
+            <a:effectLst/>
+          </p:spPr>
+          <p:style>
+            <a:lnRef idx="1">
+              <a:schemeClr val="accent1"/>
+            </a:lnRef>
+            <a:fillRef idx="3">
+              <a:schemeClr val="accent1"/>
+            </a:fillRef>
+            <a:effectRef idx="2">
+              <a:schemeClr val="accent1"/>
+            </a:effectRef>
+            <a:fontRef idx="minor">
+              <a:schemeClr val="lt1"/>
+            </a:fontRef>
+          </p:style>
+        </p:sp>
+        <p:sp>
+          <p:nvSpPr>
+            <p:cNvPr id="34" name="Isosceles Triangle 33">
+              <a:extLst>
+                <a:ext uri="{FF2B5EF4-FFF2-40B4-BE49-F238E27FC236}">
+                  <a16:creationId xmlns:a16="http://schemas.microsoft.com/office/drawing/2014/main" id="{0AF7217B-D042-44D2-9FC7-71FAB6651A47}"/>
+                </a:ext>
+                <a:ext uri="{C183D7F6-B498-43B3-948B-1728B52AA6E4}">
+                  <adec:decorative xmlns:adec="http://schemas.microsoft.com/office/drawing/2017/decorative" val="1"/>
+                </a:ext>
+              </a:extLst>
+            </p:cNvPr>
+            <p:cNvSpPr/>
+            <p:nvPr>
+              <p:extLst>
+                <p:ext uri="{386F3935-93C4-4BCD-93E2-E3B085C9AB24}">
+                  <p16:designElem xmlns:p16="http://schemas.microsoft.com/office/powerpoint/2015/main" val="1"/>
+                </p:ext>
+              </p:extLst>
+            </p:nvPr>
+          </p:nvSpPr>
+          <p:spPr>
+            <a:xfrm>
+              <a:off x="10371666" y="3589867"/>
+              <a:ext cx="1817159" cy="3268133"/>
+            </a:xfrm>
+            <a:prstGeom prst="triangle">
+              <a:avLst>
+                <a:gd name="adj" fmla="val 100000"/>
+              </a:avLst>
+            </a:prstGeom>
+            <a:solidFill>
+              <a:schemeClr val="accent1">
+                <a:lumMod val="75000"/>
+                <a:alpha val="66000"/>
+              </a:schemeClr>
+            </a:solidFill>
+            <a:ln>
+              <a:noFill/>
+            </a:ln>
+            <a:effectLst/>
+          </p:spPr>
+          <p:style>
+            <a:lnRef idx="1">
+              <a:schemeClr val="accent1"/>
+            </a:lnRef>
+            <a:fillRef idx="3">
+              <a:schemeClr val="accent1"/>
+            </a:fillRef>
+            <a:effectRef idx="2">
+              <a:schemeClr val="accent1"/>
+            </a:effectRef>
+            <a:fontRef idx="minor">
+              <a:schemeClr val="lt1"/>
+            </a:fontRef>
+          </p:style>
+        </p:sp>
+        <p:sp>
+          <p:nvSpPr>
+            <p:cNvPr id="35" name="Isosceles Triangle 34">
+              <a:extLst>
+                <a:ext uri="{FF2B5EF4-FFF2-40B4-BE49-F238E27FC236}">
+                  <a16:creationId xmlns:a16="http://schemas.microsoft.com/office/drawing/2014/main" id="{1CC9171B-8BEB-48B1-B9BE-E9584522D074}"/>
+                </a:ext>
+                <a:ext uri="{C183D7F6-B498-43B3-948B-1728B52AA6E4}">
+                  <adec:decorative xmlns:adec="http://schemas.microsoft.com/office/drawing/2017/decorative" val="1"/>
+                </a:ext>
+              </a:extLst>
+            </p:cNvPr>
+            <p:cNvSpPr/>
+            <p:nvPr>
+              <p:extLst>
+                <p:ext uri="{386F3935-93C4-4BCD-93E2-E3B085C9AB24}">
+                  <p16:designElem xmlns:p16="http://schemas.microsoft.com/office/powerpoint/2015/main" val="1"/>
+                </p:ext>
+              </p:extLst>
+            </p:nvPr>
+          </p:nvSpPr>
+          <p:spPr>
+            <a:xfrm>
+              <a:off x="0" y="4013200"/>
+              <a:ext cx="448733" cy="2844800"/>
+            </a:xfrm>
+            <a:prstGeom prst="triangle">
+              <a:avLst>
+                <a:gd name="adj" fmla="val 0"/>
+              </a:avLst>
+            </a:prstGeom>
+            <a:solidFill>
+              <a:schemeClr val="accent1">
+                <a:alpha val="70000"/>
+              </a:schemeClr>
+            </a:solidFill>
+            <a:ln>
+              <a:noFill/>
+            </a:ln>
+            <a:effectLst/>
+          </p:spPr>
+          <p:style>
+            <a:lnRef idx="1">
+              <a:schemeClr val="accent1"/>
+            </a:lnRef>
+            <a:fillRef idx="3">
+              <a:schemeClr val="accent1"/>
+            </a:fillRef>
+            <a:effectRef idx="2">
+              <a:schemeClr val="accent1"/>
+            </a:effectRef>
+            <a:fontRef idx="minor">
+              <a:schemeClr val="lt1"/>
+            </a:fontRef>
+          </p:style>
+        </p:sp>
+      </p:grpSp>
+      <p:pic>
+        <p:nvPicPr>
+          <p:cNvPr id="5" name="Picture 4" descr="Diagram&#10;&#10;Description automatically generated">
             <a:extLst>
               <a:ext uri="{FF2B5EF4-FFF2-40B4-BE49-F238E27FC236}">
-                <a16:creationId xmlns:a16="http://schemas.microsoft.com/office/drawing/2014/main" id="{60C06CFA-770F-B4B8-560E-43538D61BE3D}"/>
+                <a16:creationId xmlns:a16="http://schemas.microsoft.com/office/drawing/2014/main" id="{7B97868A-8AD8-922A-42ED-0A9CC9784299}"/>
               </a:ext>
             </a:extLst>
           </p:cNvPr>
-          <p:cNvSpPr>
-            <a:spLocks noGrp="1"/>
-          </p:cNvSpPr>
-          <p:nvPr>
-            <p:ph idx="1"/>
-          </p:nvPr>
-        </p:nvSpPr>
-        <p:spPr/>
-        <p:txBody>
-          <a:bodyPr/>
-          <a:lstStyle/>
-          <a:p>
-            <a:endParaRPr lang="hu-HU"/>
-          </a:p>
-        </p:txBody>
-      </p:sp>
+          <p:cNvPicPr>
+            <a:picLocks noChangeAspect="1"/>
+          </p:cNvPicPr>
+          <p:nvPr/>
+        </p:nvPicPr>
+        <p:blipFill>
+          <a:blip r:embed="rId3">
+            <a:extLst>
+              <a:ext uri="{28A0092B-C50C-407E-A947-70E740481C1C}">
+                <a14:useLocalDpi xmlns:a14="http://schemas.microsoft.com/office/drawing/2010/main" val="0"/>
+              </a:ext>
+            </a:extLst>
+          </a:blip>
+          <a:stretch>
+            <a:fillRect/>
+          </a:stretch>
+        </p:blipFill>
+        <p:spPr>
+          <a:xfrm>
+            <a:off x="773087" y="295274"/>
+            <a:ext cx="7900032" cy="6359526"/>
+          </a:xfrm>
+          <a:prstGeom prst="rect">
+            <a:avLst/>
+          </a:prstGeom>
+        </p:spPr>
+      </p:pic>
     </p:spTree>
     <p:extLst>
       <p:ext uri="{BB962C8B-B14F-4D97-AF65-F5344CB8AC3E}">
-        <p14:creationId xmlns:p14="http://schemas.microsoft.com/office/powerpoint/2010/main" val="3036428979"/>
+        <p14:creationId xmlns:p14="http://schemas.microsoft.com/office/powerpoint/2010/main" val="2220244355"/>
       </p:ext>
     </p:extLst>
   </p:cSld>
@@ -6155,7 +7353,60 @@
           <a:bodyPr/>
           <a:lstStyle/>
           <a:p>
-            <a:endParaRPr lang="hu-HU"/>
+            <a:r>
+              <a:rPr lang="en-US" dirty="0"/>
+              <a:t>Two types of devices: a Sensor and a Controller</a:t>
+            </a:r>
+          </a:p>
+          <a:p>
+            <a:pPr lvl="1"/>
+            <a:r>
+              <a:rPr lang="en-US" dirty="0"/>
+              <a:t>Sensor: measuring temperature and air quality</a:t>
+            </a:r>
+          </a:p>
+          <a:p>
+            <a:pPr lvl="1"/>
+            <a:r>
+              <a:rPr lang="en-US" dirty="0"/>
+              <a:t>Controller: opening and closing the window and communicating with the outside world through </a:t>
+            </a:r>
+            <a:r>
+              <a:rPr lang="en-US" dirty="0" err="1"/>
+              <a:t>WiFi</a:t>
+            </a:r>
+            <a:endParaRPr lang="en-US" dirty="0"/>
+          </a:p>
+          <a:p>
+            <a:r>
+              <a:rPr lang="en-US" dirty="0"/>
+              <a:t>Comm between devices: 433 MHz (Silicon Labs RF chip)</a:t>
+            </a:r>
+          </a:p>
+          <a:p>
+            <a:r>
+              <a:rPr lang="en-US" dirty="0" err="1"/>
+              <a:t>Scalabe</a:t>
+            </a:r>
+            <a:r>
+              <a:rPr lang="en-US" dirty="0"/>
+              <a:t>: you can use any number of devices</a:t>
+            </a:r>
+          </a:p>
+          <a:p>
+            <a:r>
+              <a:rPr lang="en-US" dirty="0"/>
+              <a:t>Expandable: you can add extra sensor through external headers (SPI)</a:t>
+            </a:r>
+          </a:p>
+          <a:p>
+            <a:r>
+              <a:rPr lang="en-US" dirty="0"/>
+              <a:t>Easy to use and integrate: the ESP32 is easily controlled through Home Assistant for example</a:t>
+            </a:r>
+          </a:p>
+          <a:p>
+            <a:endParaRPr lang="en-US" dirty="0"/>
           </a:p>
         </p:txBody>
       </p:sp>
@@ -6175,6 +7426,14 @@
 <file path=ppt/slides/slide5.xml><?xml version="1.0" encoding="utf-8"?>
 <p:sld xmlns:a="http://schemas.openxmlformats.org/drawingml/2006/main" xmlns:r="http://schemas.openxmlformats.org/officeDocument/2006/relationships" xmlns:p="http://schemas.openxmlformats.org/presentationml/2006/main">
   <p:cSld>
+    <p:bg>
+      <p:bgPr>
+        <a:solidFill>
+          <a:schemeClr val="bg1"/>
+        </a:solidFill>
+        <a:effectLst/>
+      </p:bgPr>
+    </p:bg>
     <p:spTree>
       <p:nvGrpSpPr>
         <p:cNvPr id="1" name=""/>
@@ -6189,64 +7448,1512 @@
           <a:chExt cx="0" cy="0"/>
         </a:xfrm>
       </p:grpSpPr>
-      <p:sp>
-        <p:nvSpPr>
-          <p:cNvPr id="2" name="Title 1">
+      <p:grpSp>
+        <p:nvGrpSpPr>
+          <p:cNvPr id="10" name="Group 9">
             <a:extLst>
               <a:ext uri="{FF2B5EF4-FFF2-40B4-BE49-F238E27FC236}">
-                <a16:creationId xmlns:a16="http://schemas.microsoft.com/office/drawing/2014/main" id="{E22B92B4-4A0E-E013-6DF6-EABFC4EC70BA}"/>
+                <a16:creationId xmlns:a16="http://schemas.microsoft.com/office/drawing/2014/main" id="{DDE8DE2B-61C1-46D5-BEB8-521321C182C4}"/>
+              </a:ext>
+              <a:ext uri="{C183D7F6-B498-43B3-948B-1728B52AA6E4}">
+                <adec:decorative xmlns:adec="http://schemas.microsoft.com/office/drawing/2017/decorative" val="1"/>
               </a:ext>
             </a:extLst>
           </p:cNvPr>
-          <p:cNvSpPr>
-            <a:spLocks noGrp="1"/>
-          </p:cNvSpPr>
-          <p:nvPr>
-            <p:ph type="title"/>
-          </p:nvPr>
-        </p:nvSpPr>
-        <p:spPr/>
-        <p:txBody>
-          <a:bodyPr/>
-          <a:lstStyle/>
-          <a:p>
-            <a:r>
-              <a:rPr lang="en-US" dirty="0"/>
-              <a:t>Usability, expendability</a:t>
-            </a:r>
-            <a:endParaRPr lang="hu-HU" dirty="0"/>
-          </a:p>
-        </p:txBody>
-      </p:sp>
-      <p:sp>
-        <p:nvSpPr>
-          <p:cNvPr id="3" name="Content Placeholder 2">
+          <p:cNvGrpSpPr>
+            <a:grpSpLocks noGrp="1" noUngrp="1" noRot="1" noChangeAspect="1" noMove="1" noResize="1"/>
+          </p:cNvGrpSpPr>
+          <p:nvPr>
+            <p:extLst>
+              <p:ext uri="{386F3935-93C4-4BCD-93E2-E3B085C9AB24}">
+                <p16:designElem xmlns:p16="http://schemas.microsoft.com/office/powerpoint/2015/main" val="1"/>
+              </p:ext>
+            </p:extLst>
+          </p:nvPr>
+        </p:nvGrpSpPr>
+        <p:grpSpPr>
+          <a:xfrm>
+            <a:off x="0" y="-8467"/>
+            <a:ext cx="12192000" cy="6866467"/>
+            <a:chOff x="0" y="-8467"/>
+            <a:chExt cx="12192000" cy="6866467"/>
+          </a:xfrm>
+        </p:grpSpPr>
+        <p:cxnSp>
+          <p:nvCxnSpPr>
+            <p:cNvPr id="11" name="Straight Connector 10">
+              <a:extLst>
+                <a:ext uri="{FF2B5EF4-FFF2-40B4-BE49-F238E27FC236}">
+                  <a16:creationId xmlns:a16="http://schemas.microsoft.com/office/drawing/2014/main" id="{E012C92A-B902-4B69-BDCF-CCA3021FCB47}"/>
+                </a:ext>
+                <a:ext uri="{C183D7F6-B498-43B3-948B-1728B52AA6E4}">
+                  <adec:decorative xmlns:adec="http://schemas.microsoft.com/office/drawing/2017/decorative" val="1"/>
+                </a:ext>
+              </a:extLst>
+            </p:cNvPr>
+            <p:cNvCxnSpPr/>
+            <p:nvPr>
+              <p:extLst>
+                <p:ext uri="{386F3935-93C4-4BCD-93E2-E3B085C9AB24}">
+                  <p16:designElem xmlns:p16="http://schemas.microsoft.com/office/powerpoint/2015/main" val="1"/>
+                </p:ext>
+              </p:extLst>
+            </p:nvPr>
+          </p:nvCxnSpPr>
+          <p:spPr>
+            <a:xfrm>
+              <a:off x="9371012" y="0"/>
+              <a:ext cx="1219200" cy="6858000"/>
+            </a:xfrm>
+            <a:prstGeom prst="line">
+              <a:avLst/>
+            </a:prstGeom>
+            <a:ln w="9525">
+              <a:solidFill>
+                <a:schemeClr val="bg1">
+                  <a:lumMod val="75000"/>
+                </a:schemeClr>
+              </a:solidFill>
+            </a:ln>
+          </p:spPr>
+          <p:style>
+            <a:lnRef idx="2">
+              <a:schemeClr val="accent1"/>
+            </a:lnRef>
+            <a:fillRef idx="0">
+              <a:schemeClr val="accent1"/>
+            </a:fillRef>
+            <a:effectRef idx="1">
+              <a:schemeClr val="accent1"/>
+            </a:effectRef>
+            <a:fontRef idx="minor">
+              <a:schemeClr val="tx1"/>
+            </a:fontRef>
+          </p:style>
+        </p:cxnSp>
+        <p:cxnSp>
+          <p:nvCxnSpPr>
+            <p:cNvPr id="12" name="Straight Connector 11">
+              <a:extLst>
+                <a:ext uri="{FF2B5EF4-FFF2-40B4-BE49-F238E27FC236}">
+                  <a16:creationId xmlns:a16="http://schemas.microsoft.com/office/drawing/2014/main" id="{A2BDBC14-42A0-4182-BFBA-0751F6350CB3}"/>
+                </a:ext>
+                <a:ext uri="{C183D7F6-B498-43B3-948B-1728B52AA6E4}">
+                  <adec:decorative xmlns:adec="http://schemas.microsoft.com/office/drawing/2017/decorative" val="1"/>
+                </a:ext>
+              </a:extLst>
+            </p:cNvPr>
+            <p:cNvCxnSpPr/>
+            <p:nvPr>
+              <p:extLst>
+                <p:ext uri="{386F3935-93C4-4BCD-93E2-E3B085C9AB24}">
+                  <p16:designElem xmlns:p16="http://schemas.microsoft.com/office/powerpoint/2015/main" val="1"/>
+                </p:ext>
+              </p:extLst>
+            </p:nvPr>
+          </p:nvCxnSpPr>
+          <p:spPr>
+            <a:xfrm flipH="1">
+              <a:off x="7425267" y="3681413"/>
+              <a:ext cx="4763558" cy="3176587"/>
+            </a:xfrm>
+            <a:prstGeom prst="line">
+              <a:avLst/>
+            </a:prstGeom>
+            <a:ln w="9525">
+              <a:solidFill>
+                <a:schemeClr val="bg1">
+                  <a:lumMod val="85000"/>
+                </a:schemeClr>
+              </a:solidFill>
+            </a:ln>
+          </p:spPr>
+          <p:style>
+            <a:lnRef idx="2">
+              <a:schemeClr val="accent1"/>
+            </a:lnRef>
+            <a:fillRef idx="0">
+              <a:schemeClr val="accent1"/>
+            </a:fillRef>
+            <a:effectRef idx="1">
+              <a:schemeClr val="accent1"/>
+            </a:effectRef>
+            <a:fontRef idx="minor">
+              <a:schemeClr val="tx1"/>
+            </a:fontRef>
+          </p:style>
+        </p:cxnSp>
+        <p:sp>
+          <p:nvSpPr>
+            <p:cNvPr id="13" name="Rectangle 23">
+              <a:extLst>
+                <a:ext uri="{FF2B5EF4-FFF2-40B4-BE49-F238E27FC236}">
+                  <a16:creationId xmlns:a16="http://schemas.microsoft.com/office/drawing/2014/main" id="{902DC474-5BCC-4188-ACDC-AD63E6B187EC}"/>
+                </a:ext>
+                <a:ext uri="{C183D7F6-B498-43B3-948B-1728B52AA6E4}">
+                  <adec:decorative xmlns:adec="http://schemas.microsoft.com/office/drawing/2017/decorative" val="1"/>
+                </a:ext>
+              </a:extLst>
+            </p:cNvPr>
+            <p:cNvSpPr/>
+            <p:nvPr>
+              <p:extLst>
+                <p:ext uri="{386F3935-93C4-4BCD-93E2-E3B085C9AB24}">
+                  <p16:designElem xmlns:p16="http://schemas.microsoft.com/office/powerpoint/2015/main" val="1"/>
+                </p:ext>
+              </p:extLst>
+            </p:nvPr>
+          </p:nvSpPr>
+          <p:spPr>
+            <a:xfrm>
+              <a:off x="9181476" y="-8467"/>
+              <a:ext cx="3007349" cy="6866467"/>
+            </a:xfrm>
+            <a:custGeom>
+              <a:avLst/>
+              <a:gdLst/>
+              <a:ahLst/>
+              <a:cxnLst/>
+              <a:rect l="l" t="t" r="r" b="b"/>
+              <a:pathLst>
+                <a:path w="3007349" h="6866467">
+                  <a:moveTo>
+                    <a:pt x="2045532" y="0"/>
+                  </a:moveTo>
+                  <a:lnTo>
+                    <a:pt x="3007349" y="0"/>
+                  </a:lnTo>
+                  <a:lnTo>
+                    <a:pt x="3007349" y="6866467"/>
+                  </a:lnTo>
+                  <a:lnTo>
+                    <a:pt x="0" y="6866467"/>
+                  </a:lnTo>
+                  <a:lnTo>
+                    <a:pt x="2045532" y="0"/>
+                  </a:lnTo>
+                  <a:close/>
+                </a:path>
+              </a:pathLst>
+            </a:custGeom>
+            <a:solidFill>
+              <a:schemeClr val="accent1">
+                <a:alpha val="30000"/>
+              </a:schemeClr>
+            </a:solidFill>
+            <a:ln>
+              <a:noFill/>
+            </a:ln>
+            <a:effectLst/>
+          </p:spPr>
+          <p:style>
+            <a:lnRef idx="1">
+              <a:schemeClr val="accent1"/>
+            </a:lnRef>
+            <a:fillRef idx="3">
+              <a:schemeClr val="accent1"/>
+            </a:fillRef>
+            <a:effectRef idx="2">
+              <a:schemeClr val="accent1"/>
+            </a:effectRef>
+            <a:fontRef idx="minor">
+              <a:schemeClr val="lt1"/>
+            </a:fontRef>
+          </p:style>
+        </p:sp>
+        <p:sp>
+          <p:nvSpPr>
+            <p:cNvPr id="14" name="Rectangle 25">
+              <a:extLst>
+                <a:ext uri="{FF2B5EF4-FFF2-40B4-BE49-F238E27FC236}">
+                  <a16:creationId xmlns:a16="http://schemas.microsoft.com/office/drawing/2014/main" id="{7B427019-8592-4032-931B-4F27104C9DE2}"/>
+                </a:ext>
+                <a:ext uri="{C183D7F6-B498-43B3-948B-1728B52AA6E4}">
+                  <adec:decorative xmlns:adec="http://schemas.microsoft.com/office/drawing/2017/decorative" val="1"/>
+                </a:ext>
+              </a:extLst>
+            </p:cNvPr>
+            <p:cNvSpPr/>
+            <p:nvPr>
+              <p:extLst>
+                <p:ext uri="{386F3935-93C4-4BCD-93E2-E3B085C9AB24}">
+                  <p16:designElem xmlns:p16="http://schemas.microsoft.com/office/powerpoint/2015/main" val="1"/>
+                </p:ext>
+              </p:extLst>
+            </p:nvPr>
+          </p:nvSpPr>
+          <p:spPr>
+            <a:xfrm>
+              <a:off x="9603442" y="-8467"/>
+              <a:ext cx="2588558" cy="6866467"/>
+            </a:xfrm>
+            <a:custGeom>
+              <a:avLst/>
+              <a:gdLst/>
+              <a:ahLst/>
+              <a:cxnLst/>
+              <a:rect l="l" t="t" r="r" b="b"/>
+              <a:pathLst>
+                <a:path w="2573311" h="6866467">
+                  <a:moveTo>
+                    <a:pt x="0" y="0"/>
+                  </a:moveTo>
+                  <a:lnTo>
+                    <a:pt x="2573311" y="0"/>
+                  </a:lnTo>
+                  <a:lnTo>
+                    <a:pt x="2573311" y="6866467"/>
+                  </a:lnTo>
+                  <a:lnTo>
+                    <a:pt x="1202336" y="6866467"/>
+                  </a:lnTo>
+                  <a:lnTo>
+                    <a:pt x="0" y="0"/>
+                  </a:lnTo>
+                  <a:close/>
+                </a:path>
+              </a:pathLst>
+            </a:custGeom>
+            <a:solidFill>
+              <a:schemeClr val="accent1">
+                <a:alpha val="20000"/>
+              </a:schemeClr>
+            </a:solidFill>
+            <a:ln>
+              <a:noFill/>
+            </a:ln>
+            <a:effectLst/>
+          </p:spPr>
+          <p:style>
+            <a:lnRef idx="1">
+              <a:schemeClr val="accent1"/>
+            </a:lnRef>
+            <a:fillRef idx="3">
+              <a:schemeClr val="accent1"/>
+            </a:fillRef>
+            <a:effectRef idx="2">
+              <a:schemeClr val="accent1"/>
+            </a:effectRef>
+            <a:fontRef idx="minor">
+              <a:schemeClr val="lt1"/>
+            </a:fontRef>
+          </p:style>
+        </p:sp>
+        <p:sp>
+          <p:nvSpPr>
+            <p:cNvPr id="15" name="Isosceles Triangle 14">
+              <a:extLst>
+                <a:ext uri="{FF2B5EF4-FFF2-40B4-BE49-F238E27FC236}">
+                  <a16:creationId xmlns:a16="http://schemas.microsoft.com/office/drawing/2014/main" id="{1D6E2CEA-A5BB-4CF7-B907-AE4DBF6748EB}"/>
+                </a:ext>
+                <a:ext uri="{C183D7F6-B498-43B3-948B-1728B52AA6E4}">
+                  <adec:decorative xmlns:adec="http://schemas.microsoft.com/office/drawing/2017/decorative" val="1"/>
+                </a:ext>
+              </a:extLst>
+            </p:cNvPr>
+            <p:cNvSpPr/>
+            <p:nvPr>
+              <p:extLst>
+                <p:ext uri="{386F3935-93C4-4BCD-93E2-E3B085C9AB24}">
+                  <p16:designElem xmlns:p16="http://schemas.microsoft.com/office/powerpoint/2015/main" val="1"/>
+                </p:ext>
+              </p:extLst>
+            </p:nvPr>
+          </p:nvSpPr>
+          <p:spPr>
+            <a:xfrm>
+              <a:off x="8932333" y="3048000"/>
+              <a:ext cx="3259667" cy="3810000"/>
+            </a:xfrm>
+            <a:prstGeom prst="triangle">
+              <a:avLst>
+                <a:gd name="adj" fmla="val 100000"/>
+              </a:avLst>
+            </a:prstGeom>
+            <a:solidFill>
+              <a:schemeClr val="accent2">
+                <a:alpha val="72000"/>
+              </a:schemeClr>
+            </a:solidFill>
+            <a:ln>
+              <a:noFill/>
+            </a:ln>
+            <a:effectLst/>
+          </p:spPr>
+          <p:style>
+            <a:lnRef idx="1">
+              <a:schemeClr val="accent1"/>
+            </a:lnRef>
+            <a:fillRef idx="3">
+              <a:schemeClr val="accent1"/>
+            </a:fillRef>
+            <a:effectRef idx="2">
+              <a:schemeClr val="accent1"/>
+            </a:effectRef>
+            <a:fontRef idx="minor">
+              <a:schemeClr val="lt1"/>
+            </a:fontRef>
+          </p:style>
+        </p:sp>
+        <p:sp>
+          <p:nvSpPr>
+            <p:cNvPr id="16" name="Rectangle 27">
+              <a:extLst>
+                <a:ext uri="{FF2B5EF4-FFF2-40B4-BE49-F238E27FC236}">
+                  <a16:creationId xmlns:a16="http://schemas.microsoft.com/office/drawing/2014/main" id="{78D09D5A-29CC-4B32-9CE1-72E607558A6C}"/>
+                </a:ext>
+                <a:ext uri="{C183D7F6-B498-43B3-948B-1728B52AA6E4}">
+                  <adec:decorative xmlns:adec="http://schemas.microsoft.com/office/drawing/2017/decorative" val="1"/>
+                </a:ext>
+              </a:extLst>
+            </p:cNvPr>
+            <p:cNvSpPr/>
+            <p:nvPr>
+              <p:extLst>
+                <p:ext uri="{386F3935-93C4-4BCD-93E2-E3B085C9AB24}">
+                  <p16:designElem xmlns:p16="http://schemas.microsoft.com/office/powerpoint/2015/main" val="1"/>
+                </p:ext>
+              </p:extLst>
+            </p:nvPr>
+          </p:nvSpPr>
+          <p:spPr>
+            <a:xfrm>
+              <a:off x="9334500" y="-8467"/>
+              <a:ext cx="2854326" cy="6866467"/>
+            </a:xfrm>
+            <a:custGeom>
+              <a:avLst/>
+              <a:gdLst/>
+              <a:ahLst/>
+              <a:cxnLst/>
+              <a:rect l="l" t="t" r="r" b="b"/>
+              <a:pathLst>
+                <a:path w="2858013" h="6866467">
+                  <a:moveTo>
+                    <a:pt x="0" y="0"/>
+                  </a:moveTo>
+                  <a:lnTo>
+                    <a:pt x="2858013" y="0"/>
+                  </a:lnTo>
+                  <a:lnTo>
+                    <a:pt x="2858013" y="6866467"/>
+                  </a:lnTo>
+                  <a:lnTo>
+                    <a:pt x="2473942" y="6866467"/>
+                  </a:lnTo>
+                  <a:lnTo>
+                    <a:pt x="0" y="0"/>
+                  </a:lnTo>
+                  <a:close/>
+                </a:path>
+              </a:pathLst>
+            </a:custGeom>
+            <a:solidFill>
+              <a:schemeClr val="accent2">
+                <a:lumMod val="75000"/>
+                <a:alpha val="70000"/>
+              </a:schemeClr>
+            </a:solidFill>
+            <a:ln>
+              <a:noFill/>
+            </a:ln>
+            <a:effectLst/>
+          </p:spPr>
+          <p:style>
+            <a:lnRef idx="1">
+              <a:schemeClr val="accent1"/>
+            </a:lnRef>
+            <a:fillRef idx="3">
+              <a:schemeClr val="accent1"/>
+            </a:fillRef>
+            <a:effectRef idx="2">
+              <a:schemeClr val="accent1"/>
+            </a:effectRef>
+            <a:fontRef idx="minor">
+              <a:schemeClr val="lt1"/>
+            </a:fontRef>
+          </p:style>
+        </p:sp>
+        <p:sp>
+          <p:nvSpPr>
+            <p:cNvPr id="17" name="Rectangle 28">
+              <a:extLst>
+                <a:ext uri="{FF2B5EF4-FFF2-40B4-BE49-F238E27FC236}">
+                  <a16:creationId xmlns:a16="http://schemas.microsoft.com/office/drawing/2014/main" id="{6DF3A3FC-950B-40B0-923D-0F0BC1A54204}"/>
+                </a:ext>
+                <a:ext uri="{C183D7F6-B498-43B3-948B-1728B52AA6E4}">
+                  <adec:decorative xmlns:adec="http://schemas.microsoft.com/office/drawing/2017/decorative" val="1"/>
+                </a:ext>
+              </a:extLst>
+            </p:cNvPr>
+            <p:cNvSpPr/>
+            <p:nvPr>
+              <p:extLst>
+                <p:ext uri="{386F3935-93C4-4BCD-93E2-E3B085C9AB24}">
+                  <p16:designElem xmlns:p16="http://schemas.microsoft.com/office/powerpoint/2015/main" val="1"/>
+                </p:ext>
+              </p:extLst>
+            </p:nvPr>
+          </p:nvSpPr>
+          <p:spPr>
+            <a:xfrm>
+              <a:off x="10898730" y="-8467"/>
+              <a:ext cx="1290094" cy="6866467"/>
+            </a:xfrm>
+            <a:custGeom>
+              <a:avLst/>
+              <a:gdLst/>
+              <a:ahLst/>
+              <a:cxnLst/>
+              <a:rect l="l" t="t" r="r" b="b"/>
+              <a:pathLst>
+                <a:path w="1290094" h="6858000">
+                  <a:moveTo>
+                    <a:pt x="1019735" y="0"/>
+                  </a:moveTo>
+                  <a:lnTo>
+                    <a:pt x="1290094" y="0"/>
+                  </a:lnTo>
+                  <a:lnTo>
+                    <a:pt x="1290094" y="6858000"/>
+                  </a:lnTo>
+                  <a:lnTo>
+                    <a:pt x="0" y="6858000"/>
+                  </a:lnTo>
+                  <a:lnTo>
+                    <a:pt x="1019735" y="0"/>
+                  </a:lnTo>
+                  <a:close/>
+                </a:path>
+              </a:pathLst>
+            </a:custGeom>
+            <a:solidFill>
+              <a:schemeClr val="accent1">
+                <a:lumMod val="60000"/>
+                <a:lumOff val="40000"/>
+                <a:alpha val="70000"/>
+              </a:schemeClr>
+            </a:solidFill>
+            <a:ln>
+              <a:noFill/>
+            </a:ln>
+            <a:effectLst/>
+          </p:spPr>
+          <p:style>
+            <a:lnRef idx="1">
+              <a:schemeClr val="accent1"/>
+            </a:lnRef>
+            <a:fillRef idx="3">
+              <a:schemeClr val="accent1"/>
+            </a:fillRef>
+            <a:effectRef idx="2">
+              <a:schemeClr val="accent1"/>
+            </a:effectRef>
+            <a:fontRef idx="minor">
+              <a:schemeClr val="lt1"/>
+            </a:fontRef>
+          </p:style>
+        </p:sp>
+        <p:sp>
+          <p:nvSpPr>
+            <p:cNvPr id="18" name="Rectangle 29">
+              <a:extLst>
+                <a:ext uri="{FF2B5EF4-FFF2-40B4-BE49-F238E27FC236}">
+                  <a16:creationId xmlns:a16="http://schemas.microsoft.com/office/drawing/2014/main" id="{BCA0F2E1-CD3D-4521-9CCB-41A5CC6C543E}"/>
+                </a:ext>
+                <a:ext uri="{C183D7F6-B498-43B3-948B-1728B52AA6E4}">
+                  <adec:decorative xmlns:adec="http://schemas.microsoft.com/office/drawing/2017/decorative" val="1"/>
+                </a:ext>
+              </a:extLst>
+            </p:cNvPr>
+            <p:cNvSpPr/>
+            <p:nvPr>
+              <p:extLst>
+                <p:ext uri="{386F3935-93C4-4BCD-93E2-E3B085C9AB24}">
+                  <p16:designElem xmlns:p16="http://schemas.microsoft.com/office/powerpoint/2015/main" val="1"/>
+                </p:ext>
+              </p:extLst>
+            </p:nvPr>
+          </p:nvSpPr>
+          <p:spPr>
+            <a:xfrm>
+              <a:off x="10938999" y="-8467"/>
+              <a:ext cx="1249825" cy="6866467"/>
+            </a:xfrm>
+            <a:custGeom>
+              <a:avLst/>
+              <a:gdLst/>
+              <a:ahLst/>
+              <a:cxnLst/>
+              <a:rect l="l" t="t" r="r" b="b"/>
+              <a:pathLst>
+                <a:path w="1249825" h="6858000">
+                  <a:moveTo>
+                    <a:pt x="0" y="0"/>
+                  </a:moveTo>
+                  <a:lnTo>
+                    <a:pt x="1249825" y="0"/>
+                  </a:lnTo>
+                  <a:lnTo>
+                    <a:pt x="1249825" y="6858000"/>
+                  </a:lnTo>
+                  <a:lnTo>
+                    <a:pt x="1109382" y="6858000"/>
+                  </a:lnTo>
+                  <a:lnTo>
+                    <a:pt x="0" y="0"/>
+                  </a:lnTo>
+                  <a:close/>
+                </a:path>
+              </a:pathLst>
+            </a:custGeom>
+            <a:solidFill>
+              <a:schemeClr val="accent1">
+                <a:alpha val="65000"/>
+              </a:schemeClr>
+            </a:solidFill>
+            <a:ln>
+              <a:noFill/>
+            </a:ln>
+            <a:effectLst/>
+          </p:spPr>
+          <p:style>
+            <a:lnRef idx="1">
+              <a:schemeClr val="accent1"/>
+            </a:lnRef>
+            <a:fillRef idx="3">
+              <a:schemeClr val="accent1"/>
+            </a:fillRef>
+            <a:effectRef idx="2">
+              <a:schemeClr val="accent1"/>
+            </a:effectRef>
+            <a:fontRef idx="minor">
+              <a:schemeClr val="lt1"/>
+            </a:fontRef>
+          </p:style>
+        </p:sp>
+        <p:sp>
+          <p:nvSpPr>
+            <p:cNvPr id="19" name="Isosceles Triangle 18">
+              <a:extLst>
+                <a:ext uri="{FF2B5EF4-FFF2-40B4-BE49-F238E27FC236}">
+                  <a16:creationId xmlns:a16="http://schemas.microsoft.com/office/drawing/2014/main" id="{9BA4F16A-21DC-462A-AD37-0A93C8B79E1E}"/>
+                </a:ext>
+                <a:ext uri="{C183D7F6-B498-43B3-948B-1728B52AA6E4}">
+                  <adec:decorative xmlns:adec="http://schemas.microsoft.com/office/drawing/2017/decorative" val="1"/>
+                </a:ext>
+              </a:extLst>
+            </p:cNvPr>
+            <p:cNvSpPr/>
+            <p:nvPr>
+              <p:extLst>
+                <p:ext uri="{386F3935-93C4-4BCD-93E2-E3B085C9AB24}">
+                  <p16:designElem xmlns:p16="http://schemas.microsoft.com/office/powerpoint/2015/main" val="1"/>
+                </p:ext>
+              </p:extLst>
+            </p:nvPr>
+          </p:nvSpPr>
+          <p:spPr>
+            <a:xfrm>
+              <a:off x="10371666" y="3589867"/>
+              <a:ext cx="1817159" cy="3268133"/>
+            </a:xfrm>
+            <a:prstGeom prst="triangle">
+              <a:avLst>
+                <a:gd name="adj" fmla="val 100000"/>
+              </a:avLst>
+            </a:prstGeom>
+            <a:solidFill>
+              <a:schemeClr val="accent1">
+                <a:alpha val="80000"/>
+              </a:schemeClr>
+            </a:solidFill>
+            <a:ln>
+              <a:noFill/>
+            </a:ln>
+            <a:effectLst/>
+          </p:spPr>
+          <p:style>
+            <a:lnRef idx="1">
+              <a:schemeClr val="accent1"/>
+            </a:lnRef>
+            <a:fillRef idx="3">
+              <a:schemeClr val="accent1"/>
+            </a:fillRef>
+            <a:effectRef idx="2">
+              <a:schemeClr val="accent1"/>
+            </a:effectRef>
+            <a:fontRef idx="minor">
+              <a:schemeClr val="lt1"/>
+            </a:fontRef>
+          </p:style>
+        </p:sp>
+        <p:sp>
+          <p:nvSpPr>
+            <p:cNvPr id="20" name="Isosceles Triangle 19">
+              <a:extLst>
+                <a:ext uri="{FF2B5EF4-FFF2-40B4-BE49-F238E27FC236}">
+                  <a16:creationId xmlns:a16="http://schemas.microsoft.com/office/drawing/2014/main" id="{FB75EBDD-038D-4572-A372-114938295706}"/>
+                </a:ext>
+                <a:ext uri="{C183D7F6-B498-43B3-948B-1728B52AA6E4}">
+                  <adec:decorative xmlns:adec="http://schemas.microsoft.com/office/drawing/2017/decorative" val="1"/>
+                </a:ext>
+              </a:extLst>
+            </p:cNvPr>
+            <p:cNvSpPr/>
+            <p:nvPr>
+              <p:extLst>
+                <p:ext uri="{386F3935-93C4-4BCD-93E2-E3B085C9AB24}">
+                  <p16:designElem xmlns:p16="http://schemas.microsoft.com/office/powerpoint/2015/main" val="1"/>
+                </p:ext>
+              </p:extLst>
+            </p:nvPr>
+          </p:nvSpPr>
+          <p:spPr>
+            <a:xfrm>
+              <a:off x="0" y="4013200"/>
+              <a:ext cx="448733" cy="2844800"/>
+            </a:xfrm>
+            <a:prstGeom prst="triangle">
+              <a:avLst>
+                <a:gd name="adj" fmla="val 0"/>
+              </a:avLst>
+            </a:prstGeom>
+            <a:solidFill>
+              <a:schemeClr val="accent1">
+                <a:alpha val="85000"/>
+              </a:schemeClr>
+            </a:solidFill>
+            <a:ln>
+              <a:noFill/>
+            </a:ln>
+            <a:effectLst/>
+          </p:spPr>
+          <p:style>
+            <a:lnRef idx="1">
+              <a:schemeClr val="accent1"/>
+            </a:lnRef>
+            <a:fillRef idx="3">
+              <a:schemeClr val="accent1"/>
+            </a:fillRef>
+            <a:effectRef idx="2">
+              <a:schemeClr val="accent1"/>
+            </a:effectRef>
+            <a:fontRef idx="minor">
+              <a:schemeClr val="lt1"/>
+            </a:fontRef>
+          </p:style>
+        </p:sp>
+      </p:grpSp>
+      <p:sp>
+        <p:nvSpPr>
+          <p:cNvPr id="45" name="Rectangle 21">
             <a:extLst>
               <a:ext uri="{FF2B5EF4-FFF2-40B4-BE49-F238E27FC236}">
-                <a16:creationId xmlns:a16="http://schemas.microsoft.com/office/drawing/2014/main" id="{D174C221-B6AA-0B1C-11BB-390757021173}"/>
+                <a16:creationId xmlns:a16="http://schemas.microsoft.com/office/drawing/2014/main" id="{21029ED5-F105-4DD2-99C8-1E4422817978}"/>
+              </a:ext>
+              <a:ext uri="{C183D7F6-B498-43B3-948B-1728B52AA6E4}">
+                <adec:decorative xmlns:adec="http://schemas.microsoft.com/office/drawing/2017/decorative" val="1"/>
               </a:ext>
             </a:extLst>
           </p:cNvPr>
           <p:cNvSpPr>
-            <a:spLocks noGrp="1"/>
-          </p:cNvSpPr>
-          <p:nvPr>
-            <p:ph idx="1"/>
-          </p:nvPr>
-        </p:nvSpPr>
-        <p:spPr/>
-        <p:txBody>
-          <a:bodyPr/>
+            <a:spLocks noGrp="1" noRot="1" noChangeAspect="1" noMove="1" noResize="1" noEditPoints="1" noAdjustHandles="1" noChangeArrowheads="1" noChangeShapeType="1" noTextEdit="1"/>
+          </p:cNvSpPr>
+          <p:nvPr>
+            <p:extLst>
+              <p:ext uri="{386F3935-93C4-4BCD-93E2-E3B085C9AB24}">
+                <p16:designElem xmlns:p16="http://schemas.microsoft.com/office/powerpoint/2015/main" val="1"/>
+              </p:ext>
+            </p:extLst>
+          </p:nvPr>
+        </p:nvSpPr>
+        <p:spPr>
+          <a:xfrm>
+            <a:off x="0" y="0"/>
+            <a:ext cx="12192000" cy="6858000"/>
+          </a:xfrm>
+          <a:prstGeom prst="rect">
+            <a:avLst/>
+          </a:prstGeom>
+          <a:ln>
+            <a:noFill/>
+          </a:ln>
+        </p:spPr>
+        <p:style>
+          <a:lnRef idx="2">
+            <a:schemeClr val="accent1">
+              <a:shade val="50000"/>
+            </a:schemeClr>
+          </a:lnRef>
+          <a:fillRef idx="1">
+            <a:schemeClr val="accent1"/>
+          </a:fillRef>
+          <a:effectRef idx="0">
+            <a:schemeClr val="accent1"/>
+          </a:effectRef>
+          <a:fontRef idx="minor">
+            <a:schemeClr val="lt1"/>
+          </a:fontRef>
+        </p:style>
+        <p:txBody>
+          <a:bodyPr rtlCol="0" anchor="ctr"/>
           <a:lstStyle/>
           <a:p>
-            <a:endParaRPr lang="hu-HU"/>
-          </a:p>
-        </p:txBody>
-      </p:sp>
+            <a:pPr algn="ctr"/>
+            <a:endParaRPr lang="en-US"/>
+          </a:p>
+        </p:txBody>
+      </p:sp>
+      <p:grpSp>
+        <p:nvGrpSpPr>
+          <p:cNvPr id="24" name="Group 23">
+            <a:extLst>
+              <a:ext uri="{FF2B5EF4-FFF2-40B4-BE49-F238E27FC236}">
+                <a16:creationId xmlns:a16="http://schemas.microsoft.com/office/drawing/2014/main" id="{2D621E68-BF28-4A1C-B1A2-4E55E139E79A}"/>
+              </a:ext>
+              <a:ext uri="{C183D7F6-B498-43B3-948B-1728B52AA6E4}">
+                <adec:decorative xmlns:adec="http://schemas.microsoft.com/office/drawing/2017/decorative" val="1"/>
+              </a:ext>
+            </a:extLst>
+          </p:cNvPr>
+          <p:cNvGrpSpPr>
+            <a:grpSpLocks noGrp="1" noUngrp="1" noRot="1" noChangeAspect="1" noMove="1" noResize="1"/>
+          </p:cNvGrpSpPr>
+          <p:nvPr>
+            <p:extLst>
+              <p:ext uri="{386F3935-93C4-4BCD-93E2-E3B085C9AB24}">
+                <p16:designElem xmlns:p16="http://schemas.microsoft.com/office/powerpoint/2015/main" val="1"/>
+              </p:ext>
+            </p:extLst>
+          </p:nvPr>
+        </p:nvGrpSpPr>
+        <p:grpSpPr>
+          <a:xfrm>
+            <a:off x="0" y="-8467"/>
+            <a:ext cx="12192000" cy="6866467"/>
+            <a:chOff x="0" y="-8467"/>
+            <a:chExt cx="12192000" cy="6866467"/>
+          </a:xfrm>
+        </p:grpSpPr>
+        <p:cxnSp>
+          <p:nvCxnSpPr>
+            <p:cNvPr id="25" name="Straight Connector 24">
+              <a:extLst>
+                <a:ext uri="{FF2B5EF4-FFF2-40B4-BE49-F238E27FC236}">
+                  <a16:creationId xmlns:a16="http://schemas.microsoft.com/office/drawing/2014/main" id="{BE8BBE4D-F0DF-49B9-B75A-99DAC53ACA77}"/>
+                </a:ext>
+                <a:ext uri="{C183D7F6-B498-43B3-948B-1728B52AA6E4}">
+                  <adec:decorative xmlns:adec="http://schemas.microsoft.com/office/drawing/2017/decorative" val="1"/>
+                </a:ext>
+              </a:extLst>
+            </p:cNvPr>
+            <p:cNvCxnSpPr/>
+            <p:nvPr>
+              <p:extLst>
+                <p:ext uri="{386F3935-93C4-4BCD-93E2-E3B085C9AB24}">
+                  <p16:designElem xmlns:p16="http://schemas.microsoft.com/office/powerpoint/2015/main" val="1"/>
+                </p:ext>
+              </p:extLst>
+            </p:nvPr>
+          </p:nvCxnSpPr>
+          <p:spPr>
+            <a:xfrm flipH="1">
+              <a:off x="7425267" y="3681413"/>
+              <a:ext cx="4763558" cy="3176587"/>
+            </a:xfrm>
+            <a:prstGeom prst="line">
+              <a:avLst/>
+            </a:prstGeom>
+            <a:ln w="9525">
+              <a:solidFill>
+                <a:schemeClr val="bg1">
+                  <a:lumMod val="85000"/>
+                </a:schemeClr>
+              </a:solidFill>
+            </a:ln>
+          </p:spPr>
+          <p:style>
+            <a:lnRef idx="2">
+              <a:schemeClr val="accent1"/>
+            </a:lnRef>
+            <a:fillRef idx="0">
+              <a:schemeClr val="accent1"/>
+            </a:fillRef>
+            <a:effectRef idx="1">
+              <a:schemeClr val="accent1"/>
+            </a:effectRef>
+            <a:fontRef idx="minor">
+              <a:schemeClr val="tx1"/>
+            </a:fontRef>
+          </p:style>
+        </p:cxnSp>
+        <p:sp>
+          <p:nvSpPr>
+            <p:cNvPr id="26" name="Rectangle 23">
+              <a:extLst>
+                <a:ext uri="{FF2B5EF4-FFF2-40B4-BE49-F238E27FC236}">
+                  <a16:creationId xmlns:a16="http://schemas.microsoft.com/office/drawing/2014/main" id="{E0F07DDC-34A6-46A1-9DE9-2BBE2931A55B}"/>
+                </a:ext>
+                <a:ext uri="{C183D7F6-B498-43B3-948B-1728B52AA6E4}">
+                  <adec:decorative xmlns:adec="http://schemas.microsoft.com/office/drawing/2017/decorative" val="1"/>
+                </a:ext>
+              </a:extLst>
+            </p:cNvPr>
+            <p:cNvSpPr/>
+            <p:nvPr>
+              <p:extLst>
+                <p:ext uri="{386F3935-93C4-4BCD-93E2-E3B085C9AB24}">
+                  <p16:designElem xmlns:p16="http://schemas.microsoft.com/office/powerpoint/2015/main" val="1"/>
+                </p:ext>
+              </p:extLst>
+            </p:nvPr>
+          </p:nvSpPr>
+          <p:spPr>
+            <a:xfrm>
+              <a:off x="9181476" y="-8467"/>
+              <a:ext cx="3007349" cy="6866467"/>
+            </a:xfrm>
+            <a:custGeom>
+              <a:avLst/>
+              <a:gdLst/>
+              <a:ahLst/>
+              <a:cxnLst/>
+              <a:rect l="l" t="t" r="r" b="b"/>
+              <a:pathLst>
+                <a:path w="3007349" h="6866467">
+                  <a:moveTo>
+                    <a:pt x="2045532" y="0"/>
+                  </a:moveTo>
+                  <a:lnTo>
+                    <a:pt x="3007349" y="0"/>
+                  </a:lnTo>
+                  <a:lnTo>
+                    <a:pt x="3007349" y="6866467"/>
+                  </a:lnTo>
+                  <a:lnTo>
+                    <a:pt x="0" y="6866467"/>
+                  </a:lnTo>
+                  <a:lnTo>
+                    <a:pt x="2045532" y="0"/>
+                  </a:lnTo>
+                  <a:close/>
+                </a:path>
+              </a:pathLst>
+            </a:custGeom>
+            <a:solidFill>
+              <a:schemeClr val="accent1">
+                <a:alpha val="30000"/>
+              </a:schemeClr>
+            </a:solidFill>
+            <a:ln>
+              <a:noFill/>
+            </a:ln>
+            <a:effectLst/>
+          </p:spPr>
+          <p:style>
+            <a:lnRef idx="1">
+              <a:schemeClr val="accent1"/>
+            </a:lnRef>
+            <a:fillRef idx="3">
+              <a:schemeClr val="accent1"/>
+            </a:fillRef>
+            <a:effectRef idx="2">
+              <a:schemeClr val="accent1"/>
+            </a:effectRef>
+            <a:fontRef idx="minor">
+              <a:schemeClr val="lt1"/>
+            </a:fontRef>
+          </p:style>
+        </p:sp>
+        <p:sp>
+          <p:nvSpPr>
+            <p:cNvPr id="27" name="Rectangle 25">
+              <a:extLst>
+                <a:ext uri="{FF2B5EF4-FFF2-40B4-BE49-F238E27FC236}">
+                  <a16:creationId xmlns:a16="http://schemas.microsoft.com/office/drawing/2014/main" id="{2CEB2BF9-B8DB-45B9-86EA-D197B5B1AEFF}"/>
+                </a:ext>
+                <a:ext uri="{C183D7F6-B498-43B3-948B-1728B52AA6E4}">
+                  <adec:decorative xmlns:adec="http://schemas.microsoft.com/office/drawing/2017/decorative" val="1"/>
+                </a:ext>
+              </a:extLst>
+            </p:cNvPr>
+            <p:cNvSpPr/>
+            <p:nvPr>
+              <p:extLst>
+                <p:ext uri="{386F3935-93C4-4BCD-93E2-E3B085C9AB24}">
+                  <p16:designElem xmlns:p16="http://schemas.microsoft.com/office/powerpoint/2015/main" val="1"/>
+                </p:ext>
+              </p:extLst>
+            </p:nvPr>
+          </p:nvSpPr>
+          <p:spPr>
+            <a:xfrm>
+              <a:off x="9603442" y="-8467"/>
+              <a:ext cx="2588558" cy="6866467"/>
+            </a:xfrm>
+            <a:custGeom>
+              <a:avLst/>
+              <a:gdLst/>
+              <a:ahLst/>
+              <a:cxnLst/>
+              <a:rect l="l" t="t" r="r" b="b"/>
+              <a:pathLst>
+                <a:path w="2573311" h="6866467">
+                  <a:moveTo>
+                    <a:pt x="0" y="0"/>
+                  </a:moveTo>
+                  <a:lnTo>
+                    <a:pt x="2573311" y="0"/>
+                  </a:lnTo>
+                  <a:lnTo>
+                    <a:pt x="2573311" y="6866467"/>
+                  </a:lnTo>
+                  <a:lnTo>
+                    <a:pt x="1202336" y="6866467"/>
+                  </a:lnTo>
+                  <a:lnTo>
+                    <a:pt x="0" y="0"/>
+                  </a:lnTo>
+                  <a:close/>
+                </a:path>
+              </a:pathLst>
+            </a:custGeom>
+            <a:solidFill>
+              <a:schemeClr val="accent1">
+                <a:alpha val="20000"/>
+              </a:schemeClr>
+            </a:solidFill>
+            <a:ln>
+              <a:noFill/>
+            </a:ln>
+            <a:effectLst/>
+          </p:spPr>
+          <p:style>
+            <a:lnRef idx="1">
+              <a:schemeClr val="accent1"/>
+            </a:lnRef>
+            <a:fillRef idx="3">
+              <a:schemeClr val="accent1"/>
+            </a:fillRef>
+            <a:effectRef idx="2">
+              <a:schemeClr val="accent1"/>
+            </a:effectRef>
+            <a:fontRef idx="minor">
+              <a:schemeClr val="lt1"/>
+            </a:fontRef>
+          </p:style>
+        </p:sp>
+        <p:sp>
+          <p:nvSpPr>
+            <p:cNvPr id="28" name="Isosceles Triangle 27">
+              <a:extLst>
+                <a:ext uri="{FF2B5EF4-FFF2-40B4-BE49-F238E27FC236}">
+                  <a16:creationId xmlns:a16="http://schemas.microsoft.com/office/drawing/2014/main" id="{08B5BB34-3801-4E70-A981-FE007635E11D}"/>
+                </a:ext>
+                <a:ext uri="{C183D7F6-B498-43B3-948B-1728B52AA6E4}">
+                  <adec:decorative xmlns:adec="http://schemas.microsoft.com/office/drawing/2017/decorative" val="1"/>
+                </a:ext>
+              </a:extLst>
+            </p:cNvPr>
+            <p:cNvSpPr/>
+            <p:nvPr>
+              <p:extLst>
+                <p:ext uri="{386F3935-93C4-4BCD-93E2-E3B085C9AB24}">
+                  <p16:designElem xmlns:p16="http://schemas.microsoft.com/office/powerpoint/2015/main" val="1"/>
+                </p:ext>
+              </p:extLst>
+            </p:nvPr>
+          </p:nvSpPr>
+          <p:spPr>
+            <a:xfrm>
+              <a:off x="8932333" y="3048000"/>
+              <a:ext cx="3259667" cy="3810000"/>
+            </a:xfrm>
+            <a:prstGeom prst="triangle">
+              <a:avLst>
+                <a:gd name="adj" fmla="val 100000"/>
+              </a:avLst>
+            </a:prstGeom>
+            <a:solidFill>
+              <a:schemeClr val="accent2">
+                <a:alpha val="72000"/>
+              </a:schemeClr>
+            </a:solidFill>
+            <a:ln>
+              <a:noFill/>
+            </a:ln>
+            <a:effectLst/>
+          </p:spPr>
+          <p:style>
+            <a:lnRef idx="1">
+              <a:schemeClr val="accent1"/>
+            </a:lnRef>
+            <a:fillRef idx="3">
+              <a:schemeClr val="accent1"/>
+            </a:fillRef>
+            <a:effectRef idx="2">
+              <a:schemeClr val="accent1"/>
+            </a:effectRef>
+            <a:fontRef idx="minor">
+              <a:schemeClr val="lt1"/>
+            </a:fontRef>
+          </p:style>
+        </p:sp>
+        <p:sp>
+          <p:nvSpPr>
+            <p:cNvPr id="29" name="Rectangle 27">
+              <a:extLst>
+                <a:ext uri="{FF2B5EF4-FFF2-40B4-BE49-F238E27FC236}">
+                  <a16:creationId xmlns:a16="http://schemas.microsoft.com/office/drawing/2014/main" id="{38432A75-2CEB-463C-A8F2-ABB50A79F444}"/>
+                </a:ext>
+                <a:ext uri="{C183D7F6-B498-43B3-948B-1728B52AA6E4}">
+                  <adec:decorative xmlns:adec="http://schemas.microsoft.com/office/drawing/2017/decorative" val="1"/>
+                </a:ext>
+              </a:extLst>
+            </p:cNvPr>
+            <p:cNvSpPr/>
+            <p:nvPr>
+              <p:extLst>
+                <p:ext uri="{386F3935-93C4-4BCD-93E2-E3B085C9AB24}">
+                  <p16:designElem xmlns:p16="http://schemas.microsoft.com/office/powerpoint/2015/main" val="1"/>
+                </p:ext>
+              </p:extLst>
+            </p:nvPr>
+          </p:nvSpPr>
+          <p:spPr>
+            <a:xfrm>
+              <a:off x="9334500" y="-8467"/>
+              <a:ext cx="2854326" cy="6866467"/>
+            </a:xfrm>
+            <a:custGeom>
+              <a:avLst/>
+              <a:gdLst/>
+              <a:ahLst/>
+              <a:cxnLst/>
+              <a:rect l="l" t="t" r="r" b="b"/>
+              <a:pathLst>
+                <a:path w="2858013" h="6866467">
+                  <a:moveTo>
+                    <a:pt x="0" y="0"/>
+                  </a:moveTo>
+                  <a:lnTo>
+                    <a:pt x="2858013" y="0"/>
+                  </a:lnTo>
+                  <a:lnTo>
+                    <a:pt x="2858013" y="6866467"/>
+                  </a:lnTo>
+                  <a:lnTo>
+                    <a:pt x="2473942" y="6866467"/>
+                  </a:lnTo>
+                  <a:lnTo>
+                    <a:pt x="0" y="0"/>
+                  </a:lnTo>
+                  <a:close/>
+                </a:path>
+              </a:pathLst>
+            </a:custGeom>
+            <a:solidFill>
+              <a:schemeClr val="accent2">
+                <a:lumMod val="75000"/>
+                <a:alpha val="70000"/>
+              </a:schemeClr>
+            </a:solidFill>
+            <a:ln>
+              <a:noFill/>
+            </a:ln>
+            <a:effectLst/>
+          </p:spPr>
+          <p:style>
+            <a:lnRef idx="1">
+              <a:schemeClr val="accent1"/>
+            </a:lnRef>
+            <a:fillRef idx="3">
+              <a:schemeClr val="accent1"/>
+            </a:fillRef>
+            <a:effectRef idx="2">
+              <a:schemeClr val="accent1"/>
+            </a:effectRef>
+            <a:fontRef idx="minor">
+              <a:schemeClr val="lt1"/>
+            </a:fontRef>
+          </p:style>
+        </p:sp>
+        <p:sp>
+          <p:nvSpPr>
+            <p:cNvPr id="30" name="Rectangle 28">
+              <a:extLst>
+                <a:ext uri="{FF2B5EF4-FFF2-40B4-BE49-F238E27FC236}">
+                  <a16:creationId xmlns:a16="http://schemas.microsoft.com/office/drawing/2014/main" id="{E7E850B8-C050-4597-8BEB-113FEC9A27C9}"/>
+                </a:ext>
+                <a:ext uri="{C183D7F6-B498-43B3-948B-1728B52AA6E4}">
+                  <adec:decorative xmlns:adec="http://schemas.microsoft.com/office/drawing/2017/decorative" val="1"/>
+                </a:ext>
+              </a:extLst>
+            </p:cNvPr>
+            <p:cNvSpPr/>
+            <p:nvPr>
+              <p:extLst>
+                <p:ext uri="{386F3935-93C4-4BCD-93E2-E3B085C9AB24}">
+                  <p16:designElem xmlns:p16="http://schemas.microsoft.com/office/powerpoint/2015/main" val="1"/>
+                </p:ext>
+              </p:extLst>
+            </p:nvPr>
+          </p:nvSpPr>
+          <p:spPr>
+            <a:xfrm>
+              <a:off x="10898730" y="-8467"/>
+              <a:ext cx="1290094" cy="6866467"/>
+            </a:xfrm>
+            <a:custGeom>
+              <a:avLst/>
+              <a:gdLst/>
+              <a:ahLst/>
+              <a:cxnLst/>
+              <a:rect l="l" t="t" r="r" b="b"/>
+              <a:pathLst>
+                <a:path w="1290094" h="6858000">
+                  <a:moveTo>
+                    <a:pt x="1019735" y="0"/>
+                  </a:moveTo>
+                  <a:lnTo>
+                    <a:pt x="1290094" y="0"/>
+                  </a:lnTo>
+                  <a:lnTo>
+                    <a:pt x="1290094" y="6858000"/>
+                  </a:lnTo>
+                  <a:lnTo>
+                    <a:pt x="0" y="6858000"/>
+                  </a:lnTo>
+                  <a:lnTo>
+                    <a:pt x="1019735" y="0"/>
+                  </a:lnTo>
+                  <a:close/>
+                </a:path>
+              </a:pathLst>
+            </a:custGeom>
+            <a:solidFill>
+              <a:schemeClr val="accent1">
+                <a:lumMod val="60000"/>
+                <a:lumOff val="40000"/>
+                <a:alpha val="70000"/>
+              </a:schemeClr>
+            </a:solidFill>
+            <a:ln>
+              <a:noFill/>
+            </a:ln>
+            <a:effectLst/>
+          </p:spPr>
+          <p:style>
+            <a:lnRef idx="1">
+              <a:schemeClr val="accent1"/>
+            </a:lnRef>
+            <a:fillRef idx="3">
+              <a:schemeClr val="accent1"/>
+            </a:fillRef>
+            <a:effectRef idx="2">
+              <a:schemeClr val="accent1"/>
+            </a:effectRef>
+            <a:fontRef idx="minor">
+              <a:schemeClr val="lt1"/>
+            </a:fontRef>
+          </p:style>
+        </p:sp>
+        <p:sp>
+          <p:nvSpPr>
+            <p:cNvPr id="31" name="Rectangle 29">
+              <a:extLst>
+                <a:ext uri="{FF2B5EF4-FFF2-40B4-BE49-F238E27FC236}">
+                  <a16:creationId xmlns:a16="http://schemas.microsoft.com/office/drawing/2014/main" id="{24ACC798-9CEC-4B6F-A8DD-F8E6FCCCF164}"/>
+                </a:ext>
+                <a:ext uri="{C183D7F6-B498-43B3-948B-1728B52AA6E4}">
+                  <adec:decorative xmlns:adec="http://schemas.microsoft.com/office/drawing/2017/decorative" val="1"/>
+                </a:ext>
+              </a:extLst>
+            </p:cNvPr>
+            <p:cNvSpPr/>
+            <p:nvPr>
+              <p:extLst>
+                <p:ext uri="{386F3935-93C4-4BCD-93E2-E3B085C9AB24}">
+                  <p16:designElem xmlns:p16="http://schemas.microsoft.com/office/powerpoint/2015/main" val="1"/>
+                </p:ext>
+              </p:extLst>
+            </p:nvPr>
+          </p:nvSpPr>
+          <p:spPr>
+            <a:xfrm>
+              <a:off x="10938999" y="-8467"/>
+              <a:ext cx="1249825" cy="6866467"/>
+            </a:xfrm>
+            <a:custGeom>
+              <a:avLst/>
+              <a:gdLst/>
+              <a:ahLst/>
+              <a:cxnLst/>
+              <a:rect l="l" t="t" r="r" b="b"/>
+              <a:pathLst>
+                <a:path w="1249825" h="6858000">
+                  <a:moveTo>
+                    <a:pt x="0" y="0"/>
+                  </a:moveTo>
+                  <a:lnTo>
+                    <a:pt x="1249825" y="0"/>
+                  </a:lnTo>
+                  <a:lnTo>
+                    <a:pt x="1249825" y="6858000"/>
+                  </a:lnTo>
+                  <a:lnTo>
+                    <a:pt x="1109382" y="6858000"/>
+                  </a:lnTo>
+                  <a:lnTo>
+                    <a:pt x="0" y="0"/>
+                  </a:lnTo>
+                  <a:close/>
+                </a:path>
+              </a:pathLst>
+            </a:custGeom>
+            <a:solidFill>
+              <a:schemeClr val="accent1">
+                <a:alpha val="65000"/>
+              </a:schemeClr>
+            </a:solidFill>
+            <a:ln>
+              <a:noFill/>
+            </a:ln>
+            <a:effectLst/>
+          </p:spPr>
+          <p:style>
+            <a:lnRef idx="1">
+              <a:schemeClr val="accent1"/>
+            </a:lnRef>
+            <a:fillRef idx="3">
+              <a:schemeClr val="accent1"/>
+            </a:fillRef>
+            <a:effectRef idx="2">
+              <a:schemeClr val="accent1"/>
+            </a:effectRef>
+            <a:fontRef idx="minor">
+              <a:schemeClr val="lt1"/>
+            </a:fontRef>
+          </p:style>
+        </p:sp>
+        <p:sp>
+          <p:nvSpPr>
+            <p:cNvPr id="32" name="Isosceles Triangle 31">
+              <a:extLst>
+                <a:ext uri="{FF2B5EF4-FFF2-40B4-BE49-F238E27FC236}">
+                  <a16:creationId xmlns:a16="http://schemas.microsoft.com/office/drawing/2014/main" id="{1D58A8C6-1294-4CD9-89BC-F1E981A524AA}"/>
+                </a:ext>
+                <a:ext uri="{C183D7F6-B498-43B3-948B-1728B52AA6E4}">
+                  <adec:decorative xmlns:adec="http://schemas.microsoft.com/office/drawing/2017/decorative" val="1"/>
+                </a:ext>
+              </a:extLst>
+            </p:cNvPr>
+            <p:cNvSpPr/>
+            <p:nvPr>
+              <p:extLst>
+                <p:ext uri="{386F3935-93C4-4BCD-93E2-E3B085C9AB24}">
+                  <p16:designElem xmlns:p16="http://schemas.microsoft.com/office/powerpoint/2015/main" val="1"/>
+                </p:ext>
+              </p:extLst>
+            </p:nvPr>
+          </p:nvSpPr>
+          <p:spPr>
+            <a:xfrm>
+              <a:off x="10371666" y="3589867"/>
+              <a:ext cx="1817159" cy="3268133"/>
+            </a:xfrm>
+            <a:prstGeom prst="triangle">
+              <a:avLst>
+                <a:gd name="adj" fmla="val 100000"/>
+              </a:avLst>
+            </a:prstGeom>
+            <a:solidFill>
+              <a:schemeClr val="accent1">
+                <a:alpha val="80000"/>
+              </a:schemeClr>
+            </a:solidFill>
+            <a:ln>
+              <a:noFill/>
+            </a:ln>
+            <a:effectLst/>
+          </p:spPr>
+          <p:style>
+            <a:lnRef idx="1">
+              <a:schemeClr val="accent1"/>
+            </a:lnRef>
+            <a:fillRef idx="3">
+              <a:schemeClr val="accent1"/>
+            </a:fillRef>
+            <a:effectRef idx="2">
+              <a:schemeClr val="accent1"/>
+            </a:effectRef>
+            <a:fontRef idx="minor">
+              <a:schemeClr val="lt1"/>
+            </a:fontRef>
+          </p:style>
+        </p:sp>
+        <p:sp>
+          <p:nvSpPr>
+            <p:cNvPr id="33" name="Isosceles Triangle 32">
+              <a:extLst>
+                <a:ext uri="{FF2B5EF4-FFF2-40B4-BE49-F238E27FC236}">
+                  <a16:creationId xmlns:a16="http://schemas.microsoft.com/office/drawing/2014/main" id="{F32F2ED6-6143-46C4-A641-72D42732B6FA}"/>
+                </a:ext>
+                <a:ext uri="{C183D7F6-B498-43B3-948B-1728B52AA6E4}">
+                  <adec:decorative xmlns:adec="http://schemas.microsoft.com/office/drawing/2017/decorative" val="1"/>
+                </a:ext>
+              </a:extLst>
+            </p:cNvPr>
+            <p:cNvSpPr/>
+            <p:nvPr>
+              <p:extLst>
+                <p:ext uri="{386F3935-93C4-4BCD-93E2-E3B085C9AB24}">
+                  <p16:designElem xmlns:p16="http://schemas.microsoft.com/office/powerpoint/2015/main" val="1"/>
+                </p:ext>
+              </p:extLst>
+            </p:nvPr>
+          </p:nvSpPr>
+          <p:spPr>
+            <a:xfrm>
+              <a:off x="0" y="4013200"/>
+              <a:ext cx="448733" cy="2844800"/>
+            </a:xfrm>
+            <a:prstGeom prst="triangle">
+              <a:avLst>
+                <a:gd name="adj" fmla="val 0"/>
+              </a:avLst>
+            </a:prstGeom>
+            <a:solidFill>
+              <a:schemeClr val="accent1">
+                <a:alpha val="85000"/>
+              </a:schemeClr>
+            </a:solidFill>
+            <a:ln>
+              <a:noFill/>
+            </a:ln>
+            <a:effectLst/>
+          </p:spPr>
+          <p:style>
+            <a:lnRef idx="1">
+              <a:schemeClr val="accent1"/>
+            </a:lnRef>
+            <a:fillRef idx="3">
+              <a:schemeClr val="accent1"/>
+            </a:fillRef>
+            <a:effectRef idx="2">
+              <a:schemeClr val="accent1"/>
+            </a:effectRef>
+            <a:fontRef idx="minor">
+              <a:schemeClr val="lt1"/>
+            </a:fontRef>
+          </p:style>
+        </p:sp>
+      </p:grpSp>
+      <p:sp>
+        <p:nvSpPr>
+          <p:cNvPr id="46" name="Rectangle 34">
+            <a:extLst>
+              <a:ext uri="{FF2B5EF4-FFF2-40B4-BE49-F238E27FC236}">
+                <a16:creationId xmlns:a16="http://schemas.microsoft.com/office/drawing/2014/main" id="{5C9652B3-A450-4ED6-8FBF-F536BA60B4D8}"/>
+              </a:ext>
+              <a:ext uri="{C183D7F6-B498-43B3-948B-1728B52AA6E4}">
+                <adec:decorative xmlns:adec="http://schemas.microsoft.com/office/drawing/2017/decorative" val="1"/>
+              </a:ext>
+            </a:extLst>
+          </p:cNvPr>
+          <p:cNvSpPr>
+            <a:spLocks noGrp="1" noRot="1" noChangeAspect="1" noMove="1" noResize="1" noEditPoints="1" noAdjustHandles="1" noChangeArrowheads="1" noChangeShapeType="1" noTextEdit="1"/>
+          </p:cNvSpPr>
+          <p:nvPr>
+            <p:extLst>
+              <p:ext uri="{386F3935-93C4-4BCD-93E2-E3B085C9AB24}">
+                <p16:designElem xmlns:p16="http://schemas.microsoft.com/office/powerpoint/2015/main" val="1"/>
+              </p:ext>
+            </p:extLst>
+          </p:nvPr>
+        </p:nvSpPr>
+        <p:spPr>
+          <a:xfrm>
+            <a:off x="477012" y="480060"/>
+            <a:ext cx="11237976" cy="5897880"/>
+          </a:xfrm>
+          <a:prstGeom prst="rect">
+            <a:avLst/>
+          </a:prstGeom>
+          <a:solidFill>
+            <a:srgbClr val="FFFFFF"/>
+          </a:solidFill>
+          <a:ln w="22225">
+            <a:solidFill>
+              <a:srgbClr val="FFFFFF"/>
+            </a:solidFill>
+          </a:ln>
+        </p:spPr>
+        <p:style>
+          <a:lnRef idx="2">
+            <a:schemeClr val="accent1">
+              <a:shade val="50000"/>
+            </a:schemeClr>
+          </a:lnRef>
+          <a:fillRef idx="1">
+            <a:schemeClr val="accent1"/>
+          </a:fillRef>
+          <a:effectRef idx="0">
+            <a:schemeClr val="accent1"/>
+          </a:effectRef>
+          <a:fontRef idx="minor">
+            <a:schemeClr val="lt1"/>
+          </a:fontRef>
+        </p:style>
+        <p:txBody>
+          <a:bodyPr rtlCol="0" anchor="ctr"/>
+          <a:lstStyle/>
+          <a:p>
+            <a:pPr algn="ctr"/>
+            <a:endParaRPr lang="en-US"/>
+          </a:p>
+        </p:txBody>
+      </p:sp>
+      <p:pic>
+        <p:nvPicPr>
+          <p:cNvPr id="5" name="Picture 4" descr="A picture containing graphical user interface&#10;&#10;Description automatically generated">
+            <a:extLst>
+              <a:ext uri="{FF2B5EF4-FFF2-40B4-BE49-F238E27FC236}">
+                <a16:creationId xmlns:a16="http://schemas.microsoft.com/office/drawing/2014/main" id="{2AD17F4E-E00C-E959-6085-1789660023ED}"/>
+              </a:ext>
+            </a:extLst>
+          </p:cNvPr>
+          <p:cNvPicPr>
+            <a:picLocks noChangeAspect="1"/>
+          </p:cNvPicPr>
+          <p:nvPr/>
+        </p:nvPicPr>
+        <p:blipFill rotWithShape="1">
+          <a:blip r:embed="rId2">
+            <a:extLst>
+              <a:ext uri="{28A0092B-C50C-407E-A947-70E740481C1C}">
+                <a14:useLocalDpi xmlns:a14="http://schemas.microsoft.com/office/drawing/2010/main" val="0"/>
+              </a:ext>
+            </a:extLst>
+          </a:blip>
+          <a:srcRect r="1" b="5580"/>
+          <a:stretch/>
+        </p:blipFill>
+        <p:spPr>
+          <a:xfrm>
+            <a:off x="568452" y="571500"/>
+            <a:ext cx="11055096" cy="5715000"/>
+          </a:xfrm>
+          <a:prstGeom prst="rect">
+            <a:avLst/>
+          </a:prstGeom>
+        </p:spPr>
+      </p:pic>
     </p:spTree>
     <p:extLst>
       <p:ext uri="{BB962C8B-B14F-4D97-AF65-F5344CB8AC3E}">
-        <p14:creationId xmlns:p14="http://schemas.microsoft.com/office/powerpoint/2010/main" val="19534586"/>
+        <p14:creationId xmlns:p14="http://schemas.microsoft.com/office/powerpoint/2010/main" val="4174110863"/>
       </p:ext>
     </p:extLst>
   </p:cSld>
@@ -6257,6 +8964,778 @@
 </file>
 
 <file path=ppt/slides/slide6.xml><?xml version="1.0" encoding="utf-8"?>
+<p:sld xmlns:a="http://schemas.openxmlformats.org/drawingml/2006/main" xmlns:r="http://schemas.openxmlformats.org/officeDocument/2006/relationships" xmlns:p="http://schemas.openxmlformats.org/presentationml/2006/main">
+  <p:cSld>
+    <p:bg>
+      <p:bgPr>
+        <a:solidFill>
+          <a:schemeClr val="bg1"/>
+        </a:solidFill>
+        <a:effectLst/>
+      </p:bgPr>
+    </p:bg>
+    <p:spTree>
+      <p:nvGrpSpPr>
+        <p:cNvPr id="1" name=""/>
+        <p:cNvGrpSpPr/>
+        <p:nvPr/>
+      </p:nvGrpSpPr>
+      <p:grpSpPr>
+        <a:xfrm>
+          <a:off x="0" y="0"/>
+          <a:ext cx="0" cy="0"/>
+          <a:chOff x="0" y="0"/>
+          <a:chExt cx="0" cy="0"/>
+        </a:xfrm>
+      </p:grpSpPr>
+      <p:grpSp>
+        <p:nvGrpSpPr>
+          <p:cNvPr id="41" name="Group 9">
+            <a:extLst>
+              <a:ext uri="{FF2B5EF4-FFF2-40B4-BE49-F238E27FC236}">
+                <a16:creationId xmlns:a16="http://schemas.microsoft.com/office/drawing/2014/main" id="{A4D026A2-7476-44B0-9648-BB98882F7BA3}"/>
+              </a:ext>
+              <a:ext uri="{C183D7F6-B498-43B3-948B-1728B52AA6E4}">
+                <adec:decorative xmlns:adec="http://schemas.microsoft.com/office/drawing/2017/decorative" val="1"/>
+              </a:ext>
+            </a:extLst>
+          </p:cNvPr>
+          <p:cNvGrpSpPr>
+            <a:grpSpLocks noGrp="1" noUngrp="1" noRot="1" noChangeAspect="1" noMove="1" noResize="1"/>
+          </p:cNvGrpSpPr>
+          <p:nvPr>
+            <p:extLst>
+              <p:ext uri="{386F3935-93C4-4BCD-93E2-E3B085C9AB24}">
+                <p16:designElem xmlns:p16="http://schemas.microsoft.com/office/powerpoint/2015/main" val="1"/>
+              </p:ext>
+            </p:extLst>
+          </p:nvPr>
+        </p:nvGrpSpPr>
+        <p:grpSpPr>
+          <a:xfrm>
+            <a:off x="0" y="-8467"/>
+            <a:ext cx="12192000" cy="6866467"/>
+            <a:chOff x="0" y="-8467"/>
+            <a:chExt cx="12192000" cy="6866467"/>
+          </a:xfrm>
+        </p:grpSpPr>
+        <p:cxnSp>
+          <p:nvCxnSpPr>
+            <p:cNvPr id="11" name="Straight Connector 10">
+              <a:extLst>
+                <a:ext uri="{FF2B5EF4-FFF2-40B4-BE49-F238E27FC236}">
+                  <a16:creationId xmlns:a16="http://schemas.microsoft.com/office/drawing/2014/main" id="{48F8FC21-0A44-4045-95A1-B7935DBC603D}"/>
+                </a:ext>
+                <a:ext uri="{C183D7F6-B498-43B3-948B-1728B52AA6E4}">
+                  <adec:decorative xmlns:adec="http://schemas.microsoft.com/office/drawing/2017/decorative" val="1"/>
+                </a:ext>
+              </a:extLst>
+            </p:cNvPr>
+            <p:cNvCxnSpPr/>
+            <p:nvPr>
+              <p:extLst>
+                <p:ext uri="{386F3935-93C4-4BCD-93E2-E3B085C9AB24}">
+                  <p16:designElem xmlns:p16="http://schemas.microsoft.com/office/powerpoint/2015/main" val="1"/>
+                </p:ext>
+              </p:extLst>
+            </p:nvPr>
+          </p:nvCxnSpPr>
+          <p:spPr>
+            <a:xfrm>
+              <a:off x="9371012" y="0"/>
+              <a:ext cx="1219200" cy="6858000"/>
+            </a:xfrm>
+            <a:prstGeom prst="line">
+              <a:avLst/>
+            </a:prstGeom>
+            <a:ln w="9525">
+              <a:solidFill>
+                <a:schemeClr val="accent1">
+                  <a:alpha val="70000"/>
+                </a:schemeClr>
+              </a:solidFill>
+            </a:ln>
+          </p:spPr>
+          <p:style>
+            <a:lnRef idx="2">
+              <a:schemeClr val="accent1"/>
+            </a:lnRef>
+            <a:fillRef idx="0">
+              <a:schemeClr val="accent1"/>
+            </a:fillRef>
+            <a:effectRef idx="1">
+              <a:schemeClr val="accent1"/>
+            </a:effectRef>
+            <a:fontRef idx="minor">
+              <a:schemeClr val="tx1"/>
+            </a:fontRef>
+          </p:style>
+        </p:cxnSp>
+        <p:cxnSp>
+          <p:nvCxnSpPr>
+            <p:cNvPr id="12" name="Straight Connector 11">
+              <a:extLst>
+                <a:ext uri="{FF2B5EF4-FFF2-40B4-BE49-F238E27FC236}">
+                  <a16:creationId xmlns:a16="http://schemas.microsoft.com/office/drawing/2014/main" id="{0209B962-CD29-4D46-A7B0-10F6C7CF1C0F}"/>
+                </a:ext>
+                <a:ext uri="{C183D7F6-B498-43B3-948B-1728B52AA6E4}">
+                  <adec:decorative xmlns:adec="http://schemas.microsoft.com/office/drawing/2017/decorative" val="1"/>
+                </a:ext>
+              </a:extLst>
+            </p:cNvPr>
+            <p:cNvCxnSpPr/>
+            <p:nvPr>
+              <p:extLst>
+                <p:ext uri="{386F3935-93C4-4BCD-93E2-E3B085C9AB24}">
+                  <p16:designElem xmlns:p16="http://schemas.microsoft.com/office/powerpoint/2015/main" val="1"/>
+                </p:ext>
+              </p:extLst>
+            </p:nvPr>
+          </p:nvCxnSpPr>
+          <p:spPr>
+            <a:xfrm flipH="1">
+              <a:off x="7425267" y="3681413"/>
+              <a:ext cx="4763558" cy="3176587"/>
+            </a:xfrm>
+            <a:prstGeom prst="line">
+              <a:avLst/>
+            </a:prstGeom>
+            <a:ln w="9525">
+              <a:solidFill>
+                <a:schemeClr val="accent1">
+                  <a:alpha val="70000"/>
+                </a:schemeClr>
+              </a:solidFill>
+            </a:ln>
+          </p:spPr>
+          <p:style>
+            <a:lnRef idx="2">
+              <a:schemeClr val="accent1"/>
+            </a:lnRef>
+            <a:fillRef idx="0">
+              <a:schemeClr val="accent1"/>
+            </a:fillRef>
+            <a:effectRef idx="1">
+              <a:schemeClr val="accent1"/>
+            </a:effectRef>
+            <a:fontRef idx="minor">
+              <a:schemeClr val="tx1"/>
+            </a:fontRef>
+          </p:style>
+        </p:cxnSp>
+        <p:sp>
+          <p:nvSpPr>
+            <p:cNvPr id="13" name="Rectangle 23">
+              <a:extLst>
+                <a:ext uri="{FF2B5EF4-FFF2-40B4-BE49-F238E27FC236}">
+                  <a16:creationId xmlns:a16="http://schemas.microsoft.com/office/drawing/2014/main" id="{CC8D40CF-4D47-411D-A8B7-0E4B29E9832B}"/>
+                </a:ext>
+                <a:ext uri="{C183D7F6-B498-43B3-948B-1728B52AA6E4}">
+                  <adec:decorative xmlns:adec="http://schemas.microsoft.com/office/drawing/2017/decorative" val="1"/>
+                </a:ext>
+              </a:extLst>
+            </p:cNvPr>
+            <p:cNvSpPr/>
+            <p:nvPr>
+              <p:extLst>
+                <p:ext uri="{386F3935-93C4-4BCD-93E2-E3B085C9AB24}">
+                  <p16:designElem xmlns:p16="http://schemas.microsoft.com/office/powerpoint/2015/main" val="1"/>
+                </p:ext>
+              </p:extLst>
+            </p:nvPr>
+          </p:nvSpPr>
+          <p:spPr>
+            <a:xfrm>
+              <a:off x="9181476" y="-8467"/>
+              <a:ext cx="3007349" cy="6866467"/>
+            </a:xfrm>
+            <a:custGeom>
+              <a:avLst/>
+              <a:gdLst/>
+              <a:ahLst/>
+              <a:cxnLst/>
+              <a:rect l="l" t="t" r="r" b="b"/>
+              <a:pathLst>
+                <a:path w="3007349" h="6866467">
+                  <a:moveTo>
+                    <a:pt x="2045532" y="0"/>
+                  </a:moveTo>
+                  <a:lnTo>
+                    <a:pt x="3007349" y="0"/>
+                  </a:lnTo>
+                  <a:lnTo>
+                    <a:pt x="3007349" y="6866467"/>
+                  </a:lnTo>
+                  <a:lnTo>
+                    <a:pt x="0" y="6866467"/>
+                  </a:lnTo>
+                  <a:lnTo>
+                    <a:pt x="2045532" y="0"/>
+                  </a:lnTo>
+                  <a:close/>
+                </a:path>
+              </a:pathLst>
+            </a:custGeom>
+            <a:solidFill>
+              <a:schemeClr val="accent1">
+                <a:alpha val="36000"/>
+              </a:schemeClr>
+            </a:solidFill>
+            <a:ln>
+              <a:noFill/>
+            </a:ln>
+            <a:effectLst/>
+          </p:spPr>
+          <p:style>
+            <a:lnRef idx="1">
+              <a:schemeClr val="accent1"/>
+            </a:lnRef>
+            <a:fillRef idx="3">
+              <a:schemeClr val="accent1"/>
+            </a:fillRef>
+            <a:effectRef idx="2">
+              <a:schemeClr val="accent1"/>
+            </a:effectRef>
+            <a:fontRef idx="minor">
+              <a:schemeClr val="lt1"/>
+            </a:fontRef>
+          </p:style>
+        </p:sp>
+        <p:sp>
+          <p:nvSpPr>
+            <p:cNvPr id="14" name="Rectangle 25">
+              <a:extLst>
+                <a:ext uri="{FF2B5EF4-FFF2-40B4-BE49-F238E27FC236}">
+                  <a16:creationId xmlns:a16="http://schemas.microsoft.com/office/drawing/2014/main" id="{9B48A2AD-5257-4384-A7F5-A1EE4E6883A5}"/>
+                </a:ext>
+                <a:ext uri="{C183D7F6-B498-43B3-948B-1728B52AA6E4}">
+                  <adec:decorative xmlns:adec="http://schemas.microsoft.com/office/drawing/2017/decorative" val="1"/>
+                </a:ext>
+              </a:extLst>
+            </p:cNvPr>
+            <p:cNvSpPr/>
+            <p:nvPr>
+              <p:extLst>
+                <p:ext uri="{386F3935-93C4-4BCD-93E2-E3B085C9AB24}">
+                  <p16:designElem xmlns:p16="http://schemas.microsoft.com/office/powerpoint/2015/main" val="1"/>
+                </p:ext>
+              </p:extLst>
+            </p:nvPr>
+          </p:nvSpPr>
+          <p:spPr>
+            <a:xfrm>
+              <a:off x="9603442" y="-8467"/>
+              <a:ext cx="2588558" cy="6866467"/>
+            </a:xfrm>
+            <a:custGeom>
+              <a:avLst/>
+              <a:gdLst/>
+              <a:ahLst/>
+              <a:cxnLst/>
+              <a:rect l="l" t="t" r="r" b="b"/>
+              <a:pathLst>
+                <a:path w="2573311" h="6866467">
+                  <a:moveTo>
+                    <a:pt x="0" y="0"/>
+                  </a:moveTo>
+                  <a:lnTo>
+                    <a:pt x="2573311" y="0"/>
+                  </a:lnTo>
+                  <a:lnTo>
+                    <a:pt x="2573311" y="6866467"/>
+                  </a:lnTo>
+                  <a:lnTo>
+                    <a:pt x="1202336" y="6866467"/>
+                  </a:lnTo>
+                  <a:lnTo>
+                    <a:pt x="0" y="0"/>
+                  </a:lnTo>
+                  <a:close/>
+                </a:path>
+              </a:pathLst>
+            </a:custGeom>
+            <a:solidFill>
+              <a:schemeClr val="accent1">
+                <a:alpha val="20000"/>
+              </a:schemeClr>
+            </a:solidFill>
+            <a:ln>
+              <a:noFill/>
+            </a:ln>
+            <a:effectLst/>
+          </p:spPr>
+          <p:style>
+            <a:lnRef idx="1">
+              <a:schemeClr val="accent1"/>
+            </a:lnRef>
+            <a:fillRef idx="3">
+              <a:schemeClr val="accent1"/>
+            </a:fillRef>
+            <a:effectRef idx="2">
+              <a:schemeClr val="accent1"/>
+            </a:effectRef>
+            <a:fontRef idx="minor">
+              <a:schemeClr val="lt1"/>
+            </a:fontRef>
+          </p:style>
+        </p:sp>
+        <p:sp>
+          <p:nvSpPr>
+            <p:cNvPr id="15" name="Isosceles Triangle 14">
+              <a:extLst>
+                <a:ext uri="{FF2B5EF4-FFF2-40B4-BE49-F238E27FC236}">
+                  <a16:creationId xmlns:a16="http://schemas.microsoft.com/office/drawing/2014/main" id="{04C26DE3-844C-47DA-831E-E7D7BF617EC2}"/>
+                </a:ext>
+                <a:ext uri="{C183D7F6-B498-43B3-948B-1728B52AA6E4}">
+                  <adec:decorative xmlns:adec="http://schemas.microsoft.com/office/drawing/2017/decorative" val="1"/>
+                </a:ext>
+              </a:extLst>
+            </p:cNvPr>
+            <p:cNvSpPr/>
+            <p:nvPr>
+              <p:extLst>
+                <p:ext uri="{386F3935-93C4-4BCD-93E2-E3B085C9AB24}">
+                  <p16:designElem xmlns:p16="http://schemas.microsoft.com/office/powerpoint/2015/main" val="1"/>
+                </p:ext>
+              </p:extLst>
+            </p:nvPr>
+          </p:nvSpPr>
+          <p:spPr>
+            <a:xfrm>
+              <a:off x="8932333" y="3048000"/>
+              <a:ext cx="3259667" cy="3810000"/>
+            </a:xfrm>
+            <a:prstGeom prst="triangle">
+              <a:avLst>
+                <a:gd name="adj" fmla="val 100000"/>
+              </a:avLst>
+            </a:prstGeom>
+            <a:solidFill>
+              <a:schemeClr val="accent1">
+                <a:lumMod val="75000"/>
+                <a:alpha val="66000"/>
+              </a:schemeClr>
+            </a:solidFill>
+            <a:ln>
+              <a:noFill/>
+            </a:ln>
+            <a:effectLst/>
+          </p:spPr>
+          <p:style>
+            <a:lnRef idx="1">
+              <a:schemeClr val="accent1"/>
+            </a:lnRef>
+            <a:fillRef idx="3">
+              <a:schemeClr val="accent1"/>
+            </a:fillRef>
+            <a:effectRef idx="2">
+              <a:schemeClr val="accent1"/>
+            </a:effectRef>
+            <a:fontRef idx="minor">
+              <a:schemeClr val="lt1"/>
+            </a:fontRef>
+          </p:style>
+        </p:sp>
+        <p:sp>
+          <p:nvSpPr>
+            <p:cNvPr id="16" name="Rectangle 27">
+              <a:extLst>
+                <a:ext uri="{FF2B5EF4-FFF2-40B4-BE49-F238E27FC236}">
+                  <a16:creationId xmlns:a16="http://schemas.microsoft.com/office/drawing/2014/main" id="{922D975E-0684-4AA6-9FB7-929B250D5389}"/>
+                </a:ext>
+                <a:ext uri="{C183D7F6-B498-43B3-948B-1728B52AA6E4}">
+                  <adec:decorative xmlns:adec="http://schemas.microsoft.com/office/drawing/2017/decorative" val="1"/>
+                </a:ext>
+              </a:extLst>
+            </p:cNvPr>
+            <p:cNvSpPr/>
+            <p:nvPr>
+              <p:extLst>
+                <p:ext uri="{386F3935-93C4-4BCD-93E2-E3B085C9AB24}">
+                  <p16:designElem xmlns:p16="http://schemas.microsoft.com/office/powerpoint/2015/main" val="1"/>
+                </p:ext>
+              </p:extLst>
+            </p:nvPr>
+          </p:nvSpPr>
+          <p:spPr>
+            <a:xfrm>
+              <a:off x="9334500" y="-8467"/>
+              <a:ext cx="2854326" cy="6866467"/>
+            </a:xfrm>
+            <a:custGeom>
+              <a:avLst/>
+              <a:gdLst/>
+              <a:ahLst/>
+              <a:cxnLst/>
+              <a:rect l="l" t="t" r="r" b="b"/>
+              <a:pathLst>
+                <a:path w="2858013" h="6866467">
+                  <a:moveTo>
+                    <a:pt x="0" y="0"/>
+                  </a:moveTo>
+                  <a:lnTo>
+                    <a:pt x="2858013" y="0"/>
+                  </a:lnTo>
+                  <a:lnTo>
+                    <a:pt x="2858013" y="6866467"/>
+                  </a:lnTo>
+                  <a:lnTo>
+                    <a:pt x="2473942" y="6866467"/>
+                  </a:lnTo>
+                  <a:lnTo>
+                    <a:pt x="0" y="0"/>
+                  </a:lnTo>
+                  <a:close/>
+                </a:path>
+              </a:pathLst>
+            </a:custGeom>
+            <a:solidFill>
+              <a:schemeClr val="accent1">
+                <a:lumMod val="75000"/>
+                <a:alpha val="50000"/>
+              </a:schemeClr>
+            </a:solidFill>
+            <a:ln>
+              <a:noFill/>
+            </a:ln>
+            <a:effectLst/>
+          </p:spPr>
+          <p:style>
+            <a:lnRef idx="1">
+              <a:schemeClr val="accent1"/>
+            </a:lnRef>
+            <a:fillRef idx="3">
+              <a:schemeClr val="accent1"/>
+            </a:fillRef>
+            <a:effectRef idx="2">
+              <a:schemeClr val="accent1"/>
+            </a:effectRef>
+            <a:fontRef idx="minor">
+              <a:schemeClr val="lt1"/>
+            </a:fontRef>
+          </p:style>
+        </p:sp>
+        <p:sp>
+          <p:nvSpPr>
+            <p:cNvPr id="17" name="Rectangle 28">
+              <a:extLst>
+                <a:ext uri="{FF2B5EF4-FFF2-40B4-BE49-F238E27FC236}">
+                  <a16:creationId xmlns:a16="http://schemas.microsoft.com/office/drawing/2014/main" id="{38ED5A9A-F0C7-4547-BC1E-22FC89BD26D1}"/>
+                </a:ext>
+                <a:ext uri="{C183D7F6-B498-43B3-948B-1728B52AA6E4}">
+                  <adec:decorative xmlns:adec="http://schemas.microsoft.com/office/drawing/2017/decorative" val="1"/>
+                </a:ext>
+              </a:extLst>
+            </p:cNvPr>
+            <p:cNvSpPr/>
+            <p:nvPr>
+              <p:extLst>
+                <p:ext uri="{386F3935-93C4-4BCD-93E2-E3B085C9AB24}">
+                  <p16:designElem xmlns:p16="http://schemas.microsoft.com/office/powerpoint/2015/main" val="1"/>
+                </p:ext>
+              </p:extLst>
+            </p:nvPr>
+          </p:nvSpPr>
+          <p:spPr>
+            <a:xfrm>
+              <a:off x="10898730" y="-8467"/>
+              <a:ext cx="1290094" cy="6866467"/>
+            </a:xfrm>
+            <a:custGeom>
+              <a:avLst/>
+              <a:gdLst/>
+              <a:ahLst/>
+              <a:cxnLst/>
+              <a:rect l="l" t="t" r="r" b="b"/>
+              <a:pathLst>
+                <a:path w="1290094" h="6858000">
+                  <a:moveTo>
+                    <a:pt x="1019735" y="0"/>
+                  </a:moveTo>
+                  <a:lnTo>
+                    <a:pt x="1290094" y="0"/>
+                  </a:lnTo>
+                  <a:lnTo>
+                    <a:pt x="1290094" y="6858000"/>
+                  </a:lnTo>
+                  <a:lnTo>
+                    <a:pt x="0" y="6858000"/>
+                  </a:lnTo>
+                  <a:lnTo>
+                    <a:pt x="1019735" y="0"/>
+                  </a:lnTo>
+                  <a:close/>
+                </a:path>
+              </a:pathLst>
+            </a:custGeom>
+            <a:solidFill>
+              <a:schemeClr val="accent2">
+                <a:alpha val="70000"/>
+              </a:schemeClr>
+            </a:solidFill>
+            <a:ln>
+              <a:noFill/>
+            </a:ln>
+            <a:effectLst/>
+          </p:spPr>
+          <p:style>
+            <a:lnRef idx="1">
+              <a:schemeClr val="accent1"/>
+            </a:lnRef>
+            <a:fillRef idx="3">
+              <a:schemeClr val="accent1"/>
+            </a:fillRef>
+            <a:effectRef idx="2">
+              <a:schemeClr val="accent1"/>
+            </a:effectRef>
+            <a:fontRef idx="minor">
+              <a:schemeClr val="lt1"/>
+            </a:fontRef>
+          </p:style>
+        </p:sp>
+        <p:sp>
+          <p:nvSpPr>
+            <p:cNvPr id="18" name="Rectangle 29">
+              <a:extLst>
+                <a:ext uri="{FF2B5EF4-FFF2-40B4-BE49-F238E27FC236}">
+                  <a16:creationId xmlns:a16="http://schemas.microsoft.com/office/drawing/2014/main" id="{2D743765-A245-4349-A5CE-4AB5F078F91E}"/>
+                </a:ext>
+                <a:ext uri="{C183D7F6-B498-43B3-948B-1728B52AA6E4}">
+                  <adec:decorative xmlns:adec="http://schemas.microsoft.com/office/drawing/2017/decorative" val="1"/>
+                </a:ext>
+              </a:extLst>
+            </p:cNvPr>
+            <p:cNvSpPr/>
+            <p:nvPr>
+              <p:extLst>
+                <p:ext uri="{386F3935-93C4-4BCD-93E2-E3B085C9AB24}">
+                  <p16:designElem xmlns:p16="http://schemas.microsoft.com/office/powerpoint/2015/main" val="1"/>
+                </p:ext>
+              </p:extLst>
+            </p:nvPr>
+          </p:nvSpPr>
+          <p:spPr>
+            <a:xfrm>
+              <a:off x="10938999" y="-8467"/>
+              <a:ext cx="1249825" cy="6866467"/>
+            </a:xfrm>
+            <a:custGeom>
+              <a:avLst/>
+              <a:gdLst/>
+              <a:ahLst/>
+              <a:cxnLst/>
+              <a:rect l="l" t="t" r="r" b="b"/>
+              <a:pathLst>
+                <a:path w="1249825" h="6858000">
+                  <a:moveTo>
+                    <a:pt x="0" y="0"/>
+                  </a:moveTo>
+                  <a:lnTo>
+                    <a:pt x="1249825" y="0"/>
+                  </a:lnTo>
+                  <a:lnTo>
+                    <a:pt x="1249825" y="6858000"/>
+                  </a:lnTo>
+                  <a:lnTo>
+                    <a:pt x="1109382" y="6858000"/>
+                  </a:lnTo>
+                  <a:lnTo>
+                    <a:pt x="0" y="0"/>
+                  </a:lnTo>
+                  <a:close/>
+                </a:path>
+              </a:pathLst>
+            </a:custGeom>
+            <a:solidFill>
+              <a:schemeClr val="accent2">
+                <a:lumMod val="75000"/>
+                <a:alpha val="80000"/>
+              </a:schemeClr>
+            </a:solidFill>
+            <a:ln>
+              <a:noFill/>
+            </a:ln>
+            <a:effectLst/>
+          </p:spPr>
+          <p:style>
+            <a:lnRef idx="1">
+              <a:schemeClr val="accent1"/>
+            </a:lnRef>
+            <a:fillRef idx="3">
+              <a:schemeClr val="accent1"/>
+            </a:fillRef>
+            <a:effectRef idx="2">
+              <a:schemeClr val="accent1"/>
+            </a:effectRef>
+            <a:fontRef idx="minor">
+              <a:schemeClr val="lt1"/>
+            </a:fontRef>
+          </p:style>
+        </p:sp>
+        <p:sp>
+          <p:nvSpPr>
+            <p:cNvPr id="19" name="Isosceles Triangle 18">
+              <a:extLst>
+                <a:ext uri="{FF2B5EF4-FFF2-40B4-BE49-F238E27FC236}">
+                  <a16:creationId xmlns:a16="http://schemas.microsoft.com/office/drawing/2014/main" id="{0AF7217B-D042-44D2-9FC7-71FAB6651A47}"/>
+                </a:ext>
+                <a:ext uri="{C183D7F6-B498-43B3-948B-1728B52AA6E4}">
+                  <adec:decorative xmlns:adec="http://schemas.microsoft.com/office/drawing/2017/decorative" val="1"/>
+                </a:ext>
+              </a:extLst>
+            </p:cNvPr>
+            <p:cNvSpPr/>
+            <p:nvPr>
+              <p:extLst>
+                <p:ext uri="{386F3935-93C4-4BCD-93E2-E3B085C9AB24}">
+                  <p16:designElem xmlns:p16="http://schemas.microsoft.com/office/powerpoint/2015/main" val="1"/>
+                </p:ext>
+              </p:extLst>
+            </p:nvPr>
+          </p:nvSpPr>
+          <p:spPr>
+            <a:xfrm>
+              <a:off x="10371666" y="3589867"/>
+              <a:ext cx="1817159" cy="3268133"/>
+            </a:xfrm>
+            <a:prstGeom prst="triangle">
+              <a:avLst>
+                <a:gd name="adj" fmla="val 100000"/>
+              </a:avLst>
+            </a:prstGeom>
+            <a:solidFill>
+              <a:schemeClr val="accent1">
+                <a:lumMod val="75000"/>
+                <a:alpha val="66000"/>
+              </a:schemeClr>
+            </a:solidFill>
+            <a:ln>
+              <a:noFill/>
+            </a:ln>
+            <a:effectLst/>
+          </p:spPr>
+          <p:style>
+            <a:lnRef idx="1">
+              <a:schemeClr val="accent1"/>
+            </a:lnRef>
+            <a:fillRef idx="3">
+              <a:schemeClr val="accent1"/>
+            </a:fillRef>
+            <a:effectRef idx="2">
+              <a:schemeClr val="accent1"/>
+            </a:effectRef>
+            <a:fontRef idx="minor">
+              <a:schemeClr val="lt1"/>
+            </a:fontRef>
+          </p:style>
+        </p:sp>
+        <p:sp>
+          <p:nvSpPr>
+            <p:cNvPr id="20" name="Isosceles Triangle 19">
+              <a:extLst>
+                <a:ext uri="{FF2B5EF4-FFF2-40B4-BE49-F238E27FC236}">
+                  <a16:creationId xmlns:a16="http://schemas.microsoft.com/office/drawing/2014/main" id="{1CC9171B-8BEB-48B1-B9BE-E9584522D074}"/>
+                </a:ext>
+                <a:ext uri="{C183D7F6-B498-43B3-948B-1728B52AA6E4}">
+                  <adec:decorative xmlns:adec="http://schemas.microsoft.com/office/drawing/2017/decorative" val="1"/>
+                </a:ext>
+              </a:extLst>
+            </p:cNvPr>
+            <p:cNvSpPr/>
+            <p:nvPr>
+              <p:extLst>
+                <p:ext uri="{386F3935-93C4-4BCD-93E2-E3B085C9AB24}">
+                  <p16:designElem xmlns:p16="http://schemas.microsoft.com/office/powerpoint/2015/main" val="1"/>
+                </p:ext>
+              </p:extLst>
+            </p:nvPr>
+          </p:nvSpPr>
+          <p:spPr>
+            <a:xfrm>
+              <a:off x="0" y="4013200"/>
+              <a:ext cx="448733" cy="2844800"/>
+            </a:xfrm>
+            <a:prstGeom prst="triangle">
+              <a:avLst>
+                <a:gd name="adj" fmla="val 0"/>
+              </a:avLst>
+            </a:prstGeom>
+            <a:solidFill>
+              <a:schemeClr val="accent1">
+                <a:alpha val="70000"/>
+              </a:schemeClr>
+            </a:solidFill>
+            <a:ln>
+              <a:noFill/>
+            </a:ln>
+            <a:effectLst/>
+          </p:spPr>
+          <p:style>
+            <a:lnRef idx="1">
+              <a:schemeClr val="accent1"/>
+            </a:lnRef>
+            <a:fillRef idx="3">
+              <a:schemeClr val="accent1"/>
+            </a:fillRef>
+            <a:effectRef idx="2">
+              <a:schemeClr val="accent1"/>
+            </a:effectRef>
+            <a:fontRef idx="minor">
+              <a:schemeClr val="lt1"/>
+            </a:fontRef>
+          </p:style>
+        </p:sp>
+      </p:grpSp>
+      <p:pic>
+        <p:nvPicPr>
+          <p:cNvPr id="5" name="Picture 4" descr="Diagram&#10;&#10;Description automatically generated">
+            <a:extLst>
+              <a:ext uri="{FF2B5EF4-FFF2-40B4-BE49-F238E27FC236}">
+                <a16:creationId xmlns:a16="http://schemas.microsoft.com/office/drawing/2014/main" id="{6A230176-CE9B-45C9-12AE-8C0E7FE273DC}"/>
+              </a:ext>
+            </a:extLst>
+          </p:cNvPr>
+          <p:cNvPicPr>
+            <a:picLocks noChangeAspect="1"/>
+          </p:cNvPicPr>
+          <p:nvPr/>
+        </p:nvPicPr>
+        <p:blipFill>
+          <a:blip r:embed="rId2">
+            <a:extLst>
+              <a:ext uri="{28A0092B-C50C-407E-A947-70E740481C1C}">
+                <a14:useLocalDpi xmlns:a14="http://schemas.microsoft.com/office/drawing/2010/main" val="0"/>
+              </a:ext>
+            </a:extLst>
+          </a:blip>
+          <a:stretch>
+            <a:fillRect/>
+          </a:stretch>
+        </p:blipFill>
+        <p:spPr>
+          <a:xfrm>
+            <a:off x="195286" y="352316"/>
+            <a:ext cx="10549185" cy="6144900"/>
+          </a:xfrm>
+          <a:prstGeom prst="rect">
+            <a:avLst/>
+          </a:prstGeom>
+        </p:spPr>
+      </p:pic>
+    </p:spTree>
+    <p:extLst>
+      <p:ext uri="{BB962C8B-B14F-4D97-AF65-F5344CB8AC3E}">
+        <p14:creationId xmlns:p14="http://schemas.microsoft.com/office/powerpoint/2010/main" val="2267680420"/>
+      </p:ext>
+    </p:extLst>
+  </p:cSld>
+  <p:clrMapOvr>
+    <a:masterClrMapping/>
+  </p:clrMapOvr>
+</p:sld>
+</file>
+
+<file path=ppt/slides/slide7.xml><?xml version="1.0" encoding="utf-8"?>
 <p:sld xmlns:a="http://schemas.openxmlformats.org/drawingml/2006/main" xmlns:r="http://schemas.openxmlformats.org/officeDocument/2006/relationships" xmlns:p="http://schemas.openxmlformats.org/presentationml/2006/main">
   <p:cSld>
     <p:spTree>
@@ -6320,17 +9799,81 @@
         </p:nvSpPr>
         <p:spPr>
           <a:xfrm>
-            <a:off x="243701" y="1642114"/>
-            <a:ext cx="7589973" cy="3880773"/>
+            <a:off x="413382" y="1612263"/>
+            <a:ext cx="8860619" cy="5001897"/>
           </a:xfrm>
         </p:spPr>
         <p:txBody>
-          <a:bodyPr/>
+          <a:bodyPr>
+            <a:normAutofit/>
+          </a:bodyPr>
           <a:lstStyle/>
           <a:p>
             <a:r>
               <a:rPr lang="en-US" dirty="0"/>
               <a:t>If you can supply power to the window, the installation is basically free</a:t>
+            </a:r>
+          </a:p>
+          <a:p>
+            <a:r>
+              <a:rPr lang="en-US" dirty="0"/>
+              <a:t>The cost of the energy use is close to negligible</a:t>
+            </a:r>
+          </a:p>
+          <a:p>
+            <a:pPr lvl="1"/>
+            <a:r>
+              <a:rPr lang="en-US" dirty="0"/>
+              <a:t>Sensor: 4 AAA batteries last for about 2.5-3 months (or plug in)</a:t>
+            </a:r>
+          </a:p>
+          <a:p>
+            <a:pPr lvl="1"/>
+            <a:r>
+              <a:rPr lang="en-US" dirty="0"/>
+              <a:t>Controller: consumes about 6 </a:t>
+            </a:r>
+            <a:r>
+              <a:rPr lang="en-US" dirty="0" err="1"/>
+              <a:t>Wh</a:t>
+            </a:r>
+            <a:r>
+              <a:rPr lang="en-US" dirty="0"/>
+              <a:t> in a day</a:t>
+            </a:r>
+          </a:p>
+          <a:p>
+            <a:r>
+              <a:rPr lang="en-US" dirty="0"/>
+              <a:t>Very rough estimation: you can save around 60-85 EUR per year in a small apartment</a:t>
+            </a:r>
+          </a:p>
+          <a:p>
+            <a:pPr lvl="1"/>
+            <a:r>
+              <a:rPr lang="en-US" dirty="0"/>
+              <a:t>Part cost for one pair of devices: 85 EUR</a:t>
+            </a:r>
+          </a:p>
+          <a:p>
+            <a:pPr lvl="1"/>
+            <a:r>
+              <a:rPr lang="en-US" dirty="0"/>
+              <a:t>PCB + assembly cost for one pair of devices: ~70 EUR</a:t>
+            </a:r>
+          </a:p>
+          <a:p>
+            <a:pPr lvl="1"/>
+            <a:r>
+              <a:rPr lang="en-US" dirty="0"/>
+              <a:t>So the system pays back its price in 2 years</a:t>
+            </a:r>
+          </a:p>
+          <a:p>
+            <a:pPr lvl="2"/>
+            <a:r>
+              <a:rPr lang="en-US" dirty="0"/>
+              <a:t>Pretty good investment for a cool home automation project!</a:t>
             </a:r>
           </a:p>
           <a:p>
@@ -6342,6 +9885,90 @@
     <p:extLst>
       <p:ext uri="{BB962C8B-B14F-4D97-AF65-F5344CB8AC3E}">
         <p14:creationId xmlns:p14="http://schemas.microsoft.com/office/powerpoint/2010/main" val="3667880200"/>
+      </p:ext>
+    </p:extLst>
+  </p:cSld>
+  <p:clrMapOvr>
+    <a:masterClrMapping/>
+  </p:clrMapOvr>
+</p:sld>
+</file>
+
+<file path=ppt/slides/slide8.xml><?xml version="1.0" encoding="utf-8"?>
+<p:sld xmlns:a="http://schemas.openxmlformats.org/drawingml/2006/main" xmlns:r="http://schemas.openxmlformats.org/officeDocument/2006/relationships" xmlns:p="http://schemas.openxmlformats.org/presentationml/2006/main">
+  <p:cSld>
+    <p:spTree>
+      <p:nvGrpSpPr>
+        <p:cNvPr id="1" name=""/>
+        <p:cNvGrpSpPr/>
+        <p:nvPr/>
+      </p:nvGrpSpPr>
+      <p:grpSpPr>
+        <a:xfrm>
+          <a:off x="0" y="0"/>
+          <a:ext cx="0" cy="0"/>
+          <a:chOff x="0" y="0"/>
+          <a:chExt cx="0" cy="0"/>
+        </a:xfrm>
+      </p:grpSpPr>
+      <p:sp>
+        <p:nvSpPr>
+          <p:cNvPr id="2" name="Title 1">
+            <a:extLst>
+              <a:ext uri="{FF2B5EF4-FFF2-40B4-BE49-F238E27FC236}">
+                <a16:creationId xmlns:a16="http://schemas.microsoft.com/office/drawing/2014/main" id="{E22B92B4-4A0E-E013-6DF6-EABFC4EC70BA}"/>
+              </a:ext>
+            </a:extLst>
+          </p:cNvPr>
+          <p:cNvSpPr>
+            <a:spLocks noGrp="1"/>
+          </p:cNvSpPr>
+          <p:nvPr>
+            <p:ph type="title"/>
+          </p:nvPr>
+        </p:nvSpPr>
+        <p:spPr/>
+        <p:txBody>
+          <a:bodyPr/>
+          <a:lstStyle/>
+          <a:p>
+            <a:r>
+              <a:rPr lang="en-US" dirty="0"/>
+              <a:t>Usability, expendability</a:t>
+            </a:r>
+            <a:endParaRPr lang="hu-HU" dirty="0"/>
+          </a:p>
+        </p:txBody>
+      </p:sp>
+      <p:sp>
+        <p:nvSpPr>
+          <p:cNvPr id="5" name="Content Placeholder 4">
+            <a:extLst>
+              <a:ext uri="{FF2B5EF4-FFF2-40B4-BE49-F238E27FC236}">
+                <a16:creationId xmlns:a16="http://schemas.microsoft.com/office/drawing/2014/main" id="{9F840C76-455F-2413-B076-E9079DC2383C}"/>
+              </a:ext>
+            </a:extLst>
+          </p:cNvPr>
+          <p:cNvSpPr>
+            <a:spLocks noGrp="1"/>
+          </p:cNvSpPr>
+          <p:nvPr>
+            <p:ph idx="1"/>
+          </p:nvPr>
+        </p:nvSpPr>
+        <p:spPr/>
+        <p:txBody>
+          <a:bodyPr/>
+          <a:lstStyle/>
+          <a:p>
+            <a:endParaRPr lang="hu-HU"/>
+          </a:p>
+        </p:txBody>
+      </p:sp>
+    </p:spTree>
+    <p:extLst>
+      <p:ext uri="{BB962C8B-B14F-4D97-AF65-F5344CB8AC3E}">
+        <p14:creationId xmlns:p14="http://schemas.microsoft.com/office/powerpoint/2010/main" val="19534586"/>
       </p:ext>
     </p:extLst>
   </p:cSld>
@@ -6606,4 +10233,299 @@
     </a:ext>
   </a:extLst>
 </a:theme>
+</file>
+
+<file path=ppt/theme/theme2.xml><?xml version="1.0" encoding="utf-8"?>
+<a:theme xmlns:a="http://schemas.openxmlformats.org/drawingml/2006/main" name="Office Theme">
+  <a:themeElements>
+    <a:clrScheme name="Office">
+      <a:dk1>
+        <a:sysClr val="windowText" lastClr="000000"/>
+      </a:dk1>
+      <a:lt1>
+        <a:sysClr val="window" lastClr="FFFFFF"/>
+      </a:lt1>
+      <a:dk2>
+        <a:srgbClr val="44546A"/>
+      </a:dk2>
+      <a:lt2>
+        <a:srgbClr val="E7E6E6"/>
+      </a:lt2>
+      <a:accent1>
+        <a:srgbClr val="4472C4"/>
+      </a:accent1>
+      <a:accent2>
+        <a:srgbClr val="ED7D31"/>
+      </a:accent2>
+      <a:accent3>
+        <a:srgbClr val="A5A5A5"/>
+      </a:accent3>
+      <a:accent4>
+        <a:srgbClr val="FFC000"/>
+      </a:accent4>
+      <a:accent5>
+        <a:srgbClr val="5B9BD5"/>
+      </a:accent5>
+      <a:accent6>
+        <a:srgbClr val="70AD47"/>
+      </a:accent6>
+      <a:hlink>
+        <a:srgbClr val="0563C1"/>
+      </a:hlink>
+      <a:folHlink>
+        <a:srgbClr val="954F72"/>
+      </a:folHlink>
+    </a:clrScheme>
+    <a:fontScheme name="Office">
+      <a:majorFont>
+        <a:latin typeface="Calibri Light" panose="020F0302020204030204"/>
+        <a:ea typeface=""/>
+        <a:cs typeface=""/>
+        <a:font script="Jpan" typeface="游ゴシック Light"/>
+        <a:font script="Hang" typeface="맑은 고딕"/>
+        <a:font script="Hans" typeface="等线 Light"/>
+        <a:font script="Hant" typeface="新細明體"/>
+        <a:font script="Arab" typeface="Times New Roman"/>
+        <a:font script="Hebr" typeface="Times New Roman"/>
+        <a:font script="Thai" typeface="Angsana New"/>
+        <a:font script="Ethi" typeface="Nyala"/>
+        <a:font script="Beng" typeface="Vrinda"/>
+        <a:font script="Gujr" typeface="Shruti"/>
+        <a:font script="Khmr" typeface="MoolBoran"/>
+        <a:font script="Knda" typeface="Tunga"/>
+        <a:font script="Guru" typeface="Raavi"/>
+        <a:font script="Cans" typeface="Euphemia"/>
+        <a:font script="Cher" typeface="Plantagenet Cherokee"/>
+        <a:font script="Yiii" typeface="Microsoft Yi Baiti"/>
+        <a:font script="Tibt" typeface="Microsoft Himalaya"/>
+        <a:font script="Thaa" typeface="MV Boli"/>
+        <a:font script="Deva" typeface="Mangal"/>
+        <a:font script="Telu" typeface="Gautami"/>
+        <a:font script="Taml" typeface="Latha"/>
+        <a:font script="Syrc" typeface="Estrangelo Edessa"/>
+        <a:font script="Orya" typeface="Kalinga"/>
+        <a:font script="Mlym" typeface="Kartika"/>
+        <a:font script="Laoo" typeface="DokChampa"/>
+        <a:font script="Sinh" typeface="Iskoola Pota"/>
+        <a:font script="Mong" typeface="Mongolian Baiti"/>
+        <a:font script="Viet" typeface="Times New Roman"/>
+        <a:font script="Uigh" typeface="Microsoft Uighur"/>
+        <a:font script="Geor" typeface="Sylfaen"/>
+        <a:font script="Armn" typeface="Arial"/>
+        <a:font script="Bugi" typeface="Leelawadee UI"/>
+        <a:font script="Bopo" typeface="Microsoft JhengHei"/>
+        <a:font script="Java" typeface="Javanese Text"/>
+        <a:font script="Lisu" typeface="Segoe UI"/>
+        <a:font script="Mymr" typeface="Myanmar Text"/>
+        <a:font script="Nkoo" typeface="Ebrima"/>
+        <a:font script="Olck" typeface="Nirmala UI"/>
+        <a:font script="Osma" typeface="Ebrima"/>
+        <a:font script="Phag" typeface="Phagspa"/>
+        <a:font script="Syrn" typeface="Estrangelo Edessa"/>
+        <a:font script="Syrj" typeface="Estrangelo Edessa"/>
+        <a:font script="Syre" typeface="Estrangelo Edessa"/>
+        <a:font script="Sora" typeface="Nirmala UI"/>
+        <a:font script="Tale" typeface="Microsoft Tai Le"/>
+        <a:font script="Talu" typeface="Microsoft New Tai Lue"/>
+        <a:font script="Tfng" typeface="Ebrima"/>
+      </a:majorFont>
+      <a:minorFont>
+        <a:latin typeface="Calibri" panose="020F0502020204030204"/>
+        <a:ea typeface=""/>
+        <a:cs typeface=""/>
+        <a:font script="Jpan" typeface="游ゴシック"/>
+        <a:font script="Hang" typeface="맑은 고딕"/>
+        <a:font script="Hans" typeface="等线"/>
+        <a:font script="Hant" typeface="新細明體"/>
+        <a:font script="Arab" typeface="Arial"/>
+        <a:font script="Hebr" typeface="Arial"/>
+        <a:font script="Thai" typeface="Cordia New"/>
+        <a:font script="Ethi" typeface="Nyala"/>
+        <a:font script="Beng" typeface="Vrinda"/>
+        <a:font script="Gujr" typeface="Shruti"/>
+        <a:font script="Khmr" typeface="DaunPenh"/>
+        <a:font script="Knda" typeface="Tunga"/>
+        <a:font script="Guru" typeface="Raavi"/>
+        <a:font script="Cans" typeface="Euphemia"/>
+        <a:font script="Cher" typeface="Plantagenet Cherokee"/>
+        <a:font script="Yiii" typeface="Microsoft Yi Baiti"/>
+        <a:font script="Tibt" typeface="Microsoft Himalaya"/>
+        <a:font script="Thaa" typeface="MV Boli"/>
+        <a:font script="Deva" typeface="Mangal"/>
+        <a:font script="Telu" typeface="Gautami"/>
+        <a:font script="Taml" typeface="Latha"/>
+        <a:font script="Syrc" typeface="Estrangelo Edessa"/>
+        <a:font script="Orya" typeface="Kalinga"/>
+        <a:font script="Mlym" typeface="Kartika"/>
+        <a:font script="Laoo" typeface="DokChampa"/>
+        <a:font script="Sinh" typeface="Iskoola Pota"/>
+        <a:font script="Mong" typeface="Mongolian Baiti"/>
+        <a:font script="Viet" typeface="Arial"/>
+        <a:font script="Uigh" typeface="Microsoft Uighur"/>
+        <a:font script="Geor" typeface="Sylfaen"/>
+        <a:font script="Armn" typeface="Arial"/>
+        <a:font script="Bugi" typeface="Leelawadee UI"/>
+        <a:font script="Bopo" typeface="Microsoft JhengHei"/>
+        <a:font script="Java" typeface="Javanese Text"/>
+        <a:font script="Lisu" typeface="Segoe UI"/>
+        <a:font script="Mymr" typeface="Myanmar Text"/>
+        <a:font script="Nkoo" typeface="Ebrima"/>
+        <a:font script="Olck" typeface="Nirmala UI"/>
+        <a:font script="Osma" typeface="Ebrima"/>
+        <a:font script="Phag" typeface="Phagspa"/>
+        <a:font script="Syrn" typeface="Estrangelo Edessa"/>
+        <a:font script="Syrj" typeface="Estrangelo Edessa"/>
+        <a:font script="Syre" typeface="Estrangelo Edessa"/>
+        <a:font script="Sora" typeface="Nirmala UI"/>
+        <a:font script="Tale" typeface="Microsoft Tai Le"/>
+        <a:font script="Talu" typeface="Microsoft New Tai Lue"/>
+        <a:font script="Tfng" typeface="Ebrima"/>
+      </a:minorFont>
+    </a:fontScheme>
+    <a:fmtScheme name="Office">
+      <a:fillStyleLst>
+        <a:solidFill>
+          <a:schemeClr val="phClr"/>
+        </a:solidFill>
+        <a:gradFill rotWithShape="1">
+          <a:gsLst>
+            <a:gs pos="0">
+              <a:schemeClr val="phClr">
+                <a:lumMod val="110000"/>
+                <a:satMod val="105000"/>
+                <a:tint val="67000"/>
+              </a:schemeClr>
+            </a:gs>
+            <a:gs pos="50000">
+              <a:schemeClr val="phClr">
+                <a:lumMod val="105000"/>
+                <a:satMod val="103000"/>
+                <a:tint val="73000"/>
+              </a:schemeClr>
+            </a:gs>
+            <a:gs pos="100000">
+              <a:schemeClr val="phClr">
+                <a:lumMod val="105000"/>
+                <a:satMod val="109000"/>
+                <a:tint val="81000"/>
+              </a:schemeClr>
+            </a:gs>
+          </a:gsLst>
+          <a:lin ang="5400000" scaled="0"/>
+        </a:gradFill>
+        <a:gradFill rotWithShape="1">
+          <a:gsLst>
+            <a:gs pos="0">
+              <a:schemeClr val="phClr">
+                <a:satMod val="103000"/>
+                <a:lumMod val="102000"/>
+                <a:tint val="94000"/>
+              </a:schemeClr>
+            </a:gs>
+            <a:gs pos="50000">
+              <a:schemeClr val="phClr">
+                <a:satMod val="110000"/>
+                <a:lumMod val="100000"/>
+                <a:shade val="100000"/>
+              </a:schemeClr>
+            </a:gs>
+            <a:gs pos="100000">
+              <a:schemeClr val="phClr">
+                <a:lumMod val="99000"/>
+                <a:satMod val="120000"/>
+                <a:shade val="78000"/>
+              </a:schemeClr>
+            </a:gs>
+          </a:gsLst>
+          <a:lin ang="5400000" scaled="0"/>
+        </a:gradFill>
+      </a:fillStyleLst>
+      <a:lnStyleLst>
+        <a:ln w="6350" cap="flat" cmpd="sng" algn="ctr">
+          <a:solidFill>
+            <a:schemeClr val="phClr"/>
+          </a:solidFill>
+          <a:prstDash val="solid"/>
+          <a:miter lim="800000"/>
+        </a:ln>
+        <a:ln w="12700" cap="flat" cmpd="sng" algn="ctr">
+          <a:solidFill>
+            <a:schemeClr val="phClr"/>
+          </a:solidFill>
+          <a:prstDash val="solid"/>
+          <a:miter lim="800000"/>
+        </a:ln>
+        <a:ln w="19050" cap="flat" cmpd="sng" algn="ctr">
+          <a:solidFill>
+            <a:schemeClr val="phClr"/>
+          </a:solidFill>
+          <a:prstDash val="solid"/>
+          <a:miter lim="800000"/>
+        </a:ln>
+      </a:lnStyleLst>
+      <a:effectStyleLst>
+        <a:effectStyle>
+          <a:effectLst/>
+        </a:effectStyle>
+        <a:effectStyle>
+          <a:effectLst/>
+        </a:effectStyle>
+        <a:effectStyle>
+          <a:effectLst>
+            <a:outerShdw blurRad="57150" dist="19050" dir="5400000" algn="ctr" rotWithShape="0">
+              <a:srgbClr val="000000">
+                <a:alpha val="63000"/>
+              </a:srgbClr>
+            </a:outerShdw>
+          </a:effectLst>
+        </a:effectStyle>
+      </a:effectStyleLst>
+      <a:bgFillStyleLst>
+        <a:solidFill>
+          <a:schemeClr val="phClr"/>
+        </a:solidFill>
+        <a:solidFill>
+          <a:schemeClr val="phClr">
+            <a:tint val="95000"/>
+            <a:satMod val="170000"/>
+          </a:schemeClr>
+        </a:solidFill>
+        <a:gradFill rotWithShape="1">
+          <a:gsLst>
+            <a:gs pos="0">
+              <a:schemeClr val="phClr">
+                <a:tint val="93000"/>
+                <a:satMod val="150000"/>
+                <a:shade val="98000"/>
+                <a:lumMod val="102000"/>
+              </a:schemeClr>
+            </a:gs>
+            <a:gs pos="50000">
+              <a:schemeClr val="phClr">
+                <a:tint val="98000"/>
+                <a:satMod val="130000"/>
+                <a:shade val="90000"/>
+                <a:lumMod val="103000"/>
+              </a:schemeClr>
+            </a:gs>
+            <a:gs pos="100000">
+              <a:schemeClr val="phClr">
+                <a:shade val="63000"/>
+                <a:satMod val="120000"/>
+              </a:schemeClr>
+            </a:gs>
+          </a:gsLst>
+          <a:lin ang="5400000" scaled="0"/>
+        </a:gradFill>
+      </a:bgFillStyleLst>
+    </a:fmtScheme>
+  </a:themeElements>
+  <a:objectDefaults/>
+  <a:extraClrSchemeLst/>
+  <a:extLst>
+    <a:ext uri="{05A4C25C-085E-4340-85A3-A5531E510DB2}">
+      <thm15:themeFamily xmlns:thm15="http://schemas.microsoft.com/office/thememl/2012/main" name="Office Theme" id="{62F939B6-93AF-4DB8-9C6B-D6C7DFDC589F}" vid="{4A3C46E8-61CC-4603-A589-7422A47A8E4A}"/>
+    </a:ext>
+  </a:extLst>
+</a:theme>
 </file>
--- a/Documentation/Presentation.pptx
+++ b/Documentation/Presentation.pptx
@@ -6338,7 +6338,7 @@
         </p:blipFill>
         <p:spPr>
           <a:xfrm>
-            <a:off x="1507067" y="2342795"/>
+            <a:off x="1507067" y="2352792"/>
             <a:ext cx="7866822" cy="1266558"/>
           </a:xfrm>
           <a:prstGeom prst="rect">

--- a/Documentation/Presentation.pptx
+++ b/Documentation/Presentation.pptx
@@ -5,7 +5,7 @@
     <p:sldMasterId id="2147483660" r:id="rId1"/>
   </p:sldMasterIdLst>
   <p:notesMasterIdLst>
-    <p:notesMasterId r:id="rId10"/>
+    <p:notesMasterId r:id="rId9"/>
   </p:notesMasterIdLst>
   <p:sldIdLst>
     <p:sldId id="256" r:id="rId2"/>
@@ -15,7 +15,6 @@
     <p:sldId id="264" r:id="rId6"/>
     <p:sldId id="263" r:id="rId7"/>
     <p:sldId id="261" r:id="rId8"/>
-    <p:sldId id="260" r:id="rId9"/>
   </p:sldIdLst>
   <p:sldSz cx="12192000" cy="6858000"/>
   <p:notesSz cx="6858000" cy="9144000"/>
@@ -7385,12 +7384,8 @@
           </a:p>
           <a:p>
             <a:r>
-              <a:rPr lang="en-US" dirty="0" err="1"/>
-              <a:t>Scalabe</a:t>
-            </a:r>
-            <a:r>
               <a:rPr lang="en-US" dirty="0"/>
-              <a:t>: you can use any number of devices</a:t>
+              <a:t>Scalable: you can use any number of devices</a:t>
             </a:r>
           </a:p>
           <a:p>
@@ -7450,10 +7445,10 @@
       </p:grpSpPr>
       <p:grpSp>
         <p:nvGrpSpPr>
-          <p:cNvPr id="10" name="Group 9">
+          <p:cNvPr id="51" name="Group 50">
             <a:extLst>
               <a:ext uri="{FF2B5EF4-FFF2-40B4-BE49-F238E27FC236}">
-                <a16:creationId xmlns:a16="http://schemas.microsoft.com/office/drawing/2014/main" id="{DDE8DE2B-61C1-46D5-BEB8-521321C182C4}"/>
+                <a16:creationId xmlns:a16="http://schemas.microsoft.com/office/drawing/2014/main" id="{6CE6E43D-FC44-4F15-89C6-7C08E9BDC3FF}"/>
               </a:ext>
               <a:ext uri="{C183D7F6-B498-43B3-948B-1728B52AA6E4}">
                 <adec:decorative xmlns:adec="http://schemas.microsoft.com/office/drawing/2017/decorative" val="1"/>
@@ -7481,10 +7476,10 @@
         </p:grpSpPr>
         <p:cxnSp>
           <p:nvCxnSpPr>
-            <p:cNvPr id="11" name="Straight Connector 10">
+            <p:cNvPr id="52" name="Straight Connector 51">
               <a:extLst>
                 <a:ext uri="{FF2B5EF4-FFF2-40B4-BE49-F238E27FC236}">
-                  <a16:creationId xmlns:a16="http://schemas.microsoft.com/office/drawing/2014/main" id="{E012C92A-B902-4B69-BDCF-CCA3021FCB47}"/>
+                  <a16:creationId xmlns:a16="http://schemas.microsoft.com/office/drawing/2014/main" id="{321115E6-3640-4179-A252-686A27B75B3B}"/>
                 </a:ext>
                 <a:ext uri="{C183D7F6-B498-43B3-948B-1728B52AA6E4}">
                   <adec:decorative xmlns:adec="http://schemas.microsoft.com/office/drawing/2017/decorative" val="1"/>
@@ -7510,8 +7505,8 @@
             </a:prstGeom>
             <a:ln w="9525">
               <a:solidFill>
-                <a:schemeClr val="bg1">
-                  <a:lumMod val="75000"/>
+                <a:schemeClr val="accent1">
+                  <a:alpha val="70000"/>
                 </a:schemeClr>
               </a:solidFill>
             </a:ln>
@@ -7533,10 +7528,10 @@
         </p:cxnSp>
         <p:cxnSp>
           <p:nvCxnSpPr>
-            <p:cNvPr id="12" name="Straight Connector 11">
+            <p:cNvPr id="53" name="Straight Connector 52">
               <a:extLst>
                 <a:ext uri="{FF2B5EF4-FFF2-40B4-BE49-F238E27FC236}">
-                  <a16:creationId xmlns:a16="http://schemas.microsoft.com/office/drawing/2014/main" id="{A2BDBC14-42A0-4182-BFBA-0751F6350CB3}"/>
+                  <a16:creationId xmlns:a16="http://schemas.microsoft.com/office/drawing/2014/main" id="{E68D2ABE-CDFA-4BEB-AF45-E43862265B0D}"/>
                 </a:ext>
                 <a:ext uri="{C183D7F6-B498-43B3-948B-1728B52AA6E4}">
                   <adec:decorative xmlns:adec="http://schemas.microsoft.com/office/drawing/2017/decorative" val="1"/>
@@ -7562,8 +7557,8 @@
             </a:prstGeom>
             <a:ln w="9525">
               <a:solidFill>
-                <a:schemeClr val="bg1">
-                  <a:lumMod val="85000"/>
+                <a:schemeClr val="accent1">
+                  <a:alpha val="70000"/>
                 </a:schemeClr>
               </a:solidFill>
             </a:ln>
@@ -7585,10 +7580,10 @@
         </p:cxnSp>
         <p:sp>
           <p:nvSpPr>
-            <p:cNvPr id="13" name="Rectangle 23">
+            <p:cNvPr id="54" name="Rectangle 23">
               <a:extLst>
                 <a:ext uri="{FF2B5EF4-FFF2-40B4-BE49-F238E27FC236}">
-                  <a16:creationId xmlns:a16="http://schemas.microsoft.com/office/drawing/2014/main" id="{902DC474-5BCC-4188-ACDC-AD63E6B187EC}"/>
+                  <a16:creationId xmlns:a16="http://schemas.microsoft.com/office/drawing/2014/main" id="{A108FB8B-558B-4F9E-970F-72D2EE57F644}"/>
                 </a:ext>
                 <a:ext uri="{C183D7F6-B498-43B3-948B-1728B52AA6E4}">
                   <adec:decorative xmlns:adec="http://schemas.microsoft.com/office/drawing/2017/decorative" val="1"/>
@@ -7638,7 +7633,7 @@
             </a:custGeom>
             <a:solidFill>
               <a:schemeClr val="accent1">
-                <a:alpha val="30000"/>
+                <a:alpha val="36000"/>
               </a:schemeClr>
             </a:solidFill>
             <a:ln>
@@ -7663,10 +7658,10 @@
         </p:sp>
         <p:sp>
           <p:nvSpPr>
-            <p:cNvPr id="14" name="Rectangle 25">
+            <p:cNvPr id="55" name="Rectangle 25">
               <a:extLst>
                 <a:ext uri="{FF2B5EF4-FFF2-40B4-BE49-F238E27FC236}">
-                  <a16:creationId xmlns:a16="http://schemas.microsoft.com/office/drawing/2014/main" id="{7B427019-8592-4032-931B-4F27104C9DE2}"/>
+                  <a16:creationId xmlns:a16="http://schemas.microsoft.com/office/drawing/2014/main" id="{481E92F1-5BD2-4422-B875-90578CEAA552}"/>
                 </a:ext>
                 <a:ext uri="{C183D7F6-B498-43B3-948B-1728B52AA6E4}">
                   <adec:decorative xmlns:adec="http://schemas.microsoft.com/office/drawing/2017/decorative" val="1"/>
@@ -7741,10 +7736,10 @@
         </p:sp>
         <p:sp>
           <p:nvSpPr>
-            <p:cNvPr id="15" name="Isosceles Triangle 14">
+            <p:cNvPr id="56" name="Isosceles Triangle 55">
               <a:extLst>
                 <a:ext uri="{FF2B5EF4-FFF2-40B4-BE49-F238E27FC236}">
-                  <a16:creationId xmlns:a16="http://schemas.microsoft.com/office/drawing/2014/main" id="{1D6E2CEA-A5BB-4CF7-B907-AE4DBF6748EB}"/>
+                  <a16:creationId xmlns:a16="http://schemas.microsoft.com/office/drawing/2014/main" id="{9D9630F3-9488-4F58-9098-F6B8552BD6D5}"/>
                 </a:ext>
                 <a:ext uri="{C183D7F6-B498-43B3-948B-1728B52AA6E4}">
                   <adec:decorative xmlns:adec="http://schemas.microsoft.com/office/drawing/2017/decorative" val="1"/>
@@ -7771,8 +7766,9 @@
               </a:avLst>
             </a:prstGeom>
             <a:solidFill>
-              <a:schemeClr val="accent2">
-                <a:alpha val="72000"/>
+              <a:schemeClr val="accent1">
+                <a:lumMod val="75000"/>
+                <a:alpha val="66000"/>
               </a:schemeClr>
             </a:solidFill>
             <a:ln>
@@ -7797,10 +7793,10 @@
         </p:sp>
         <p:sp>
           <p:nvSpPr>
-            <p:cNvPr id="16" name="Rectangle 27">
+            <p:cNvPr id="57" name="Rectangle 27">
               <a:extLst>
                 <a:ext uri="{FF2B5EF4-FFF2-40B4-BE49-F238E27FC236}">
-                  <a16:creationId xmlns:a16="http://schemas.microsoft.com/office/drawing/2014/main" id="{78D09D5A-29CC-4B32-9CE1-72E607558A6C}"/>
+                  <a16:creationId xmlns:a16="http://schemas.microsoft.com/office/drawing/2014/main" id="{A82B105D-E7A6-4F3A-AFDA-B9133F6BDFE0}"/>
                 </a:ext>
                 <a:ext uri="{C183D7F6-B498-43B3-948B-1728B52AA6E4}">
                   <adec:decorative xmlns:adec="http://schemas.microsoft.com/office/drawing/2017/decorative" val="1"/>
@@ -7849,9 +7845,9 @@
               </a:pathLst>
             </a:custGeom>
             <a:solidFill>
-              <a:schemeClr val="accent2">
+              <a:schemeClr val="accent1">
                 <a:lumMod val="75000"/>
-                <a:alpha val="70000"/>
+                <a:alpha val="50000"/>
               </a:schemeClr>
             </a:solidFill>
             <a:ln>
@@ -7876,10 +7872,10 @@
         </p:sp>
         <p:sp>
           <p:nvSpPr>
-            <p:cNvPr id="17" name="Rectangle 28">
+            <p:cNvPr id="58" name="Rectangle 28">
               <a:extLst>
                 <a:ext uri="{FF2B5EF4-FFF2-40B4-BE49-F238E27FC236}">
-                  <a16:creationId xmlns:a16="http://schemas.microsoft.com/office/drawing/2014/main" id="{6DF3A3FC-950B-40B0-923D-0F0BC1A54204}"/>
+                  <a16:creationId xmlns:a16="http://schemas.microsoft.com/office/drawing/2014/main" id="{592262AB-546B-41A7-99DE-EC034F0722FB}"/>
                 </a:ext>
                 <a:ext uri="{C183D7F6-B498-43B3-948B-1728B52AA6E4}">
                   <adec:decorative xmlns:adec="http://schemas.microsoft.com/office/drawing/2017/decorative" val="1"/>
@@ -7928,9 +7924,7 @@
               </a:pathLst>
             </a:custGeom>
             <a:solidFill>
-              <a:schemeClr val="accent1">
-                <a:lumMod val="60000"/>
-                <a:lumOff val="40000"/>
+              <a:schemeClr val="accent2">
                 <a:alpha val="70000"/>
               </a:schemeClr>
             </a:solidFill>
@@ -7956,10 +7950,10 @@
         </p:sp>
         <p:sp>
           <p:nvSpPr>
-            <p:cNvPr id="18" name="Rectangle 29">
+            <p:cNvPr id="59" name="Rectangle 29">
               <a:extLst>
                 <a:ext uri="{FF2B5EF4-FFF2-40B4-BE49-F238E27FC236}">
-                  <a16:creationId xmlns:a16="http://schemas.microsoft.com/office/drawing/2014/main" id="{BCA0F2E1-CD3D-4521-9CCB-41A5CC6C543E}"/>
+                  <a16:creationId xmlns:a16="http://schemas.microsoft.com/office/drawing/2014/main" id="{D878A1F7-F404-41A0-BD7C-9739499BDDD6}"/>
                 </a:ext>
                 <a:ext uri="{C183D7F6-B498-43B3-948B-1728B52AA6E4}">
                   <adec:decorative xmlns:adec="http://schemas.microsoft.com/office/drawing/2017/decorative" val="1"/>
@@ -8008,8 +8002,9 @@
               </a:pathLst>
             </a:custGeom>
             <a:solidFill>
-              <a:schemeClr val="accent1">
-                <a:alpha val="65000"/>
+              <a:schemeClr val="accent2">
+                <a:lumMod val="75000"/>
+                <a:alpha val="80000"/>
               </a:schemeClr>
             </a:solidFill>
             <a:ln>
@@ -8034,10 +8029,10 @@
         </p:sp>
         <p:sp>
           <p:nvSpPr>
-            <p:cNvPr id="19" name="Isosceles Triangle 18">
+            <p:cNvPr id="60" name="Isosceles Triangle 59">
               <a:extLst>
                 <a:ext uri="{FF2B5EF4-FFF2-40B4-BE49-F238E27FC236}">
-                  <a16:creationId xmlns:a16="http://schemas.microsoft.com/office/drawing/2014/main" id="{9BA4F16A-21DC-462A-AD37-0A93C8B79E1E}"/>
+                  <a16:creationId xmlns:a16="http://schemas.microsoft.com/office/drawing/2014/main" id="{0076BF32-29FF-4C3A-B1AF-91A28EFDA079}"/>
                 </a:ext>
                 <a:ext uri="{C183D7F6-B498-43B3-948B-1728B52AA6E4}">
                   <adec:decorative xmlns:adec="http://schemas.microsoft.com/office/drawing/2017/decorative" val="1"/>
@@ -8065,7 +8060,8 @@
             </a:prstGeom>
             <a:solidFill>
               <a:schemeClr val="accent1">
-                <a:alpha val="80000"/>
+                <a:lumMod val="75000"/>
+                <a:alpha val="66000"/>
               </a:schemeClr>
             </a:solidFill>
             <a:ln>
@@ -8090,10 +8086,10 @@
         </p:sp>
         <p:sp>
           <p:nvSpPr>
-            <p:cNvPr id="20" name="Isosceles Triangle 19">
+            <p:cNvPr id="61" name="Isosceles Triangle 60">
               <a:extLst>
                 <a:ext uri="{FF2B5EF4-FFF2-40B4-BE49-F238E27FC236}">
-                  <a16:creationId xmlns:a16="http://schemas.microsoft.com/office/drawing/2014/main" id="{FB75EBDD-038D-4572-A372-114938295706}"/>
+                  <a16:creationId xmlns:a16="http://schemas.microsoft.com/office/drawing/2014/main" id="{0A4C29F3-B3A2-40B9-8670-ADA39B0C42FF}"/>
                 </a:ext>
                 <a:ext uri="{C183D7F6-B498-43B3-948B-1728B52AA6E4}">
                   <adec:decorative xmlns:adec="http://schemas.microsoft.com/office/drawing/2017/decorative" val="1"/>
@@ -8121,7 +8117,7 @@
             </a:prstGeom>
             <a:solidFill>
               <a:schemeClr val="accent1">
-                <a:alpha val="85000"/>
+                <a:alpha val="70000"/>
               </a:schemeClr>
             </a:solidFill>
             <a:ln>
@@ -8147,7 +8143,7 @@
       </p:grpSp>
       <p:sp>
         <p:nvSpPr>
-          <p:cNvPr id="45" name="Rectangle 21">
+          <p:cNvPr id="63" name="Rectangle 62">
             <a:extLst>
               <a:ext uri="{FF2B5EF4-FFF2-40B4-BE49-F238E27FC236}">
                 <a16:creationId xmlns:a16="http://schemas.microsoft.com/office/drawing/2014/main" id="{21029ED5-F105-4DD2-99C8-1E4422817978}"/>
@@ -8207,7 +8203,7 @@
       </p:sp>
       <p:grpSp>
         <p:nvGrpSpPr>
-          <p:cNvPr id="24" name="Group 23">
+          <p:cNvPr id="65" name="Group 64">
             <a:extLst>
               <a:ext uri="{FF2B5EF4-FFF2-40B4-BE49-F238E27FC236}">
                 <a16:creationId xmlns:a16="http://schemas.microsoft.com/office/drawing/2014/main" id="{2D621E68-BF28-4A1C-B1A2-4E55E139E79A}"/>
@@ -8238,7 +8234,7 @@
         </p:grpSpPr>
         <p:cxnSp>
           <p:nvCxnSpPr>
-            <p:cNvPr id="25" name="Straight Connector 24">
+            <p:cNvPr id="66" name="Straight Connector 65">
               <a:extLst>
                 <a:ext uri="{FF2B5EF4-FFF2-40B4-BE49-F238E27FC236}">
                   <a16:creationId xmlns:a16="http://schemas.microsoft.com/office/drawing/2014/main" id="{BE8BBE4D-F0DF-49B9-B75A-99DAC53ACA77}"/>
@@ -8290,7 +8286,7 @@
         </p:cxnSp>
         <p:sp>
           <p:nvSpPr>
-            <p:cNvPr id="26" name="Rectangle 23">
+            <p:cNvPr id="67" name="Rectangle 23">
               <a:extLst>
                 <a:ext uri="{FF2B5EF4-FFF2-40B4-BE49-F238E27FC236}">
                   <a16:creationId xmlns:a16="http://schemas.microsoft.com/office/drawing/2014/main" id="{E0F07DDC-34A6-46A1-9DE9-2BBE2931A55B}"/>
@@ -8368,7 +8364,7 @@
         </p:sp>
         <p:sp>
           <p:nvSpPr>
-            <p:cNvPr id="27" name="Rectangle 25">
+            <p:cNvPr id="68" name="Rectangle 25">
               <a:extLst>
                 <a:ext uri="{FF2B5EF4-FFF2-40B4-BE49-F238E27FC236}">
                   <a16:creationId xmlns:a16="http://schemas.microsoft.com/office/drawing/2014/main" id="{2CEB2BF9-B8DB-45B9-86EA-D197B5B1AEFF}"/>
@@ -8446,7 +8442,7 @@
         </p:sp>
         <p:sp>
           <p:nvSpPr>
-            <p:cNvPr id="28" name="Isosceles Triangle 27">
+            <p:cNvPr id="69" name="Isosceles Triangle 68">
               <a:extLst>
                 <a:ext uri="{FF2B5EF4-FFF2-40B4-BE49-F238E27FC236}">
                   <a16:creationId xmlns:a16="http://schemas.microsoft.com/office/drawing/2014/main" id="{08B5BB34-3801-4E70-A981-FE007635E11D}"/>
@@ -8502,7 +8498,7 @@
         </p:sp>
         <p:sp>
           <p:nvSpPr>
-            <p:cNvPr id="29" name="Rectangle 27">
+            <p:cNvPr id="70" name="Rectangle 27">
               <a:extLst>
                 <a:ext uri="{FF2B5EF4-FFF2-40B4-BE49-F238E27FC236}">
                   <a16:creationId xmlns:a16="http://schemas.microsoft.com/office/drawing/2014/main" id="{38432A75-2CEB-463C-A8F2-ABB50A79F444}"/>
@@ -8581,7 +8577,7 @@
         </p:sp>
         <p:sp>
           <p:nvSpPr>
-            <p:cNvPr id="30" name="Rectangle 28">
+            <p:cNvPr id="71" name="Rectangle 28">
               <a:extLst>
                 <a:ext uri="{FF2B5EF4-FFF2-40B4-BE49-F238E27FC236}">
                   <a16:creationId xmlns:a16="http://schemas.microsoft.com/office/drawing/2014/main" id="{E7E850B8-C050-4597-8BEB-113FEC9A27C9}"/>
@@ -8661,7 +8657,7 @@
         </p:sp>
         <p:sp>
           <p:nvSpPr>
-            <p:cNvPr id="31" name="Rectangle 29">
+            <p:cNvPr id="72" name="Rectangle 29">
               <a:extLst>
                 <a:ext uri="{FF2B5EF4-FFF2-40B4-BE49-F238E27FC236}">
                   <a16:creationId xmlns:a16="http://schemas.microsoft.com/office/drawing/2014/main" id="{24ACC798-9CEC-4B6F-A8DD-F8E6FCCCF164}"/>
@@ -8739,7 +8735,7 @@
         </p:sp>
         <p:sp>
           <p:nvSpPr>
-            <p:cNvPr id="32" name="Isosceles Triangle 31">
+            <p:cNvPr id="73" name="Isosceles Triangle 72">
               <a:extLst>
                 <a:ext uri="{FF2B5EF4-FFF2-40B4-BE49-F238E27FC236}">
                   <a16:creationId xmlns:a16="http://schemas.microsoft.com/office/drawing/2014/main" id="{1D58A8C6-1294-4CD9-89BC-F1E981A524AA}"/>
@@ -8795,7 +8791,7 @@
         </p:sp>
         <p:sp>
           <p:nvSpPr>
-            <p:cNvPr id="33" name="Isosceles Triangle 32">
+            <p:cNvPr id="74" name="Isosceles Triangle 73">
               <a:extLst>
                 <a:ext uri="{FF2B5EF4-FFF2-40B4-BE49-F238E27FC236}">
                   <a16:creationId xmlns:a16="http://schemas.microsoft.com/office/drawing/2014/main" id="{F32F2ED6-6143-46C4-A641-72D42732B6FA}"/>
@@ -8852,7 +8848,7 @@
       </p:grpSp>
       <p:sp>
         <p:nvSpPr>
-          <p:cNvPr id="46" name="Rectangle 34">
+          <p:cNvPr id="76" name="Rectangle 75">
             <a:extLst>
               <a:ext uri="{FF2B5EF4-FFF2-40B4-BE49-F238E27FC236}">
                 <a16:creationId xmlns:a16="http://schemas.microsoft.com/office/drawing/2014/main" id="{5C9652B3-A450-4ED6-8FBF-F536BA60B4D8}"/>
@@ -8917,10 +8913,10 @@
       </p:sp>
       <p:pic>
         <p:nvPicPr>
-          <p:cNvPr id="5" name="Picture 4" descr="A picture containing graphical user interface&#10;&#10;Description automatically generated">
+          <p:cNvPr id="3" name="Picture 2" descr="Graphical user interface&#10;&#10;Description automatically generated with medium confidence">
             <a:extLst>
               <a:ext uri="{FF2B5EF4-FFF2-40B4-BE49-F238E27FC236}">
-                <a16:creationId xmlns:a16="http://schemas.microsoft.com/office/drawing/2014/main" id="{2AD17F4E-E00C-E959-6085-1789660023ED}"/>
+                <a16:creationId xmlns:a16="http://schemas.microsoft.com/office/drawing/2014/main" id="{EF366107-82E4-955F-8DAB-048289BEEDCC}"/>
               </a:ext>
             </a:extLst>
           </p:cNvPr>
@@ -9885,90 +9881,6 @@
     <p:extLst>
       <p:ext uri="{BB962C8B-B14F-4D97-AF65-F5344CB8AC3E}">
         <p14:creationId xmlns:p14="http://schemas.microsoft.com/office/powerpoint/2010/main" val="3667880200"/>
-      </p:ext>
-    </p:extLst>
-  </p:cSld>
-  <p:clrMapOvr>
-    <a:masterClrMapping/>
-  </p:clrMapOvr>
-</p:sld>
-</file>
-
-<file path=ppt/slides/slide8.xml><?xml version="1.0" encoding="utf-8"?>
-<p:sld xmlns:a="http://schemas.openxmlformats.org/drawingml/2006/main" xmlns:r="http://schemas.openxmlformats.org/officeDocument/2006/relationships" xmlns:p="http://schemas.openxmlformats.org/presentationml/2006/main">
-  <p:cSld>
-    <p:spTree>
-      <p:nvGrpSpPr>
-        <p:cNvPr id="1" name=""/>
-        <p:cNvGrpSpPr/>
-        <p:nvPr/>
-      </p:nvGrpSpPr>
-      <p:grpSpPr>
-        <a:xfrm>
-          <a:off x="0" y="0"/>
-          <a:ext cx="0" cy="0"/>
-          <a:chOff x="0" y="0"/>
-          <a:chExt cx="0" cy="0"/>
-        </a:xfrm>
-      </p:grpSpPr>
-      <p:sp>
-        <p:nvSpPr>
-          <p:cNvPr id="2" name="Title 1">
-            <a:extLst>
-              <a:ext uri="{FF2B5EF4-FFF2-40B4-BE49-F238E27FC236}">
-                <a16:creationId xmlns:a16="http://schemas.microsoft.com/office/drawing/2014/main" id="{E22B92B4-4A0E-E013-6DF6-EABFC4EC70BA}"/>
-              </a:ext>
-            </a:extLst>
-          </p:cNvPr>
-          <p:cNvSpPr>
-            <a:spLocks noGrp="1"/>
-          </p:cNvSpPr>
-          <p:nvPr>
-            <p:ph type="title"/>
-          </p:nvPr>
-        </p:nvSpPr>
-        <p:spPr/>
-        <p:txBody>
-          <a:bodyPr/>
-          <a:lstStyle/>
-          <a:p>
-            <a:r>
-              <a:rPr lang="en-US" dirty="0"/>
-              <a:t>Usability, expendability</a:t>
-            </a:r>
-            <a:endParaRPr lang="hu-HU" dirty="0"/>
-          </a:p>
-        </p:txBody>
-      </p:sp>
-      <p:sp>
-        <p:nvSpPr>
-          <p:cNvPr id="5" name="Content Placeholder 4">
-            <a:extLst>
-              <a:ext uri="{FF2B5EF4-FFF2-40B4-BE49-F238E27FC236}">
-                <a16:creationId xmlns:a16="http://schemas.microsoft.com/office/drawing/2014/main" id="{9F840C76-455F-2413-B076-E9079DC2383C}"/>
-              </a:ext>
-            </a:extLst>
-          </p:cNvPr>
-          <p:cNvSpPr>
-            <a:spLocks noGrp="1"/>
-          </p:cNvSpPr>
-          <p:nvPr>
-            <p:ph idx="1"/>
-          </p:nvPr>
-        </p:nvSpPr>
-        <p:spPr/>
-        <p:txBody>
-          <a:bodyPr/>
-          <a:lstStyle/>
-          <a:p>
-            <a:endParaRPr lang="hu-HU"/>
-          </a:p>
-        </p:txBody>
-      </p:sp>
-    </p:spTree>
-    <p:extLst>
-      <p:ext uri="{BB962C8B-B14F-4D97-AF65-F5344CB8AC3E}">
-        <p14:creationId xmlns:p14="http://schemas.microsoft.com/office/powerpoint/2010/main" val="19534586"/>
       </p:ext>
     </p:extLst>
   </p:cSld>

--- a/Documentation/Presentation.pptx
+++ b/Documentation/Presentation.pptx
@@ -5,16 +5,18 @@
     <p:sldMasterId id="2147483660" r:id="rId1"/>
   </p:sldMasterIdLst>
   <p:notesMasterIdLst>
-    <p:notesMasterId r:id="rId9"/>
+    <p:notesMasterId r:id="rId11"/>
   </p:notesMasterIdLst>
   <p:sldIdLst>
     <p:sldId id="256" r:id="rId2"/>
     <p:sldId id="257" r:id="rId3"/>
-    <p:sldId id="262" r:id="rId4"/>
+    <p:sldId id="264" r:id="rId4"/>
     <p:sldId id="259" r:id="rId5"/>
-    <p:sldId id="264" r:id="rId6"/>
+    <p:sldId id="262" r:id="rId6"/>
     <p:sldId id="263" r:id="rId7"/>
     <p:sldId id="261" r:id="rId8"/>
+    <p:sldId id="265" r:id="rId9"/>
+    <p:sldId id="267" r:id="rId10"/>
   </p:sldIdLst>
   <p:sldSz cx="12192000" cy="6858000"/>
   <p:notesSz cx="6858000" cy="9144000"/>
@@ -203,7 +205,7 @@
           <a:p>
             <a:fld id="{BF1B76EA-D317-40A9-BF46-7ACCD848D44D}" type="datetimeFigureOut">
               <a:rPr lang="hu-HU" smtClean="0"/>
-              <a:t>2022. 10. 01.</a:t>
+              <a:t>2022. 10. 02.</a:t>
             </a:fld>
             <a:endParaRPr lang="hu-HU"/>
           </a:p>
@@ -536,7 +538,7 @@
           <a:p>
             <a:fld id="{783DB49C-213E-4519-888C-660002BDAFBD}" type="slidenum">
               <a:rPr lang="hu-HU" smtClean="0"/>
-              <a:t>3</a:t>
+              <a:t>5</a:t>
             </a:fld>
             <a:endParaRPr lang="hu-HU"/>
           </a:p>
@@ -1277,7 +1279,7 @@
           <a:p>
             <a:fld id="{4017CDB4-C06A-4B93-A615-0165678E3337}" type="datetimeFigureOut">
               <a:rPr lang="hu-HU" smtClean="0"/>
-              <a:t>2022. 10. 01.</a:t>
+              <a:t>2022. 10. 02.</a:t>
             </a:fld>
             <a:endParaRPr lang="hu-HU"/>
           </a:p>
@@ -1528,7 +1530,7 @@
           <a:p>
             <a:fld id="{4017CDB4-C06A-4B93-A615-0165678E3337}" type="datetimeFigureOut">
               <a:rPr lang="hu-HU" smtClean="0"/>
-              <a:t>2022. 10. 01.</a:t>
+              <a:t>2022. 10. 02.</a:t>
             </a:fld>
             <a:endParaRPr lang="hu-HU"/>
           </a:p>
@@ -1842,7 +1844,7 @@
           <a:p>
             <a:fld id="{4017CDB4-C06A-4B93-A615-0165678E3337}" type="datetimeFigureOut">
               <a:rPr lang="hu-HU" smtClean="0"/>
-              <a:t>2022. 10. 01.</a:t>
+              <a:t>2022. 10. 02.</a:t>
             </a:fld>
             <a:endParaRPr lang="hu-HU"/>
           </a:p>
@@ -2183,7 +2185,7 @@
           <a:p>
             <a:fld id="{4017CDB4-C06A-4B93-A615-0165678E3337}" type="datetimeFigureOut">
               <a:rPr lang="hu-HU" smtClean="0"/>
-              <a:t>2022. 10. 01.</a:t>
+              <a:t>2022. 10. 02.</a:t>
             </a:fld>
             <a:endParaRPr lang="hu-HU"/>
           </a:p>
@@ -2497,7 +2499,7 @@
           <a:p>
             <a:fld id="{4017CDB4-C06A-4B93-A615-0165678E3337}" type="datetimeFigureOut">
               <a:rPr lang="hu-HU" smtClean="0"/>
-              <a:t>2022. 10. 01.</a:t>
+              <a:t>2022. 10. 02.</a:t>
             </a:fld>
             <a:endParaRPr lang="hu-HU"/>
           </a:p>
@@ -2890,7 +2892,7 @@
           <a:p>
             <a:fld id="{4017CDB4-C06A-4B93-A615-0165678E3337}" type="datetimeFigureOut">
               <a:rPr lang="hu-HU" smtClean="0"/>
-              <a:t>2022. 10. 01.</a:t>
+              <a:t>2022. 10. 02.</a:t>
             </a:fld>
             <a:endParaRPr lang="hu-HU"/>
           </a:p>
@@ -3060,7 +3062,7 @@
           <a:p>
             <a:fld id="{4017CDB4-C06A-4B93-A615-0165678E3337}" type="datetimeFigureOut">
               <a:rPr lang="hu-HU" smtClean="0"/>
-              <a:t>2022. 10. 01.</a:t>
+              <a:t>2022. 10. 02.</a:t>
             </a:fld>
             <a:endParaRPr lang="hu-HU"/>
           </a:p>
@@ -3240,7 +3242,7 @@
           <a:p>
             <a:fld id="{4017CDB4-C06A-4B93-A615-0165678E3337}" type="datetimeFigureOut">
               <a:rPr lang="hu-HU" smtClean="0"/>
-              <a:t>2022. 10. 01.</a:t>
+              <a:t>2022. 10. 02.</a:t>
             </a:fld>
             <a:endParaRPr lang="hu-HU"/>
           </a:p>
@@ -3416,7 +3418,7 @@
           <a:p>
             <a:fld id="{4017CDB4-C06A-4B93-A615-0165678E3337}" type="datetimeFigureOut">
               <a:rPr lang="hu-HU" smtClean="0"/>
-              <a:t>2022. 10. 01.</a:t>
+              <a:t>2022. 10. 02.</a:t>
             </a:fld>
             <a:endParaRPr lang="hu-HU"/>
           </a:p>
@@ -3663,7 +3665,7 @@
           <a:p>
             <a:fld id="{4017CDB4-C06A-4B93-A615-0165678E3337}" type="datetimeFigureOut">
               <a:rPr lang="hu-HU" smtClean="0"/>
-              <a:t>2022. 10. 01.</a:t>
+              <a:t>2022. 10. 02.</a:t>
             </a:fld>
             <a:endParaRPr lang="hu-HU"/>
           </a:p>
@@ -3895,7 +3897,7 @@
           <a:p>
             <a:fld id="{4017CDB4-C06A-4B93-A615-0165678E3337}" type="datetimeFigureOut">
               <a:rPr lang="hu-HU" smtClean="0"/>
-              <a:t>2022. 10. 01.</a:t>
+              <a:t>2022. 10. 02.</a:t>
             </a:fld>
             <a:endParaRPr lang="hu-HU"/>
           </a:p>
@@ -4269,7 +4271,7 @@
           <a:p>
             <a:fld id="{4017CDB4-C06A-4B93-A615-0165678E3337}" type="datetimeFigureOut">
               <a:rPr lang="hu-HU" smtClean="0"/>
-              <a:t>2022. 10. 01.</a:t>
+              <a:t>2022. 10. 02.</a:t>
             </a:fld>
             <a:endParaRPr lang="hu-HU"/>
           </a:p>
@@ -4392,7 +4394,7 @@
           <a:p>
             <a:fld id="{4017CDB4-C06A-4B93-A615-0165678E3337}" type="datetimeFigureOut">
               <a:rPr lang="hu-HU" smtClean="0"/>
-              <a:t>2022. 10. 01.</a:t>
+              <a:t>2022. 10. 02.</a:t>
             </a:fld>
             <a:endParaRPr lang="hu-HU"/>
           </a:p>
@@ -4487,7 +4489,7 @@
           <a:p>
             <a:fld id="{4017CDB4-C06A-4B93-A615-0165678E3337}" type="datetimeFigureOut">
               <a:rPr lang="hu-HU" smtClean="0"/>
-              <a:t>2022. 10. 01.</a:t>
+              <a:t>2022. 10. 02.</a:t>
             </a:fld>
             <a:endParaRPr lang="hu-HU"/>
           </a:p>
@@ -4742,7 +4744,7 @@
           <a:p>
             <a:fld id="{4017CDB4-C06A-4B93-A615-0165678E3337}" type="datetimeFigureOut">
               <a:rPr lang="hu-HU" smtClean="0"/>
-              <a:t>2022. 10. 01.</a:t>
+              <a:t>2022. 10. 02.</a:t>
             </a:fld>
             <a:endParaRPr lang="hu-HU"/>
           </a:p>
@@ -5005,7 +5007,7 @@
           <a:p>
             <a:fld id="{4017CDB4-C06A-4B93-A615-0165678E3337}" type="datetimeFigureOut">
               <a:rPr lang="hu-HU" smtClean="0"/>
-              <a:t>2022. 10. 01.</a:t>
+              <a:t>2022. 10. 02.</a:t>
             </a:fld>
             <a:endParaRPr lang="hu-HU"/>
           </a:p>
@@ -5748,7 +5750,7 @@
           <a:p>
             <a:fld id="{4017CDB4-C06A-4B93-A615-0165678E3337}" type="datetimeFigureOut">
               <a:rPr lang="hu-HU" smtClean="0"/>
-              <a:t>2022. 10. 01.</a:t>
+              <a:t>2022. 10. 02.</a:t>
             </a:fld>
             <a:endParaRPr lang="hu-HU"/>
           </a:p>
@@ -6540,911 +6542,6 @@
       </p:grpSpPr>
       <p:grpSp>
         <p:nvGrpSpPr>
-          <p:cNvPr id="25" name="Group 24">
-            <a:extLst>
-              <a:ext uri="{FF2B5EF4-FFF2-40B4-BE49-F238E27FC236}">
-                <a16:creationId xmlns:a16="http://schemas.microsoft.com/office/drawing/2014/main" id="{A4D026A2-7476-44B0-9648-BB98882F7BA3}"/>
-              </a:ext>
-              <a:ext uri="{C183D7F6-B498-43B3-948B-1728B52AA6E4}">
-                <adec:decorative xmlns:adec="http://schemas.microsoft.com/office/drawing/2017/decorative" val="1"/>
-              </a:ext>
-            </a:extLst>
-          </p:cNvPr>
-          <p:cNvGrpSpPr>
-            <a:grpSpLocks noGrp="1" noUngrp="1" noRot="1" noChangeAspect="1" noMove="1" noResize="1"/>
-          </p:cNvGrpSpPr>
-          <p:nvPr>
-            <p:extLst>
-              <p:ext uri="{386F3935-93C4-4BCD-93E2-E3B085C9AB24}">
-                <p16:designElem xmlns:p16="http://schemas.microsoft.com/office/powerpoint/2015/main" val="1"/>
-              </p:ext>
-            </p:extLst>
-          </p:nvPr>
-        </p:nvGrpSpPr>
-        <p:grpSpPr>
-          <a:xfrm>
-            <a:off x="0" y="-8467"/>
-            <a:ext cx="12192000" cy="6866467"/>
-            <a:chOff x="0" y="-8467"/>
-            <a:chExt cx="12192000" cy="6866467"/>
-          </a:xfrm>
-        </p:grpSpPr>
-        <p:cxnSp>
-          <p:nvCxnSpPr>
-            <p:cNvPr id="26" name="Straight Connector 25">
-              <a:extLst>
-                <a:ext uri="{FF2B5EF4-FFF2-40B4-BE49-F238E27FC236}">
-                  <a16:creationId xmlns:a16="http://schemas.microsoft.com/office/drawing/2014/main" id="{48F8FC21-0A44-4045-95A1-B7935DBC603D}"/>
-                </a:ext>
-                <a:ext uri="{C183D7F6-B498-43B3-948B-1728B52AA6E4}">
-                  <adec:decorative xmlns:adec="http://schemas.microsoft.com/office/drawing/2017/decorative" val="1"/>
-                </a:ext>
-              </a:extLst>
-            </p:cNvPr>
-            <p:cNvCxnSpPr/>
-            <p:nvPr>
-              <p:extLst>
-                <p:ext uri="{386F3935-93C4-4BCD-93E2-E3B085C9AB24}">
-                  <p16:designElem xmlns:p16="http://schemas.microsoft.com/office/powerpoint/2015/main" val="1"/>
-                </p:ext>
-              </p:extLst>
-            </p:nvPr>
-          </p:nvCxnSpPr>
-          <p:spPr>
-            <a:xfrm>
-              <a:off x="9371012" y="0"/>
-              <a:ext cx="1219200" cy="6858000"/>
-            </a:xfrm>
-            <a:prstGeom prst="line">
-              <a:avLst/>
-            </a:prstGeom>
-            <a:ln w="9525">
-              <a:solidFill>
-                <a:schemeClr val="accent1">
-                  <a:alpha val="70000"/>
-                </a:schemeClr>
-              </a:solidFill>
-            </a:ln>
-          </p:spPr>
-          <p:style>
-            <a:lnRef idx="2">
-              <a:schemeClr val="accent1"/>
-            </a:lnRef>
-            <a:fillRef idx="0">
-              <a:schemeClr val="accent1"/>
-            </a:fillRef>
-            <a:effectRef idx="1">
-              <a:schemeClr val="accent1"/>
-            </a:effectRef>
-            <a:fontRef idx="minor">
-              <a:schemeClr val="tx1"/>
-            </a:fontRef>
-          </p:style>
-        </p:cxnSp>
-        <p:cxnSp>
-          <p:nvCxnSpPr>
-            <p:cNvPr id="27" name="Straight Connector 26">
-              <a:extLst>
-                <a:ext uri="{FF2B5EF4-FFF2-40B4-BE49-F238E27FC236}">
-                  <a16:creationId xmlns:a16="http://schemas.microsoft.com/office/drawing/2014/main" id="{0209B962-CD29-4D46-A7B0-10F6C7CF1C0F}"/>
-                </a:ext>
-                <a:ext uri="{C183D7F6-B498-43B3-948B-1728B52AA6E4}">
-                  <adec:decorative xmlns:adec="http://schemas.microsoft.com/office/drawing/2017/decorative" val="1"/>
-                </a:ext>
-              </a:extLst>
-            </p:cNvPr>
-            <p:cNvCxnSpPr/>
-            <p:nvPr>
-              <p:extLst>
-                <p:ext uri="{386F3935-93C4-4BCD-93E2-E3B085C9AB24}">
-                  <p16:designElem xmlns:p16="http://schemas.microsoft.com/office/powerpoint/2015/main" val="1"/>
-                </p:ext>
-              </p:extLst>
-            </p:nvPr>
-          </p:nvCxnSpPr>
-          <p:spPr>
-            <a:xfrm flipH="1">
-              <a:off x="7425267" y="3681413"/>
-              <a:ext cx="4763558" cy="3176587"/>
-            </a:xfrm>
-            <a:prstGeom prst="line">
-              <a:avLst/>
-            </a:prstGeom>
-            <a:ln w="9525">
-              <a:solidFill>
-                <a:schemeClr val="accent1">
-                  <a:alpha val="70000"/>
-                </a:schemeClr>
-              </a:solidFill>
-            </a:ln>
-          </p:spPr>
-          <p:style>
-            <a:lnRef idx="2">
-              <a:schemeClr val="accent1"/>
-            </a:lnRef>
-            <a:fillRef idx="0">
-              <a:schemeClr val="accent1"/>
-            </a:fillRef>
-            <a:effectRef idx="1">
-              <a:schemeClr val="accent1"/>
-            </a:effectRef>
-            <a:fontRef idx="minor">
-              <a:schemeClr val="tx1"/>
-            </a:fontRef>
-          </p:style>
-        </p:cxnSp>
-        <p:sp>
-          <p:nvSpPr>
-            <p:cNvPr id="28" name="Rectangle 23">
-              <a:extLst>
-                <a:ext uri="{FF2B5EF4-FFF2-40B4-BE49-F238E27FC236}">
-                  <a16:creationId xmlns:a16="http://schemas.microsoft.com/office/drawing/2014/main" id="{CC8D40CF-4D47-411D-A8B7-0E4B29E9832B}"/>
-                </a:ext>
-                <a:ext uri="{C183D7F6-B498-43B3-948B-1728B52AA6E4}">
-                  <adec:decorative xmlns:adec="http://schemas.microsoft.com/office/drawing/2017/decorative" val="1"/>
-                </a:ext>
-              </a:extLst>
-            </p:cNvPr>
-            <p:cNvSpPr/>
-            <p:nvPr>
-              <p:extLst>
-                <p:ext uri="{386F3935-93C4-4BCD-93E2-E3B085C9AB24}">
-                  <p16:designElem xmlns:p16="http://schemas.microsoft.com/office/powerpoint/2015/main" val="1"/>
-                </p:ext>
-              </p:extLst>
-            </p:nvPr>
-          </p:nvSpPr>
-          <p:spPr>
-            <a:xfrm>
-              <a:off x="9181476" y="-8467"/>
-              <a:ext cx="3007349" cy="6866467"/>
-            </a:xfrm>
-            <a:custGeom>
-              <a:avLst/>
-              <a:gdLst/>
-              <a:ahLst/>
-              <a:cxnLst/>
-              <a:rect l="l" t="t" r="r" b="b"/>
-              <a:pathLst>
-                <a:path w="3007349" h="6866467">
-                  <a:moveTo>
-                    <a:pt x="2045532" y="0"/>
-                  </a:moveTo>
-                  <a:lnTo>
-                    <a:pt x="3007349" y="0"/>
-                  </a:lnTo>
-                  <a:lnTo>
-                    <a:pt x="3007349" y="6866467"/>
-                  </a:lnTo>
-                  <a:lnTo>
-                    <a:pt x="0" y="6866467"/>
-                  </a:lnTo>
-                  <a:lnTo>
-                    <a:pt x="2045532" y="0"/>
-                  </a:lnTo>
-                  <a:close/>
-                </a:path>
-              </a:pathLst>
-            </a:custGeom>
-            <a:solidFill>
-              <a:schemeClr val="accent1">
-                <a:alpha val="36000"/>
-              </a:schemeClr>
-            </a:solidFill>
-            <a:ln>
-              <a:noFill/>
-            </a:ln>
-            <a:effectLst/>
-          </p:spPr>
-          <p:style>
-            <a:lnRef idx="1">
-              <a:schemeClr val="accent1"/>
-            </a:lnRef>
-            <a:fillRef idx="3">
-              <a:schemeClr val="accent1"/>
-            </a:fillRef>
-            <a:effectRef idx="2">
-              <a:schemeClr val="accent1"/>
-            </a:effectRef>
-            <a:fontRef idx="minor">
-              <a:schemeClr val="lt1"/>
-            </a:fontRef>
-          </p:style>
-        </p:sp>
-        <p:sp>
-          <p:nvSpPr>
-            <p:cNvPr id="29" name="Rectangle 25">
-              <a:extLst>
-                <a:ext uri="{FF2B5EF4-FFF2-40B4-BE49-F238E27FC236}">
-                  <a16:creationId xmlns:a16="http://schemas.microsoft.com/office/drawing/2014/main" id="{9B48A2AD-5257-4384-A7F5-A1EE4E6883A5}"/>
-                </a:ext>
-                <a:ext uri="{C183D7F6-B498-43B3-948B-1728B52AA6E4}">
-                  <adec:decorative xmlns:adec="http://schemas.microsoft.com/office/drawing/2017/decorative" val="1"/>
-                </a:ext>
-              </a:extLst>
-            </p:cNvPr>
-            <p:cNvSpPr/>
-            <p:nvPr>
-              <p:extLst>
-                <p:ext uri="{386F3935-93C4-4BCD-93E2-E3B085C9AB24}">
-                  <p16:designElem xmlns:p16="http://schemas.microsoft.com/office/powerpoint/2015/main" val="1"/>
-                </p:ext>
-              </p:extLst>
-            </p:nvPr>
-          </p:nvSpPr>
-          <p:spPr>
-            <a:xfrm>
-              <a:off x="9603442" y="-8467"/>
-              <a:ext cx="2588558" cy="6866467"/>
-            </a:xfrm>
-            <a:custGeom>
-              <a:avLst/>
-              <a:gdLst/>
-              <a:ahLst/>
-              <a:cxnLst/>
-              <a:rect l="l" t="t" r="r" b="b"/>
-              <a:pathLst>
-                <a:path w="2573311" h="6866467">
-                  <a:moveTo>
-                    <a:pt x="0" y="0"/>
-                  </a:moveTo>
-                  <a:lnTo>
-                    <a:pt x="2573311" y="0"/>
-                  </a:lnTo>
-                  <a:lnTo>
-                    <a:pt x="2573311" y="6866467"/>
-                  </a:lnTo>
-                  <a:lnTo>
-                    <a:pt x="1202336" y="6866467"/>
-                  </a:lnTo>
-                  <a:lnTo>
-                    <a:pt x="0" y="0"/>
-                  </a:lnTo>
-                  <a:close/>
-                </a:path>
-              </a:pathLst>
-            </a:custGeom>
-            <a:solidFill>
-              <a:schemeClr val="accent1">
-                <a:alpha val="20000"/>
-              </a:schemeClr>
-            </a:solidFill>
-            <a:ln>
-              <a:noFill/>
-            </a:ln>
-            <a:effectLst/>
-          </p:spPr>
-          <p:style>
-            <a:lnRef idx="1">
-              <a:schemeClr val="accent1"/>
-            </a:lnRef>
-            <a:fillRef idx="3">
-              <a:schemeClr val="accent1"/>
-            </a:fillRef>
-            <a:effectRef idx="2">
-              <a:schemeClr val="accent1"/>
-            </a:effectRef>
-            <a:fontRef idx="minor">
-              <a:schemeClr val="lt1"/>
-            </a:fontRef>
-          </p:style>
-        </p:sp>
-        <p:sp>
-          <p:nvSpPr>
-            <p:cNvPr id="30" name="Isosceles Triangle 29">
-              <a:extLst>
-                <a:ext uri="{FF2B5EF4-FFF2-40B4-BE49-F238E27FC236}">
-                  <a16:creationId xmlns:a16="http://schemas.microsoft.com/office/drawing/2014/main" id="{04C26DE3-844C-47DA-831E-E7D7BF617EC2}"/>
-                </a:ext>
-                <a:ext uri="{C183D7F6-B498-43B3-948B-1728B52AA6E4}">
-                  <adec:decorative xmlns:adec="http://schemas.microsoft.com/office/drawing/2017/decorative" val="1"/>
-                </a:ext>
-              </a:extLst>
-            </p:cNvPr>
-            <p:cNvSpPr/>
-            <p:nvPr>
-              <p:extLst>
-                <p:ext uri="{386F3935-93C4-4BCD-93E2-E3B085C9AB24}">
-                  <p16:designElem xmlns:p16="http://schemas.microsoft.com/office/powerpoint/2015/main" val="1"/>
-                </p:ext>
-              </p:extLst>
-            </p:nvPr>
-          </p:nvSpPr>
-          <p:spPr>
-            <a:xfrm>
-              <a:off x="8932333" y="3048000"/>
-              <a:ext cx="3259667" cy="3810000"/>
-            </a:xfrm>
-            <a:prstGeom prst="triangle">
-              <a:avLst>
-                <a:gd name="adj" fmla="val 100000"/>
-              </a:avLst>
-            </a:prstGeom>
-            <a:solidFill>
-              <a:schemeClr val="accent1">
-                <a:lumMod val="75000"/>
-                <a:alpha val="66000"/>
-              </a:schemeClr>
-            </a:solidFill>
-            <a:ln>
-              <a:noFill/>
-            </a:ln>
-            <a:effectLst/>
-          </p:spPr>
-          <p:style>
-            <a:lnRef idx="1">
-              <a:schemeClr val="accent1"/>
-            </a:lnRef>
-            <a:fillRef idx="3">
-              <a:schemeClr val="accent1"/>
-            </a:fillRef>
-            <a:effectRef idx="2">
-              <a:schemeClr val="accent1"/>
-            </a:effectRef>
-            <a:fontRef idx="minor">
-              <a:schemeClr val="lt1"/>
-            </a:fontRef>
-          </p:style>
-        </p:sp>
-        <p:sp>
-          <p:nvSpPr>
-            <p:cNvPr id="31" name="Rectangle 27">
-              <a:extLst>
-                <a:ext uri="{FF2B5EF4-FFF2-40B4-BE49-F238E27FC236}">
-                  <a16:creationId xmlns:a16="http://schemas.microsoft.com/office/drawing/2014/main" id="{922D975E-0684-4AA6-9FB7-929B250D5389}"/>
-                </a:ext>
-                <a:ext uri="{C183D7F6-B498-43B3-948B-1728B52AA6E4}">
-                  <adec:decorative xmlns:adec="http://schemas.microsoft.com/office/drawing/2017/decorative" val="1"/>
-                </a:ext>
-              </a:extLst>
-            </p:cNvPr>
-            <p:cNvSpPr/>
-            <p:nvPr>
-              <p:extLst>
-                <p:ext uri="{386F3935-93C4-4BCD-93E2-E3B085C9AB24}">
-                  <p16:designElem xmlns:p16="http://schemas.microsoft.com/office/powerpoint/2015/main" val="1"/>
-                </p:ext>
-              </p:extLst>
-            </p:nvPr>
-          </p:nvSpPr>
-          <p:spPr>
-            <a:xfrm>
-              <a:off x="9334500" y="-8467"/>
-              <a:ext cx="2854326" cy="6866467"/>
-            </a:xfrm>
-            <a:custGeom>
-              <a:avLst/>
-              <a:gdLst/>
-              <a:ahLst/>
-              <a:cxnLst/>
-              <a:rect l="l" t="t" r="r" b="b"/>
-              <a:pathLst>
-                <a:path w="2858013" h="6866467">
-                  <a:moveTo>
-                    <a:pt x="0" y="0"/>
-                  </a:moveTo>
-                  <a:lnTo>
-                    <a:pt x="2858013" y="0"/>
-                  </a:lnTo>
-                  <a:lnTo>
-                    <a:pt x="2858013" y="6866467"/>
-                  </a:lnTo>
-                  <a:lnTo>
-                    <a:pt x="2473942" y="6866467"/>
-                  </a:lnTo>
-                  <a:lnTo>
-                    <a:pt x="0" y="0"/>
-                  </a:lnTo>
-                  <a:close/>
-                </a:path>
-              </a:pathLst>
-            </a:custGeom>
-            <a:solidFill>
-              <a:schemeClr val="accent1">
-                <a:lumMod val="75000"/>
-                <a:alpha val="50000"/>
-              </a:schemeClr>
-            </a:solidFill>
-            <a:ln>
-              <a:noFill/>
-            </a:ln>
-            <a:effectLst/>
-          </p:spPr>
-          <p:style>
-            <a:lnRef idx="1">
-              <a:schemeClr val="accent1"/>
-            </a:lnRef>
-            <a:fillRef idx="3">
-              <a:schemeClr val="accent1"/>
-            </a:fillRef>
-            <a:effectRef idx="2">
-              <a:schemeClr val="accent1"/>
-            </a:effectRef>
-            <a:fontRef idx="minor">
-              <a:schemeClr val="lt1"/>
-            </a:fontRef>
-          </p:style>
-        </p:sp>
-        <p:sp>
-          <p:nvSpPr>
-            <p:cNvPr id="32" name="Rectangle 28">
-              <a:extLst>
-                <a:ext uri="{FF2B5EF4-FFF2-40B4-BE49-F238E27FC236}">
-                  <a16:creationId xmlns:a16="http://schemas.microsoft.com/office/drawing/2014/main" id="{38ED5A9A-F0C7-4547-BC1E-22FC89BD26D1}"/>
-                </a:ext>
-                <a:ext uri="{C183D7F6-B498-43B3-948B-1728B52AA6E4}">
-                  <adec:decorative xmlns:adec="http://schemas.microsoft.com/office/drawing/2017/decorative" val="1"/>
-                </a:ext>
-              </a:extLst>
-            </p:cNvPr>
-            <p:cNvSpPr/>
-            <p:nvPr>
-              <p:extLst>
-                <p:ext uri="{386F3935-93C4-4BCD-93E2-E3B085C9AB24}">
-                  <p16:designElem xmlns:p16="http://schemas.microsoft.com/office/powerpoint/2015/main" val="1"/>
-                </p:ext>
-              </p:extLst>
-            </p:nvPr>
-          </p:nvSpPr>
-          <p:spPr>
-            <a:xfrm>
-              <a:off x="10898730" y="-8467"/>
-              <a:ext cx="1290094" cy="6866467"/>
-            </a:xfrm>
-            <a:custGeom>
-              <a:avLst/>
-              <a:gdLst/>
-              <a:ahLst/>
-              <a:cxnLst/>
-              <a:rect l="l" t="t" r="r" b="b"/>
-              <a:pathLst>
-                <a:path w="1290094" h="6858000">
-                  <a:moveTo>
-                    <a:pt x="1019735" y="0"/>
-                  </a:moveTo>
-                  <a:lnTo>
-                    <a:pt x="1290094" y="0"/>
-                  </a:lnTo>
-                  <a:lnTo>
-                    <a:pt x="1290094" y="6858000"/>
-                  </a:lnTo>
-                  <a:lnTo>
-                    <a:pt x="0" y="6858000"/>
-                  </a:lnTo>
-                  <a:lnTo>
-                    <a:pt x="1019735" y="0"/>
-                  </a:lnTo>
-                  <a:close/>
-                </a:path>
-              </a:pathLst>
-            </a:custGeom>
-            <a:solidFill>
-              <a:schemeClr val="accent2">
-                <a:alpha val="70000"/>
-              </a:schemeClr>
-            </a:solidFill>
-            <a:ln>
-              <a:noFill/>
-            </a:ln>
-            <a:effectLst/>
-          </p:spPr>
-          <p:style>
-            <a:lnRef idx="1">
-              <a:schemeClr val="accent1"/>
-            </a:lnRef>
-            <a:fillRef idx="3">
-              <a:schemeClr val="accent1"/>
-            </a:fillRef>
-            <a:effectRef idx="2">
-              <a:schemeClr val="accent1"/>
-            </a:effectRef>
-            <a:fontRef idx="minor">
-              <a:schemeClr val="lt1"/>
-            </a:fontRef>
-          </p:style>
-        </p:sp>
-        <p:sp>
-          <p:nvSpPr>
-            <p:cNvPr id="33" name="Rectangle 29">
-              <a:extLst>
-                <a:ext uri="{FF2B5EF4-FFF2-40B4-BE49-F238E27FC236}">
-                  <a16:creationId xmlns:a16="http://schemas.microsoft.com/office/drawing/2014/main" id="{2D743765-A245-4349-A5CE-4AB5F078F91E}"/>
-                </a:ext>
-                <a:ext uri="{C183D7F6-B498-43B3-948B-1728B52AA6E4}">
-                  <adec:decorative xmlns:adec="http://schemas.microsoft.com/office/drawing/2017/decorative" val="1"/>
-                </a:ext>
-              </a:extLst>
-            </p:cNvPr>
-            <p:cNvSpPr/>
-            <p:nvPr>
-              <p:extLst>
-                <p:ext uri="{386F3935-93C4-4BCD-93E2-E3B085C9AB24}">
-                  <p16:designElem xmlns:p16="http://schemas.microsoft.com/office/powerpoint/2015/main" val="1"/>
-                </p:ext>
-              </p:extLst>
-            </p:nvPr>
-          </p:nvSpPr>
-          <p:spPr>
-            <a:xfrm>
-              <a:off x="10938999" y="-8467"/>
-              <a:ext cx="1249825" cy="6866467"/>
-            </a:xfrm>
-            <a:custGeom>
-              <a:avLst/>
-              <a:gdLst/>
-              <a:ahLst/>
-              <a:cxnLst/>
-              <a:rect l="l" t="t" r="r" b="b"/>
-              <a:pathLst>
-                <a:path w="1249825" h="6858000">
-                  <a:moveTo>
-                    <a:pt x="0" y="0"/>
-                  </a:moveTo>
-                  <a:lnTo>
-                    <a:pt x="1249825" y="0"/>
-                  </a:lnTo>
-                  <a:lnTo>
-                    <a:pt x="1249825" y="6858000"/>
-                  </a:lnTo>
-                  <a:lnTo>
-                    <a:pt x="1109382" y="6858000"/>
-                  </a:lnTo>
-                  <a:lnTo>
-                    <a:pt x="0" y="0"/>
-                  </a:lnTo>
-                  <a:close/>
-                </a:path>
-              </a:pathLst>
-            </a:custGeom>
-            <a:solidFill>
-              <a:schemeClr val="accent2">
-                <a:lumMod val="75000"/>
-                <a:alpha val="80000"/>
-              </a:schemeClr>
-            </a:solidFill>
-            <a:ln>
-              <a:noFill/>
-            </a:ln>
-            <a:effectLst/>
-          </p:spPr>
-          <p:style>
-            <a:lnRef idx="1">
-              <a:schemeClr val="accent1"/>
-            </a:lnRef>
-            <a:fillRef idx="3">
-              <a:schemeClr val="accent1"/>
-            </a:fillRef>
-            <a:effectRef idx="2">
-              <a:schemeClr val="accent1"/>
-            </a:effectRef>
-            <a:fontRef idx="minor">
-              <a:schemeClr val="lt1"/>
-            </a:fontRef>
-          </p:style>
-        </p:sp>
-        <p:sp>
-          <p:nvSpPr>
-            <p:cNvPr id="34" name="Isosceles Triangle 33">
-              <a:extLst>
-                <a:ext uri="{FF2B5EF4-FFF2-40B4-BE49-F238E27FC236}">
-                  <a16:creationId xmlns:a16="http://schemas.microsoft.com/office/drawing/2014/main" id="{0AF7217B-D042-44D2-9FC7-71FAB6651A47}"/>
-                </a:ext>
-                <a:ext uri="{C183D7F6-B498-43B3-948B-1728B52AA6E4}">
-                  <adec:decorative xmlns:adec="http://schemas.microsoft.com/office/drawing/2017/decorative" val="1"/>
-                </a:ext>
-              </a:extLst>
-            </p:cNvPr>
-            <p:cNvSpPr/>
-            <p:nvPr>
-              <p:extLst>
-                <p:ext uri="{386F3935-93C4-4BCD-93E2-E3B085C9AB24}">
-                  <p16:designElem xmlns:p16="http://schemas.microsoft.com/office/powerpoint/2015/main" val="1"/>
-                </p:ext>
-              </p:extLst>
-            </p:nvPr>
-          </p:nvSpPr>
-          <p:spPr>
-            <a:xfrm>
-              <a:off x="10371666" y="3589867"/>
-              <a:ext cx="1817159" cy="3268133"/>
-            </a:xfrm>
-            <a:prstGeom prst="triangle">
-              <a:avLst>
-                <a:gd name="adj" fmla="val 100000"/>
-              </a:avLst>
-            </a:prstGeom>
-            <a:solidFill>
-              <a:schemeClr val="accent1">
-                <a:lumMod val="75000"/>
-                <a:alpha val="66000"/>
-              </a:schemeClr>
-            </a:solidFill>
-            <a:ln>
-              <a:noFill/>
-            </a:ln>
-            <a:effectLst/>
-          </p:spPr>
-          <p:style>
-            <a:lnRef idx="1">
-              <a:schemeClr val="accent1"/>
-            </a:lnRef>
-            <a:fillRef idx="3">
-              <a:schemeClr val="accent1"/>
-            </a:fillRef>
-            <a:effectRef idx="2">
-              <a:schemeClr val="accent1"/>
-            </a:effectRef>
-            <a:fontRef idx="minor">
-              <a:schemeClr val="lt1"/>
-            </a:fontRef>
-          </p:style>
-        </p:sp>
-        <p:sp>
-          <p:nvSpPr>
-            <p:cNvPr id="35" name="Isosceles Triangle 34">
-              <a:extLst>
-                <a:ext uri="{FF2B5EF4-FFF2-40B4-BE49-F238E27FC236}">
-                  <a16:creationId xmlns:a16="http://schemas.microsoft.com/office/drawing/2014/main" id="{1CC9171B-8BEB-48B1-B9BE-E9584522D074}"/>
-                </a:ext>
-                <a:ext uri="{C183D7F6-B498-43B3-948B-1728B52AA6E4}">
-                  <adec:decorative xmlns:adec="http://schemas.microsoft.com/office/drawing/2017/decorative" val="1"/>
-                </a:ext>
-              </a:extLst>
-            </p:cNvPr>
-            <p:cNvSpPr/>
-            <p:nvPr>
-              <p:extLst>
-                <p:ext uri="{386F3935-93C4-4BCD-93E2-E3B085C9AB24}">
-                  <p16:designElem xmlns:p16="http://schemas.microsoft.com/office/powerpoint/2015/main" val="1"/>
-                </p:ext>
-              </p:extLst>
-            </p:nvPr>
-          </p:nvSpPr>
-          <p:spPr>
-            <a:xfrm>
-              <a:off x="0" y="4013200"/>
-              <a:ext cx="448733" cy="2844800"/>
-            </a:xfrm>
-            <a:prstGeom prst="triangle">
-              <a:avLst>
-                <a:gd name="adj" fmla="val 0"/>
-              </a:avLst>
-            </a:prstGeom>
-            <a:solidFill>
-              <a:schemeClr val="accent1">
-                <a:alpha val="70000"/>
-              </a:schemeClr>
-            </a:solidFill>
-            <a:ln>
-              <a:noFill/>
-            </a:ln>
-            <a:effectLst/>
-          </p:spPr>
-          <p:style>
-            <a:lnRef idx="1">
-              <a:schemeClr val="accent1"/>
-            </a:lnRef>
-            <a:fillRef idx="3">
-              <a:schemeClr val="accent1"/>
-            </a:fillRef>
-            <a:effectRef idx="2">
-              <a:schemeClr val="accent1"/>
-            </a:effectRef>
-            <a:fontRef idx="minor">
-              <a:schemeClr val="lt1"/>
-            </a:fontRef>
-          </p:style>
-        </p:sp>
-      </p:grpSp>
-      <p:pic>
-        <p:nvPicPr>
-          <p:cNvPr id="5" name="Picture 4" descr="Diagram&#10;&#10;Description automatically generated">
-            <a:extLst>
-              <a:ext uri="{FF2B5EF4-FFF2-40B4-BE49-F238E27FC236}">
-                <a16:creationId xmlns:a16="http://schemas.microsoft.com/office/drawing/2014/main" id="{7B97868A-8AD8-922A-42ED-0A9CC9784299}"/>
-              </a:ext>
-            </a:extLst>
-          </p:cNvPr>
-          <p:cNvPicPr>
-            <a:picLocks noChangeAspect="1"/>
-          </p:cNvPicPr>
-          <p:nvPr/>
-        </p:nvPicPr>
-        <p:blipFill>
-          <a:blip r:embed="rId3">
-            <a:extLst>
-              <a:ext uri="{28A0092B-C50C-407E-A947-70E740481C1C}">
-                <a14:useLocalDpi xmlns:a14="http://schemas.microsoft.com/office/drawing/2010/main" val="0"/>
-              </a:ext>
-            </a:extLst>
-          </a:blip>
-          <a:stretch>
-            <a:fillRect/>
-          </a:stretch>
-        </p:blipFill>
-        <p:spPr>
-          <a:xfrm>
-            <a:off x="773087" y="295274"/>
-            <a:ext cx="7900032" cy="6359526"/>
-          </a:xfrm>
-          <a:prstGeom prst="rect">
-            <a:avLst/>
-          </a:prstGeom>
-        </p:spPr>
-      </p:pic>
-    </p:spTree>
-    <p:extLst>
-      <p:ext uri="{BB962C8B-B14F-4D97-AF65-F5344CB8AC3E}">
-        <p14:creationId xmlns:p14="http://schemas.microsoft.com/office/powerpoint/2010/main" val="2220244355"/>
-      </p:ext>
-    </p:extLst>
-  </p:cSld>
-  <p:clrMapOvr>
-    <a:masterClrMapping/>
-  </p:clrMapOvr>
-</p:sld>
-</file>
-
-<file path=ppt/slides/slide4.xml><?xml version="1.0" encoding="utf-8"?>
-<p:sld xmlns:a="http://schemas.openxmlformats.org/drawingml/2006/main" xmlns:r="http://schemas.openxmlformats.org/officeDocument/2006/relationships" xmlns:p="http://schemas.openxmlformats.org/presentationml/2006/main">
-  <p:cSld>
-    <p:spTree>
-      <p:nvGrpSpPr>
-        <p:cNvPr id="1" name=""/>
-        <p:cNvGrpSpPr/>
-        <p:nvPr/>
-      </p:nvGrpSpPr>
-      <p:grpSpPr>
-        <a:xfrm>
-          <a:off x="0" y="0"/>
-          <a:ext cx="0" cy="0"/>
-          <a:chOff x="0" y="0"/>
-          <a:chExt cx="0" cy="0"/>
-        </a:xfrm>
-      </p:grpSpPr>
-      <p:sp>
-        <p:nvSpPr>
-          <p:cNvPr id="2" name="Title 1">
-            <a:extLst>
-              <a:ext uri="{FF2B5EF4-FFF2-40B4-BE49-F238E27FC236}">
-                <a16:creationId xmlns:a16="http://schemas.microsoft.com/office/drawing/2014/main" id="{CA5F9C87-53DC-A256-6079-9859637A6904}"/>
-              </a:ext>
-            </a:extLst>
-          </p:cNvPr>
-          <p:cNvSpPr>
-            <a:spLocks noGrp="1"/>
-          </p:cNvSpPr>
-          <p:nvPr>
-            <p:ph type="title"/>
-          </p:nvPr>
-        </p:nvSpPr>
-        <p:spPr/>
-        <p:txBody>
-          <a:bodyPr/>
-          <a:lstStyle/>
-          <a:p>
-            <a:r>
-              <a:rPr lang="en-US" dirty="0"/>
-              <a:t>The system itself</a:t>
-            </a:r>
-            <a:endParaRPr lang="hu-HU" dirty="0"/>
-          </a:p>
-        </p:txBody>
-      </p:sp>
-      <p:sp>
-        <p:nvSpPr>
-          <p:cNvPr id="3" name="Content Placeholder 2">
-            <a:extLst>
-              <a:ext uri="{FF2B5EF4-FFF2-40B4-BE49-F238E27FC236}">
-                <a16:creationId xmlns:a16="http://schemas.microsoft.com/office/drawing/2014/main" id="{F7853376-CFF6-5181-EB60-1BEF6A6803D4}"/>
-              </a:ext>
-            </a:extLst>
-          </p:cNvPr>
-          <p:cNvSpPr>
-            <a:spLocks noGrp="1"/>
-          </p:cNvSpPr>
-          <p:nvPr>
-            <p:ph idx="1"/>
-          </p:nvPr>
-        </p:nvSpPr>
-        <p:spPr/>
-        <p:txBody>
-          <a:bodyPr/>
-          <a:lstStyle/>
-          <a:p>
-            <a:r>
-              <a:rPr lang="en-US" dirty="0"/>
-              <a:t>Two types of devices: a Sensor and a Controller</a:t>
-            </a:r>
-          </a:p>
-          <a:p>
-            <a:pPr lvl="1"/>
-            <a:r>
-              <a:rPr lang="en-US" dirty="0"/>
-              <a:t>Sensor: measuring temperature and air quality</a:t>
-            </a:r>
-          </a:p>
-          <a:p>
-            <a:pPr lvl="1"/>
-            <a:r>
-              <a:rPr lang="en-US" dirty="0"/>
-              <a:t>Controller: opening and closing the window and communicating with the outside world through </a:t>
-            </a:r>
-            <a:r>
-              <a:rPr lang="en-US" dirty="0" err="1"/>
-              <a:t>WiFi</a:t>
-            </a:r>
-            <a:endParaRPr lang="en-US" dirty="0"/>
-          </a:p>
-          <a:p>
-            <a:r>
-              <a:rPr lang="en-US" dirty="0"/>
-              <a:t>Comm between devices: 433 MHz (Silicon Labs RF chip)</a:t>
-            </a:r>
-          </a:p>
-          <a:p>
-            <a:r>
-              <a:rPr lang="en-US" dirty="0"/>
-              <a:t>Scalable: you can use any number of devices</a:t>
-            </a:r>
-          </a:p>
-          <a:p>
-            <a:r>
-              <a:rPr lang="en-US" dirty="0"/>
-              <a:t>Expandable: you can add extra sensor through external headers (SPI)</a:t>
-            </a:r>
-          </a:p>
-          <a:p>
-            <a:r>
-              <a:rPr lang="en-US" dirty="0"/>
-              <a:t>Easy to use and integrate: the ESP32 is easily controlled through Home Assistant for example</a:t>
-            </a:r>
-          </a:p>
-          <a:p>
-            <a:endParaRPr lang="en-US" dirty="0"/>
-          </a:p>
-        </p:txBody>
-      </p:sp>
-    </p:spTree>
-    <p:extLst>
-      <p:ext uri="{BB962C8B-B14F-4D97-AF65-F5344CB8AC3E}">
-        <p14:creationId xmlns:p14="http://schemas.microsoft.com/office/powerpoint/2010/main" val="515944903"/>
-      </p:ext>
-    </p:extLst>
-  </p:cSld>
-  <p:clrMapOvr>
-    <a:masterClrMapping/>
-  </p:clrMapOvr>
-</p:sld>
-</file>
-
-<file path=ppt/slides/slide5.xml><?xml version="1.0" encoding="utf-8"?>
-<p:sld xmlns:a="http://schemas.openxmlformats.org/drawingml/2006/main" xmlns:r="http://schemas.openxmlformats.org/officeDocument/2006/relationships" xmlns:p="http://schemas.openxmlformats.org/presentationml/2006/main">
-  <p:cSld>
-    <p:bg>
-      <p:bgPr>
-        <a:solidFill>
-          <a:schemeClr val="bg1"/>
-        </a:solidFill>
-        <a:effectLst/>
-      </p:bgPr>
-    </p:bg>
-    <p:spTree>
-      <p:nvGrpSpPr>
-        <p:cNvPr id="1" name=""/>
-        <p:cNvGrpSpPr/>
-        <p:nvPr/>
-      </p:nvGrpSpPr>
-      <p:grpSpPr>
-        <a:xfrm>
-          <a:off x="0" y="0"/>
-          <a:ext cx="0" cy="0"/>
-          <a:chOff x="0" y="0"/>
-          <a:chExt cx="0" cy="0"/>
-        </a:xfrm>
-      </p:grpSpPr>
-      <p:grpSp>
-        <p:nvGrpSpPr>
           <p:cNvPr id="51" name="Group 50">
             <a:extLst>
               <a:ext uri="{FF2B5EF4-FFF2-40B4-BE49-F238E27FC236}">
@@ -8950,6 +8047,911 @@
     <p:extLst>
       <p:ext uri="{BB962C8B-B14F-4D97-AF65-F5344CB8AC3E}">
         <p14:creationId xmlns:p14="http://schemas.microsoft.com/office/powerpoint/2010/main" val="4174110863"/>
+      </p:ext>
+    </p:extLst>
+  </p:cSld>
+  <p:clrMapOvr>
+    <a:masterClrMapping/>
+  </p:clrMapOvr>
+</p:sld>
+</file>
+
+<file path=ppt/slides/slide4.xml><?xml version="1.0" encoding="utf-8"?>
+<p:sld xmlns:a="http://schemas.openxmlformats.org/drawingml/2006/main" xmlns:r="http://schemas.openxmlformats.org/officeDocument/2006/relationships" xmlns:p="http://schemas.openxmlformats.org/presentationml/2006/main">
+  <p:cSld>
+    <p:spTree>
+      <p:nvGrpSpPr>
+        <p:cNvPr id="1" name=""/>
+        <p:cNvGrpSpPr/>
+        <p:nvPr/>
+      </p:nvGrpSpPr>
+      <p:grpSpPr>
+        <a:xfrm>
+          <a:off x="0" y="0"/>
+          <a:ext cx="0" cy="0"/>
+          <a:chOff x="0" y="0"/>
+          <a:chExt cx="0" cy="0"/>
+        </a:xfrm>
+      </p:grpSpPr>
+      <p:sp>
+        <p:nvSpPr>
+          <p:cNvPr id="2" name="Title 1">
+            <a:extLst>
+              <a:ext uri="{FF2B5EF4-FFF2-40B4-BE49-F238E27FC236}">
+                <a16:creationId xmlns:a16="http://schemas.microsoft.com/office/drawing/2014/main" id="{CA5F9C87-53DC-A256-6079-9859637A6904}"/>
+              </a:ext>
+            </a:extLst>
+          </p:cNvPr>
+          <p:cNvSpPr>
+            <a:spLocks noGrp="1"/>
+          </p:cNvSpPr>
+          <p:nvPr>
+            <p:ph type="title"/>
+          </p:nvPr>
+        </p:nvSpPr>
+        <p:spPr/>
+        <p:txBody>
+          <a:bodyPr/>
+          <a:lstStyle/>
+          <a:p>
+            <a:r>
+              <a:rPr lang="en-US" dirty="0"/>
+              <a:t>The system itself</a:t>
+            </a:r>
+            <a:endParaRPr lang="hu-HU" dirty="0"/>
+          </a:p>
+        </p:txBody>
+      </p:sp>
+      <p:sp>
+        <p:nvSpPr>
+          <p:cNvPr id="3" name="Content Placeholder 2">
+            <a:extLst>
+              <a:ext uri="{FF2B5EF4-FFF2-40B4-BE49-F238E27FC236}">
+                <a16:creationId xmlns:a16="http://schemas.microsoft.com/office/drawing/2014/main" id="{F7853376-CFF6-5181-EB60-1BEF6A6803D4}"/>
+              </a:ext>
+            </a:extLst>
+          </p:cNvPr>
+          <p:cNvSpPr>
+            <a:spLocks noGrp="1"/>
+          </p:cNvSpPr>
+          <p:nvPr>
+            <p:ph idx="1"/>
+          </p:nvPr>
+        </p:nvSpPr>
+        <p:spPr/>
+        <p:txBody>
+          <a:bodyPr/>
+          <a:lstStyle/>
+          <a:p>
+            <a:r>
+              <a:rPr lang="en-US" dirty="0"/>
+              <a:t>Two types of devices: a Sensor and a Controller</a:t>
+            </a:r>
+          </a:p>
+          <a:p>
+            <a:pPr lvl="1"/>
+            <a:r>
+              <a:rPr lang="en-US" dirty="0"/>
+              <a:t>Sensor: measuring temperature and air quality</a:t>
+            </a:r>
+          </a:p>
+          <a:p>
+            <a:pPr lvl="1"/>
+            <a:r>
+              <a:rPr lang="en-US" dirty="0"/>
+              <a:t>Controller: opening and closing the window and communicating with the outside world through </a:t>
+            </a:r>
+            <a:r>
+              <a:rPr lang="en-US" dirty="0" err="1"/>
+              <a:t>WiFi</a:t>
+            </a:r>
+            <a:endParaRPr lang="en-US" dirty="0"/>
+          </a:p>
+          <a:p>
+            <a:r>
+              <a:rPr lang="en-US" dirty="0"/>
+              <a:t>Comm between devices: 433 MHz (Silicon Labs RF chip)</a:t>
+            </a:r>
+          </a:p>
+          <a:p>
+            <a:r>
+              <a:rPr lang="en-US" dirty="0"/>
+              <a:t>Scalable: you can use any number of devices</a:t>
+            </a:r>
+          </a:p>
+          <a:p>
+            <a:r>
+              <a:rPr lang="en-US" dirty="0"/>
+              <a:t>Expandable: you can add extra sensor through external headers (SPI)</a:t>
+            </a:r>
+          </a:p>
+          <a:p>
+            <a:r>
+              <a:rPr lang="en-US" dirty="0"/>
+              <a:t>Easy to use and integrate: the ESP32 is easily controlled through Home Assistant for example</a:t>
+            </a:r>
+          </a:p>
+          <a:p>
+            <a:endParaRPr lang="en-US" dirty="0"/>
+          </a:p>
+        </p:txBody>
+      </p:sp>
+    </p:spTree>
+    <p:extLst>
+      <p:ext uri="{BB962C8B-B14F-4D97-AF65-F5344CB8AC3E}">
+        <p14:creationId xmlns:p14="http://schemas.microsoft.com/office/powerpoint/2010/main" val="515944903"/>
+      </p:ext>
+    </p:extLst>
+  </p:cSld>
+  <p:clrMapOvr>
+    <a:masterClrMapping/>
+  </p:clrMapOvr>
+</p:sld>
+</file>
+
+<file path=ppt/slides/slide5.xml><?xml version="1.0" encoding="utf-8"?>
+<p:sld xmlns:a="http://schemas.openxmlformats.org/drawingml/2006/main" xmlns:r="http://schemas.openxmlformats.org/officeDocument/2006/relationships" xmlns:p="http://schemas.openxmlformats.org/presentationml/2006/main">
+  <p:cSld>
+    <p:bg>
+      <p:bgPr>
+        <a:solidFill>
+          <a:schemeClr val="bg1"/>
+        </a:solidFill>
+        <a:effectLst/>
+      </p:bgPr>
+    </p:bg>
+    <p:spTree>
+      <p:nvGrpSpPr>
+        <p:cNvPr id="1" name=""/>
+        <p:cNvGrpSpPr/>
+        <p:nvPr/>
+      </p:nvGrpSpPr>
+      <p:grpSpPr>
+        <a:xfrm>
+          <a:off x="0" y="0"/>
+          <a:ext cx="0" cy="0"/>
+          <a:chOff x="0" y="0"/>
+          <a:chExt cx="0" cy="0"/>
+        </a:xfrm>
+      </p:grpSpPr>
+      <p:grpSp>
+        <p:nvGrpSpPr>
+          <p:cNvPr id="25" name="Group 24">
+            <a:extLst>
+              <a:ext uri="{FF2B5EF4-FFF2-40B4-BE49-F238E27FC236}">
+                <a16:creationId xmlns:a16="http://schemas.microsoft.com/office/drawing/2014/main" id="{A4D026A2-7476-44B0-9648-BB98882F7BA3}"/>
+              </a:ext>
+              <a:ext uri="{C183D7F6-B498-43B3-948B-1728B52AA6E4}">
+                <adec:decorative xmlns:adec="http://schemas.microsoft.com/office/drawing/2017/decorative" val="1"/>
+              </a:ext>
+            </a:extLst>
+          </p:cNvPr>
+          <p:cNvGrpSpPr>
+            <a:grpSpLocks noGrp="1" noUngrp="1" noRot="1" noChangeAspect="1" noMove="1" noResize="1"/>
+          </p:cNvGrpSpPr>
+          <p:nvPr>
+            <p:extLst>
+              <p:ext uri="{386F3935-93C4-4BCD-93E2-E3B085C9AB24}">
+                <p16:designElem xmlns:p16="http://schemas.microsoft.com/office/powerpoint/2015/main" val="1"/>
+              </p:ext>
+            </p:extLst>
+          </p:nvPr>
+        </p:nvGrpSpPr>
+        <p:grpSpPr>
+          <a:xfrm>
+            <a:off x="0" y="-8467"/>
+            <a:ext cx="12192000" cy="6866467"/>
+            <a:chOff x="0" y="-8467"/>
+            <a:chExt cx="12192000" cy="6866467"/>
+          </a:xfrm>
+        </p:grpSpPr>
+        <p:cxnSp>
+          <p:nvCxnSpPr>
+            <p:cNvPr id="26" name="Straight Connector 25">
+              <a:extLst>
+                <a:ext uri="{FF2B5EF4-FFF2-40B4-BE49-F238E27FC236}">
+                  <a16:creationId xmlns:a16="http://schemas.microsoft.com/office/drawing/2014/main" id="{48F8FC21-0A44-4045-95A1-B7935DBC603D}"/>
+                </a:ext>
+                <a:ext uri="{C183D7F6-B498-43B3-948B-1728B52AA6E4}">
+                  <adec:decorative xmlns:adec="http://schemas.microsoft.com/office/drawing/2017/decorative" val="1"/>
+                </a:ext>
+              </a:extLst>
+            </p:cNvPr>
+            <p:cNvCxnSpPr/>
+            <p:nvPr>
+              <p:extLst>
+                <p:ext uri="{386F3935-93C4-4BCD-93E2-E3B085C9AB24}">
+                  <p16:designElem xmlns:p16="http://schemas.microsoft.com/office/powerpoint/2015/main" val="1"/>
+                </p:ext>
+              </p:extLst>
+            </p:nvPr>
+          </p:nvCxnSpPr>
+          <p:spPr>
+            <a:xfrm>
+              <a:off x="9371012" y="0"/>
+              <a:ext cx="1219200" cy="6858000"/>
+            </a:xfrm>
+            <a:prstGeom prst="line">
+              <a:avLst/>
+            </a:prstGeom>
+            <a:ln w="9525">
+              <a:solidFill>
+                <a:schemeClr val="accent1">
+                  <a:alpha val="70000"/>
+                </a:schemeClr>
+              </a:solidFill>
+            </a:ln>
+          </p:spPr>
+          <p:style>
+            <a:lnRef idx="2">
+              <a:schemeClr val="accent1"/>
+            </a:lnRef>
+            <a:fillRef idx="0">
+              <a:schemeClr val="accent1"/>
+            </a:fillRef>
+            <a:effectRef idx="1">
+              <a:schemeClr val="accent1"/>
+            </a:effectRef>
+            <a:fontRef idx="minor">
+              <a:schemeClr val="tx1"/>
+            </a:fontRef>
+          </p:style>
+        </p:cxnSp>
+        <p:cxnSp>
+          <p:nvCxnSpPr>
+            <p:cNvPr id="27" name="Straight Connector 26">
+              <a:extLst>
+                <a:ext uri="{FF2B5EF4-FFF2-40B4-BE49-F238E27FC236}">
+                  <a16:creationId xmlns:a16="http://schemas.microsoft.com/office/drawing/2014/main" id="{0209B962-CD29-4D46-A7B0-10F6C7CF1C0F}"/>
+                </a:ext>
+                <a:ext uri="{C183D7F6-B498-43B3-948B-1728B52AA6E4}">
+                  <adec:decorative xmlns:adec="http://schemas.microsoft.com/office/drawing/2017/decorative" val="1"/>
+                </a:ext>
+              </a:extLst>
+            </p:cNvPr>
+            <p:cNvCxnSpPr/>
+            <p:nvPr>
+              <p:extLst>
+                <p:ext uri="{386F3935-93C4-4BCD-93E2-E3B085C9AB24}">
+                  <p16:designElem xmlns:p16="http://schemas.microsoft.com/office/powerpoint/2015/main" val="1"/>
+                </p:ext>
+              </p:extLst>
+            </p:nvPr>
+          </p:nvCxnSpPr>
+          <p:spPr>
+            <a:xfrm flipH="1">
+              <a:off x="7425267" y="3681413"/>
+              <a:ext cx="4763558" cy="3176587"/>
+            </a:xfrm>
+            <a:prstGeom prst="line">
+              <a:avLst/>
+            </a:prstGeom>
+            <a:ln w="9525">
+              <a:solidFill>
+                <a:schemeClr val="accent1">
+                  <a:alpha val="70000"/>
+                </a:schemeClr>
+              </a:solidFill>
+            </a:ln>
+          </p:spPr>
+          <p:style>
+            <a:lnRef idx="2">
+              <a:schemeClr val="accent1"/>
+            </a:lnRef>
+            <a:fillRef idx="0">
+              <a:schemeClr val="accent1"/>
+            </a:fillRef>
+            <a:effectRef idx="1">
+              <a:schemeClr val="accent1"/>
+            </a:effectRef>
+            <a:fontRef idx="minor">
+              <a:schemeClr val="tx1"/>
+            </a:fontRef>
+          </p:style>
+        </p:cxnSp>
+        <p:sp>
+          <p:nvSpPr>
+            <p:cNvPr id="28" name="Rectangle 23">
+              <a:extLst>
+                <a:ext uri="{FF2B5EF4-FFF2-40B4-BE49-F238E27FC236}">
+                  <a16:creationId xmlns:a16="http://schemas.microsoft.com/office/drawing/2014/main" id="{CC8D40CF-4D47-411D-A8B7-0E4B29E9832B}"/>
+                </a:ext>
+                <a:ext uri="{C183D7F6-B498-43B3-948B-1728B52AA6E4}">
+                  <adec:decorative xmlns:adec="http://schemas.microsoft.com/office/drawing/2017/decorative" val="1"/>
+                </a:ext>
+              </a:extLst>
+            </p:cNvPr>
+            <p:cNvSpPr/>
+            <p:nvPr>
+              <p:extLst>
+                <p:ext uri="{386F3935-93C4-4BCD-93E2-E3B085C9AB24}">
+                  <p16:designElem xmlns:p16="http://schemas.microsoft.com/office/powerpoint/2015/main" val="1"/>
+                </p:ext>
+              </p:extLst>
+            </p:nvPr>
+          </p:nvSpPr>
+          <p:spPr>
+            <a:xfrm>
+              <a:off x="9181476" y="-8467"/>
+              <a:ext cx="3007349" cy="6866467"/>
+            </a:xfrm>
+            <a:custGeom>
+              <a:avLst/>
+              <a:gdLst/>
+              <a:ahLst/>
+              <a:cxnLst/>
+              <a:rect l="l" t="t" r="r" b="b"/>
+              <a:pathLst>
+                <a:path w="3007349" h="6866467">
+                  <a:moveTo>
+                    <a:pt x="2045532" y="0"/>
+                  </a:moveTo>
+                  <a:lnTo>
+                    <a:pt x="3007349" y="0"/>
+                  </a:lnTo>
+                  <a:lnTo>
+                    <a:pt x="3007349" y="6866467"/>
+                  </a:lnTo>
+                  <a:lnTo>
+                    <a:pt x="0" y="6866467"/>
+                  </a:lnTo>
+                  <a:lnTo>
+                    <a:pt x="2045532" y="0"/>
+                  </a:lnTo>
+                  <a:close/>
+                </a:path>
+              </a:pathLst>
+            </a:custGeom>
+            <a:solidFill>
+              <a:schemeClr val="accent1">
+                <a:alpha val="36000"/>
+              </a:schemeClr>
+            </a:solidFill>
+            <a:ln>
+              <a:noFill/>
+            </a:ln>
+            <a:effectLst/>
+          </p:spPr>
+          <p:style>
+            <a:lnRef idx="1">
+              <a:schemeClr val="accent1"/>
+            </a:lnRef>
+            <a:fillRef idx="3">
+              <a:schemeClr val="accent1"/>
+            </a:fillRef>
+            <a:effectRef idx="2">
+              <a:schemeClr val="accent1"/>
+            </a:effectRef>
+            <a:fontRef idx="minor">
+              <a:schemeClr val="lt1"/>
+            </a:fontRef>
+          </p:style>
+        </p:sp>
+        <p:sp>
+          <p:nvSpPr>
+            <p:cNvPr id="29" name="Rectangle 25">
+              <a:extLst>
+                <a:ext uri="{FF2B5EF4-FFF2-40B4-BE49-F238E27FC236}">
+                  <a16:creationId xmlns:a16="http://schemas.microsoft.com/office/drawing/2014/main" id="{9B48A2AD-5257-4384-A7F5-A1EE4E6883A5}"/>
+                </a:ext>
+                <a:ext uri="{C183D7F6-B498-43B3-948B-1728B52AA6E4}">
+                  <adec:decorative xmlns:adec="http://schemas.microsoft.com/office/drawing/2017/decorative" val="1"/>
+                </a:ext>
+              </a:extLst>
+            </p:cNvPr>
+            <p:cNvSpPr/>
+            <p:nvPr>
+              <p:extLst>
+                <p:ext uri="{386F3935-93C4-4BCD-93E2-E3B085C9AB24}">
+                  <p16:designElem xmlns:p16="http://schemas.microsoft.com/office/powerpoint/2015/main" val="1"/>
+                </p:ext>
+              </p:extLst>
+            </p:nvPr>
+          </p:nvSpPr>
+          <p:spPr>
+            <a:xfrm>
+              <a:off x="9603442" y="-8467"/>
+              <a:ext cx="2588558" cy="6866467"/>
+            </a:xfrm>
+            <a:custGeom>
+              <a:avLst/>
+              <a:gdLst/>
+              <a:ahLst/>
+              <a:cxnLst/>
+              <a:rect l="l" t="t" r="r" b="b"/>
+              <a:pathLst>
+                <a:path w="2573311" h="6866467">
+                  <a:moveTo>
+                    <a:pt x="0" y="0"/>
+                  </a:moveTo>
+                  <a:lnTo>
+                    <a:pt x="2573311" y="0"/>
+                  </a:lnTo>
+                  <a:lnTo>
+                    <a:pt x="2573311" y="6866467"/>
+                  </a:lnTo>
+                  <a:lnTo>
+                    <a:pt x="1202336" y="6866467"/>
+                  </a:lnTo>
+                  <a:lnTo>
+                    <a:pt x="0" y="0"/>
+                  </a:lnTo>
+                  <a:close/>
+                </a:path>
+              </a:pathLst>
+            </a:custGeom>
+            <a:solidFill>
+              <a:schemeClr val="accent1">
+                <a:alpha val="20000"/>
+              </a:schemeClr>
+            </a:solidFill>
+            <a:ln>
+              <a:noFill/>
+            </a:ln>
+            <a:effectLst/>
+          </p:spPr>
+          <p:style>
+            <a:lnRef idx="1">
+              <a:schemeClr val="accent1"/>
+            </a:lnRef>
+            <a:fillRef idx="3">
+              <a:schemeClr val="accent1"/>
+            </a:fillRef>
+            <a:effectRef idx="2">
+              <a:schemeClr val="accent1"/>
+            </a:effectRef>
+            <a:fontRef idx="minor">
+              <a:schemeClr val="lt1"/>
+            </a:fontRef>
+          </p:style>
+        </p:sp>
+        <p:sp>
+          <p:nvSpPr>
+            <p:cNvPr id="30" name="Isosceles Triangle 29">
+              <a:extLst>
+                <a:ext uri="{FF2B5EF4-FFF2-40B4-BE49-F238E27FC236}">
+                  <a16:creationId xmlns:a16="http://schemas.microsoft.com/office/drawing/2014/main" id="{04C26DE3-844C-47DA-831E-E7D7BF617EC2}"/>
+                </a:ext>
+                <a:ext uri="{C183D7F6-B498-43B3-948B-1728B52AA6E4}">
+                  <adec:decorative xmlns:adec="http://schemas.microsoft.com/office/drawing/2017/decorative" val="1"/>
+                </a:ext>
+              </a:extLst>
+            </p:cNvPr>
+            <p:cNvSpPr/>
+            <p:nvPr>
+              <p:extLst>
+                <p:ext uri="{386F3935-93C4-4BCD-93E2-E3B085C9AB24}">
+                  <p16:designElem xmlns:p16="http://schemas.microsoft.com/office/powerpoint/2015/main" val="1"/>
+                </p:ext>
+              </p:extLst>
+            </p:nvPr>
+          </p:nvSpPr>
+          <p:spPr>
+            <a:xfrm>
+              <a:off x="8932333" y="3048000"/>
+              <a:ext cx="3259667" cy="3810000"/>
+            </a:xfrm>
+            <a:prstGeom prst="triangle">
+              <a:avLst>
+                <a:gd name="adj" fmla="val 100000"/>
+              </a:avLst>
+            </a:prstGeom>
+            <a:solidFill>
+              <a:schemeClr val="accent1">
+                <a:lumMod val="75000"/>
+                <a:alpha val="66000"/>
+              </a:schemeClr>
+            </a:solidFill>
+            <a:ln>
+              <a:noFill/>
+            </a:ln>
+            <a:effectLst/>
+          </p:spPr>
+          <p:style>
+            <a:lnRef idx="1">
+              <a:schemeClr val="accent1"/>
+            </a:lnRef>
+            <a:fillRef idx="3">
+              <a:schemeClr val="accent1"/>
+            </a:fillRef>
+            <a:effectRef idx="2">
+              <a:schemeClr val="accent1"/>
+            </a:effectRef>
+            <a:fontRef idx="minor">
+              <a:schemeClr val="lt1"/>
+            </a:fontRef>
+          </p:style>
+        </p:sp>
+        <p:sp>
+          <p:nvSpPr>
+            <p:cNvPr id="31" name="Rectangle 27">
+              <a:extLst>
+                <a:ext uri="{FF2B5EF4-FFF2-40B4-BE49-F238E27FC236}">
+                  <a16:creationId xmlns:a16="http://schemas.microsoft.com/office/drawing/2014/main" id="{922D975E-0684-4AA6-9FB7-929B250D5389}"/>
+                </a:ext>
+                <a:ext uri="{C183D7F6-B498-43B3-948B-1728B52AA6E4}">
+                  <adec:decorative xmlns:adec="http://schemas.microsoft.com/office/drawing/2017/decorative" val="1"/>
+                </a:ext>
+              </a:extLst>
+            </p:cNvPr>
+            <p:cNvSpPr/>
+            <p:nvPr>
+              <p:extLst>
+                <p:ext uri="{386F3935-93C4-4BCD-93E2-E3B085C9AB24}">
+                  <p16:designElem xmlns:p16="http://schemas.microsoft.com/office/powerpoint/2015/main" val="1"/>
+                </p:ext>
+              </p:extLst>
+            </p:nvPr>
+          </p:nvSpPr>
+          <p:spPr>
+            <a:xfrm>
+              <a:off x="9334500" y="-8467"/>
+              <a:ext cx="2854326" cy="6866467"/>
+            </a:xfrm>
+            <a:custGeom>
+              <a:avLst/>
+              <a:gdLst/>
+              <a:ahLst/>
+              <a:cxnLst/>
+              <a:rect l="l" t="t" r="r" b="b"/>
+              <a:pathLst>
+                <a:path w="2858013" h="6866467">
+                  <a:moveTo>
+                    <a:pt x="0" y="0"/>
+                  </a:moveTo>
+                  <a:lnTo>
+                    <a:pt x="2858013" y="0"/>
+                  </a:lnTo>
+                  <a:lnTo>
+                    <a:pt x="2858013" y="6866467"/>
+                  </a:lnTo>
+                  <a:lnTo>
+                    <a:pt x="2473942" y="6866467"/>
+                  </a:lnTo>
+                  <a:lnTo>
+                    <a:pt x="0" y="0"/>
+                  </a:lnTo>
+                  <a:close/>
+                </a:path>
+              </a:pathLst>
+            </a:custGeom>
+            <a:solidFill>
+              <a:schemeClr val="accent1">
+                <a:lumMod val="75000"/>
+                <a:alpha val="50000"/>
+              </a:schemeClr>
+            </a:solidFill>
+            <a:ln>
+              <a:noFill/>
+            </a:ln>
+            <a:effectLst/>
+          </p:spPr>
+          <p:style>
+            <a:lnRef idx="1">
+              <a:schemeClr val="accent1"/>
+            </a:lnRef>
+            <a:fillRef idx="3">
+              <a:schemeClr val="accent1"/>
+            </a:fillRef>
+            <a:effectRef idx="2">
+              <a:schemeClr val="accent1"/>
+            </a:effectRef>
+            <a:fontRef idx="minor">
+              <a:schemeClr val="lt1"/>
+            </a:fontRef>
+          </p:style>
+        </p:sp>
+        <p:sp>
+          <p:nvSpPr>
+            <p:cNvPr id="32" name="Rectangle 28">
+              <a:extLst>
+                <a:ext uri="{FF2B5EF4-FFF2-40B4-BE49-F238E27FC236}">
+                  <a16:creationId xmlns:a16="http://schemas.microsoft.com/office/drawing/2014/main" id="{38ED5A9A-F0C7-4547-BC1E-22FC89BD26D1}"/>
+                </a:ext>
+                <a:ext uri="{C183D7F6-B498-43B3-948B-1728B52AA6E4}">
+                  <adec:decorative xmlns:adec="http://schemas.microsoft.com/office/drawing/2017/decorative" val="1"/>
+                </a:ext>
+              </a:extLst>
+            </p:cNvPr>
+            <p:cNvSpPr/>
+            <p:nvPr>
+              <p:extLst>
+                <p:ext uri="{386F3935-93C4-4BCD-93E2-E3B085C9AB24}">
+                  <p16:designElem xmlns:p16="http://schemas.microsoft.com/office/powerpoint/2015/main" val="1"/>
+                </p:ext>
+              </p:extLst>
+            </p:nvPr>
+          </p:nvSpPr>
+          <p:spPr>
+            <a:xfrm>
+              <a:off x="10898730" y="-8467"/>
+              <a:ext cx="1290094" cy="6866467"/>
+            </a:xfrm>
+            <a:custGeom>
+              <a:avLst/>
+              <a:gdLst/>
+              <a:ahLst/>
+              <a:cxnLst/>
+              <a:rect l="l" t="t" r="r" b="b"/>
+              <a:pathLst>
+                <a:path w="1290094" h="6858000">
+                  <a:moveTo>
+                    <a:pt x="1019735" y="0"/>
+                  </a:moveTo>
+                  <a:lnTo>
+                    <a:pt x="1290094" y="0"/>
+                  </a:lnTo>
+                  <a:lnTo>
+                    <a:pt x="1290094" y="6858000"/>
+                  </a:lnTo>
+                  <a:lnTo>
+                    <a:pt x="0" y="6858000"/>
+                  </a:lnTo>
+                  <a:lnTo>
+                    <a:pt x="1019735" y="0"/>
+                  </a:lnTo>
+                  <a:close/>
+                </a:path>
+              </a:pathLst>
+            </a:custGeom>
+            <a:solidFill>
+              <a:schemeClr val="accent2">
+                <a:alpha val="70000"/>
+              </a:schemeClr>
+            </a:solidFill>
+            <a:ln>
+              <a:noFill/>
+            </a:ln>
+            <a:effectLst/>
+          </p:spPr>
+          <p:style>
+            <a:lnRef idx="1">
+              <a:schemeClr val="accent1"/>
+            </a:lnRef>
+            <a:fillRef idx="3">
+              <a:schemeClr val="accent1"/>
+            </a:fillRef>
+            <a:effectRef idx="2">
+              <a:schemeClr val="accent1"/>
+            </a:effectRef>
+            <a:fontRef idx="minor">
+              <a:schemeClr val="lt1"/>
+            </a:fontRef>
+          </p:style>
+        </p:sp>
+        <p:sp>
+          <p:nvSpPr>
+            <p:cNvPr id="33" name="Rectangle 29">
+              <a:extLst>
+                <a:ext uri="{FF2B5EF4-FFF2-40B4-BE49-F238E27FC236}">
+                  <a16:creationId xmlns:a16="http://schemas.microsoft.com/office/drawing/2014/main" id="{2D743765-A245-4349-A5CE-4AB5F078F91E}"/>
+                </a:ext>
+                <a:ext uri="{C183D7F6-B498-43B3-948B-1728B52AA6E4}">
+                  <adec:decorative xmlns:adec="http://schemas.microsoft.com/office/drawing/2017/decorative" val="1"/>
+                </a:ext>
+              </a:extLst>
+            </p:cNvPr>
+            <p:cNvSpPr/>
+            <p:nvPr>
+              <p:extLst>
+                <p:ext uri="{386F3935-93C4-4BCD-93E2-E3B085C9AB24}">
+                  <p16:designElem xmlns:p16="http://schemas.microsoft.com/office/powerpoint/2015/main" val="1"/>
+                </p:ext>
+              </p:extLst>
+            </p:nvPr>
+          </p:nvSpPr>
+          <p:spPr>
+            <a:xfrm>
+              <a:off x="10938999" y="-8467"/>
+              <a:ext cx="1249825" cy="6866467"/>
+            </a:xfrm>
+            <a:custGeom>
+              <a:avLst/>
+              <a:gdLst/>
+              <a:ahLst/>
+              <a:cxnLst/>
+              <a:rect l="l" t="t" r="r" b="b"/>
+              <a:pathLst>
+                <a:path w="1249825" h="6858000">
+                  <a:moveTo>
+                    <a:pt x="0" y="0"/>
+                  </a:moveTo>
+                  <a:lnTo>
+                    <a:pt x="1249825" y="0"/>
+                  </a:lnTo>
+                  <a:lnTo>
+                    <a:pt x="1249825" y="6858000"/>
+                  </a:lnTo>
+                  <a:lnTo>
+                    <a:pt x="1109382" y="6858000"/>
+                  </a:lnTo>
+                  <a:lnTo>
+                    <a:pt x="0" y="0"/>
+                  </a:lnTo>
+                  <a:close/>
+                </a:path>
+              </a:pathLst>
+            </a:custGeom>
+            <a:solidFill>
+              <a:schemeClr val="accent2">
+                <a:lumMod val="75000"/>
+                <a:alpha val="80000"/>
+              </a:schemeClr>
+            </a:solidFill>
+            <a:ln>
+              <a:noFill/>
+            </a:ln>
+            <a:effectLst/>
+          </p:spPr>
+          <p:style>
+            <a:lnRef idx="1">
+              <a:schemeClr val="accent1"/>
+            </a:lnRef>
+            <a:fillRef idx="3">
+              <a:schemeClr val="accent1"/>
+            </a:fillRef>
+            <a:effectRef idx="2">
+              <a:schemeClr val="accent1"/>
+            </a:effectRef>
+            <a:fontRef idx="minor">
+              <a:schemeClr val="lt1"/>
+            </a:fontRef>
+          </p:style>
+        </p:sp>
+        <p:sp>
+          <p:nvSpPr>
+            <p:cNvPr id="34" name="Isosceles Triangle 33">
+              <a:extLst>
+                <a:ext uri="{FF2B5EF4-FFF2-40B4-BE49-F238E27FC236}">
+                  <a16:creationId xmlns:a16="http://schemas.microsoft.com/office/drawing/2014/main" id="{0AF7217B-D042-44D2-9FC7-71FAB6651A47}"/>
+                </a:ext>
+                <a:ext uri="{C183D7F6-B498-43B3-948B-1728B52AA6E4}">
+                  <adec:decorative xmlns:adec="http://schemas.microsoft.com/office/drawing/2017/decorative" val="1"/>
+                </a:ext>
+              </a:extLst>
+            </p:cNvPr>
+            <p:cNvSpPr/>
+            <p:nvPr>
+              <p:extLst>
+                <p:ext uri="{386F3935-93C4-4BCD-93E2-E3B085C9AB24}">
+                  <p16:designElem xmlns:p16="http://schemas.microsoft.com/office/powerpoint/2015/main" val="1"/>
+                </p:ext>
+              </p:extLst>
+            </p:nvPr>
+          </p:nvSpPr>
+          <p:spPr>
+            <a:xfrm>
+              <a:off x="10371666" y="3589867"/>
+              <a:ext cx="1817159" cy="3268133"/>
+            </a:xfrm>
+            <a:prstGeom prst="triangle">
+              <a:avLst>
+                <a:gd name="adj" fmla="val 100000"/>
+              </a:avLst>
+            </a:prstGeom>
+            <a:solidFill>
+              <a:schemeClr val="accent1">
+                <a:lumMod val="75000"/>
+                <a:alpha val="66000"/>
+              </a:schemeClr>
+            </a:solidFill>
+            <a:ln>
+              <a:noFill/>
+            </a:ln>
+            <a:effectLst/>
+          </p:spPr>
+          <p:style>
+            <a:lnRef idx="1">
+              <a:schemeClr val="accent1"/>
+            </a:lnRef>
+            <a:fillRef idx="3">
+              <a:schemeClr val="accent1"/>
+            </a:fillRef>
+            <a:effectRef idx="2">
+              <a:schemeClr val="accent1"/>
+            </a:effectRef>
+            <a:fontRef idx="minor">
+              <a:schemeClr val="lt1"/>
+            </a:fontRef>
+          </p:style>
+        </p:sp>
+        <p:sp>
+          <p:nvSpPr>
+            <p:cNvPr id="35" name="Isosceles Triangle 34">
+              <a:extLst>
+                <a:ext uri="{FF2B5EF4-FFF2-40B4-BE49-F238E27FC236}">
+                  <a16:creationId xmlns:a16="http://schemas.microsoft.com/office/drawing/2014/main" id="{1CC9171B-8BEB-48B1-B9BE-E9584522D074}"/>
+                </a:ext>
+                <a:ext uri="{C183D7F6-B498-43B3-948B-1728B52AA6E4}">
+                  <adec:decorative xmlns:adec="http://schemas.microsoft.com/office/drawing/2017/decorative" val="1"/>
+                </a:ext>
+              </a:extLst>
+            </p:cNvPr>
+            <p:cNvSpPr/>
+            <p:nvPr>
+              <p:extLst>
+                <p:ext uri="{386F3935-93C4-4BCD-93E2-E3B085C9AB24}">
+                  <p16:designElem xmlns:p16="http://schemas.microsoft.com/office/powerpoint/2015/main" val="1"/>
+                </p:ext>
+              </p:extLst>
+            </p:nvPr>
+          </p:nvSpPr>
+          <p:spPr>
+            <a:xfrm>
+              <a:off x="0" y="4013200"/>
+              <a:ext cx="448733" cy="2844800"/>
+            </a:xfrm>
+            <a:prstGeom prst="triangle">
+              <a:avLst>
+                <a:gd name="adj" fmla="val 0"/>
+              </a:avLst>
+            </a:prstGeom>
+            <a:solidFill>
+              <a:schemeClr val="accent1">
+                <a:alpha val="70000"/>
+              </a:schemeClr>
+            </a:solidFill>
+            <a:ln>
+              <a:noFill/>
+            </a:ln>
+            <a:effectLst/>
+          </p:spPr>
+          <p:style>
+            <a:lnRef idx="1">
+              <a:schemeClr val="accent1"/>
+            </a:lnRef>
+            <a:fillRef idx="3">
+              <a:schemeClr val="accent1"/>
+            </a:fillRef>
+            <a:effectRef idx="2">
+              <a:schemeClr val="accent1"/>
+            </a:effectRef>
+            <a:fontRef idx="minor">
+              <a:schemeClr val="lt1"/>
+            </a:fontRef>
+          </p:style>
+        </p:sp>
+      </p:grpSp>
+      <p:pic>
+        <p:nvPicPr>
+          <p:cNvPr id="5" name="Picture 4" descr="Diagram&#10;&#10;Description automatically generated">
+            <a:extLst>
+              <a:ext uri="{FF2B5EF4-FFF2-40B4-BE49-F238E27FC236}">
+                <a16:creationId xmlns:a16="http://schemas.microsoft.com/office/drawing/2014/main" id="{7B97868A-8AD8-922A-42ED-0A9CC9784299}"/>
+              </a:ext>
+            </a:extLst>
+          </p:cNvPr>
+          <p:cNvPicPr>
+            <a:picLocks noChangeAspect="1"/>
+          </p:cNvPicPr>
+          <p:nvPr/>
+        </p:nvPicPr>
+        <p:blipFill>
+          <a:blip r:embed="rId3">
+            <a:extLst>
+              <a:ext uri="{28A0092B-C50C-407E-A947-70E740481C1C}">
+                <a14:useLocalDpi xmlns:a14="http://schemas.microsoft.com/office/drawing/2010/main" val="0"/>
+              </a:ext>
+            </a:extLst>
+          </a:blip>
+          <a:stretch>
+            <a:fillRect/>
+          </a:stretch>
+        </p:blipFill>
+        <p:spPr>
+          <a:xfrm>
+            <a:off x="773087" y="295274"/>
+            <a:ext cx="7900032" cy="6359526"/>
+          </a:xfrm>
+          <a:prstGeom prst="rect">
+            <a:avLst/>
+          </a:prstGeom>
+        </p:spPr>
+      </p:pic>
+    </p:spTree>
+    <p:extLst>
+      <p:ext uri="{BB962C8B-B14F-4D97-AF65-F5344CB8AC3E}">
+        <p14:creationId xmlns:p14="http://schemas.microsoft.com/office/powerpoint/2010/main" val="2220244355"/>
       </p:ext>
     </p:extLst>
   </p:cSld>
@@ -9881,6 +9883,2017 @@
     <p:extLst>
       <p:ext uri="{BB962C8B-B14F-4D97-AF65-F5344CB8AC3E}">
         <p14:creationId xmlns:p14="http://schemas.microsoft.com/office/powerpoint/2010/main" val="3667880200"/>
+      </p:ext>
+    </p:extLst>
+  </p:cSld>
+  <p:clrMapOvr>
+    <a:masterClrMapping/>
+  </p:clrMapOvr>
+</p:sld>
+</file>
+
+<file path=ppt/slides/slide8.xml><?xml version="1.0" encoding="utf-8"?>
+<p:sld xmlns:a="http://schemas.openxmlformats.org/drawingml/2006/main" xmlns:r="http://schemas.openxmlformats.org/officeDocument/2006/relationships" xmlns:p="http://schemas.openxmlformats.org/presentationml/2006/main">
+  <p:cSld>
+    <p:spTree>
+      <p:nvGrpSpPr>
+        <p:cNvPr id="1" name=""/>
+        <p:cNvGrpSpPr/>
+        <p:nvPr/>
+      </p:nvGrpSpPr>
+      <p:grpSpPr>
+        <a:xfrm>
+          <a:off x="0" y="0"/>
+          <a:ext cx="0" cy="0"/>
+          <a:chOff x="0" y="0"/>
+          <a:chExt cx="0" cy="0"/>
+        </a:xfrm>
+      </p:grpSpPr>
+      <p:sp>
+        <p:nvSpPr>
+          <p:cNvPr id="2" name="Title 1">
+            <a:extLst>
+              <a:ext uri="{FF2B5EF4-FFF2-40B4-BE49-F238E27FC236}">
+                <a16:creationId xmlns:a16="http://schemas.microsoft.com/office/drawing/2014/main" id="{A0705D0A-A58D-CF75-85E6-2D39DE3A5E23}"/>
+              </a:ext>
+            </a:extLst>
+          </p:cNvPr>
+          <p:cNvSpPr>
+            <a:spLocks noGrp="1"/>
+          </p:cNvSpPr>
+          <p:nvPr>
+            <p:ph type="title"/>
+          </p:nvPr>
+        </p:nvSpPr>
+        <p:spPr>
+          <a:xfrm>
+            <a:off x="677334" y="609600"/>
+            <a:ext cx="4667839" cy="992957"/>
+          </a:xfrm>
+        </p:spPr>
+        <p:txBody>
+          <a:bodyPr>
+            <a:noAutofit/>
+          </a:bodyPr>
+          <a:lstStyle/>
+          <a:p>
+            <a:r>
+              <a:rPr lang="en-US" sz="4500" dirty="0"/>
+              <a:t>Easy to install</a:t>
+            </a:r>
+            <a:endParaRPr lang="hu-HU" sz="4500" dirty="0"/>
+          </a:p>
+        </p:txBody>
+      </p:sp>
+      <p:sp>
+        <p:nvSpPr>
+          <p:cNvPr id="4" name="Title 1">
+            <a:extLst>
+              <a:ext uri="{FF2B5EF4-FFF2-40B4-BE49-F238E27FC236}">
+                <a16:creationId xmlns:a16="http://schemas.microsoft.com/office/drawing/2014/main" id="{1259AA44-F20C-A378-6639-3AB286B65A85}"/>
+              </a:ext>
+            </a:extLst>
+          </p:cNvPr>
+          <p:cNvSpPr txBox="1">
+            <a:spLocks/>
+          </p:cNvSpPr>
+          <p:nvPr/>
+        </p:nvSpPr>
+        <p:spPr>
+          <a:xfrm>
+            <a:off x="5345173" y="1469010"/>
+            <a:ext cx="3602435" cy="992957"/>
+          </a:xfrm>
+          <a:prstGeom prst="rect">
+            <a:avLst/>
+          </a:prstGeom>
+        </p:spPr>
+        <p:txBody>
+          <a:bodyPr vert="horz" lIns="91440" tIns="45720" rIns="91440" bIns="45720" rtlCol="0" anchor="t">
+            <a:normAutofit/>
+          </a:bodyPr>
+          <a:lstStyle>
+            <a:lvl1pPr algn="l" defTabSz="457200" rtl="0" eaLnBrk="1" latinLnBrk="0" hangingPunct="1">
+              <a:spcBef>
+                <a:spcPct val="0"/>
+              </a:spcBef>
+              <a:buNone/>
+              <a:defRPr sz="3600" kern="1200">
+                <a:solidFill>
+                  <a:schemeClr val="accent1"/>
+                </a:solidFill>
+                <a:latin typeface="+mj-lt"/>
+                <a:ea typeface="+mj-ea"/>
+                <a:cs typeface="+mj-cs"/>
+              </a:defRPr>
+            </a:lvl1pPr>
+            <a:lvl2pPr eaLnBrk="1" hangingPunct="1">
+              <a:defRPr>
+                <a:solidFill>
+                  <a:schemeClr val="tx2"/>
+                </a:solidFill>
+              </a:defRPr>
+            </a:lvl2pPr>
+            <a:lvl3pPr eaLnBrk="1" hangingPunct="1">
+              <a:defRPr>
+                <a:solidFill>
+                  <a:schemeClr val="tx2"/>
+                </a:solidFill>
+              </a:defRPr>
+            </a:lvl3pPr>
+            <a:lvl4pPr eaLnBrk="1" hangingPunct="1">
+              <a:defRPr>
+                <a:solidFill>
+                  <a:schemeClr val="tx2"/>
+                </a:solidFill>
+              </a:defRPr>
+            </a:lvl4pPr>
+            <a:lvl5pPr eaLnBrk="1" hangingPunct="1">
+              <a:defRPr>
+                <a:solidFill>
+                  <a:schemeClr val="tx2"/>
+                </a:solidFill>
+              </a:defRPr>
+            </a:lvl5pPr>
+            <a:lvl6pPr eaLnBrk="1" hangingPunct="1">
+              <a:defRPr>
+                <a:solidFill>
+                  <a:schemeClr val="tx2"/>
+                </a:solidFill>
+              </a:defRPr>
+            </a:lvl6pPr>
+            <a:lvl7pPr eaLnBrk="1" hangingPunct="1">
+              <a:defRPr>
+                <a:solidFill>
+                  <a:schemeClr val="tx2"/>
+                </a:solidFill>
+              </a:defRPr>
+            </a:lvl7pPr>
+            <a:lvl8pPr eaLnBrk="1" hangingPunct="1">
+              <a:defRPr>
+                <a:solidFill>
+                  <a:schemeClr val="tx2"/>
+                </a:solidFill>
+              </a:defRPr>
+            </a:lvl8pPr>
+            <a:lvl9pPr eaLnBrk="1" hangingPunct="1">
+              <a:defRPr>
+                <a:solidFill>
+                  <a:schemeClr val="tx2"/>
+                </a:solidFill>
+              </a:defRPr>
+            </a:lvl9pPr>
+          </a:lstStyle>
+          <a:p>
+            <a:r>
+              <a:rPr lang="en-US" sz="4500" dirty="0"/>
+              <a:t>Scalable</a:t>
+            </a:r>
+            <a:endParaRPr lang="hu-HU" sz="4500" dirty="0"/>
+          </a:p>
+        </p:txBody>
+      </p:sp>
+      <p:sp>
+        <p:nvSpPr>
+          <p:cNvPr id="5" name="Title 1">
+            <a:extLst>
+              <a:ext uri="{FF2B5EF4-FFF2-40B4-BE49-F238E27FC236}">
+                <a16:creationId xmlns:a16="http://schemas.microsoft.com/office/drawing/2014/main" id="{9D94D656-A5D5-5C1F-190F-41D0BFD06445}"/>
+              </a:ext>
+            </a:extLst>
+          </p:cNvPr>
+          <p:cNvSpPr txBox="1">
+            <a:spLocks/>
+          </p:cNvSpPr>
+          <p:nvPr/>
+        </p:nvSpPr>
+        <p:spPr>
+          <a:xfrm>
+            <a:off x="982134" y="2932521"/>
+            <a:ext cx="4504266" cy="992957"/>
+          </a:xfrm>
+          <a:prstGeom prst="rect">
+            <a:avLst/>
+          </a:prstGeom>
+        </p:spPr>
+        <p:txBody>
+          <a:bodyPr vert="horz" lIns="91440" tIns="45720" rIns="91440" bIns="45720" rtlCol="0" anchor="t">
+            <a:noAutofit/>
+          </a:bodyPr>
+          <a:lstStyle>
+            <a:lvl1pPr algn="l" defTabSz="457200" rtl="0" eaLnBrk="1" latinLnBrk="0" hangingPunct="1">
+              <a:spcBef>
+                <a:spcPct val="0"/>
+              </a:spcBef>
+              <a:buNone/>
+              <a:defRPr sz="3600" kern="1200">
+                <a:solidFill>
+                  <a:schemeClr val="accent1"/>
+                </a:solidFill>
+                <a:latin typeface="+mj-lt"/>
+                <a:ea typeface="+mj-ea"/>
+                <a:cs typeface="+mj-cs"/>
+              </a:defRPr>
+            </a:lvl1pPr>
+            <a:lvl2pPr eaLnBrk="1" hangingPunct="1">
+              <a:defRPr>
+                <a:solidFill>
+                  <a:schemeClr val="tx2"/>
+                </a:solidFill>
+              </a:defRPr>
+            </a:lvl2pPr>
+            <a:lvl3pPr eaLnBrk="1" hangingPunct="1">
+              <a:defRPr>
+                <a:solidFill>
+                  <a:schemeClr val="tx2"/>
+                </a:solidFill>
+              </a:defRPr>
+            </a:lvl3pPr>
+            <a:lvl4pPr eaLnBrk="1" hangingPunct="1">
+              <a:defRPr>
+                <a:solidFill>
+                  <a:schemeClr val="tx2"/>
+                </a:solidFill>
+              </a:defRPr>
+            </a:lvl4pPr>
+            <a:lvl5pPr eaLnBrk="1" hangingPunct="1">
+              <a:defRPr>
+                <a:solidFill>
+                  <a:schemeClr val="tx2"/>
+                </a:solidFill>
+              </a:defRPr>
+            </a:lvl5pPr>
+            <a:lvl6pPr eaLnBrk="1" hangingPunct="1">
+              <a:defRPr>
+                <a:solidFill>
+                  <a:schemeClr val="tx2"/>
+                </a:solidFill>
+              </a:defRPr>
+            </a:lvl6pPr>
+            <a:lvl7pPr eaLnBrk="1" hangingPunct="1">
+              <a:defRPr>
+                <a:solidFill>
+                  <a:schemeClr val="tx2"/>
+                </a:solidFill>
+              </a:defRPr>
+            </a:lvl7pPr>
+            <a:lvl8pPr eaLnBrk="1" hangingPunct="1">
+              <a:defRPr>
+                <a:solidFill>
+                  <a:schemeClr val="tx2"/>
+                </a:solidFill>
+              </a:defRPr>
+            </a:lvl8pPr>
+            <a:lvl9pPr eaLnBrk="1" hangingPunct="1">
+              <a:defRPr>
+                <a:solidFill>
+                  <a:schemeClr val="tx2"/>
+                </a:solidFill>
+              </a:defRPr>
+            </a:lvl9pPr>
+          </a:lstStyle>
+          <a:p>
+            <a:r>
+              <a:rPr lang="en-US" sz="4500" dirty="0"/>
+              <a:t>Multi-purpose</a:t>
+            </a:r>
+            <a:endParaRPr lang="hu-HU" sz="4500" dirty="0"/>
+          </a:p>
+        </p:txBody>
+      </p:sp>
+      <p:sp>
+        <p:nvSpPr>
+          <p:cNvPr id="6" name="Title 1">
+            <a:extLst>
+              <a:ext uri="{FF2B5EF4-FFF2-40B4-BE49-F238E27FC236}">
+                <a16:creationId xmlns:a16="http://schemas.microsoft.com/office/drawing/2014/main" id="{6EA15E3E-1285-F588-5982-79690C839334}"/>
+              </a:ext>
+            </a:extLst>
+          </p:cNvPr>
+          <p:cNvSpPr txBox="1">
+            <a:spLocks/>
+          </p:cNvSpPr>
+          <p:nvPr/>
+        </p:nvSpPr>
+        <p:spPr>
+          <a:xfrm>
+            <a:off x="4254310" y="4727580"/>
+            <a:ext cx="5274701" cy="2210587"/>
+          </a:xfrm>
+          <a:prstGeom prst="rect">
+            <a:avLst/>
+          </a:prstGeom>
+        </p:spPr>
+        <p:txBody>
+          <a:bodyPr vert="horz" lIns="91440" tIns="45720" rIns="91440" bIns="45720" rtlCol="0" anchor="t">
+            <a:noAutofit/>
+          </a:bodyPr>
+          <a:lstStyle>
+            <a:lvl1pPr algn="l" defTabSz="457200" rtl="0" eaLnBrk="1" latinLnBrk="0" hangingPunct="1">
+              <a:spcBef>
+                <a:spcPct val="0"/>
+              </a:spcBef>
+              <a:buNone/>
+              <a:defRPr sz="3600" kern="1200">
+                <a:solidFill>
+                  <a:schemeClr val="accent1"/>
+                </a:solidFill>
+                <a:latin typeface="+mj-lt"/>
+                <a:ea typeface="+mj-ea"/>
+                <a:cs typeface="+mj-cs"/>
+              </a:defRPr>
+            </a:lvl1pPr>
+            <a:lvl2pPr eaLnBrk="1" hangingPunct="1">
+              <a:defRPr>
+                <a:solidFill>
+                  <a:schemeClr val="tx2"/>
+                </a:solidFill>
+              </a:defRPr>
+            </a:lvl2pPr>
+            <a:lvl3pPr eaLnBrk="1" hangingPunct="1">
+              <a:defRPr>
+                <a:solidFill>
+                  <a:schemeClr val="tx2"/>
+                </a:solidFill>
+              </a:defRPr>
+            </a:lvl3pPr>
+            <a:lvl4pPr eaLnBrk="1" hangingPunct="1">
+              <a:defRPr>
+                <a:solidFill>
+                  <a:schemeClr val="tx2"/>
+                </a:solidFill>
+              </a:defRPr>
+            </a:lvl4pPr>
+            <a:lvl5pPr eaLnBrk="1" hangingPunct="1">
+              <a:defRPr>
+                <a:solidFill>
+                  <a:schemeClr val="tx2"/>
+                </a:solidFill>
+              </a:defRPr>
+            </a:lvl5pPr>
+            <a:lvl6pPr eaLnBrk="1" hangingPunct="1">
+              <a:defRPr>
+                <a:solidFill>
+                  <a:schemeClr val="tx2"/>
+                </a:solidFill>
+              </a:defRPr>
+            </a:lvl6pPr>
+            <a:lvl7pPr eaLnBrk="1" hangingPunct="1">
+              <a:defRPr>
+                <a:solidFill>
+                  <a:schemeClr val="tx2"/>
+                </a:solidFill>
+              </a:defRPr>
+            </a:lvl7pPr>
+            <a:lvl8pPr eaLnBrk="1" hangingPunct="1">
+              <a:defRPr>
+                <a:solidFill>
+                  <a:schemeClr val="tx2"/>
+                </a:solidFill>
+              </a:defRPr>
+            </a:lvl8pPr>
+            <a:lvl9pPr eaLnBrk="1" hangingPunct="1">
+              <a:defRPr>
+                <a:solidFill>
+                  <a:schemeClr val="tx2"/>
+                </a:solidFill>
+              </a:defRPr>
+            </a:lvl9pPr>
+          </a:lstStyle>
+          <a:p>
+            <a:r>
+              <a:rPr lang="en-US" sz="4500" dirty="0"/>
+              <a:t>Low consumption</a:t>
+            </a:r>
+            <a:endParaRPr lang="hu-HU" sz="4500" dirty="0"/>
+          </a:p>
+        </p:txBody>
+      </p:sp>
+    </p:spTree>
+    <p:extLst>
+      <p:ext uri="{BB962C8B-B14F-4D97-AF65-F5344CB8AC3E}">
+        <p14:creationId xmlns:p14="http://schemas.microsoft.com/office/powerpoint/2010/main" val="2200446706"/>
+      </p:ext>
+    </p:extLst>
+  </p:cSld>
+  <p:clrMapOvr>
+    <a:masterClrMapping/>
+  </p:clrMapOvr>
+</p:sld>
+</file>
+
+<file path=ppt/slides/slide9.xml><?xml version="1.0" encoding="utf-8"?>
+<p:sld xmlns:a="http://schemas.openxmlformats.org/drawingml/2006/main" xmlns:r="http://schemas.openxmlformats.org/officeDocument/2006/relationships" xmlns:p="http://schemas.openxmlformats.org/presentationml/2006/main">
+  <p:cSld>
+    <p:bg>
+      <p:bgPr>
+        <a:solidFill>
+          <a:schemeClr val="bg1"/>
+        </a:solidFill>
+        <a:effectLst/>
+      </p:bgPr>
+    </p:bg>
+    <p:spTree>
+      <p:nvGrpSpPr>
+        <p:cNvPr id="1" name=""/>
+        <p:cNvGrpSpPr/>
+        <p:nvPr/>
+      </p:nvGrpSpPr>
+      <p:grpSpPr>
+        <a:xfrm>
+          <a:off x="0" y="0"/>
+          <a:ext cx="0" cy="0"/>
+          <a:chOff x="0" y="0"/>
+          <a:chExt cx="0" cy="0"/>
+        </a:xfrm>
+      </p:grpSpPr>
+      <p:grpSp>
+        <p:nvGrpSpPr>
+          <p:cNvPr id="12" name="Group 11">
+            <a:extLst>
+              <a:ext uri="{FF2B5EF4-FFF2-40B4-BE49-F238E27FC236}">
+                <a16:creationId xmlns:a16="http://schemas.microsoft.com/office/drawing/2014/main" id="{7664F850-BA8B-47AE-B11A-225CAB8969F1}"/>
+              </a:ext>
+              <a:ext uri="{C183D7F6-B498-43B3-948B-1728B52AA6E4}">
+                <adec:decorative xmlns:adec="http://schemas.microsoft.com/office/drawing/2017/decorative" val="1"/>
+              </a:ext>
+            </a:extLst>
+          </p:cNvPr>
+          <p:cNvGrpSpPr>
+            <a:grpSpLocks noGrp="1" noUngrp="1" noRot="1" noChangeAspect="1" noMove="1" noResize="1"/>
+          </p:cNvGrpSpPr>
+          <p:nvPr>
+            <p:extLst>
+              <p:ext uri="{386F3935-93C4-4BCD-93E2-E3B085C9AB24}">
+                <p16:designElem xmlns:p16="http://schemas.microsoft.com/office/powerpoint/2015/main" val="1"/>
+              </p:ext>
+            </p:extLst>
+          </p:nvPr>
+        </p:nvGrpSpPr>
+        <p:grpSpPr>
+          <a:xfrm>
+            <a:off x="0" y="-8467"/>
+            <a:ext cx="12192000" cy="6866467"/>
+            <a:chOff x="0" y="-8467"/>
+            <a:chExt cx="12192000" cy="6866467"/>
+          </a:xfrm>
+        </p:grpSpPr>
+        <p:cxnSp>
+          <p:nvCxnSpPr>
+            <p:cNvPr id="13" name="Straight Connector 12">
+              <a:extLst>
+                <a:ext uri="{FF2B5EF4-FFF2-40B4-BE49-F238E27FC236}">
+                  <a16:creationId xmlns:a16="http://schemas.microsoft.com/office/drawing/2014/main" id="{634FC909-7343-4DEC-920F-098F56B476F0}"/>
+                </a:ext>
+                <a:ext uri="{C183D7F6-B498-43B3-948B-1728B52AA6E4}">
+                  <adec:decorative xmlns:adec="http://schemas.microsoft.com/office/drawing/2017/decorative" val="1"/>
+                </a:ext>
+              </a:extLst>
+            </p:cNvPr>
+            <p:cNvCxnSpPr/>
+            <p:nvPr>
+              <p:extLst>
+                <p:ext uri="{386F3935-93C4-4BCD-93E2-E3B085C9AB24}">
+                  <p16:designElem xmlns:p16="http://schemas.microsoft.com/office/powerpoint/2015/main" val="1"/>
+                </p:ext>
+              </p:extLst>
+            </p:nvPr>
+          </p:nvCxnSpPr>
+          <p:spPr>
+            <a:xfrm>
+              <a:off x="9371012" y="0"/>
+              <a:ext cx="1219200" cy="6858000"/>
+            </a:xfrm>
+            <a:prstGeom prst="line">
+              <a:avLst/>
+            </a:prstGeom>
+            <a:ln w="9525">
+              <a:solidFill>
+                <a:schemeClr val="bg1">
+                  <a:lumMod val="75000"/>
+                </a:schemeClr>
+              </a:solidFill>
+            </a:ln>
+          </p:spPr>
+          <p:style>
+            <a:lnRef idx="2">
+              <a:schemeClr val="accent1"/>
+            </a:lnRef>
+            <a:fillRef idx="0">
+              <a:schemeClr val="accent1"/>
+            </a:fillRef>
+            <a:effectRef idx="1">
+              <a:schemeClr val="accent1"/>
+            </a:effectRef>
+            <a:fontRef idx="minor">
+              <a:schemeClr val="tx1"/>
+            </a:fontRef>
+          </p:style>
+        </p:cxnSp>
+        <p:cxnSp>
+          <p:nvCxnSpPr>
+            <p:cNvPr id="14" name="Straight Connector 13">
+              <a:extLst>
+                <a:ext uri="{FF2B5EF4-FFF2-40B4-BE49-F238E27FC236}">
+                  <a16:creationId xmlns:a16="http://schemas.microsoft.com/office/drawing/2014/main" id="{24F22DB2-7E27-4CF7-8B17-254ECB9AE771}"/>
+                </a:ext>
+                <a:ext uri="{C183D7F6-B498-43B3-948B-1728B52AA6E4}">
+                  <adec:decorative xmlns:adec="http://schemas.microsoft.com/office/drawing/2017/decorative" val="1"/>
+                </a:ext>
+              </a:extLst>
+            </p:cNvPr>
+            <p:cNvCxnSpPr/>
+            <p:nvPr>
+              <p:extLst>
+                <p:ext uri="{386F3935-93C4-4BCD-93E2-E3B085C9AB24}">
+                  <p16:designElem xmlns:p16="http://schemas.microsoft.com/office/powerpoint/2015/main" val="1"/>
+                </p:ext>
+              </p:extLst>
+            </p:nvPr>
+          </p:nvCxnSpPr>
+          <p:spPr>
+            <a:xfrm flipH="1">
+              <a:off x="7425267" y="3681413"/>
+              <a:ext cx="4763558" cy="3176587"/>
+            </a:xfrm>
+            <a:prstGeom prst="line">
+              <a:avLst/>
+            </a:prstGeom>
+            <a:ln w="9525">
+              <a:solidFill>
+                <a:schemeClr val="bg1">
+                  <a:lumMod val="85000"/>
+                </a:schemeClr>
+              </a:solidFill>
+            </a:ln>
+          </p:spPr>
+          <p:style>
+            <a:lnRef idx="2">
+              <a:schemeClr val="accent1"/>
+            </a:lnRef>
+            <a:fillRef idx="0">
+              <a:schemeClr val="accent1"/>
+            </a:fillRef>
+            <a:effectRef idx="1">
+              <a:schemeClr val="accent1"/>
+            </a:effectRef>
+            <a:fontRef idx="minor">
+              <a:schemeClr val="tx1"/>
+            </a:fontRef>
+          </p:style>
+        </p:cxnSp>
+        <p:sp>
+          <p:nvSpPr>
+            <p:cNvPr id="15" name="Rectangle 23">
+              <a:extLst>
+                <a:ext uri="{FF2B5EF4-FFF2-40B4-BE49-F238E27FC236}">
+                  <a16:creationId xmlns:a16="http://schemas.microsoft.com/office/drawing/2014/main" id="{C6E593B3-91A3-4687-8B8D-FE37A3714FD2}"/>
+                </a:ext>
+                <a:ext uri="{C183D7F6-B498-43B3-948B-1728B52AA6E4}">
+                  <adec:decorative xmlns:adec="http://schemas.microsoft.com/office/drawing/2017/decorative" val="1"/>
+                </a:ext>
+              </a:extLst>
+            </p:cNvPr>
+            <p:cNvSpPr/>
+            <p:nvPr>
+              <p:extLst>
+                <p:ext uri="{386F3935-93C4-4BCD-93E2-E3B085C9AB24}">
+                  <p16:designElem xmlns:p16="http://schemas.microsoft.com/office/powerpoint/2015/main" val="1"/>
+                </p:ext>
+              </p:extLst>
+            </p:nvPr>
+          </p:nvSpPr>
+          <p:spPr>
+            <a:xfrm>
+              <a:off x="9181476" y="-8467"/>
+              <a:ext cx="3007349" cy="6866467"/>
+            </a:xfrm>
+            <a:custGeom>
+              <a:avLst/>
+              <a:gdLst/>
+              <a:ahLst/>
+              <a:cxnLst/>
+              <a:rect l="l" t="t" r="r" b="b"/>
+              <a:pathLst>
+                <a:path w="3007349" h="6866467">
+                  <a:moveTo>
+                    <a:pt x="2045532" y="0"/>
+                  </a:moveTo>
+                  <a:lnTo>
+                    <a:pt x="3007349" y="0"/>
+                  </a:lnTo>
+                  <a:lnTo>
+                    <a:pt x="3007349" y="6866467"/>
+                  </a:lnTo>
+                  <a:lnTo>
+                    <a:pt x="0" y="6866467"/>
+                  </a:lnTo>
+                  <a:lnTo>
+                    <a:pt x="2045532" y="0"/>
+                  </a:lnTo>
+                  <a:close/>
+                </a:path>
+              </a:pathLst>
+            </a:custGeom>
+            <a:solidFill>
+              <a:schemeClr val="accent1">
+                <a:alpha val="30000"/>
+              </a:schemeClr>
+            </a:solidFill>
+            <a:ln>
+              <a:noFill/>
+            </a:ln>
+            <a:effectLst/>
+          </p:spPr>
+          <p:style>
+            <a:lnRef idx="1">
+              <a:schemeClr val="accent1"/>
+            </a:lnRef>
+            <a:fillRef idx="3">
+              <a:schemeClr val="accent1"/>
+            </a:fillRef>
+            <a:effectRef idx="2">
+              <a:schemeClr val="accent1"/>
+            </a:effectRef>
+            <a:fontRef idx="minor">
+              <a:schemeClr val="lt1"/>
+            </a:fontRef>
+          </p:style>
+        </p:sp>
+        <p:sp>
+          <p:nvSpPr>
+            <p:cNvPr id="16" name="Rectangle 25">
+              <a:extLst>
+                <a:ext uri="{FF2B5EF4-FFF2-40B4-BE49-F238E27FC236}">
+                  <a16:creationId xmlns:a16="http://schemas.microsoft.com/office/drawing/2014/main" id="{0C25B431-5C97-4B8D-B0A3-BFB8133C7173}"/>
+                </a:ext>
+                <a:ext uri="{C183D7F6-B498-43B3-948B-1728B52AA6E4}">
+                  <adec:decorative xmlns:adec="http://schemas.microsoft.com/office/drawing/2017/decorative" val="1"/>
+                </a:ext>
+              </a:extLst>
+            </p:cNvPr>
+            <p:cNvSpPr/>
+            <p:nvPr>
+              <p:extLst>
+                <p:ext uri="{386F3935-93C4-4BCD-93E2-E3B085C9AB24}">
+                  <p16:designElem xmlns:p16="http://schemas.microsoft.com/office/powerpoint/2015/main" val="1"/>
+                </p:ext>
+              </p:extLst>
+            </p:nvPr>
+          </p:nvSpPr>
+          <p:spPr>
+            <a:xfrm>
+              <a:off x="9603442" y="-8467"/>
+              <a:ext cx="2588558" cy="6866467"/>
+            </a:xfrm>
+            <a:custGeom>
+              <a:avLst/>
+              <a:gdLst/>
+              <a:ahLst/>
+              <a:cxnLst/>
+              <a:rect l="l" t="t" r="r" b="b"/>
+              <a:pathLst>
+                <a:path w="2573311" h="6866467">
+                  <a:moveTo>
+                    <a:pt x="0" y="0"/>
+                  </a:moveTo>
+                  <a:lnTo>
+                    <a:pt x="2573311" y="0"/>
+                  </a:lnTo>
+                  <a:lnTo>
+                    <a:pt x="2573311" y="6866467"/>
+                  </a:lnTo>
+                  <a:lnTo>
+                    <a:pt x="1202336" y="6866467"/>
+                  </a:lnTo>
+                  <a:lnTo>
+                    <a:pt x="0" y="0"/>
+                  </a:lnTo>
+                  <a:close/>
+                </a:path>
+              </a:pathLst>
+            </a:custGeom>
+            <a:solidFill>
+              <a:schemeClr val="accent1">
+                <a:alpha val="20000"/>
+              </a:schemeClr>
+            </a:solidFill>
+            <a:ln>
+              <a:noFill/>
+            </a:ln>
+            <a:effectLst/>
+          </p:spPr>
+          <p:style>
+            <a:lnRef idx="1">
+              <a:schemeClr val="accent1"/>
+            </a:lnRef>
+            <a:fillRef idx="3">
+              <a:schemeClr val="accent1"/>
+            </a:fillRef>
+            <a:effectRef idx="2">
+              <a:schemeClr val="accent1"/>
+            </a:effectRef>
+            <a:fontRef idx="minor">
+              <a:schemeClr val="lt1"/>
+            </a:fontRef>
+          </p:style>
+        </p:sp>
+        <p:sp>
+          <p:nvSpPr>
+            <p:cNvPr id="17" name="Isosceles Triangle 16">
+              <a:extLst>
+                <a:ext uri="{FF2B5EF4-FFF2-40B4-BE49-F238E27FC236}">
+                  <a16:creationId xmlns:a16="http://schemas.microsoft.com/office/drawing/2014/main" id="{CA37B366-497E-4CB8-A678-A770CE2BD873}"/>
+                </a:ext>
+                <a:ext uri="{C183D7F6-B498-43B3-948B-1728B52AA6E4}">
+                  <adec:decorative xmlns:adec="http://schemas.microsoft.com/office/drawing/2017/decorative" val="1"/>
+                </a:ext>
+              </a:extLst>
+            </p:cNvPr>
+            <p:cNvSpPr/>
+            <p:nvPr>
+              <p:extLst>
+                <p:ext uri="{386F3935-93C4-4BCD-93E2-E3B085C9AB24}">
+                  <p16:designElem xmlns:p16="http://schemas.microsoft.com/office/powerpoint/2015/main" val="1"/>
+                </p:ext>
+              </p:extLst>
+            </p:nvPr>
+          </p:nvSpPr>
+          <p:spPr>
+            <a:xfrm>
+              <a:off x="8932333" y="3048000"/>
+              <a:ext cx="3259667" cy="3810000"/>
+            </a:xfrm>
+            <a:prstGeom prst="triangle">
+              <a:avLst>
+                <a:gd name="adj" fmla="val 100000"/>
+              </a:avLst>
+            </a:prstGeom>
+            <a:solidFill>
+              <a:schemeClr val="accent2">
+                <a:alpha val="72000"/>
+              </a:schemeClr>
+            </a:solidFill>
+            <a:ln>
+              <a:noFill/>
+            </a:ln>
+            <a:effectLst/>
+          </p:spPr>
+          <p:style>
+            <a:lnRef idx="1">
+              <a:schemeClr val="accent1"/>
+            </a:lnRef>
+            <a:fillRef idx="3">
+              <a:schemeClr val="accent1"/>
+            </a:fillRef>
+            <a:effectRef idx="2">
+              <a:schemeClr val="accent1"/>
+            </a:effectRef>
+            <a:fontRef idx="minor">
+              <a:schemeClr val="lt1"/>
+            </a:fontRef>
+          </p:style>
+        </p:sp>
+        <p:sp>
+          <p:nvSpPr>
+            <p:cNvPr id="18" name="Rectangle 27">
+              <a:extLst>
+                <a:ext uri="{FF2B5EF4-FFF2-40B4-BE49-F238E27FC236}">
+                  <a16:creationId xmlns:a16="http://schemas.microsoft.com/office/drawing/2014/main" id="{CF707EDC-52B2-4D5C-8EC3-71C66EE8B3F4}"/>
+                </a:ext>
+                <a:ext uri="{C183D7F6-B498-43B3-948B-1728B52AA6E4}">
+                  <adec:decorative xmlns:adec="http://schemas.microsoft.com/office/drawing/2017/decorative" val="1"/>
+                </a:ext>
+              </a:extLst>
+            </p:cNvPr>
+            <p:cNvSpPr/>
+            <p:nvPr>
+              <p:extLst>
+                <p:ext uri="{386F3935-93C4-4BCD-93E2-E3B085C9AB24}">
+                  <p16:designElem xmlns:p16="http://schemas.microsoft.com/office/powerpoint/2015/main" val="1"/>
+                </p:ext>
+              </p:extLst>
+            </p:nvPr>
+          </p:nvSpPr>
+          <p:spPr>
+            <a:xfrm>
+              <a:off x="9334500" y="-8467"/>
+              <a:ext cx="2854326" cy="6866467"/>
+            </a:xfrm>
+            <a:custGeom>
+              <a:avLst/>
+              <a:gdLst/>
+              <a:ahLst/>
+              <a:cxnLst/>
+              <a:rect l="l" t="t" r="r" b="b"/>
+              <a:pathLst>
+                <a:path w="2858013" h="6866467">
+                  <a:moveTo>
+                    <a:pt x="0" y="0"/>
+                  </a:moveTo>
+                  <a:lnTo>
+                    <a:pt x="2858013" y="0"/>
+                  </a:lnTo>
+                  <a:lnTo>
+                    <a:pt x="2858013" y="6866467"/>
+                  </a:lnTo>
+                  <a:lnTo>
+                    <a:pt x="2473942" y="6866467"/>
+                  </a:lnTo>
+                  <a:lnTo>
+                    <a:pt x="0" y="0"/>
+                  </a:lnTo>
+                  <a:close/>
+                </a:path>
+              </a:pathLst>
+            </a:custGeom>
+            <a:solidFill>
+              <a:schemeClr val="accent2">
+                <a:lumMod val="75000"/>
+                <a:alpha val="70000"/>
+              </a:schemeClr>
+            </a:solidFill>
+            <a:ln>
+              <a:noFill/>
+            </a:ln>
+            <a:effectLst/>
+          </p:spPr>
+          <p:style>
+            <a:lnRef idx="1">
+              <a:schemeClr val="accent1"/>
+            </a:lnRef>
+            <a:fillRef idx="3">
+              <a:schemeClr val="accent1"/>
+            </a:fillRef>
+            <a:effectRef idx="2">
+              <a:schemeClr val="accent1"/>
+            </a:effectRef>
+            <a:fontRef idx="minor">
+              <a:schemeClr val="lt1"/>
+            </a:fontRef>
+          </p:style>
+        </p:sp>
+        <p:sp>
+          <p:nvSpPr>
+            <p:cNvPr id="19" name="Rectangle 28">
+              <a:extLst>
+                <a:ext uri="{FF2B5EF4-FFF2-40B4-BE49-F238E27FC236}">
+                  <a16:creationId xmlns:a16="http://schemas.microsoft.com/office/drawing/2014/main" id="{BF8E2DE7-7466-4EDF-8D69-BCA91A88D360}"/>
+                </a:ext>
+                <a:ext uri="{C183D7F6-B498-43B3-948B-1728B52AA6E4}">
+                  <adec:decorative xmlns:adec="http://schemas.microsoft.com/office/drawing/2017/decorative" val="1"/>
+                </a:ext>
+              </a:extLst>
+            </p:cNvPr>
+            <p:cNvSpPr/>
+            <p:nvPr>
+              <p:extLst>
+                <p:ext uri="{386F3935-93C4-4BCD-93E2-E3B085C9AB24}">
+                  <p16:designElem xmlns:p16="http://schemas.microsoft.com/office/powerpoint/2015/main" val="1"/>
+                </p:ext>
+              </p:extLst>
+            </p:nvPr>
+          </p:nvSpPr>
+          <p:spPr>
+            <a:xfrm>
+              <a:off x="10898730" y="-8467"/>
+              <a:ext cx="1290094" cy="6866467"/>
+            </a:xfrm>
+            <a:custGeom>
+              <a:avLst/>
+              <a:gdLst/>
+              <a:ahLst/>
+              <a:cxnLst/>
+              <a:rect l="l" t="t" r="r" b="b"/>
+              <a:pathLst>
+                <a:path w="1290094" h="6858000">
+                  <a:moveTo>
+                    <a:pt x="1019735" y="0"/>
+                  </a:moveTo>
+                  <a:lnTo>
+                    <a:pt x="1290094" y="0"/>
+                  </a:lnTo>
+                  <a:lnTo>
+                    <a:pt x="1290094" y="6858000"/>
+                  </a:lnTo>
+                  <a:lnTo>
+                    <a:pt x="0" y="6858000"/>
+                  </a:lnTo>
+                  <a:lnTo>
+                    <a:pt x="1019735" y="0"/>
+                  </a:lnTo>
+                  <a:close/>
+                </a:path>
+              </a:pathLst>
+            </a:custGeom>
+            <a:solidFill>
+              <a:schemeClr val="accent1">
+                <a:lumMod val="60000"/>
+                <a:lumOff val="40000"/>
+                <a:alpha val="70000"/>
+              </a:schemeClr>
+            </a:solidFill>
+            <a:ln>
+              <a:noFill/>
+            </a:ln>
+            <a:effectLst/>
+          </p:spPr>
+          <p:style>
+            <a:lnRef idx="1">
+              <a:schemeClr val="accent1"/>
+            </a:lnRef>
+            <a:fillRef idx="3">
+              <a:schemeClr val="accent1"/>
+            </a:fillRef>
+            <a:effectRef idx="2">
+              <a:schemeClr val="accent1"/>
+            </a:effectRef>
+            <a:fontRef idx="minor">
+              <a:schemeClr val="lt1"/>
+            </a:fontRef>
+          </p:style>
+        </p:sp>
+        <p:sp>
+          <p:nvSpPr>
+            <p:cNvPr id="20" name="Rectangle 29">
+              <a:extLst>
+                <a:ext uri="{FF2B5EF4-FFF2-40B4-BE49-F238E27FC236}">
+                  <a16:creationId xmlns:a16="http://schemas.microsoft.com/office/drawing/2014/main" id="{229C2E15-76CD-409E-9D6B-10DAD8881EAB}"/>
+                </a:ext>
+                <a:ext uri="{C183D7F6-B498-43B3-948B-1728B52AA6E4}">
+                  <adec:decorative xmlns:adec="http://schemas.microsoft.com/office/drawing/2017/decorative" val="1"/>
+                </a:ext>
+              </a:extLst>
+            </p:cNvPr>
+            <p:cNvSpPr/>
+            <p:nvPr>
+              <p:extLst>
+                <p:ext uri="{386F3935-93C4-4BCD-93E2-E3B085C9AB24}">
+                  <p16:designElem xmlns:p16="http://schemas.microsoft.com/office/powerpoint/2015/main" val="1"/>
+                </p:ext>
+              </p:extLst>
+            </p:nvPr>
+          </p:nvSpPr>
+          <p:spPr>
+            <a:xfrm>
+              <a:off x="10938999" y="-8467"/>
+              <a:ext cx="1249825" cy="6866467"/>
+            </a:xfrm>
+            <a:custGeom>
+              <a:avLst/>
+              <a:gdLst/>
+              <a:ahLst/>
+              <a:cxnLst/>
+              <a:rect l="l" t="t" r="r" b="b"/>
+              <a:pathLst>
+                <a:path w="1249825" h="6858000">
+                  <a:moveTo>
+                    <a:pt x="0" y="0"/>
+                  </a:moveTo>
+                  <a:lnTo>
+                    <a:pt x="1249825" y="0"/>
+                  </a:lnTo>
+                  <a:lnTo>
+                    <a:pt x="1249825" y="6858000"/>
+                  </a:lnTo>
+                  <a:lnTo>
+                    <a:pt x="1109382" y="6858000"/>
+                  </a:lnTo>
+                  <a:lnTo>
+                    <a:pt x="0" y="0"/>
+                  </a:lnTo>
+                  <a:close/>
+                </a:path>
+              </a:pathLst>
+            </a:custGeom>
+            <a:solidFill>
+              <a:schemeClr val="accent1">
+                <a:alpha val="65000"/>
+              </a:schemeClr>
+            </a:solidFill>
+            <a:ln>
+              <a:noFill/>
+            </a:ln>
+            <a:effectLst/>
+          </p:spPr>
+          <p:style>
+            <a:lnRef idx="1">
+              <a:schemeClr val="accent1"/>
+            </a:lnRef>
+            <a:fillRef idx="3">
+              <a:schemeClr val="accent1"/>
+            </a:fillRef>
+            <a:effectRef idx="2">
+              <a:schemeClr val="accent1"/>
+            </a:effectRef>
+            <a:fontRef idx="minor">
+              <a:schemeClr val="lt1"/>
+            </a:fontRef>
+          </p:style>
+        </p:sp>
+        <p:sp>
+          <p:nvSpPr>
+            <p:cNvPr id="21" name="Isosceles Triangle 20">
+              <a:extLst>
+                <a:ext uri="{FF2B5EF4-FFF2-40B4-BE49-F238E27FC236}">
+                  <a16:creationId xmlns:a16="http://schemas.microsoft.com/office/drawing/2014/main" id="{89A24369-AC96-4A98-AD98-47A7217ECCE5}"/>
+                </a:ext>
+                <a:ext uri="{C183D7F6-B498-43B3-948B-1728B52AA6E4}">
+                  <adec:decorative xmlns:adec="http://schemas.microsoft.com/office/drawing/2017/decorative" val="1"/>
+                </a:ext>
+              </a:extLst>
+            </p:cNvPr>
+            <p:cNvSpPr/>
+            <p:nvPr>
+              <p:extLst>
+                <p:ext uri="{386F3935-93C4-4BCD-93E2-E3B085C9AB24}">
+                  <p16:designElem xmlns:p16="http://schemas.microsoft.com/office/powerpoint/2015/main" val="1"/>
+                </p:ext>
+              </p:extLst>
+            </p:nvPr>
+          </p:nvSpPr>
+          <p:spPr>
+            <a:xfrm>
+              <a:off x="10371666" y="3589867"/>
+              <a:ext cx="1817159" cy="3268133"/>
+            </a:xfrm>
+            <a:prstGeom prst="triangle">
+              <a:avLst>
+                <a:gd name="adj" fmla="val 100000"/>
+              </a:avLst>
+            </a:prstGeom>
+            <a:solidFill>
+              <a:schemeClr val="accent1">
+                <a:alpha val="80000"/>
+              </a:schemeClr>
+            </a:solidFill>
+            <a:ln>
+              <a:noFill/>
+            </a:ln>
+            <a:effectLst/>
+          </p:spPr>
+          <p:style>
+            <a:lnRef idx="1">
+              <a:schemeClr val="accent1"/>
+            </a:lnRef>
+            <a:fillRef idx="3">
+              <a:schemeClr val="accent1"/>
+            </a:fillRef>
+            <a:effectRef idx="2">
+              <a:schemeClr val="accent1"/>
+            </a:effectRef>
+            <a:fontRef idx="minor">
+              <a:schemeClr val="lt1"/>
+            </a:fontRef>
+          </p:style>
+        </p:sp>
+        <p:sp>
+          <p:nvSpPr>
+            <p:cNvPr id="22" name="Isosceles Triangle 21">
+              <a:extLst>
+                <a:ext uri="{FF2B5EF4-FFF2-40B4-BE49-F238E27FC236}">
+                  <a16:creationId xmlns:a16="http://schemas.microsoft.com/office/drawing/2014/main" id="{7D0DF9A3-4628-42F6-B0A4-44D97617E0E5}"/>
+                </a:ext>
+                <a:ext uri="{C183D7F6-B498-43B3-948B-1728B52AA6E4}">
+                  <adec:decorative xmlns:adec="http://schemas.microsoft.com/office/drawing/2017/decorative" val="1"/>
+                </a:ext>
+              </a:extLst>
+            </p:cNvPr>
+            <p:cNvSpPr/>
+            <p:nvPr>
+              <p:extLst>
+                <p:ext uri="{386F3935-93C4-4BCD-93E2-E3B085C9AB24}">
+                  <p16:designElem xmlns:p16="http://schemas.microsoft.com/office/powerpoint/2015/main" val="1"/>
+                </p:ext>
+              </p:extLst>
+            </p:nvPr>
+          </p:nvSpPr>
+          <p:spPr>
+            <a:xfrm>
+              <a:off x="0" y="4013200"/>
+              <a:ext cx="448733" cy="2844800"/>
+            </a:xfrm>
+            <a:prstGeom prst="triangle">
+              <a:avLst>
+                <a:gd name="adj" fmla="val 0"/>
+              </a:avLst>
+            </a:prstGeom>
+            <a:solidFill>
+              <a:schemeClr val="accent1">
+                <a:alpha val="85000"/>
+              </a:schemeClr>
+            </a:solidFill>
+            <a:ln>
+              <a:noFill/>
+            </a:ln>
+            <a:effectLst/>
+          </p:spPr>
+          <p:style>
+            <a:lnRef idx="1">
+              <a:schemeClr val="accent1"/>
+            </a:lnRef>
+            <a:fillRef idx="3">
+              <a:schemeClr val="accent1"/>
+            </a:fillRef>
+            <a:effectRef idx="2">
+              <a:schemeClr val="accent1"/>
+            </a:effectRef>
+            <a:fontRef idx="minor">
+              <a:schemeClr val="lt1"/>
+            </a:fontRef>
+          </p:style>
+        </p:sp>
+      </p:grpSp>
+      <p:sp>
+        <p:nvSpPr>
+          <p:cNvPr id="24" name="Rectangle 23">
+            <a:extLst>
+              <a:ext uri="{FF2B5EF4-FFF2-40B4-BE49-F238E27FC236}">
+                <a16:creationId xmlns:a16="http://schemas.microsoft.com/office/drawing/2014/main" id="{7459C506-5F4B-4B75-9218-C7C3F87FA8D3}"/>
+              </a:ext>
+              <a:ext uri="{C183D7F6-B498-43B3-948B-1728B52AA6E4}">
+                <adec:decorative xmlns:adec="http://schemas.microsoft.com/office/drawing/2017/decorative" val="1"/>
+              </a:ext>
+            </a:extLst>
+          </p:cNvPr>
+          <p:cNvSpPr>
+            <a:spLocks noGrp="1" noRot="1" noChangeAspect="1" noMove="1" noResize="1" noEditPoints="1" noAdjustHandles="1" noChangeArrowheads="1" noChangeShapeType="1" noTextEdit="1"/>
+          </p:cNvSpPr>
+          <p:nvPr>
+            <p:extLst>
+              <p:ext uri="{386F3935-93C4-4BCD-93E2-E3B085C9AB24}">
+                <p16:designElem xmlns:p16="http://schemas.microsoft.com/office/powerpoint/2015/main" val="1"/>
+              </p:ext>
+            </p:extLst>
+          </p:nvPr>
+        </p:nvSpPr>
+        <p:spPr>
+          <a:xfrm>
+            <a:off x="0" y="0"/>
+            <a:ext cx="12192000" cy="6858000"/>
+          </a:xfrm>
+          <a:prstGeom prst="rect">
+            <a:avLst/>
+          </a:prstGeom>
+          <a:ln>
+            <a:noFill/>
+          </a:ln>
+        </p:spPr>
+        <p:style>
+          <a:lnRef idx="2">
+            <a:schemeClr val="accent1">
+              <a:shade val="50000"/>
+            </a:schemeClr>
+          </a:lnRef>
+          <a:fillRef idx="1">
+            <a:schemeClr val="accent1"/>
+          </a:fillRef>
+          <a:effectRef idx="0">
+            <a:schemeClr val="accent1"/>
+          </a:effectRef>
+          <a:fontRef idx="minor">
+            <a:schemeClr val="lt1"/>
+          </a:fontRef>
+        </p:style>
+        <p:txBody>
+          <a:bodyPr rtlCol="0" anchor="ctr"/>
+          <a:lstStyle/>
+          <a:p>
+            <a:pPr algn="ctr"/>
+            <a:endParaRPr lang="en-US"/>
+          </a:p>
+        </p:txBody>
+      </p:sp>
+      <p:grpSp>
+        <p:nvGrpSpPr>
+          <p:cNvPr id="26" name="Group 25">
+            <a:extLst>
+              <a:ext uri="{FF2B5EF4-FFF2-40B4-BE49-F238E27FC236}">
+                <a16:creationId xmlns:a16="http://schemas.microsoft.com/office/drawing/2014/main" id="{BC659EEB-C3AE-4544-8263-417009DCDF41}"/>
+              </a:ext>
+              <a:ext uri="{C183D7F6-B498-43B3-948B-1728B52AA6E4}">
+                <adec:decorative xmlns:adec="http://schemas.microsoft.com/office/drawing/2017/decorative" val="1"/>
+              </a:ext>
+            </a:extLst>
+          </p:cNvPr>
+          <p:cNvGrpSpPr>
+            <a:grpSpLocks noGrp="1" noUngrp="1" noRot="1" noChangeAspect="1" noMove="1" noResize="1"/>
+          </p:cNvGrpSpPr>
+          <p:nvPr>
+            <p:extLst>
+              <p:ext uri="{386F3935-93C4-4BCD-93E2-E3B085C9AB24}">
+                <p16:designElem xmlns:p16="http://schemas.microsoft.com/office/powerpoint/2015/main" val="1"/>
+              </p:ext>
+            </p:extLst>
+          </p:nvPr>
+        </p:nvGrpSpPr>
+        <p:grpSpPr>
+          <a:xfrm>
+            <a:off x="0" y="-8467"/>
+            <a:ext cx="12192000" cy="6866467"/>
+            <a:chOff x="0" y="-8467"/>
+            <a:chExt cx="12192000" cy="6866467"/>
+          </a:xfrm>
+        </p:grpSpPr>
+        <p:cxnSp>
+          <p:nvCxnSpPr>
+            <p:cNvPr id="27" name="Straight Connector 26">
+              <a:extLst>
+                <a:ext uri="{FF2B5EF4-FFF2-40B4-BE49-F238E27FC236}">
+                  <a16:creationId xmlns:a16="http://schemas.microsoft.com/office/drawing/2014/main" id="{D99DB6C6-36F9-4576-A558-95153EADBE41}"/>
+                </a:ext>
+                <a:ext uri="{C183D7F6-B498-43B3-948B-1728B52AA6E4}">
+                  <adec:decorative xmlns:adec="http://schemas.microsoft.com/office/drawing/2017/decorative" val="1"/>
+                </a:ext>
+              </a:extLst>
+            </p:cNvPr>
+            <p:cNvCxnSpPr/>
+            <p:nvPr>
+              <p:extLst>
+                <p:ext uri="{386F3935-93C4-4BCD-93E2-E3B085C9AB24}">
+                  <p16:designElem xmlns:p16="http://schemas.microsoft.com/office/powerpoint/2015/main" val="1"/>
+                </p:ext>
+              </p:extLst>
+            </p:nvPr>
+          </p:nvCxnSpPr>
+          <p:spPr>
+            <a:xfrm flipH="1">
+              <a:off x="7425267" y="3681413"/>
+              <a:ext cx="4763558" cy="3176587"/>
+            </a:xfrm>
+            <a:prstGeom prst="line">
+              <a:avLst/>
+            </a:prstGeom>
+            <a:ln w="9525">
+              <a:solidFill>
+                <a:schemeClr val="bg1">
+                  <a:lumMod val="85000"/>
+                </a:schemeClr>
+              </a:solidFill>
+            </a:ln>
+          </p:spPr>
+          <p:style>
+            <a:lnRef idx="2">
+              <a:schemeClr val="accent1"/>
+            </a:lnRef>
+            <a:fillRef idx="0">
+              <a:schemeClr val="accent1"/>
+            </a:fillRef>
+            <a:effectRef idx="1">
+              <a:schemeClr val="accent1"/>
+            </a:effectRef>
+            <a:fontRef idx="minor">
+              <a:schemeClr val="tx1"/>
+            </a:fontRef>
+          </p:style>
+        </p:cxnSp>
+        <p:sp>
+          <p:nvSpPr>
+            <p:cNvPr id="28" name="Rectangle 23">
+              <a:extLst>
+                <a:ext uri="{FF2B5EF4-FFF2-40B4-BE49-F238E27FC236}">
+                  <a16:creationId xmlns:a16="http://schemas.microsoft.com/office/drawing/2014/main" id="{694E7916-EDE4-4B50-A4A1-6B28FDD4D9B9}"/>
+                </a:ext>
+                <a:ext uri="{C183D7F6-B498-43B3-948B-1728B52AA6E4}">
+                  <adec:decorative xmlns:adec="http://schemas.microsoft.com/office/drawing/2017/decorative" val="1"/>
+                </a:ext>
+              </a:extLst>
+            </p:cNvPr>
+            <p:cNvSpPr/>
+            <p:nvPr>
+              <p:extLst>
+                <p:ext uri="{386F3935-93C4-4BCD-93E2-E3B085C9AB24}">
+                  <p16:designElem xmlns:p16="http://schemas.microsoft.com/office/powerpoint/2015/main" val="1"/>
+                </p:ext>
+              </p:extLst>
+            </p:nvPr>
+          </p:nvSpPr>
+          <p:spPr>
+            <a:xfrm>
+              <a:off x="9181476" y="-8467"/>
+              <a:ext cx="3007349" cy="6866467"/>
+            </a:xfrm>
+            <a:custGeom>
+              <a:avLst/>
+              <a:gdLst/>
+              <a:ahLst/>
+              <a:cxnLst/>
+              <a:rect l="l" t="t" r="r" b="b"/>
+              <a:pathLst>
+                <a:path w="3007349" h="6866467">
+                  <a:moveTo>
+                    <a:pt x="2045532" y="0"/>
+                  </a:moveTo>
+                  <a:lnTo>
+                    <a:pt x="3007349" y="0"/>
+                  </a:lnTo>
+                  <a:lnTo>
+                    <a:pt x="3007349" y="6866467"/>
+                  </a:lnTo>
+                  <a:lnTo>
+                    <a:pt x="0" y="6866467"/>
+                  </a:lnTo>
+                  <a:lnTo>
+                    <a:pt x="2045532" y="0"/>
+                  </a:lnTo>
+                  <a:close/>
+                </a:path>
+              </a:pathLst>
+            </a:custGeom>
+            <a:solidFill>
+              <a:schemeClr val="accent1">
+                <a:alpha val="30000"/>
+              </a:schemeClr>
+            </a:solidFill>
+            <a:ln>
+              <a:noFill/>
+            </a:ln>
+            <a:effectLst/>
+          </p:spPr>
+          <p:style>
+            <a:lnRef idx="1">
+              <a:schemeClr val="accent1"/>
+            </a:lnRef>
+            <a:fillRef idx="3">
+              <a:schemeClr val="accent1"/>
+            </a:fillRef>
+            <a:effectRef idx="2">
+              <a:schemeClr val="accent1"/>
+            </a:effectRef>
+            <a:fontRef idx="minor">
+              <a:schemeClr val="lt1"/>
+            </a:fontRef>
+          </p:style>
+        </p:sp>
+        <p:sp>
+          <p:nvSpPr>
+            <p:cNvPr id="29" name="Rectangle 25">
+              <a:extLst>
+                <a:ext uri="{FF2B5EF4-FFF2-40B4-BE49-F238E27FC236}">
+                  <a16:creationId xmlns:a16="http://schemas.microsoft.com/office/drawing/2014/main" id="{6F6CB7BB-4370-4173-97F8-F636C0F149F1}"/>
+                </a:ext>
+                <a:ext uri="{C183D7F6-B498-43B3-948B-1728B52AA6E4}">
+                  <adec:decorative xmlns:adec="http://schemas.microsoft.com/office/drawing/2017/decorative" val="1"/>
+                </a:ext>
+              </a:extLst>
+            </p:cNvPr>
+            <p:cNvSpPr/>
+            <p:nvPr>
+              <p:extLst>
+                <p:ext uri="{386F3935-93C4-4BCD-93E2-E3B085C9AB24}">
+                  <p16:designElem xmlns:p16="http://schemas.microsoft.com/office/powerpoint/2015/main" val="1"/>
+                </p:ext>
+              </p:extLst>
+            </p:nvPr>
+          </p:nvSpPr>
+          <p:spPr>
+            <a:xfrm>
+              <a:off x="9603442" y="-8467"/>
+              <a:ext cx="2588558" cy="6866467"/>
+            </a:xfrm>
+            <a:custGeom>
+              <a:avLst/>
+              <a:gdLst/>
+              <a:ahLst/>
+              <a:cxnLst/>
+              <a:rect l="l" t="t" r="r" b="b"/>
+              <a:pathLst>
+                <a:path w="2573311" h="6866467">
+                  <a:moveTo>
+                    <a:pt x="0" y="0"/>
+                  </a:moveTo>
+                  <a:lnTo>
+                    <a:pt x="2573311" y="0"/>
+                  </a:lnTo>
+                  <a:lnTo>
+                    <a:pt x="2573311" y="6866467"/>
+                  </a:lnTo>
+                  <a:lnTo>
+                    <a:pt x="1202336" y="6866467"/>
+                  </a:lnTo>
+                  <a:lnTo>
+                    <a:pt x="0" y="0"/>
+                  </a:lnTo>
+                  <a:close/>
+                </a:path>
+              </a:pathLst>
+            </a:custGeom>
+            <a:solidFill>
+              <a:schemeClr val="accent1">
+                <a:alpha val="20000"/>
+              </a:schemeClr>
+            </a:solidFill>
+            <a:ln>
+              <a:noFill/>
+            </a:ln>
+            <a:effectLst/>
+          </p:spPr>
+          <p:style>
+            <a:lnRef idx="1">
+              <a:schemeClr val="accent1"/>
+            </a:lnRef>
+            <a:fillRef idx="3">
+              <a:schemeClr val="accent1"/>
+            </a:fillRef>
+            <a:effectRef idx="2">
+              <a:schemeClr val="accent1"/>
+            </a:effectRef>
+            <a:fontRef idx="minor">
+              <a:schemeClr val="lt1"/>
+            </a:fontRef>
+          </p:style>
+        </p:sp>
+        <p:sp>
+          <p:nvSpPr>
+            <p:cNvPr id="30" name="Isosceles Triangle 29">
+              <a:extLst>
+                <a:ext uri="{FF2B5EF4-FFF2-40B4-BE49-F238E27FC236}">
+                  <a16:creationId xmlns:a16="http://schemas.microsoft.com/office/drawing/2014/main" id="{B0F590BB-1F51-4138-A2D4-2E483C84FB07}"/>
+                </a:ext>
+                <a:ext uri="{C183D7F6-B498-43B3-948B-1728B52AA6E4}">
+                  <adec:decorative xmlns:adec="http://schemas.microsoft.com/office/drawing/2017/decorative" val="1"/>
+                </a:ext>
+              </a:extLst>
+            </p:cNvPr>
+            <p:cNvSpPr/>
+            <p:nvPr>
+              <p:extLst>
+                <p:ext uri="{386F3935-93C4-4BCD-93E2-E3B085C9AB24}">
+                  <p16:designElem xmlns:p16="http://schemas.microsoft.com/office/powerpoint/2015/main" val="1"/>
+                </p:ext>
+              </p:extLst>
+            </p:nvPr>
+          </p:nvSpPr>
+          <p:spPr>
+            <a:xfrm>
+              <a:off x="8932333" y="3048000"/>
+              <a:ext cx="3259667" cy="3810000"/>
+            </a:xfrm>
+            <a:prstGeom prst="triangle">
+              <a:avLst>
+                <a:gd name="adj" fmla="val 100000"/>
+              </a:avLst>
+            </a:prstGeom>
+            <a:solidFill>
+              <a:schemeClr val="accent2">
+                <a:alpha val="72000"/>
+              </a:schemeClr>
+            </a:solidFill>
+            <a:ln>
+              <a:noFill/>
+            </a:ln>
+            <a:effectLst/>
+          </p:spPr>
+          <p:style>
+            <a:lnRef idx="1">
+              <a:schemeClr val="accent1"/>
+            </a:lnRef>
+            <a:fillRef idx="3">
+              <a:schemeClr val="accent1"/>
+            </a:fillRef>
+            <a:effectRef idx="2">
+              <a:schemeClr val="accent1"/>
+            </a:effectRef>
+            <a:fontRef idx="minor">
+              <a:schemeClr val="lt1"/>
+            </a:fontRef>
+          </p:style>
+        </p:sp>
+        <p:sp>
+          <p:nvSpPr>
+            <p:cNvPr id="31" name="Rectangle 27">
+              <a:extLst>
+                <a:ext uri="{FF2B5EF4-FFF2-40B4-BE49-F238E27FC236}">
+                  <a16:creationId xmlns:a16="http://schemas.microsoft.com/office/drawing/2014/main" id="{4A492863-9797-45A2-BAB3-514F10C5F254}"/>
+                </a:ext>
+                <a:ext uri="{C183D7F6-B498-43B3-948B-1728B52AA6E4}">
+                  <adec:decorative xmlns:adec="http://schemas.microsoft.com/office/drawing/2017/decorative" val="1"/>
+                </a:ext>
+              </a:extLst>
+            </p:cNvPr>
+            <p:cNvSpPr/>
+            <p:nvPr>
+              <p:extLst>
+                <p:ext uri="{386F3935-93C4-4BCD-93E2-E3B085C9AB24}">
+                  <p16:designElem xmlns:p16="http://schemas.microsoft.com/office/powerpoint/2015/main" val="1"/>
+                </p:ext>
+              </p:extLst>
+            </p:nvPr>
+          </p:nvSpPr>
+          <p:spPr>
+            <a:xfrm>
+              <a:off x="9334500" y="-8467"/>
+              <a:ext cx="2854326" cy="6866467"/>
+            </a:xfrm>
+            <a:custGeom>
+              <a:avLst/>
+              <a:gdLst/>
+              <a:ahLst/>
+              <a:cxnLst/>
+              <a:rect l="l" t="t" r="r" b="b"/>
+              <a:pathLst>
+                <a:path w="2858013" h="6866467">
+                  <a:moveTo>
+                    <a:pt x="0" y="0"/>
+                  </a:moveTo>
+                  <a:lnTo>
+                    <a:pt x="2858013" y="0"/>
+                  </a:lnTo>
+                  <a:lnTo>
+                    <a:pt x="2858013" y="6866467"/>
+                  </a:lnTo>
+                  <a:lnTo>
+                    <a:pt x="2473942" y="6866467"/>
+                  </a:lnTo>
+                  <a:lnTo>
+                    <a:pt x="0" y="0"/>
+                  </a:lnTo>
+                  <a:close/>
+                </a:path>
+              </a:pathLst>
+            </a:custGeom>
+            <a:solidFill>
+              <a:schemeClr val="accent2">
+                <a:lumMod val="75000"/>
+                <a:alpha val="70000"/>
+              </a:schemeClr>
+            </a:solidFill>
+            <a:ln>
+              <a:noFill/>
+            </a:ln>
+            <a:effectLst/>
+          </p:spPr>
+          <p:style>
+            <a:lnRef idx="1">
+              <a:schemeClr val="accent1"/>
+            </a:lnRef>
+            <a:fillRef idx="3">
+              <a:schemeClr val="accent1"/>
+            </a:fillRef>
+            <a:effectRef idx="2">
+              <a:schemeClr val="accent1"/>
+            </a:effectRef>
+            <a:fontRef idx="minor">
+              <a:schemeClr val="lt1"/>
+            </a:fontRef>
+          </p:style>
+        </p:sp>
+        <p:sp>
+          <p:nvSpPr>
+            <p:cNvPr id="32" name="Rectangle 28">
+              <a:extLst>
+                <a:ext uri="{FF2B5EF4-FFF2-40B4-BE49-F238E27FC236}">
+                  <a16:creationId xmlns:a16="http://schemas.microsoft.com/office/drawing/2014/main" id="{7C1E33F6-6D0F-4ECF-92F4-6F71D8BAF3D9}"/>
+                </a:ext>
+                <a:ext uri="{C183D7F6-B498-43B3-948B-1728B52AA6E4}">
+                  <adec:decorative xmlns:adec="http://schemas.microsoft.com/office/drawing/2017/decorative" val="1"/>
+                </a:ext>
+              </a:extLst>
+            </p:cNvPr>
+            <p:cNvSpPr/>
+            <p:nvPr>
+              <p:extLst>
+                <p:ext uri="{386F3935-93C4-4BCD-93E2-E3B085C9AB24}">
+                  <p16:designElem xmlns:p16="http://schemas.microsoft.com/office/powerpoint/2015/main" val="1"/>
+                </p:ext>
+              </p:extLst>
+            </p:nvPr>
+          </p:nvSpPr>
+          <p:spPr>
+            <a:xfrm>
+              <a:off x="10898730" y="-8467"/>
+              <a:ext cx="1290094" cy="6866467"/>
+            </a:xfrm>
+            <a:custGeom>
+              <a:avLst/>
+              <a:gdLst/>
+              <a:ahLst/>
+              <a:cxnLst/>
+              <a:rect l="l" t="t" r="r" b="b"/>
+              <a:pathLst>
+                <a:path w="1290094" h="6858000">
+                  <a:moveTo>
+                    <a:pt x="1019735" y="0"/>
+                  </a:moveTo>
+                  <a:lnTo>
+                    <a:pt x="1290094" y="0"/>
+                  </a:lnTo>
+                  <a:lnTo>
+                    <a:pt x="1290094" y="6858000"/>
+                  </a:lnTo>
+                  <a:lnTo>
+                    <a:pt x="0" y="6858000"/>
+                  </a:lnTo>
+                  <a:lnTo>
+                    <a:pt x="1019735" y="0"/>
+                  </a:lnTo>
+                  <a:close/>
+                </a:path>
+              </a:pathLst>
+            </a:custGeom>
+            <a:solidFill>
+              <a:schemeClr val="accent1">
+                <a:lumMod val="60000"/>
+                <a:lumOff val="40000"/>
+                <a:alpha val="70000"/>
+              </a:schemeClr>
+            </a:solidFill>
+            <a:ln>
+              <a:noFill/>
+            </a:ln>
+            <a:effectLst/>
+          </p:spPr>
+          <p:style>
+            <a:lnRef idx="1">
+              <a:schemeClr val="accent1"/>
+            </a:lnRef>
+            <a:fillRef idx="3">
+              <a:schemeClr val="accent1"/>
+            </a:fillRef>
+            <a:effectRef idx="2">
+              <a:schemeClr val="accent1"/>
+            </a:effectRef>
+            <a:fontRef idx="minor">
+              <a:schemeClr val="lt1"/>
+            </a:fontRef>
+          </p:style>
+        </p:sp>
+        <p:sp>
+          <p:nvSpPr>
+            <p:cNvPr id="33" name="Rectangle 29">
+              <a:extLst>
+                <a:ext uri="{FF2B5EF4-FFF2-40B4-BE49-F238E27FC236}">
+                  <a16:creationId xmlns:a16="http://schemas.microsoft.com/office/drawing/2014/main" id="{73EEEA64-7411-474B-BD0E-60C24B3F4E56}"/>
+                </a:ext>
+                <a:ext uri="{C183D7F6-B498-43B3-948B-1728B52AA6E4}">
+                  <adec:decorative xmlns:adec="http://schemas.microsoft.com/office/drawing/2017/decorative" val="1"/>
+                </a:ext>
+              </a:extLst>
+            </p:cNvPr>
+            <p:cNvSpPr/>
+            <p:nvPr>
+              <p:extLst>
+                <p:ext uri="{386F3935-93C4-4BCD-93E2-E3B085C9AB24}">
+                  <p16:designElem xmlns:p16="http://schemas.microsoft.com/office/powerpoint/2015/main" val="1"/>
+                </p:ext>
+              </p:extLst>
+            </p:nvPr>
+          </p:nvSpPr>
+          <p:spPr>
+            <a:xfrm>
+              <a:off x="10938999" y="-8467"/>
+              <a:ext cx="1249825" cy="6866467"/>
+            </a:xfrm>
+            <a:custGeom>
+              <a:avLst/>
+              <a:gdLst/>
+              <a:ahLst/>
+              <a:cxnLst/>
+              <a:rect l="l" t="t" r="r" b="b"/>
+              <a:pathLst>
+                <a:path w="1249825" h="6858000">
+                  <a:moveTo>
+                    <a:pt x="0" y="0"/>
+                  </a:moveTo>
+                  <a:lnTo>
+                    <a:pt x="1249825" y="0"/>
+                  </a:lnTo>
+                  <a:lnTo>
+                    <a:pt x="1249825" y="6858000"/>
+                  </a:lnTo>
+                  <a:lnTo>
+                    <a:pt x="1109382" y="6858000"/>
+                  </a:lnTo>
+                  <a:lnTo>
+                    <a:pt x="0" y="0"/>
+                  </a:lnTo>
+                  <a:close/>
+                </a:path>
+              </a:pathLst>
+            </a:custGeom>
+            <a:solidFill>
+              <a:schemeClr val="accent1">
+                <a:alpha val="65000"/>
+              </a:schemeClr>
+            </a:solidFill>
+            <a:ln>
+              <a:noFill/>
+            </a:ln>
+            <a:effectLst/>
+          </p:spPr>
+          <p:style>
+            <a:lnRef idx="1">
+              <a:schemeClr val="accent1"/>
+            </a:lnRef>
+            <a:fillRef idx="3">
+              <a:schemeClr val="accent1"/>
+            </a:fillRef>
+            <a:effectRef idx="2">
+              <a:schemeClr val="accent1"/>
+            </a:effectRef>
+            <a:fontRef idx="minor">
+              <a:schemeClr val="lt1"/>
+            </a:fontRef>
+          </p:style>
+        </p:sp>
+        <p:sp>
+          <p:nvSpPr>
+            <p:cNvPr id="34" name="Isosceles Triangle 33">
+              <a:extLst>
+                <a:ext uri="{FF2B5EF4-FFF2-40B4-BE49-F238E27FC236}">
+                  <a16:creationId xmlns:a16="http://schemas.microsoft.com/office/drawing/2014/main" id="{4F82A6DD-92BB-4443-B5A5-05240DD5580E}"/>
+                </a:ext>
+                <a:ext uri="{C183D7F6-B498-43B3-948B-1728B52AA6E4}">
+                  <adec:decorative xmlns:adec="http://schemas.microsoft.com/office/drawing/2017/decorative" val="1"/>
+                </a:ext>
+              </a:extLst>
+            </p:cNvPr>
+            <p:cNvSpPr/>
+            <p:nvPr>
+              <p:extLst>
+                <p:ext uri="{386F3935-93C4-4BCD-93E2-E3B085C9AB24}">
+                  <p16:designElem xmlns:p16="http://schemas.microsoft.com/office/powerpoint/2015/main" val="1"/>
+                </p:ext>
+              </p:extLst>
+            </p:nvPr>
+          </p:nvSpPr>
+          <p:spPr>
+            <a:xfrm>
+              <a:off x="10371666" y="3589867"/>
+              <a:ext cx="1817159" cy="3268133"/>
+            </a:xfrm>
+            <a:prstGeom prst="triangle">
+              <a:avLst>
+                <a:gd name="adj" fmla="val 100000"/>
+              </a:avLst>
+            </a:prstGeom>
+            <a:solidFill>
+              <a:schemeClr val="accent1">
+                <a:alpha val="80000"/>
+              </a:schemeClr>
+            </a:solidFill>
+            <a:ln>
+              <a:noFill/>
+            </a:ln>
+            <a:effectLst/>
+          </p:spPr>
+          <p:style>
+            <a:lnRef idx="1">
+              <a:schemeClr val="accent1"/>
+            </a:lnRef>
+            <a:fillRef idx="3">
+              <a:schemeClr val="accent1"/>
+            </a:fillRef>
+            <a:effectRef idx="2">
+              <a:schemeClr val="accent1"/>
+            </a:effectRef>
+            <a:fontRef idx="minor">
+              <a:schemeClr val="lt1"/>
+            </a:fontRef>
+          </p:style>
+        </p:sp>
+        <p:sp>
+          <p:nvSpPr>
+            <p:cNvPr id="35" name="Isosceles Triangle 34">
+              <a:extLst>
+                <a:ext uri="{FF2B5EF4-FFF2-40B4-BE49-F238E27FC236}">
+                  <a16:creationId xmlns:a16="http://schemas.microsoft.com/office/drawing/2014/main" id="{79832BCB-1DCF-46AC-9FFA-170791668D8C}"/>
+                </a:ext>
+                <a:ext uri="{C183D7F6-B498-43B3-948B-1728B52AA6E4}">
+                  <adec:decorative xmlns:adec="http://schemas.microsoft.com/office/drawing/2017/decorative" val="1"/>
+                </a:ext>
+              </a:extLst>
+            </p:cNvPr>
+            <p:cNvSpPr/>
+            <p:nvPr>
+              <p:extLst>
+                <p:ext uri="{386F3935-93C4-4BCD-93E2-E3B085C9AB24}">
+                  <p16:designElem xmlns:p16="http://schemas.microsoft.com/office/powerpoint/2015/main" val="1"/>
+                </p:ext>
+              </p:extLst>
+            </p:nvPr>
+          </p:nvSpPr>
+          <p:spPr>
+            <a:xfrm>
+              <a:off x="0" y="4013200"/>
+              <a:ext cx="448733" cy="2844800"/>
+            </a:xfrm>
+            <a:prstGeom prst="triangle">
+              <a:avLst>
+                <a:gd name="adj" fmla="val 0"/>
+              </a:avLst>
+            </a:prstGeom>
+            <a:solidFill>
+              <a:schemeClr val="accent1">
+                <a:alpha val="85000"/>
+              </a:schemeClr>
+            </a:solidFill>
+            <a:ln>
+              <a:noFill/>
+            </a:ln>
+            <a:effectLst/>
+          </p:spPr>
+          <p:style>
+            <a:lnRef idx="1">
+              <a:schemeClr val="accent1"/>
+            </a:lnRef>
+            <a:fillRef idx="3">
+              <a:schemeClr val="accent1"/>
+            </a:fillRef>
+            <a:effectRef idx="2">
+              <a:schemeClr val="accent1"/>
+            </a:effectRef>
+            <a:fontRef idx="minor">
+              <a:schemeClr val="lt1"/>
+            </a:fontRef>
+          </p:style>
+        </p:sp>
+      </p:grpSp>
+      <p:sp useBgFill="1">
+        <p:nvSpPr>
+          <p:cNvPr id="37" name="Rectangle 36">
+            <a:extLst>
+              <a:ext uri="{FF2B5EF4-FFF2-40B4-BE49-F238E27FC236}">
+                <a16:creationId xmlns:a16="http://schemas.microsoft.com/office/drawing/2014/main" id="{4E74DA95-CD7A-4D5E-9D27-67A759CE708D}"/>
+              </a:ext>
+              <a:ext uri="{C183D7F6-B498-43B3-948B-1728B52AA6E4}">
+                <adec:decorative xmlns:adec="http://schemas.microsoft.com/office/drawing/2017/decorative" val="1"/>
+              </a:ext>
+            </a:extLst>
+          </p:cNvPr>
+          <p:cNvSpPr>
+            <a:spLocks noGrp="1" noRot="1" noChangeAspect="1" noMove="1" noResize="1" noEditPoints="1" noAdjustHandles="1" noChangeArrowheads="1" noChangeShapeType="1" noTextEdit="1"/>
+          </p:cNvSpPr>
+          <p:nvPr>
+            <p:extLst>
+              <p:ext uri="{386F3935-93C4-4BCD-93E2-E3B085C9AB24}">
+                <p16:designElem xmlns:p16="http://schemas.microsoft.com/office/powerpoint/2015/main" val="1"/>
+              </p:ext>
+            </p:extLst>
+          </p:nvPr>
+        </p:nvSpPr>
+        <p:spPr>
+          <a:xfrm>
+            <a:off x="477012" y="480060"/>
+            <a:ext cx="11237976" cy="5897880"/>
+          </a:xfrm>
+          <a:prstGeom prst="rect">
+            <a:avLst/>
+          </a:prstGeom>
+          <a:ln w="22225">
+            <a:solidFill>
+              <a:srgbClr val="FFFFFF"/>
+            </a:solidFill>
+          </a:ln>
+        </p:spPr>
+        <p:style>
+          <a:lnRef idx="2">
+            <a:schemeClr val="accent1">
+              <a:shade val="50000"/>
+            </a:schemeClr>
+          </a:lnRef>
+          <a:fillRef idx="1">
+            <a:schemeClr val="accent1"/>
+          </a:fillRef>
+          <a:effectRef idx="0">
+            <a:schemeClr val="accent1"/>
+          </a:effectRef>
+          <a:fontRef idx="minor">
+            <a:schemeClr val="lt1"/>
+          </a:fontRef>
+        </p:style>
+        <p:txBody>
+          <a:bodyPr rtlCol="0" anchor="ctr"/>
+          <a:lstStyle/>
+          <a:p>
+            <a:pPr algn="ctr"/>
+            <a:endParaRPr lang="en-US"/>
+          </a:p>
+        </p:txBody>
+      </p:sp>
+      <p:pic>
+        <p:nvPicPr>
+          <p:cNvPr id="5" name="Picture 4" descr="Chart, diagram&#10;&#10;Description automatically generated">
+            <a:extLst>
+              <a:ext uri="{FF2B5EF4-FFF2-40B4-BE49-F238E27FC236}">
+                <a16:creationId xmlns:a16="http://schemas.microsoft.com/office/drawing/2014/main" id="{B11B2CF6-FA48-A7E3-C794-E035C7E617B9}"/>
+              </a:ext>
+            </a:extLst>
+          </p:cNvPr>
+          <p:cNvPicPr>
+            <a:picLocks noChangeAspect="1"/>
+          </p:cNvPicPr>
+          <p:nvPr/>
+        </p:nvPicPr>
+        <p:blipFill>
+          <a:blip r:embed="rId2">
+            <a:extLst>
+              <a:ext uri="{28A0092B-C50C-407E-A947-70E740481C1C}">
+                <a14:useLocalDpi xmlns:a14="http://schemas.microsoft.com/office/drawing/2010/main" val="0"/>
+              </a:ext>
+            </a:extLst>
+          </a:blip>
+          <a:stretch>
+            <a:fillRect/>
+          </a:stretch>
+        </p:blipFill>
+        <p:spPr>
+          <a:xfrm>
+            <a:off x="4750550" y="1216690"/>
+            <a:ext cx="6645336" cy="4299923"/>
+          </a:xfrm>
+          <a:prstGeom prst="rect">
+            <a:avLst/>
+          </a:prstGeom>
+        </p:spPr>
+      </p:pic>
+      <p:pic>
+        <p:nvPicPr>
+          <p:cNvPr id="7" name="Picture 6" descr="A window with snow outside&#10;&#10;Description automatically generated with low confidence">
+            <a:extLst>
+              <a:ext uri="{FF2B5EF4-FFF2-40B4-BE49-F238E27FC236}">
+                <a16:creationId xmlns:a16="http://schemas.microsoft.com/office/drawing/2014/main" id="{27488146-99C4-6107-5303-9ED9AE839345}"/>
+              </a:ext>
+            </a:extLst>
+          </p:cNvPr>
+          <p:cNvPicPr>
+            <a:picLocks noChangeAspect="1"/>
+          </p:cNvPicPr>
+          <p:nvPr/>
+        </p:nvPicPr>
+        <p:blipFill>
+          <a:blip r:embed="rId3">
+            <a:extLst>
+              <a:ext uri="{28A0092B-C50C-407E-A947-70E740481C1C}">
+                <a14:useLocalDpi xmlns:a14="http://schemas.microsoft.com/office/drawing/2010/main" val="0"/>
+              </a:ext>
+            </a:extLst>
+          </a:blip>
+          <a:stretch>
+            <a:fillRect/>
+          </a:stretch>
+        </p:blipFill>
+        <p:spPr>
+          <a:xfrm>
+            <a:off x="626707" y="1438393"/>
+            <a:ext cx="5628178" cy="3644245"/>
+          </a:xfrm>
+          <a:prstGeom prst="rect">
+            <a:avLst/>
+          </a:prstGeom>
+        </p:spPr>
+      </p:pic>
+      <p:cxnSp>
+        <p:nvCxnSpPr>
+          <p:cNvPr id="39" name="Straight Connector 38">
+            <a:extLst>
+              <a:ext uri="{FF2B5EF4-FFF2-40B4-BE49-F238E27FC236}">
+                <a16:creationId xmlns:a16="http://schemas.microsoft.com/office/drawing/2014/main" id="{14AA3B5C-0C55-4FFF-9C45-8F9F7C074A4E}"/>
+              </a:ext>
+              <a:ext uri="{C183D7F6-B498-43B3-948B-1728B52AA6E4}">
+                <adec:decorative xmlns:adec="http://schemas.microsoft.com/office/drawing/2017/decorative" val="1"/>
+              </a:ext>
+            </a:extLst>
+          </p:cNvPr>
+          <p:cNvCxnSpPr>
+            <a:cxnSpLocks noGrp="1" noRot="1" noChangeAspect="1" noMove="1" noResize="1" noEditPoints="1" noAdjustHandles="1" noChangeArrowheads="1" noChangeShapeType="1"/>
+          </p:cNvCxnSpPr>
+          <p:nvPr>
+            <p:extLst>
+              <p:ext uri="{386F3935-93C4-4BCD-93E2-E3B085C9AB24}">
+                <p16:designElem xmlns:p16="http://schemas.microsoft.com/office/powerpoint/2015/main" val="1"/>
+              </p:ext>
+            </p:extLst>
+          </p:nvPr>
+        </p:nvCxnSpPr>
+        <p:spPr>
+          <a:xfrm>
+            <a:off x="6081305" y="1650669"/>
+            <a:ext cx="0" cy="3431969"/>
+          </a:xfrm>
+          <a:prstGeom prst="line">
+            <a:avLst/>
+          </a:prstGeom>
+        </p:spPr>
+        <p:style>
+          <a:lnRef idx="1">
+            <a:schemeClr val="accent1"/>
+          </a:lnRef>
+          <a:fillRef idx="0">
+            <a:schemeClr val="accent1"/>
+          </a:fillRef>
+          <a:effectRef idx="0">
+            <a:schemeClr val="accent1"/>
+          </a:effectRef>
+          <a:fontRef idx="minor">
+            <a:schemeClr val="tx1"/>
+          </a:fontRef>
+        </p:style>
+      </p:cxnSp>
+    </p:spTree>
+    <p:extLst>
+      <p:ext uri="{BB962C8B-B14F-4D97-AF65-F5344CB8AC3E}">
+        <p14:creationId xmlns:p14="http://schemas.microsoft.com/office/powerpoint/2010/main" val="3614495963"/>
       </p:ext>
     </p:extLst>
   </p:cSld>

--- a/Documentation/Presentation.pptx
+++ b/Documentation/Presentation.pptx
@@ -6656,8 +6656,8 @@
         </p:nvSpPr>
         <p:spPr>
           <a:xfrm>
-            <a:off x="677334" y="609600"/>
-            <a:ext cx="4667839" cy="992957"/>
+            <a:off x="1191952" y="755261"/>
+            <a:ext cx="4016894" cy="992957"/>
           </a:xfrm>
         </p:spPr>
         <p:txBody>
@@ -6690,7 +6690,7 @@
         </p:nvSpPr>
         <p:spPr>
           <a:xfrm>
-            <a:off x="5345173" y="1469010"/>
+            <a:off x="6256044" y="1748218"/>
             <a:ext cx="3602435" cy="992957"/>
           </a:xfrm>
           <a:prstGeom prst="rect">
@@ -6798,7 +6798,7 @@
         </p:nvSpPr>
         <p:spPr>
           <a:xfrm>
-            <a:off x="982134" y="2932521"/>
+            <a:off x="1457800" y="3177288"/>
             <a:ext cx="4504266" cy="992957"/>
           </a:xfrm>
           <a:prstGeom prst="rect">
@@ -6892,106 +6892,47 @@
       </p:sp>
       <p:sp>
         <p:nvSpPr>
-          <p:cNvPr id="6" name="Title 1">
+          <p:cNvPr id="9" name="TextBox 8">
             <a:extLst>
               <a:ext uri="{FF2B5EF4-FFF2-40B4-BE49-F238E27FC236}">
-                <a16:creationId xmlns:a16="http://schemas.microsoft.com/office/drawing/2014/main" id="{6EA15E3E-1285-F588-5982-79690C839334}"/>
+                <a16:creationId xmlns:a16="http://schemas.microsoft.com/office/drawing/2014/main" id="{B2A2D46F-30A6-71E7-71B5-23C6EEF9647C}"/>
               </a:ext>
             </a:extLst>
           </p:cNvPr>
-          <p:cNvSpPr txBox="1">
-            <a:spLocks/>
-          </p:cNvSpPr>
+          <p:cNvSpPr txBox="1"/>
           <p:nvPr/>
         </p:nvSpPr>
         <p:spPr>
           <a:xfrm>
-            <a:off x="4254310" y="4727580"/>
-            <a:ext cx="5274701" cy="2210587"/>
+            <a:off x="4713102" y="4969080"/>
+            <a:ext cx="6103854" cy="784830"/>
           </a:xfrm>
           <a:prstGeom prst="rect">
             <a:avLst/>
           </a:prstGeom>
+          <a:noFill/>
         </p:spPr>
         <p:txBody>
-          <a:bodyPr vert="horz" lIns="91440" tIns="45720" rIns="91440" bIns="45720" rtlCol="0" anchor="t">
-            <a:noAutofit/>
+          <a:bodyPr wrap="square">
+            <a:spAutoFit/>
           </a:bodyPr>
-          <a:lstStyle>
-            <a:lvl1pPr algn="l" defTabSz="457200" rtl="0" eaLnBrk="1" latinLnBrk="0" hangingPunct="1">
-              <a:spcBef>
-                <a:spcPct val="0"/>
-              </a:spcBef>
-              <a:buNone/>
-              <a:defRPr sz="3600" kern="1200">
+          <a:lstStyle/>
+          <a:p>
+            <a:r>
+              <a:rPr kumimoji="0" lang="en-US" sz="4500" b="0" i="0" u="none" strike="noStrike" kern="1200" cap="none" spc="0" normalizeH="0" baseline="0" noProof="0" dirty="0">
+                <a:ln>
+                  <a:noFill/>
+                </a:ln>
                 <a:solidFill>
-                  <a:schemeClr val="accent1"/>
+                  <a:srgbClr val="90C226"/>
                 </a:solidFill>
-                <a:latin typeface="+mj-lt"/>
+                <a:effectLst/>
+                <a:uLnTx/>
+                <a:uFillTx/>
+                <a:latin typeface="Trebuchet MS" panose="020B0603020202020204"/>
                 <a:ea typeface="+mj-ea"/>
                 <a:cs typeface="+mj-cs"/>
-              </a:defRPr>
-            </a:lvl1pPr>
-            <a:lvl2pPr eaLnBrk="1" hangingPunct="1">
-              <a:defRPr>
-                <a:solidFill>
-                  <a:schemeClr val="tx2"/>
-                </a:solidFill>
-              </a:defRPr>
-            </a:lvl2pPr>
-            <a:lvl3pPr eaLnBrk="1" hangingPunct="1">
-              <a:defRPr>
-                <a:solidFill>
-                  <a:schemeClr val="tx2"/>
-                </a:solidFill>
-              </a:defRPr>
-            </a:lvl3pPr>
-            <a:lvl4pPr eaLnBrk="1" hangingPunct="1">
-              <a:defRPr>
-                <a:solidFill>
-                  <a:schemeClr val="tx2"/>
-                </a:solidFill>
-              </a:defRPr>
-            </a:lvl4pPr>
-            <a:lvl5pPr eaLnBrk="1" hangingPunct="1">
-              <a:defRPr>
-                <a:solidFill>
-                  <a:schemeClr val="tx2"/>
-                </a:solidFill>
-              </a:defRPr>
-            </a:lvl5pPr>
-            <a:lvl6pPr eaLnBrk="1" hangingPunct="1">
-              <a:defRPr>
-                <a:solidFill>
-                  <a:schemeClr val="tx2"/>
-                </a:solidFill>
-              </a:defRPr>
-            </a:lvl6pPr>
-            <a:lvl7pPr eaLnBrk="1" hangingPunct="1">
-              <a:defRPr>
-                <a:solidFill>
-                  <a:schemeClr val="tx2"/>
-                </a:solidFill>
-              </a:defRPr>
-            </a:lvl7pPr>
-            <a:lvl8pPr eaLnBrk="1" hangingPunct="1">
-              <a:defRPr>
-                <a:solidFill>
-                  <a:schemeClr val="tx2"/>
-                </a:solidFill>
-              </a:defRPr>
-            </a:lvl8pPr>
-            <a:lvl9pPr eaLnBrk="1" hangingPunct="1">
-              <a:defRPr>
-                <a:solidFill>
-                  <a:schemeClr val="tx2"/>
-                </a:solidFill>
-              </a:defRPr>
-            </a:lvl9pPr>
-          </a:lstStyle>
-          <a:p>
-            <a:r>
-              <a:rPr lang="en-US" sz="4500" dirty="0"/>
+              </a:rPr>
               <a:t>Low consumption</a:t>
             </a:r>
             <a:endParaRPr lang="hu-HU" sz="4500" dirty="0"/>

--- a/Documentation/Presentation.pptx
+++ b/Documentation/Presentation.pptx
@@ -5,7 +5,7 @@
     <p:sldMasterId id="2147483660" r:id="rId1"/>
   </p:sldMasterIdLst>
   <p:notesMasterIdLst>
-    <p:notesMasterId r:id="rId14"/>
+    <p:notesMasterId r:id="rId13"/>
   </p:notesMasterIdLst>
   <p:sldIdLst>
     <p:sldId id="256" r:id="rId2"/>
@@ -19,7 +19,6 @@
     <p:sldId id="269" r:id="rId10"/>
     <p:sldId id="270" r:id="rId11"/>
     <p:sldId id="271" r:id="rId12"/>
-    <p:sldId id="265" r:id="rId13"/>
   </p:sldIdLst>
   <p:sldSz cx="12192000" cy="6858000"/>
   <p:notesSz cx="6858000" cy="9144000"/>
@@ -6621,337 +6620,6 @@
 </p:sld>
 </file>
 
-<file path=ppt/slides/slide12.xml><?xml version="1.0" encoding="utf-8"?>
-<p:sld xmlns:a="http://schemas.openxmlformats.org/drawingml/2006/main" xmlns:r="http://schemas.openxmlformats.org/officeDocument/2006/relationships" xmlns:p="http://schemas.openxmlformats.org/presentationml/2006/main">
-  <p:cSld>
-    <p:spTree>
-      <p:nvGrpSpPr>
-        <p:cNvPr id="1" name=""/>
-        <p:cNvGrpSpPr/>
-        <p:nvPr/>
-      </p:nvGrpSpPr>
-      <p:grpSpPr>
-        <a:xfrm>
-          <a:off x="0" y="0"/>
-          <a:ext cx="0" cy="0"/>
-          <a:chOff x="0" y="0"/>
-          <a:chExt cx="0" cy="0"/>
-        </a:xfrm>
-      </p:grpSpPr>
-      <p:sp>
-        <p:nvSpPr>
-          <p:cNvPr id="2" name="Title 1">
-            <a:extLst>
-              <a:ext uri="{FF2B5EF4-FFF2-40B4-BE49-F238E27FC236}">
-                <a16:creationId xmlns:a16="http://schemas.microsoft.com/office/drawing/2014/main" id="{A0705D0A-A58D-CF75-85E6-2D39DE3A5E23}"/>
-              </a:ext>
-            </a:extLst>
-          </p:cNvPr>
-          <p:cNvSpPr>
-            <a:spLocks noGrp="1"/>
-          </p:cNvSpPr>
-          <p:nvPr>
-            <p:ph type="title"/>
-          </p:nvPr>
-        </p:nvSpPr>
-        <p:spPr>
-          <a:xfrm>
-            <a:off x="1191952" y="755261"/>
-            <a:ext cx="4016894" cy="992957"/>
-          </a:xfrm>
-        </p:spPr>
-        <p:txBody>
-          <a:bodyPr>
-            <a:noAutofit/>
-          </a:bodyPr>
-          <a:lstStyle/>
-          <a:p>
-            <a:r>
-              <a:rPr lang="en-US" sz="4500" dirty="0"/>
-              <a:t>Easy to install</a:t>
-            </a:r>
-            <a:endParaRPr lang="hu-HU" sz="4500" dirty="0"/>
-          </a:p>
-        </p:txBody>
-      </p:sp>
-      <p:sp>
-        <p:nvSpPr>
-          <p:cNvPr id="4" name="Title 1">
-            <a:extLst>
-              <a:ext uri="{FF2B5EF4-FFF2-40B4-BE49-F238E27FC236}">
-                <a16:creationId xmlns:a16="http://schemas.microsoft.com/office/drawing/2014/main" id="{1259AA44-F20C-A378-6639-3AB286B65A85}"/>
-              </a:ext>
-            </a:extLst>
-          </p:cNvPr>
-          <p:cNvSpPr txBox="1">
-            <a:spLocks/>
-          </p:cNvSpPr>
-          <p:nvPr/>
-        </p:nvSpPr>
-        <p:spPr>
-          <a:xfrm>
-            <a:off x="6256044" y="1748218"/>
-            <a:ext cx="3602435" cy="992957"/>
-          </a:xfrm>
-          <a:prstGeom prst="rect">
-            <a:avLst/>
-          </a:prstGeom>
-        </p:spPr>
-        <p:txBody>
-          <a:bodyPr vert="horz" lIns="91440" tIns="45720" rIns="91440" bIns="45720" rtlCol="0" anchor="t">
-            <a:normAutofit/>
-          </a:bodyPr>
-          <a:lstStyle>
-            <a:lvl1pPr algn="l" defTabSz="457200" rtl="0" eaLnBrk="1" latinLnBrk="0" hangingPunct="1">
-              <a:spcBef>
-                <a:spcPct val="0"/>
-              </a:spcBef>
-              <a:buNone/>
-              <a:defRPr sz="3600" kern="1200">
-                <a:solidFill>
-                  <a:schemeClr val="accent1"/>
-                </a:solidFill>
-                <a:latin typeface="+mj-lt"/>
-                <a:ea typeface="+mj-ea"/>
-                <a:cs typeface="+mj-cs"/>
-              </a:defRPr>
-            </a:lvl1pPr>
-            <a:lvl2pPr eaLnBrk="1" hangingPunct="1">
-              <a:defRPr>
-                <a:solidFill>
-                  <a:schemeClr val="tx2"/>
-                </a:solidFill>
-              </a:defRPr>
-            </a:lvl2pPr>
-            <a:lvl3pPr eaLnBrk="1" hangingPunct="1">
-              <a:defRPr>
-                <a:solidFill>
-                  <a:schemeClr val="tx2"/>
-                </a:solidFill>
-              </a:defRPr>
-            </a:lvl3pPr>
-            <a:lvl4pPr eaLnBrk="1" hangingPunct="1">
-              <a:defRPr>
-                <a:solidFill>
-                  <a:schemeClr val="tx2"/>
-                </a:solidFill>
-              </a:defRPr>
-            </a:lvl4pPr>
-            <a:lvl5pPr eaLnBrk="1" hangingPunct="1">
-              <a:defRPr>
-                <a:solidFill>
-                  <a:schemeClr val="tx2"/>
-                </a:solidFill>
-              </a:defRPr>
-            </a:lvl5pPr>
-            <a:lvl6pPr eaLnBrk="1" hangingPunct="1">
-              <a:defRPr>
-                <a:solidFill>
-                  <a:schemeClr val="tx2"/>
-                </a:solidFill>
-              </a:defRPr>
-            </a:lvl6pPr>
-            <a:lvl7pPr eaLnBrk="1" hangingPunct="1">
-              <a:defRPr>
-                <a:solidFill>
-                  <a:schemeClr val="tx2"/>
-                </a:solidFill>
-              </a:defRPr>
-            </a:lvl7pPr>
-            <a:lvl8pPr eaLnBrk="1" hangingPunct="1">
-              <a:defRPr>
-                <a:solidFill>
-                  <a:schemeClr val="tx2"/>
-                </a:solidFill>
-              </a:defRPr>
-            </a:lvl8pPr>
-            <a:lvl9pPr eaLnBrk="1" hangingPunct="1">
-              <a:defRPr>
-                <a:solidFill>
-                  <a:schemeClr val="tx2"/>
-                </a:solidFill>
-              </a:defRPr>
-            </a:lvl9pPr>
-          </a:lstStyle>
-          <a:p>
-            <a:r>
-              <a:rPr lang="en-US" sz="4500" dirty="0"/>
-              <a:t>Scalable</a:t>
-            </a:r>
-            <a:endParaRPr lang="hu-HU" sz="4500" dirty="0"/>
-          </a:p>
-        </p:txBody>
-      </p:sp>
-      <p:sp>
-        <p:nvSpPr>
-          <p:cNvPr id="5" name="Title 1">
-            <a:extLst>
-              <a:ext uri="{FF2B5EF4-FFF2-40B4-BE49-F238E27FC236}">
-                <a16:creationId xmlns:a16="http://schemas.microsoft.com/office/drawing/2014/main" id="{9D94D656-A5D5-5C1F-190F-41D0BFD06445}"/>
-              </a:ext>
-            </a:extLst>
-          </p:cNvPr>
-          <p:cNvSpPr txBox="1">
-            <a:spLocks/>
-          </p:cNvSpPr>
-          <p:nvPr/>
-        </p:nvSpPr>
-        <p:spPr>
-          <a:xfrm>
-            <a:off x="1457800" y="3177288"/>
-            <a:ext cx="4504266" cy="992957"/>
-          </a:xfrm>
-          <a:prstGeom prst="rect">
-            <a:avLst/>
-          </a:prstGeom>
-        </p:spPr>
-        <p:txBody>
-          <a:bodyPr vert="horz" lIns="91440" tIns="45720" rIns="91440" bIns="45720" rtlCol="0" anchor="t">
-            <a:noAutofit/>
-          </a:bodyPr>
-          <a:lstStyle>
-            <a:lvl1pPr algn="l" defTabSz="457200" rtl="0" eaLnBrk="1" latinLnBrk="0" hangingPunct="1">
-              <a:spcBef>
-                <a:spcPct val="0"/>
-              </a:spcBef>
-              <a:buNone/>
-              <a:defRPr sz="3600" kern="1200">
-                <a:solidFill>
-                  <a:schemeClr val="accent1"/>
-                </a:solidFill>
-                <a:latin typeface="+mj-lt"/>
-                <a:ea typeface="+mj-ea"/>
-                <a:cs typeface="+mj-cs"/>
-              </a:defRPr>
-            </a:lvl1pPr>
-            <a:lvl2pPr eaLnBrk="1" hangingPunct="1">
-              <a:defRPr>
-                <a:solidFill>
-                  <a:schemeClr val="tx2"/>
-                </a:solidFill>
-              </a:defRPr>
-            </a:lvl2pPr>
-            <a:lvl3pPr eaLnBrk="1" hangingPunct="1">
-              <a:defRPr>
-                <a:solidFill>
-                  <a:schemeClr val="tx2"/>
-                </a:solidFill>
-              </a:defRPr>
-            </a:lvl3pPr>
-            <a:lvl4pPr eaLnBrk="1" hangingPunct="1">
-              <a:defRPr>
-                <a:solidFill>
-                  <a:schemeClr val="tx2"/>
-                </a:solidFill>
-              </a:defRPr>
-            </a:lvl4pPr>
-            <a:lvl5pPr eaLnBrk="1" hangingPunct="1">
-              <a:defRPr>
-                <a:solidFill>
-                  <a:schemeClr val="tx2"/>
-                </a:solidFill>
-              </a:defRPr>
-            </a:lvl5pPr>
-            <a:lvl6pPr eaLnBrk="1" hangingPunct="1">
-              <a:defRPr>
-                <a:solidFill>
-                  <a:schemeClr val="tx2"/>
-                </a:solidFill>
-              </a:defRPr>
-            </a:lvl6pPr>
-            <a:lvl7pPr eaLnBrk="1" hangingPunct="1">
-              <a:defRPr>
-                <a:solidFill>
-                  <a:schemeClr val="tx2"/>
-                </a:solidFill>
-              </a:defRPr>
-            </a:lvl7pPr>
-            <a:lvl8pPr eaLnBrk="1" hangingPunct="1">
-              <a:defRPr>
-                <a:solidFill>
-                  <a:schemeClr val="tx2"/>
-                </a:solidFill>
-              </a:defRPr>
-            </a:lvl8pPr>
-            <a:lvl9pPr eaLnBrk="1" hangingPunct="1">
-              <a:defRPr>
-                <a:solidFill>
-                  <a:schemeClr val="tx2"/>
-                </a:solidFill>
-              </a:defRPr>
-            </a:lvl9pPr>
-          </a:lstStyle>
-          <a:p>
-            <a:r>
-              <a:rPr lang="en-US" sz="4500" dirty="0"/>
-              <a:t>Multi-purpose</a:t>
-            </a:r>
-            <a:endParaRPr lang="hu-HU" sz="4500" dirty="0"/>
-          </a:p>
-        </p:txBody>
-      </p:sp>
-      <p:sp>
-        <p:nvSpPr>
-          <p:cNvPr id="9" name="TextBox 8">
-            <a:extLst>
-              <a:ext uri="{FF2B5EF4-FFF2-40B4-BE49-F238E27FC236}">
-                <a16:creationId xmlns:a16="http://schemas.microsoft.com/office/drawing/2014/main" id="{B2A2D46F-30A6-71E7-71B5-23C6EEF9647C}"/>
-              </a:ext>
-            </a:extLst>
-          </p:cNvPr>
-          <p:cNvSpPr txBox="1"/>
-          <p:nvPr/>
-        </p:nvSpPr>
-        <p:spPr>
-          <a:xfrm>
-            <a:off x="4713102" y="4969080"/>
-            <a:ext cx="6103854" cy="784830"/>
-          </a:xfrm>
-          <a:prstGeom prst="rect">
-            <a:avLst/>
-          </a:prstGeom>
-          <a:noFill/>
-        </p:spPr>
-        <p:txBody>
-          <a:bodyPr wrap="square">
-            <a:spAutoFit/>
-          </a:bodyPr>
-          <a:lstStyle/>
-          <a:p>
-            <a:r>
-              <a:rPr kumimoji="0" lang="en-US" sz="4500" b="0" i="0" u="none" strike="noStrike" kern="1200" cap="none" spc="0" normalizeH="0" baseline="0" noProof="0" dirty="0">
-                <a:ln>
-                  <a:noFill/>
-                </a:ln>
-                <a:solidFill>
-                  <a:srgbClr val="90C226"/>
-                </a:solidFill>
-                <a:effectLst/>
-                <a:uLnTx/>
-                <a:uFillTx/>
-                <a:latin typeface="Trebuchet MS" panose="020B0603020202020204"/>
-                <a:ea typeface="+mj-ea"/>
-                <a:cs typeface="+mj-cs"/>
-              </a:rPr>
-              <a:t>Low consumption</a:t>
-            </a:r>
-            <a:endParaRPr lang="hu-HU" sz="4500" dirty="0"/>
-          </a:p>
-        </p:txBody>
-      </p:sp>
-    </p:spTree>
-    <p:extLst>
-      <p:ext uri="{BB962C8B-B14F-4D97-AF65-F5344CB8AC3E}">
-        <p14:creationId xmlns:p14="http://schemas.microsoft.com/office/powerpoint/2010/main" val="2200446706"/>
-      </p:ext>
-    </p:extLst>
-  </p:cSld>
-  <p:clrMapOvr>
-    <a:masterClrMapping/>
-  </p:clrMapOvr>
-</p:sld>
-</file>
-
 <file path=ppt/slides/slide2.xml><?xml version="1.0" encoding="utf-8"?>
 <p:sld xmlns:a="http://schemas.openxmlformats.org/drawingml/2006/main" xmlns:r="http://schemas.openxmlformats.org/officeDocument/2006/relationships" xmlns:p="http://schemas.openxmlformats.org/presentationml/2006/main">
   <p:cSld>
@@ -10500,7 +10168,7 @@
             <a:pPr lvl="1"/>
             <a:r>
               <a:rPr lang="en-US" dirty="0"/>
-              <a:t>PCB + assembly cost for one pair of devices: 57 USD</a:t>
+              <a:t>PCB + assembly cost for one pair of devices: 57 EUR</a:t>
             </a:r>
           </a:p>
           <a:p>
